--- a/Week04.pptx
+++ b/Week04.pptx
@@ -5,7 +5,7 @@
     <p:sldMasterId id="2147483660" r:id="rId1"/>
   </p:sldMasterIdLst>
   <p:notesMasterIdLst>
-    <p:notesMasterId r:id="rId25"/>
+    <p:notesMasterId r:id="rId26"/>
   </p:notesMasterIdLst>
   <p:sldIdLst>
     <p:sldId id="256" r:id="rId2"/>
@@ -18,19 +18,20 @@
     <p:sldId id="288" r:id="rId9"/>
     <p:sldId id="290" r:id="rId10"/>
     <p:sldId id="283" r:id="rId11"/>
-    <p:sldId id="291" r:id="rId12"/>
-    <p:sldId id="262" r:id="rId13"/>
-    <p:sldId id="294" r:id="rId14"/>
-    <p:sldId id="292" r:id="rId15"/>
-    <p:sldId id="295" r:id="rId16"/>
-    <p:sldId id="293" r:id="rId17"/>
-    <p:sldId id="298" r:id="rId18"/>
-    <p:sldId id="299" r:id="rId19"/>
-    <p:sldId id="296" r:id="rId20"/>
-    <p:sldId id="297" r:id="rId21"/>
-    <p:sldId id="300" r:id="rId22"/>
-    <p:sldId id="301" r:id="rId23"/>
-    <p:sldId id="302" r:id="rId24"/>
+    <p:sldId id="303" r:id="rId12"/>
+    <p:sldId id="291" r:id="rId13"/>
+    <p:sldId id="262" r:id="rId14"/>
+    <p:sldId id="294" r:id="rId15"/>
+    <p:sldId id="292" r:id="rId16"/>
+    <p:sldId id="295" r:id="rId17"/>
+    <p:sldId id="293" r:id="rId18"/>
+    <p:sldId id="298" r:id="rId19"/>
+    <p:sldId id="299" r:id="rId20"/>
+    <p:sldId id="296" r:id="rId21"/>
+    <p:sldId id="297" r:id="rId22"/>
+    <p:sldId id="300" r:id="rId23"/>
+    <p:sldId id="301" r:id="rId24"/>
+    <p:sldId id="302" r:id="rId25"/>
   </p:sldIdLst>
   <p:sldSz cx="9144000" cy="6858000" type="screen4x3"/>
   <p:notesSz cx="6797675" cy="9929813"/>
@@ -227,7 +228,7 @@
           <a:p>
             <a:fld id="{65694B03-ACCE-4F3B-8CA1-4A1F2158852F}" type="datetimeFigureOut">
               <a:rPr lang="ko-KR" altLang="en-US" smtClean="0"/>
-              <a:t>2019. 3. 20.</a:t>
+              <a:t>2019-03-21</a:t>
             </a:fld>
             <a:endParaRPr lang="ko-KR" altLang="en-US"/>
           </a:p>
@@ -625,7 +626,7 @@
           <a:p>
             <a:fld id="{DC40DB95-99D2-4A51-95E2-C065FB3047F2}" type="datetimeFigureOut">
               <a:rPr lang="ko-KR" altLang="en-US" smtClean="0"/>
-              <a:t>2019. 3. 20.</a:t>
+              <a:t>2019-03-21</a:t>
             </a:fld>
             <a:endParaRPr lang="ko-KR" altLang="en-US"/>
           </a:p>
@@ -795,7 +796,7 @@
           <a:p>
             <a:fld id="{DC40DB95-99D2-4A51-95E2-C065FB3047F2}" type="datetimeFigureOut">
               <a:rPr lang="ko-KR" altLang="en-US" smtClean="0"/>
-              <a:t>2019. 3. 20.</a:t>
+              <a:t>2019-03-21</a:t>
             </a:fld>
             <a:endParaRPr lang="ko-KR" altLang="en-US"/>
           </a:p>
@@ -975,7 +976,7 @@
           <a:p>
             <a:fld id="{DC40DB95-99D2-4A51-95E2-C065FB3047F2}" type="datetimeFigureOut">
               <a:rPr lang="ko-KR" altLang="en-US" smtClean="0"/>
-              <a:t>2019. 3. 20.</a:t>
+              <a:t>2019-03-21</a:t>
             </a:fld>
             <a:endParaRPr lang="ko-KR" altLang="en-US"/>
           </a:p>
@@ -1183,7 +1184,7 @@
           <a:p>
             <a:fld id="{DC40DB95-99D2-4A51-95E2-C065FB3047F2}" type="datetimeFigureOut">
               <a:rPr lang="ko-KR" altLang="en-US" smtClean="0"/>
-              <a:t>2019. 3. 20.</a:t>
+              <a:t>2019-03-21</a:t>
             </a:fld>
             <a:endParaRPr lang="ko-KR" altLang="en-US"/>
           </a:p>
@@ -1427,7 +1428,7 @@
           <a:p>
             <a:fld id="{DC40DB95-99D2-4A51-95E2-C065FB3047F2}" type="datetimeFigureOut">
               <a:rPr lang="ko-KR" altLang="en-US" smtClean="0"/>
-              <a:t>2019. 3. 20.</a:t>
+              <a:t>2019-03-21</a:t>
             </a:fld>
             <a:endParaRPr lang="ko-KR" altLang="en-US"/>
           </a:p>
@@ -1659,7 +1660,7 @@
           <a:p>
             <a:fld id="{DC40DB95-99D2-4A51-95E2-C065FB3047F2}" type="datetimeFigureOut">
               <a:rPr lang="ko-KR" altLang="en-US" smtClean="0"/>
-              <a:t>2019. 3. 20.</a:t>
+              <a:t>2019-03-21</a:t>
             </a:fld>
             <a:endParaRPr lang="ko-KR" altLang="en-US"/>
           </a:p>
@@ -2026,7 +2027,7 @@
           <a:p>
             <a:fld id="{DC40DB95-99D2-4A51-95E2-C065FB3047F2}" type="datetimeFigureOut">
               <a:rPr lang="ko-KR" altLang="en-US" smtClean="0"/>
-              <a:t>2019. 3. 20.</a:t>
+              <a:t>2019-03-21</a:t>
             </a:fld>
             <a:endParaRPr lang="ko-KR" altLang="en-US"/>
           </a:p>
@@ -2144,7 +2145,7 @@
           <a:p>
             <a:fld id="{DC40DB95-99D2-4A51-95E2-C065FB3047F2}" type="datetimeFigureOut">
               <a:rPr lang="ko-KR" altLang="en-US" smtClean="0"/>
-              <a:t>2019. 3. 20.</a:t>
+              <a:t>2019-03-21</a:t>
             </a:fld>
             <a:endParaRPr lang="ko-KR" altLang="en-US"/>
           </a:p>
@@ -2239,7 +2240,7 @@
           <a:p>
             <a:fld id="{DC40DB95-99D2-4A51-95E2-C065FB3047F2}" type="datetimeFigureOut">
               <a:rPr lang="ko-KR" altLang="en-US" smtClean="0"/>
-              <a:t>2019. 3. 20.</a:t>
+              <a:t>2019-03-21</a:t>
             </a:fld>
             <a:endParaRPr lang="ko-KR" altLang="en-US"/>
           </a:p>
@@ -2516,7 +2517,7 @@
           <a:p>
             <a:fld id="{DC40DB95-99D2-4A51-95E2-C065FB3047F2}" type="datetimeFigureOut">
               <a:rPr lang="ko-KR" altLang="en-US" smtClean="0"/>
-              <a:t>2019. 3. 20.</a:t>
+              <a:t>2019-03-21</a:t>
             </a:fld>
             <a:endParaRPr lang="ko-KR" altLang="en-US"/>
           </a:p>
@@ -2773,7 +2774,7 @@
           <a:p>
             <a:fld id="{DC40DB95-99D2-4A51-95E2-C065FB3047F2}" type="datetimeFigureOut">
               <a:rPr lang="ko-KR" altLang="en-US" smtClean="0"/>
-              <a:t>2019. 3. 20.</a:t>
+              <a:t>2019-03-21</a:t>
             </a:fld>
             <a:endParaRPr lang="ko-KR" altLang="en-US"/>
           </a:p>
@@ -2986,7 +2987,7 @@
           <a:p>
             <a:fld id="{DC40DB95-99D2-4A51-95E2-C065FB3047F2}" type="datetimeFigureOut">
               <a:rPr lang="ko-KR" altLang="en-US" smtClean="0"/>
-              <a:t>2019. 3. 20.</a:t>
+              <a:t>2019-03-21</a:t>
             </a:fld>
             <a:endParaRPr lang="ko-KR" altLang="en-US"/>
           </a:p>
@@ -3841,12 +3842,333 @@
           <a:chExt cx="0" cy="0"/>
         </a:xfrm>
       </p:grpSpPr>
+      <p:sp>
+        <p:nvSpPr>
+          <p:cNvPr id="8" name="내용 개체 틀 2"/>
+          <p:cNvSpPr txBox="1">
+            <a:spLocks/>
+          </p:cNvSpPr>
+          <p:nvPr/>
+        </p:nvSpPr>
+        <p:spPr>
+          <a:xfrm>
+            <a:off x="82128" y="1130212"/>
+            <a:ext cx="8239125" cy="1318121"/>
+          </a:xfrm>
+          <a:prstGeom prst="rect">
+            <a:avLst/>
+          </a:prstGeom>
+        </p:spPr>
+        <p:txBody>
+          <a:bodyPr/>
+          <a:lstStyle>
+            <a:lvl1pPr marL="228600" indent="-228600" algn="l" defTabSz="914400" rtl="0" eaLnBrk="1" latinLnBrk="1" hangingPunct="1">
+              <a:lnSpc>
+                <a:spcPct val="90000"/>
+              </a:lnSpc>
+              <a:spcBef>
+                <a:spcPts val="1000"/>
+              </a:spcBef>
+              <a:buFont typeface="Arial" panose="020B0604020202020204" pitchFamily="34" charset="0"/>
+              <a:buChar char="•"/>
+              <a:defRPr sz="2800" kern="1200">
+                <a:solidFill>
+                  <a:schemeClr val="tx1"/>
+                </a:solidFill>
+                <a:latin typeface="+mn-lt"/>
+                <a:ea typeface="+mn-ea"/>
+                <a:cs typeface="+mn-cs"/>
+              </a:defRPr>
+            </a:lvl1pPr>
+            <a:lvl2pPr marL="685800" indent="-228600" algn="l" defTabSz="914400" rtl="0" eaLnBrk="1" latinLnBrk="1" hangingPunct="1">
+              <a:lnSpc>
+                <a:spcPct val="90000"/>
+              </a:lnSpc>
+              <a:spcBef>
+                <a:spcPts val="500"/>
+              </a:spcBef>
+              <a:buFont typeface="Arial" panose="020B0604020202020204" pitchFamily="34" charset="0"/>
+              <a:buChar char="•"/>
+              <a:defRPr sz="2400" kern="1200">
+                <a:solidFill>
+                  <a:schemeClr val="tx1"/>
+                </a:solidFill>
+                <a:latin typeface="+mn-lt"/>
+                <a:ea typeface="+mn-ea"/>
+                <a:cs typeface="+mn-cs"/>
+              </a:defRPr>
+            </a:lvl2pPr>
+            <a:lvl3pPr marL="1143000" indent="-228600" algn="l" defTabSz="914400" rtl="0" eaLnBrk="1" latinLnBrk="1" hangingPunct="1">
+              <a:lnSpc>
+                <a:spcPct val="90000"/>
+              </a:lnSpc>
+              <a:spcBef>
+                <a:spcPts val="500"/>
+              </a:spcBef>
+              <a:buFont typeface="Arial" panose="020B0604020202020204" pitchFamily="34" charset="0"/>
+              <a:buChar char="•"/>
+              <a:defRPr sz="2000" kern="1200">
+                <a:solidFill>
+                  <a:schemeClr val="tx1"/>
+                </a:solidFill>
+                <a:latin typeface="+mn-lt"/>
+                <a:ea typeface="+mn-ea"/>
+                <a:cs typeface="+mn-cs"/>
+              </a:defRPr>
+            </a:lvl3pPr>
+            <a:lvl4pPr marL="1600200" indent="-228600" algn="l" defTabSz="914400" rtl="0" eaLnBrk="1" latinLnBrk="1" hangingPunct="1">
+              <a:lnSpc>
+                <a:spcPct val="90000"/>
+              </a:lnSpc>
+              <a:spcBef>
+                <a:spcPts val="500"/>
+              </a:spcBef>
+              <a:buFont typeface="Arial" panose="020B0604020202020204" pitchFamily="34" charset="0"/>
+              <a:buChar char="•"/>
+              <a:defRPr sz="1800" kern="1200">
+                <a:solidFill>
+                  <a:schemeClr val="tx1"/>
+                </a:solidFill>
+                <a:latin typeface="+mn-lt"/>
+                <a:ea typeface="+mn-ea"/>
+                <a:cs typeface="+mn-cs"/>
+              </a:defRPr>
+            </a:lvl4pPr>
+            <a:lvl5pPr marL="2057400" indent="-228600" algn="l" defTabSz="914400" rtl="0" eaLnBrk="1" latinLnBrk="1" hangingPunct="1">
+              <a:lnSpc>
+                <a:spcPct val="90000"/>
+              </a:lnSpc>
+              <a:spcBef>
+                <a:spcPts val="500"/>
+              </a:spcBef>
+              <a:buFont typeface="Arial" panose="020B0604020202020204" pitchFamily="34" charset="0"/>
+              <a:buChar char="•"/>
+              <a:defRPr sz="1800" kern="1200">
+                <a:solidFill>
+                  <a:schemeClr val="tx1"/>
+                </a:solidFill>
+                <a:latin typeface="+mn-lt"/>
+                <a:ea typeface="+mn-ea"/>
+                <a:cs typeface="+mn-cs"/>
+              </a:defRPr>
+            </a:lvl5pPr>
+            <a:lvl6pPr marL="2514600" indent="-228600" algn="l" defTabSz="914400" rtl="0" eaLnBrk="1" latinLnBrk="1" hangingPunct="1">
+              <a:lnSpc>
+                <a:spcPct val="90000"/>
+              </a:lnSpc>
+              <a:spcBef>
+                <a:spcPts val="500"/>
+              </a:spcBef>
+              <a:buFont typeface="Arial" panose="020B0604020202020204" pitchFamily="34" charset="0"/>
+              <a:buChar char="•"/>
+              <a:defRPr sz="1800" kern="1200">
+                <a:solidFill>
+                  <a:schemeClr val="tx1"/>
+                </a:solidFill>
+                <a:latin typeface="+mn-lt"/>
+                <a:ea typeface="+mn-ea"/>
+                <a:cs typeface="+mn-cs"/>
+              </a:defRPr>
+            </a:lvl6pPr>
+            <a:lvl7pPr marL="2971800" indent="-228600" algn="l" defTabSz="914400" rtl="0" eaLnBrk="1" latinLnBrk="1" hangingPunct="1">
+              <a:lnSpc>
+                <a:spcPct val="90000"/>
+              </a:lnSpc>
+              <a:spcBef>
+                <a:spcPts val="500"/>
+              </a:spcBef>
+              <a:buFont typeface="Arial" panose="020B0604020202020204" pitchFamily="34" charset="0"/>
+              <a:buChar char="•"/>
+              <a:defRPr sz="1800" kern="1200">
+                <a:solidFill>
+                  <a:schemeClr val="tx1"/>
+                </a:solidFill>
+                <a:latin typeface="+mn-lt"/>
+                <a:ea typeface="+mn-ea"/>
+                <a:cs typeface="+mn-cs"/>
+              </a:defRPr>
+            </a:lvl7pPr>
+            <a:lvl8pPr marL="3429000" indent="-228600" algn="l" defTabSz="914400" rtl="0" eaLnBrk="1" latinLnBrk="1" hangingPunct="1">
+              <a:lnSpc>
+                <a:spcPct val="90000"/>
+              </a:lnSpc>
+              <a:spcBef>
+                <a:spcPts val="500"/>
+              </a:spcBef>
+              <a:buFont typeface="Arial" panose="020B0604020202020204" pitchFamily="34" charset="0"/>
+              <a:buChar char="•"/>
+              <a:defRPr sz="1800" kern="1200">
+                <a:solidFill>
+                  <a:schemeClr val="tx1"/>
+                </a:solidFill>
+                <a:latin typeface="+mn-lt"/>
+                <a:ea typeface="+mn-ea"/>
+                <a:cs typeface="+mn-cs"/>
+              </a:defRPr>
+            </a:lvl8pPr>
+            <a:lvl9pPr marL="3886200" indent="-228600" algn="l" defTabSz="914400" rtl="0" eaLnBrk="1" latinLnBrk="1" hangingPunct="1">
+              <a:lnSpc>
+                <a:spcPct val="90000"/>
+              </a:lnSpc>
+              <a:spcBef>
+                <a:spcPts val="500"/>
+              </a:spcBef>
+              <a:buFont typeface="Arial" panose="020B0604020202020204" pitchFamily="34" charset="0"/>
+              <a:buChar char="•"/>
+              <a:defRPr sz="1800" kern="1200">
+                <a:solidFill>
+                  <a:schemeClr val="tx1"/>
+                </a:solidFill>
+                <a:latin typeface="+mn-lt"/>
+                <a:ea typeface="+mn-ea"/>
+                <a:cs typeface="+mn-cs"/>
+              </a:defRPr>
+            </a:lvl9pPr>
+          </a:lstStyle>
+          <a:p>
+            <a:pPr lvl="1"/>
+            <a:r>
+              <a:rPr lang="en-US" altLang="ko-KR" dirty="0" err="1" smtClean="0"/>
+              <a:t>digitalRead</a:t>
+            </a:r>
+            <a:r>
+              <a:rPr lang="en-US" altLang="ko-KR" dirty="0" smtClean="0"/>
+              <a:t> </a:t>
+            </a:r>
+            <a:r>
+              <a:rPr lang="ko-KR" altLang="en-US" dirty="0" smtClean="0"/>
+              <a:t>값은</a:t>
+            </a:r>
+            <a:r>
+              <a:rPr lang="en-US" altLang="ko-KR" dirty="0" smtClean="0"/>
+              <a:t>? </a:t>
+            </a:r>
+            <a:endParaRPr lang="en-US" altLang="ko-KR" dirty="0"/>
+          </a:p>
+        </p:txBody>
+      </p:sp>
+      <p:sp>
+        <p:nvSpPr>
+          <p:cNvPr id="9" name="제목 1"/>
+          <p:cNvSpPr txBox="1">
+            <a:spLocks/>
+          </p:cNvSpPr>
+          <p:nvPr/>
+        </p:nvSpPr>
+        <p:spPr>
+          <a:xfrm>
+            <a:off x="628650" y="365127"/>
+            <a:ext cx="8237444" cy="898898"/>
+          </a:xfrm>
+          <a:prstGeom prst="rect">
+            <a:avLst/>
+          </a:prstGeom>
+        </p:spPr>
+        <p:txBody>
+          <a:bodyPr>
+            <a:normAutofit/>
+          </a:bodyPr>
+          <a:lstStyle>
+            <a:lvl1pPr algn="l" defTabSz="914400" rtl="0" eaLnBrk="1" latinLnBrk="1" hangingPunct="1">
+              <a:lnSpc>
+                <a:spcPct val="90000"/>
+              </a:lnSpc>
+              <a:spcBef>
+                <a:spcPct val="0"/>
+              </a:spcBef>
+              <a:buNone/>
+              <a:defRPr sz="4400" kern="1200">
+                <a:solidFill>
+                  <a:schemeClr val="tx1"/>
+                </a:solidFill>
+                <a:latin typeface="+mj-lt"/>
+                <a:ea typeface="+mj-ea"/>
+                <a:cs typeface="+mj-cs"/>
+              </a:defRPr>
+            </a:lvl1pPr>
+          </a:lstStyle>
+          <a:p>
+            <a:r>
+              <a:rPr lang="ko-KR" altLang="en-US" dirty="0" err="1"/>
+              <a:t>풀로팅</a:t>
+            </a:r>
+            <a:r>
+              <a:rPr lang="en-US" altLang="ko-KR" dirty="0"/>
+              <a:t>(floating) </a:t>
+            </a:r>
+            <a:r>
+              <a:rPr lang="ko-KR" altLang="en-US" dirty="0"/>
+              <a:t>현상</a:t>
+            </a:r>
+          </a:p>
+        </p:txBody>
+      </p:sp>
+      <p:pic>
+        <p:nvPicPr>
+          <p:cNvPr id="2" name="그림 1"/>
+          <p:cNvPicPr>
+            <a:picLocks noChangeAspect="1"/>
+          </p:cNvPicPr>
+          <p:nvPr/>
+        </p:nvPicPr>
+        <p:blipFill>
+          <a:blip r:embed="rId2">
+            <a:extLst>
+              <a:ext uri="{28A0092B-C50C-407E-A947-70E740481C1C}">
+                <a14:useLocalDpi xmlns:a14="http://schemas.microsoft.com/office/drawing/2010/main" val="0"/>
+              </a:ext>
+            </a:extLst>
+          </a:blip>
+          <a:stretch>
+            <a:fillRect/>
+          </a:stretch>
+        </p:blipFill>
+        <p:spPr>
+          <a:xfrm>
+            <a:off x="2047288" y="1930445"/>
+            <a:ext cx="3858734" cy="3732448"/>
+          </a:xfrm>
+          <a:prstGeom prst="rect">
+            <a:avLst/>
+          </a:prstGeom>
+        </p:spPr>
+      </p:pic>
+    </p:spTree>
+    <p:extLst>
+      <p:ext uri="{BB962C8B-B14F-4D97-AF65-F5344CB8AC3E}">
+        <p14:creationId xmlns:p14="http://schemas.microsoft.com/office/powerpoint/2010/main" val="1193590849"/>
+      </p:ext>
+    </p:extLst>
+  </p:cSld>
+  <p:clrMapOvr>
+    <a:masterClrMapping/>
+  </p:clrMapOvr>
+</p:sld>
+</file>
+
+<file path=ppt/slides/slide12.xml><?xml version="1.0" encoding="utf-8"?>
+<p:sld xmlns:a="http://schemas.openxmlformats.org/drawingml/2006/main" xmlns:r="http://schemas.openxmlformats.org/officeDocument/2006/relationships" xmlns:p="http://schemas.openxmlformats.org/presentationml/2006/main">
+  <p:cSld>
+    <p:spTree>
+      <p:nvGrpSpPr>
+        <p:cNvPr id="1" name=""/>
+        <p:cNvGrpSpPr/>
+        <p:nvPr/>
+      </p:nvGrpSpPr>
+      <p:grpSpPr>
+        <a:xfrm>
+          <a:off x="0" y="0"/>
+          <a:ext cx="0" cy="0"/>
+          <a:chOff x="0" y="0"/>
+          <a:chExt cx="0" cy="0"/>
+        </a:xfrm>
+      </p:grpSpPr>
       <p:pic>
         <p:nvPicPr>
           <p:cNvPr id="10" name="그림 9" descr="전자기기이(가) 표시된 사진&#10;&#10;자동 생성된 설명">
             <a:extLst>
               <a:ext uri="{FF2B5EF4-FFF2-40B4-BE49-F238E27FC236}">
-                <a16:creationId xmlns:a16="http://schemas.microsoft.com/office/drawing/2014/main" id="{7BAC300E-91AB-9D44-8DBE-1216A53512CE}"/>
+                <a16:creationId xmlns:a16="http://schemas.microsoft.com/office/drawing/2014/main" xmlns="" id="{7BAC300E-91AB-9D44-8DBE-1216A53512CE}"/>
               </a:ext>
             </a:extLst>
           </p:cNvPr>
@@ -3881,7 +4203,7 @@
           <p:cNvPr id="11" name="TextBox 10">
             <a:extLst>
               <a:ext uri="{FF2B5EF4-FFF2-40B4-BE49-F238E27FC236}">
-                <a16:creationId xmlns:a16="http://schemas.microsoft.com/office/drawing/2014/main" id="{57A5A19C-5FB8-824C-AC41-DBE7A5E58E80}"/>
+                <a16:creationId xmlns:a16="http://schemas.microsoft.com/office/drawing/2014/main" xmlns="" id="{57A5A19C-5FB8-824C-AC41-DBE7A5E58E80}"/>
               </a:ext>
             </a:extLst>
           </p:cNvPr>
@@ -4035,7 +4357,7 @@
           <p:cNvPr id="12" name="TextBox 11">
             <a:extLst>
               <a:ext uri="{FF2B5EF4-FFF2-40B4-BE49-F238E27FC236}">
-                <a16:creationId xmlns:a16="http://schemas.microsoft.com/office/drawing/2014/main" id="{F1EAA06D-51A7-2047-A052-5E1468DC686B}"/>
+                <a16:creationId xmlns:a16="http://schemas.microsoft.com/office/drawing/2014/main" xmlns="" id="{F1EAA06D-51A7-2047-A052-5E1468DC686B}"/>
               </a:ext>
             </a:extLst>
           </p:cNvPr>
@@ -4212,7 +4534,7 @@
 </p:sld>
 </file>
 
-<file path=ppt/slides/slide12.xml><?xml version="1.0" encoding="utf-8"?>
+<file path=ppt/slides/slide13.xml><?xml version="1.0" encoding="utf-8"?>
 <p:sld xmlns:a="http://schemas.openxmlformats.org/drawingml/2006/main" xmlns:r="http://schemas.openxmlformats.org/officeDocument/2006/relationships" xmlns:p="http://schemas.openxmlformats.org/presentationml/2006/main">
   <p:cSld>
     <p:spTree>
@@ -4644,7 +4966,7 @@
 </p:sld>
 </file>
 
-<file path=ppt/slides/slide13.xml><?xml version="1.0" encoding="utf-8"?>
+<file path=ppt/slides/slide14.xml><?xml version="1.0" encoding="utf-8"?>
 <p:sld xmlns:a="http://schemas.openxmlformats.org/drawingml/2006/main" xmlns:r="http://schemas.openxmlformats.org/officeDocument/2006/relationships" xmlns:p="http://schemas.openxmlformats.org/presentationml/2006/main">
   <p:cSld>
     <p:spTree>
@@ -4699,7 +5021,7 @@
           <p:cNvPr id="4" name="그림 3" descr="텍스트이(가) 표시된 사진&#10;&#10;자동 생성된 설명">
             <a:extLst>
               <a:ext uri="{FF2B5EF4-FFF2-40B4-BE49-F238E27FC236}">
-                <a16:creationId xmlns:a16="http://schemas.microsoft.com/office/drawing/2014/main" id="{6F192102-15FA-6C48-837A-78B031F2364F}"/>
+                <a16:creationId xmlns:a16="http://schemas.microsoft.com/office/drawing/2014/main" xmlns="" id="{6F192102-15FA-6C48-837A-78B031F2364F}"/>
               </a:ext>
             </a:extLst>
           </p:cNvPr>
@@ -4743,7 +5065,7 @@
 </p:sld>
 </file>
 
-<file path=ppt/slides/slide14.xml><?xml version="1.0" encoding="utf-8"?>
+<file path=ppt/slides/slide15.xml><?xml version="1.0" encoding="utf-8"?>
 <p:sld xmlns:a="http://schemas.openxmlformats.org/drawingml/2006/main" xmlns:r="http://schemas.openxmlformats.org/officeDocument/2006/relationships" xmlns:p="http://schemas.openxmlformats.org/presentationml/2006/main">
   <p:cSld>
     <p:spTree>
@@ -5186,7 +5508,7 @@
 </p:sld>
 </file>
 
-<file path=ppt/slides/slide15.xml><?xml version="1.0" encoding="utf-8"?>
+<file path=ppt/slides/slide16.xml><?xml version="1.0" encoding="utf-8"?>
 <p:sld xmlns:a="http://schemas.openxmlformats.org/drawingml/2006/main" xmlns:r="http://schemas.openxmlformats.org/officeDocument/2006/relationships" xmlns:p="http://schemas.openxmlformats.org/presentationml/2006/main">
   <p:cSld>
     <p:spTree>
@@ -5241,7 +5563,7 @@
           <p:cNvPr id="13" name="그림 12" descr="스크린샷, 텍스트이(가) 표시된 사진&#10;&#10;자동 생성된 설명">
             <a:extLst>
               <a:ext uri="{FF2B5EF4-FFF2-40B4-BE49-F238E27FC236}">
-                <a16:creationId xmlns:a16="http://schemas.microsoft.com/office/drawing/2014/main" id="{C483F129-A159-EA4C-A6D5-616F2EB5398E}"/>
+                <a16:creationId xmlns:a16="http://schemas.microsoft.com/office/drawing/2014/main" xmlns="" id="{C483F129-A159-EA4C-A6D5-616F2EB5398E}"/>
               </a:ext>
             </a:extLst>
           </p:cNvPr>
@@ -5275,332 +5597,6 @@
     <p:extLst>
       <p:ext uri="{BB962C8B-B14F-4D97-AF65-F5344CB8AC3E}">
         <p14:creationId xmlns:p14="http://schemas.microsoft.com/office/powerpoint/2010/main" val="3256681592"/>
-      </p:ext>
-    </p:extLst>
-  </p:cSld>
-  <p:clrMapOvr>
-    <a:masterClrMapping/>
-  </p:clrMapOvr>
-</p:sld>
-</file>
-
-<file path=ppt/slides/slide16.xml><?xml version="1.0" encoding="utf-8"?>
-<p:sld xmlns:a="http://schemas.openxmlformats.org/drawingml/2006/main" xmlns:r="http://schemas.openxmlformats.org/officeDocument/2006/relationships" xmlns:p="http://schemas.openxmlformats.org/presentationml/2006/main">
-  <p:cSld>
-    <p:spTree>
-      <p:nvGrpSpPr>
-        <p:cNvPr id="1" name=""/>
-        <p:cNvGrpSpPr/>
-        <p:nvPr/>
-      </p:nvGrpSpPr>
-      <p:grpSpPr>
-        <a:xfrm>
-          <a:off x="0" y="0"/>
-          <a:ext cx="0" cy="0"/>
-          <a:chOff x="0" y="0"/>
-          <a:chExt cx="0" cy="0"/>
-        </a:xfrm>
-      </p:grpSpPr>
-      <p:sp>
-        <p:nvSpPr>
-          <p:cNvPr id="2" name="제목 1"/>
-          <p:cNvSpPr>
-            <a:spLocks noGrp="1"/>
-          </p:cNvSpPr>
-          <p:nvPr>
-            <p:ph type="title"/>
-          </p:nvPr>
-        </p:nvSpPr>
-        <p:spPr>
-          <a:xfrm>
-            <a:off x="628650" y="365127"/>
-            <a:ext cx="8237444" cy="898898"/>
-          </a:xfrm>
-        </p:spPr>
-        <p:txBody>
-          <a:bodyPr>
-            <a:normAutofit fontScale="90000"/>
-          </a:bodyPr>
-          <a:lstStyle/>
-          <a:p>
-            <a:r>
-              <a:rPr lang="ko-KR" altLang="en-US" dirty="0"/>
-              <a:t>내부 </a:t>
-            </a:r>
-            <a:r>
-              <a:rPr lang="ko-KR" altLang="en-US" dirty="0" err="1"/>
-              <a:t>풀업</a:t>
-            </a:r>
-            <a:r>
-              <a:rPr lang="en-US" altLang="ko-KR" dirty="0"/>
-              <a:t>(INPUT_PULL_UP)</a:t>
-            </a:r>
-            <a:r>
-              <a:rPr lang="ko-KR" altLang="en-US" dirty="0"/>
-              <a:t> 저항</a:t>
-            </a:r>
-          </a:p>
-        </p:txBody>
-      </p:sp>
-      <p:sp>
-        <p:nvSpPr>
-          <p:cNvPr id="5" name="내용 개체 틀 2"/>
-          <p:cNvSpPr txBox="1">
-            <a:spLocks/>
-          </p:cNvSpPr>
-          <p:nvPr/>
-        </p:nvSpPr>
-        <p:spPr>
-          <a:xfrm>
-            <a:off x="801666" y="1441574"/>
-            <a:ext cx="7929957" cy="763007"/>
-          </a:xfrm>
-          <a:prstGeom prst="rect">
-            <a:avLst/>
-          </a:prstGeom>
-        </p:spPr>
-        <p:txBody>
-          <a:bodyPr vert="horz" lIns="91440" tIns="45720" rIns="91440" bIns="45720" rtlCol="0">
-            <a:normAutofit fontScale="85000" lnSpcReduction="20000"/>
-          </a:bodyPr>
-          <a:lstStyle>
-            <a:lvl1pPr marL="228600" indent="-228600" algn="l" defTabSz="914400" rtl="0" eaLnBrk="1" latinLnBrk="1" hangingPunct="1">
-              <a:lnSpc>
-                <a:spcPct val="90000"/>
-              </a:lnSpc>
-              <a:spcBef>
-                <a:spcPts val="1000"/>
-              </a:spcBef>
-              <a:buFont typeface="Arial" panose="020B0604020202020204" pitchFamily="34" charset="0"/>
-              <a:buChar char="•"/>
-              <a:defRPr sz="2800" kern="1200">
-                <a:solidFill>
-                  <a:schemeClr val="tx1"/>
-                </a:solidFill>
-                <a:latin typeface="+mn-ea"/>
-                <a:ea typeface="+mn-ea"/>
-                <a:cs typeface="+mn-cs"/>
-              </a:defRPr>
-            </a:lvl1pPr>
-            <a:lvl2pPr marL="685800" indent="-228600" algn="l" defTabSz="914400" rtl="0" eaLnBrk="1" latinLnBrk="1" hangingPunct="1">
-              <a:lnSpc>
-                <a:spcPct val="90000"/>
-              </a:lnSpc>
-              <a:spcBef>
-                <a:spcPts val="500"/>
-              </a:spcBef>
-              <a:buFont typeface="Arial" panose="020B0604020202020204" pitchFamily="34" charset="0"/>
-              <a:buChar char="•"/>
-              <a:defRPr sz="2400" kern="1200">
-                <a:solidFill>
-                  <a:schemeClr val="tx1"/>
-                </a:solidFill>
-                <a:latin typeface="+mn-ea"/>
-                <a:ea typeface="+mn-ea"/>
-                <a:cs typeface="+mn-cs"/>
-              </a:defRPr>
-            </a:lvl2pPr>
-            <a:lvl3pPr marL="1143000" indent="-228600" algn="l" defTabSz="914400" rtl="0" eaLnBrk="1" latinLnBrk="1" hangingPunct="1">
-              <a:lnSpc>
-                <a:spcPct val="90000"/>
-              </a:lnSpc>
-              <a:spcBef>
-                <a:spcPts val="500"/>
-              </a:spcBef>
-              <a:buFont typeface="Arial" panose="020B0604020202020204" pitchFamily="34" charset="0"/>
-              <a:buChar char="•"/>
-              <a:defRPr sz="2000" kern="1200">
-                <a:solidFill>
-                  <a:schemeClr val="tx1"/>
-                </a:solidFill>
-                <a:latin typeface="+mn-ea"/>
-                <a:ea typeface="+mn-ea"/>
-                <a:cs typeface="+mn-cs"/>
-              </a:defRPr>
-            </a:lvl3pPr>
-            <a:lvl4pPr marL="1600200" indent="-228600" algn="l" defTabSz="914400" rtl="0" eaLnBrk="1" latinLnBrk="1" hangingPunct="1">
-              <a:lnSpc>
-                <a:spcPct val="90000"/>
-              </a:lnSpc>
-              <a:spcBef>
-                <a:spcPts val="500"/>
-              </a:spcBef>
-              <a:buFont typeface="Arial" panose="020B0604020202020204" pitchFamily="34" charset="0"/>
-              <a:buChar char="•"/>
-              <a:defRPr sz="1800" kern="1200">
-                <a:solidFill>
-                  <a:schemeClr val="tx1"/>
-                </a:solidFill>
-                <a:latin typeface="+mn-ea"/>
-                <a:ea typeface="+mn-ea"/>
-                <a:cs typeface="+mn-cs"/>
-              </a:defRPr>
-            </a:lvl4pPr>
-            <a:lvl5pPr marL="2057400" indent="-228600" algn="l" defTabSz="914400" rtl="0" eaLnBrk="1" latinLnBrk="1" hangingPunct="1">
-              <a:lnSpc>
-                <a:spcPct val="90000"/>
-              </a:lnSpc>
-              <a:spcBef>
-                <a:spcPts val="500"/>
-              </a:spcBef>
-              <a:buFont typeface="Arial" panose="020B0604020202020204" pitchFamily="34" charset="0"/>
-              <a:buChar char="•"/>
-              <a:defRPr sz="1800" kern="1200">
-                <a:solidFill>
-                  <a:schemeClr val="tx1"/>
-                </a:solidFill>
-                <a:latin typeface="+mn-ea"/>
-                <a:ea typeface="+mn-ea"/>
-                <a:cs typeface="+mn-cs"/>
-              </a:defRPr>
-            </a:lvl5pPr>
-            <a:lvl6pPr marL="2514600" indent="-228600" algn="l" defTabSz="914400" rtl="0" eaLnBrk="1" latinLnBrk="1" hangingPunct="1">
-              <a:lnSpc>
-                <a:spcPct val="90000"/>
-              </a:lnSpc>
-              <a:spcBef>
-                <a:spcPts val="500"/>
-              </a:spcBef>
-              <a:buFont typeface="Arial" panose="020B0604020202020204" pitchFamily="34" charset="0"/>
-              <a:buChar char="•"/>
-              <a:defRPr sz="1800" kern="1200">
-                <a:solidFill>
-                  <a:schemeClr val="tx1"/>
-                </a:solidFill>
-                <a:latin typeface="+mn-lt"/>
-                <a:ea typeface="+mn-ea"/>
-                <a:cs typeface="+mn-cs"/>
-              </a:defRPr>
-            </a:lvl6pPr>
-            <a:lvl7pPr marL="2971800" indent="-228600" algn="l" defTabSz="914400" rtl="0" eaLnBrk="1" latinLnBrk="1" hangingPunct="1">
-              <a:lnSpc>
-                <a:spcPct val="90000"/>
-              </a:lnSpc>
-              <a:spcBef>
-                <a:spcPts val="500"/>
-              </a:spcBef>
-              <a:buFont typeface="Arial" panose="020B0604020202020204" pitchFamily="34" charset="0"/>
-              <a:buChar char="•"/>
-              <a:defRPr sz="1800" kern="1200">
-                <a:solidFill>
-                  <a:schemeClr val="tx1"/>
-                </a:solidFill>
-                <a:latin typeface="+mn-lt"/>
-                <a:ea typeface="+mn-ea"/>
-                <a:cs typeface="+mn-cs"/>
-              </a:defRPr>
-            </a:lvl7pPr>
-            <a:lvl8pPr marL="3429000" indent="-228600" algn="l" defTabSz="914400" rtl="0" eaLnBrk="1" latinLnBrk="1" hangingPunct="1">
-              <a:lnSpc>
-                <a:spcPct val="90000"/>
-              </a:lnSpc>
-              <a:spcBef>
-                <a:spcPts val="500"/>
-              </a:spcBef>
-              <a:buFont typeface="Arial" panose="020B0604020202020204" pitchFamily="34" charset="0"/>
-              <a:buChar char="•"/>
-              <a:defRPr sz="1800" kern="1200">
-                <a:solidFill>
-                  <a:schemeClr val="tx1"/>
-                </a:solidFill>
-                <a:latin typeface="+mn-lt"/>
-                <a:ea typeface="+mn-ea"/>
-                <a:cs typeface="+mn-cs"/>
-              </a:defRPr>
-            </a:lvl8pPr>
-            <a:lvl9pPr marL="3886200" indent="-228600" algn="l" defTabSz="914400" rtl="0" eaLnBrk="1" latinLnBrk="1" hangingPunct="1">
-              <a:lnSpc>
-                <a:spcPct val="90000"/>
-              </a:lnSpc>
-              <a:spcBef>
-                <a:spcPts val="500"/>
-              </a:spcBef>
-              <a:buFont typeface="Arial" panose="020B0604020202020204" pitchFamily="34" charset="0"/>
-              <a:buChar char="•"/>
-              <a:defRPr sz="1800" kern="1200">
-                <a:solidFill>
-                  <a:schemeClr val="tx1"/>
-                </a:solidFill>
-                <a:latin typeface="+mn-lt"/>
-                <a:ea typeface="+mn-ea"/>
-                <a:cs typeface="+mn-cs"/>
-              </a:defRPr>
-            </a:lvl9pPr>
-          </a:lstStyle>
-          <a:p>
-            <a:r>
-              <a:rPr lang="ko-KR" altLang="en-US" dirty="0" err="1"/>
-              <a:t>아두이노</a:t>
-            </a:r>
-            <a:r>
-              <a:rPr lang="ko-KR" altLang="en-US" dirty="0"/>
-              <a:t> 내부에 있는 </a:t>
-            </a:r>
-            <a:r>
-              <a:rPr lang="ko-KR" altLang="en-US" dirty="0" err="1"/>
-              <a:t>풀업</a:t>
-            </a:r>
-            <a:r>
-              <a:rPr lang="ko-KR" altLang="en-US" dirty="0"/>
-              <a:t> 저항을 사용</a:t>
-            </a:r>
-            <a:endParaRPr lang="en-US" altLang="ko-KR" dirty="0"/>
-          </a:p>
-          <a:p>
-            <a:r>
-              <a:rPr lang="ko-KR" altLang="en-US" dirty="0"/>
-              <a:t>스위치 </a:t>
-            </a:r>
-            <a:r>
-              <a:rPr lang="en-US" altLang="ko-KR" dirty="0"/>
-              <a:t>OFF : 0V, </a:t>
-            </a:r>
-            <a:r>
-              <a:rPr lang="ko-KR" altLang="en-US" dirty="0"/>
-              <a:t>스위치 </a:t>
-            </a:r>
-            <a:r>
-              <a:rPr lang="en-US" altLang="ko-KR" dirty="0"/>
-              <a:t>ON : 5V</a:t>
-            </a:r>
-            <a:endParaRPr lang="ko-KR" altLang="en-US" dirty="0"/>
-          </a:p>
-        </p:txBody>
-      </p:sp>
-      <p:pic>
-        <p:nvPicPr>
-          <p:cNvPr id="6" name="그림 5"/>
-          <p:cNvPicPr>
-            <a:picLocks noChangeAspect="1"/>
-          </p:cNvPicPr>
-          <p:nvPr/>
-        </p:nvPicPr>
-        <p:blipFill>
-          <a:blip r:embed="rId2">
-            <a:extLst>
-              <a:ext uri="{28A0092B-C50C-407E-A947-70E740481C1C}">
-                <a14:useLocalDpi xmlns:a14="http://schemas.microsoft.com/office/drawing/2010/main" val="0"/>
-              </a:ext>
-            </a:extLst>
-          </a:blip>
-          <a:stretch>
-            <a:fillRect/>
-          </a:stretch>
-        </p:blipFill>
-        <p:spPr>
-          <a:xfrm>
-            <a:off x="1557263" y="2652313"/>
-            <a:ext cx="5753903" cy="3858163"/>
-          </a:xfrm>
-          <a:prstGeom prst="rect">
-            <a:avLst/>
-          </a:prstGeom>
-        </p:spPr>
-      </p:pic>
-    </p:spTree>
-    <p:extLst>
-      <p:ext uri="{BB962C8B-B14F-4D97-AF65-F5344CB8AC3E}">
-        <p14:creationId xmlns:p14="http://schemas.microsoft.com/office/powerpoint/2010/main" val="588633147"/>
       </p:ext>
     </p:extLst>
   </p:cSld>
@@ -5645,26 +5641,288 @@
         </p:spPr>
         <p:txBody>
           <a:bodyPr>
-            <a:normAutofit/>
+            <a:normAutofit fontScale="90000"/>
           </a:bodyPr>
           <a:lstStyle/>
           <a:p>
-            <a:pPr marL="457200" indent="-457200">
-              <a:buFont typeface="Arial" panose="020B0604020202020204" pitchFamily="34" charset="0"/>
-              <a:buChar char="•"/>
-            </a:pPr>
-            <a:r>
-              <a:rPr lang="en-US" altLang="ko-KR" sz="2800" dirty="0"/>
-              <a:t>Fritzing</a:t>
-            </a:r>
-            <a:endParaRPr lang="ko-KR" altLang="en-US" sz="2800" dirty="0"/>
+            <a:r>
+              <a:rPr lang="ko-KR" altLang="en-US" dirty="0"/>
+              <a:t>내부 </a:t>
+            </a:r>
+            <a:r>
+              <a:rPr lang="ko-KR" altLang="en-US" dirty="0" err="1"/>
+              <a:t>풀업</a:t>
+            </a:r>
+            <a:r>
+              <a:rPr lang="en-US" altLang="ko-KR" dirty="0"/>
+              <a:t>(INPUT_PULL_UP)</a:t>
+            </a:r>
+            <a:r>
+              <a:rPr lang="ko-KR" altLang="en-US" dirty="0"/>
+              <a:t> 저항</a:t>
+            </a:r>
           </a:p>
         </p:txBody>
       </p:sp>
+      <p:sp>
+        <p:nvSpPr>
+          <p:cNvPr id="5" name="내용 개체 틀 2"/>
+          <p:cNvSpPr txBox="1">
+            <a:spLocks/>
+          </p:cNvSpPr>
+          <p:nvPr/>
+        </p:nvSpPr>
+        <p:spPr>
+          <a:xfrm>
+            <a:off x="801666" y="1441574"/>
+            <a:ext cx="7929957" cy="763007"/>
+          </a:xfrm>
+          <a:prstGeom prst="rect">
+            <a:avLst/>
+          </a:prstGeom>
+        </p:spPr>
+        <p:txBody>
+          <a:bodyPr vert="horz" lIns="91440" tIns="45720" rIns="91440" bIns="45720" rtlCol="0">
+            <a:normAutofit fontScale="85000" lnSpcReduction="20000"/>
+          </a:bodyPr>
+          <a:lstStyle>
+            <a:lvl1pPr marL="228600" indent="-228600" algn="l" defTabSz="914400" rtl="0" eaLnBrk="1" latinLnBrk="1" hangingPunct="1">
+              <a:lnSpc>
+                <a:spcPct val="90000"/>
+              </a:lnSpc>
+              <a:spcBef>
+                <a:spcPts val="1000"/>
+              </a:spcBef>
+              <a:buFont typeface="Arial" panose="020B0604020202020204" pitchFamily="34" charset="0"/>
+              <a:buChar char="•"/>
+              <a:defRPr sz="2800" kern="1200">
+                <a:solidFill>
+                  <a:schemeClr val="tx1"/>
+                </a:solidFill>
+                <a:latin typeface="+mn-ea"/>
+                <a:ea typeface="+mn-ea"/>
+                <a:cs typeface="+mn-cs"/>
+              </a:defRPr>
+            </a:lvl1pPr>
+            <a:lvl2pPr marL="685800" indent="-228600" algn="l" defTabSz="914400" rtl="0" eaLnBrk="1" latinLnBrk="1" hangingPunct="1">
+              <a:lnSpc>
+                <a:spcPct val="90000"/>
+              </a:lnSpc>
+              <a:spcBef>
+                <a:spcPts val="500"/>
+              </a:spcBef>
+              <a:buFont typeface="Arial" panose="020B0604020202020204" pitchFamily="34" charset="0"/>
+              <a:buChar char="•"/>
+              <a:defRPr sz="2400" kern="1200">
+                <a:solidFill>
+                  <a:schemeClr val="tx1"/>
+                </a:solidFill>
+                <a:latin typeface="+mn-ea"/>
+                <a:ea typeface="+mn-ea"/>
+                <a:cs typeface="+mn-cs"/>
+              </a:defRPr>
+            </a:lvl2pPr>
+            <a:lvl3pPr marL="1143000" indent="-228600" algn="l" defTabSz="914400" rtl="0" eaLnBrk="1" latinLnBrk="1" hangingPunct="1">
+              <a:lnSpc>
+                <a:spcPct val="90000"/>
+              </a:lnSpc>
+              <a:spcBef>
+                <a:spcPts val="500"/>
+              </a:spcBef>
+              <a:buFont typeface="Arial" panose="020B0604020202020204" pitchFamily="34" charset="0"/>
+              <a:buChar char="•"/>
+              <a:defRPr sz="2000" kern="1200">
+                <a:solidFill>
+                  <a:schemeClr val="tx1"/>
+                </a:solidFill>
+                <a:latin typeface="+mn-ea"/>
+                <a:ea typeface="+mn-ea"/>
+                <a:cs typeface="+mn-cs"/>
+              </a:defRPr>
+            </a:lvl3pPr>
+            <a:lvl4pPr marL="1600200" indent="-228600" algn="l" defTabSz="914400" rtl="0" eaLnBrk="1" latinLnBrk="1" hangingPunct="1">
+              <a:lnSpc>
+                <a:spcPct val="90000"/>
+              </a:lnSpc>
+              <a:spcBef>
+                <a:spcPts val="500"/>
+              </a:spcBef>
+              <a:buFont typeface="Arial" panose="020B0604020202020204" pitchFamily="34" charset="0"/>
+              <a:buChar char="•"/>
+              <a:defRPr sz="1800" kern="1200">
+                <a:solidFill>
+                  <a:schemeClr val="tx1"/>
+                </a:solidFill>
+                <a:latin typeface="+mn-ea"/>
+                <a:ea typeface="+mn-ea"/>
+                <a:cs typeface="+mn-cs"/>
+              </a:defRPr>
+            </a:lvl4pPr>
+            <a:lvl5pPr marL="2057400" indent="-228600" algn="l" defTabSz="914400" rtl="0" eaLnBrk="1" latinLnBrk="1" hangingPunct="1">
+              <a:lnSpc>
+                <a:spcPct val="90000"/>
+              </a:lnSpc>
+              <a:spcBef>
+                <a:spcPts val="500"/>
+              </a:spcBef>
+              <a:buFont typeface="Arial" panose="020B0604020202020204" pitchFamily="34" charset="0"/>
+              <a:buChar char="•"/>
+              <a:defRPr sz="1800" kern="1200">
+                <a:solidFill>
+                  <a:schemeClr val="tx1"/>
+                </a:solidFill>
+                <a:latin typeface="+mn-ea"/>
+                <a:ea typeface="+mn-ea"/>
+                <a:cs typeface="+mn-cs"/>
+              </a:defRPr>
+            </a:lvl5pPr>
+            <a:lvl6pPr marL="2514600" indent="-228600" algn="l" defTabSz="914400" rtl="0" eaLnBrk="1" latinLnBrk="1" hangingPunct="1">
+              <a:lnSpc>
+                <a:spcPct val="90000"/>
+              </a:lnSpc>
+              <a:spcBef>
+                <a:spcPts val="500"/>
+              </a:spcBef>
+              <a:buFont typeface="Arial" panose="020B0604020202020204" pitchFamily="34" charset="0"/>
+              <a:buChar char="•"/>
+              <a:defRPr sz="1800" kern="1200">
+                <a:solidFill>
+                  <a:schemeClr val="tx1"/>
+                </a:solidFill>
+                <a:latin typeface="+mn-lt"/>
+                <a:ea typeface="+mn-ea"/>
+                <a:cs typeface="+mn-cs"/>
+              </a:defRPr>
+            </a:lvl6pPr>
+            <a:lvl7pPr marL="2971800" indent="-228600" algn="l" defTabSz="914400" rtl="0" eaLnBrk="1" latinLnBrk="1" hangingPunct="1">
+              <a:lnSpc>
+                <a:spcPct val="90000"/>
+              </a:lnSpc>
+              <a:spcBef>
+                <a:spcPts val="500"/>
+              </a:spcBef>
+              <a:buFont typeface="Arial" panose="020B0604020202020204" pitchFamily="34" charset="0"/>
+              <a:buChar char="•"/>
+              <a:defRPr sz="1800" kern="1200">
+                <a:solidFill>
+                  <a:schemeClr val="tx1"/>
+                </a:solidFill>
+                <a:latin typeface="+mn-lt"/>
+                <a:ea typeface="+mn-ea"/>
+                <a:cs typeface="+mn-cs"/>
+              </a:defRPr>
+            </a:lvl7pPr>
+            <a:lvl8pPr marL="3429000" indent="-228600" algn="l" defTabSz="914400" rtl="0" eaLnBrk="1" latinLnBrk="1" hangingPunct="1">
+              <a:lnSpc>
+                <a:spcPct val="90000"/>
+              </a:lnSpc>
+              <a:spcBef>
+                <a:spcPts val="500"/>
+              </a:spcBef>
+              <a:buFont typeface="Arial" panose="020B0604020202020204" pitchFamily="34" charset="0"/>
+              <a:buChar char="•"/>
+              <a:defRPr sz="1800" kern="1200">
+                <a:solidFill>
+                  <a:schemeClr val="tx1"/>
+                </a:solidFill>
+                <a:latin typeface="+mn-lt"/>
+                <a:ea typeface="+mn-ea"/>
+                <a:cs typeface="+mn-cs"/>
+              </a:defRPr>
+            </a:lvl8pPr>
+            <a:lvl9pPr marL="3886200" indent="-228600" algn="l" defTabSz="914400" rtl="0" eaLnBrk="1" latinLnBrk="1" hangingPunct="1">
+              <a:lnSpc>
+                <a:spcPct val="90000"/>
+              </a:lnSpc>
+              <a:spcBef>
+                <a:spcPts val="500"/>
+              </a:spcBef>
+              <a:buFont typeface="Arial" panose="020B0604020202020204" pitchFamily="34" charset="0"/>
+              <a:buChar char="•"/>
+              <a:defRPr sz="1800" kern="1200">
+                <a:solidFill>
+                  <a:schemeClr val="tx1"/>
+                </a:solidFill>
+                <a:latin typeface="+mn-lt"/>
+                <a:ea typeface="+mn-ea"/>
+                <a:cs typeface="+mn-cs"/>
+              </a:defRPr>
+            </a:lvl9pPr>
+          </a:lstStyle>
+          <a:p>
+            <a:r>
+              <a:rPr lang="ko-KR" altLang="en-US" dirty="0" err="1"/>
+              <a:t>아두이노</a:t>
+            </a:r>
+            <a:r>
+              <a:rPr lang="ko-KR" altLang="en-US" dirty="0"/>
+              <a:t> 내부에 있는 </a:t>
+            </a:r>
+            <a:r>
+              <a:rPr lang="ko-KR" altLang="en-US" dirty="0" err="1"/>
+              <a:t>풀업</a:t>
+            </a:r>
+            <a:r>
+              <a:rPr lang="ko-KR" altLang="en-US" dirty="0"/>
+              <a:t> 저항을 사용</a:t>
+            </a:r>
+            <a:endParaRPr lang="en-US" altLang="ko-KR" dirty="0"/>
+          </a:p>
+          <a:p>
+            <a:r>
+              <a:rPr lang="ko-KR" altLang="en-US" dirty="0"/>
+              <a:t>스위치 </a:t>
+            </a:r>
+            <a:r>
+              <a:rPr lang="en-US" altLang="ko-KR" dirty="0"/>
+              <a:t>OFF : 0V, </a:t>
+            </a:r>
+            <a:r>
+              <a:rPr lang="ko-KR" altLang="en-US" dirty="0"/>
+              <a:t>스위치 </a:t>
+            </a:r>
+            <a:r>
+              <a:rPr lang="en-US" altLang="ko-KR" dirty="0"/>
+              <a:t>ON : 5V</a:t>
+            </a:r>
+            <a:endParaRPr lang="ko-KR" altLang="en-US" dirty="0"/>
+          </a:p>
+        </p:txBody>
+      </p:sp>
+      <p:pic>
+        <p:nvPicPr>
+          <p:cNvPr id="6" name="그림 5"/>
+          <p:cNvPicPr>
+            <a:picLocks noChangeAspect="1"/>
+          </p:cNvPicPr>
+          <p:nvPr/>
+        </p:nvPicPr>
+        <p:blipFill>
+          <a:blip r:embed="rId2">
+            <a:extLst>
+              <a:ext uri="{28A0092B-C50C-407E-A947-70E740481C1C}">
+                <a14:useLocalDpi xmlns:a14="http://schemas.microsoft.com/office/drawing/2010/main" val="0"/>
+              </a:ext>
+            </a:extLst>
+          </a:blip>
+          <a:stretch>
+            <a:fillRect/>
+          </a:stretch>
+        </p:blipFill>
+        <p:spPr>
+          <a:xfrm>
+            <a:off x="1447830" y="2639789"/>
+            <a:ext cx="4628275" cy="3103396"/>
+          </a:xfrm>
+          <a:prstGeom prst="rect">
+            <a:avLst/>
+          </a:prstGeom>
+        </p:spPr>
+      </p:pic>
     </p:spTree>
     <p:extLst>
       <p:ext uri="{BB962C8B-B14F-4D97-AF65-F5344CB8AC3E}">
-        <p14:creationId xmlns:p14="http://schemas.microsoft.com/office/powerpoint/2010/main" val="2678112964"/>
+        <p14:creationId xmlns:p14="http://schemas.microsoft.com/office/powerpoint/2010/main" val="588633147"/>
       </p:ext>
     </p:extLst>
   </p:cSld>
@@ -5675,278 +5933,6 @@
 </file>
 
 <file path=ppt/slides/slide18.xml><?xml version="1.0" encoding="utf-8"?>
-<p:sld xmlns:a="http://schemas.openxmlformats.org/drawingml/2006/main" xmlns:r="http://schemas.openxmlformats.org/officeDocument/2006/relationships" xmlns:p="http://schemas.openxmlformats.org/presentationml/2006/main">
-  <p:cSld>
-    <p:spTree>
-      <p:nvGrpSpPr>
-        <p:cNvPr id="1" name=""/>
-        <p:cNvGrpSpPr/>
-        <p:nvPr/>
-      </p:nvGrpSpPr>
-      <p:grpSpPr>
-        <a:xfrm>
-          <a:off x="0" y="0"/>
-          <a:ext cx="0" cy="0"/>
-          <a:chOff x="0" y="0"/>
-          <a:chExt cx="0" cy="0"/>
-        </a:xfrm>
-      </p:grpSpPr>
-      <p:sp>
-        <p:nvSpPr>
-          <p:cNvPr id="6" name="내용 개체 틀 2">
-            <a:extLst>
-              <a:ext uri="{FF2B5EF4-FFF2-40B4-BE49-F238E27FC236}">
-                <a16:creationId xmlns:a16="http://schemas.microsoft.com/office/drawing/2014/main" id="{DF087650-FC74-7247-9653-3D7CFFBCEE43}"/>
-              </a:ext>
-            </a:extLst>
-          </p:cNvPr>
-          <p:cNvSpPr txBox="1">
-            <a:spLocks/>
-          </p:cNvSpPr>
-          <p:nvPr/>
-        </p:nvSpPr>
-        <p:spPr>
-          <a:xfrm>
-            <a:off x="452437" y="647012"/>
-            <a:ext cx="8239125" cy="1333500"/>
-          </a:xfrm>
-          <a:prstGeom prst="rect">
-            <a:avLst/>
-          </a:prstGeom>
-        </p:spPr>
-        <p:txBody>
-          <a:bodyPr/>
-          <a:lstStyle>
-            <a:lvl1pPr marL="228600" indent="-228600" algn="l" defTabSz="914400" rtl="0" eaLnBrk="1" latinLnBrk="1" hangingPunct="1">
-              <a:lnSpc>
-                <a:spcPct val="90000"/>
-              </a:lnSpc>
-              <a:spcBef>
-                <a:spcPts val="1000"/>
-              </a:spcBef>
-              <a:buFont typeface="Arial" panose="020B0604020202020204" pitchFamily="34" charset="0"/>
-              <a:buChar char="•"/>
-              <a:defRPr sz="2800" kern="1200">
-                <a:solidFill>
-                  <a:schemeClr val="tx1"/>
-                </a:solidFill>
-                <a:latin typeface="+mn-lt"/>
-                <a:ea typeface="+mn-ea"/>
-                <a:cs typeface="+mn-cs"/>
-              </a:defRPr>
-            </a:lvl1pPr>
-            <a:lvl2pPr marL="685800" indent="-228600" algn="l" defTabSz="914400" rtl="0" eaLnBrk="1" latinLnBrk="1" hangingPunct="1">
-              <a:lnSpc>
-                <a:spcPct val="90000"/>
-              </a:lnSpc>
-              <a:spcBef>
-                <a:spcPts val="500"/>
-              </a:spcBef>
-              <a:buFont typeface="Arial" panose="020B0604020202020204" pitchFamily="34" charset="0"/>
-              <a:buChar char="•"/>
-              <a:defRPr sz="2400" kern="1200">
-                <a:solidFill>
-                  <a:schemeClr val="tx1"/>
-                </a:solidFill>
-                <a:latin typeface="+mn-lt"/>
-                <a:ea typeface="+mn-ea"/>
-                <a:cs typeface="+mn-cs"/>
-              </a:defRPr>
-            </a:lvl2pPr>
-            <a:lvl3pPr marL="1143000" indent="-228600" algn="l" defTabSz="914400" rtl="0" eaLnBrk="1" latinLnBrk="1" hangingPunct="1">
-              <a:lnSpc>
-                <a:spcPct val="90000"/>
-              </a:lnSpc>
-              <a:spcBef>
-                <a:spcPts val="500"/>
-              </a:spcBef>
-              <a:buFont typeface="Arial" panose="020B0604020202020204" pitchFamily="34" charset="0"/>
-              <a:buChar char="•"/>
-              <a:defRPr sz="2000" kern="1200">
-                <a:solidFill>
-                  <a:schemeClr val="tx1"/>
-                </a:solidFill>
-                <a:latin typeface="+mn-lt"/>
-                <a:ea typeface="+mn-ea"/>
-                <a:cs typeface="+mn-cs"/>
-              </a:defRPr>
-            </a:lvl3pPr>
-            <a:lvl4pPr marL="1600200" indent="-228600" algn="l" defTabSz="914400" rtl="0" eaLnBrk="1" latinLnBrk="1" hangingPunct="1">
-              <a:lnSpc>
-                <a:spcPct val="90000"/>
-              </a:lnSpc>
-              <a:spcBef>
-                <a:spcPts val="500"/>
-              </a:spcBef>
-              <a:buFont typeface="Arial" panose="020B0604020202020204" pitchFamily="34" charset="0"/>
-              <a:buChar char="•"/>
-              <a:defRPr sz="1800" kern="1200">
-                <a:solidFill>
-                  <a:schemeClr val="tx1"/>
-                </a:solidFill>
-                <a:latin typeface="+mn-lt"/>
-                <a:ea typeface="+mn-ea"/>
-                <a:cs typeface="+mn-cs"/>
-              </a:defRPr>
-            </a:lvl4pPr>
-            <a:lvl5pPr marL="2057400" indent="-228600" algn="l" defTabSz="914400" rtl="0" eaLnBrk="1" latinLnBrk="1" hangingPunct="1">
-              <a:lnSpc>
-                <a:spcPct val="90000"/>
-              </a:lnSpc>
-              <a:spcBef>
-                <a:spcPts val="500"/>
-              </a:spcBef>
-              <a:buFont typeface="Arial" panose="020B0604020202020204" pitchFamily="34" charset="0"/>
-              <a:buChar char="•"/>
-              <a:defRPr sz="1800" kern="1200">
-                <a:solidFill>
-                  <a:schemeClr val="tx1"/>
-                </a:solidFill>
-                <a:latin typeface="+mn-lt"/>
-                <a:ea typeface="+mn-ea"/>
-                <a:cs typeface="+mn-cs"/>
-              </a:defRPr>
-            </a:lvl5pPr>
-            <a:lvl6pPr marL="2514600" indent="-228600" algn="l" defTabSz="914400" rtl="0" eaLnBrk="1" latinLnBrk="1" hangingPunct="1">
-              <a:lnSpc>
-                <a:spcPct val="90000"/>
-              </a:lnSpc>
-              <a:spcBef>
-                <a:spcPts val="500"/>
-              </a:spcBef>
-              <a:buFont typeface="Arial" panose="020B0604020202020204" pitchFamily="34" charset="0"/>
-              <a:buChar char="•"/>
-              <a:defRPr sz="1800" kern="1200">
-                <a:solidFill>
-                  <a:schemeClr val="tx1"/>
-                </a:solidFill>
-                <a:latin typeface="+mn-lt"/>
-                <a:ea typeface="+mn-ea"/>
-                <a:cs typeface="+mn-cs"/>
-              </a:defRPr>
-            </a:lvl6pPr>
-            <a:lvl7pPr marL="2971800" indent="-228600" algn="l" defTabSz="914400" rtl="0" eaLnBrk="1" latinLnBrk="1" hangingPunct="1">
-              <a:lnSpc>
-                <a:spcPct val="90000"/>
-              </a:lnSpc>
-              <a:spcBef>
-                <a:spcPts val="500"/>
-              </a:spcBef>
-              <a:buFont typeface="Arial" panose="020B0604020202020204" pitchFamily="34" charset="0"/>
-              <a:buChar char="•"/>
-              <a:defRPr sz="1800" kern="1200">
-                <a:solidFill>
-                  <a:schemeClr val="tx1"/>
-                </a:solidFill>
-                <a:latin typeface="+mn-lt"/>
-                <a:ea typeface="+mn-ea"/>
-                <a:cs typeface="+mn-cs"/>
-              </a:defRPr>
-            </a:lvl7pPr>
-            <a:lvl8pPr marL="3429000" indent="-228600" algn="l" defTabSz="914400" rtl="0" eaLnBrk="1" latinLnBrk="1" hangingPunct="1">
-              <a:lnSpc>
-                <a:spcPct val="90000"/>
-              </a:lnSpc>
-              <a:spcBef>
-                <a:spcPts val="500"/>
-              </a:spcBef>
-              <a:buFont typeface="Arial" panose="020B0604020202020204" pitchFamily="34" charset="0"/>
-              <a:buChar char="•"/>
-              <a:defRPr sz="1800" kern="1200">
-                <a:solidFill>
-                  <a:schemeClr val="tx1"/>
-                </a:solidFill>
-                <a:latin typeface="+mn-lt"/>
-                <a:ea typeface="+mn-ea"/>
-                <a:cs typeface="+mn-cs"/>
-              </a:defRPr>
-            </a:lvl8pPr>
-            <a:lvl9pPr marL="3886200" indent="-228600" algn="l" defTabSz="914400" rtl="0" eaLnBrk="1" latinLnBrk="1" hangingPunct="1">
-              <a:lnSpc>
-                <a:spcPct val="90000"/>
-              </a:lnSpc>
-              <a:spcBef>
-                <a:spcPts val="500"/>
-              </a:spcBef>
-              <a:buFont typeface="Arial" panose="020B0604020202020204" pitchFamily="34" charset="0"/>
-              <a:buChar char="•"/>
-              <a:defRPr sz="1800" kern="1200">
-                <a:solidFill>
-                  <a:schemeClr val="tx1"/>
-                </a:solidFill>
-                <a:latin typeface="+mn-lt"/>
-                <a:ea typeface="+mn-ea"/>
-                <a:cs typeface="+mn-cs"/>
-              </a:defRPr>
-            </a:lvl9pPr>
-          </a:lstStyle>
-          <a:p>
-            <a:r>
-              <a:rPr lang="ko-KR" altLang="en-US" dirty="0"/>
-              <a:t>실제 회로 구성</a:t>
-            </a:r>
-            <a:endParaRPr lang="en-US" altLang="ko-KR" dirty="0"/>
-          </a:p>
-          <a:p>
-            <a:pPr lvl="1"/>
-            <a:r>
-              <a:rPr lang="ko-KR" altLang="en-US" dirty="0"/>
-              <a:t>준비물 </a:t>
-            </a:r>
-            <a:r>
-              <a:rPr lang="en-US" altLang="ko-KR" dirty="0"/>
-              <a:t>:</a:t>
-            </a:r>
-            <a:r>
-              <a:rPr lang="ko-KR" altLang="en-US" dirty="0"/>
-              <a:t> </a:t>
-            </a:r>
-            <a:r>
-              <a:rPr lang="ko-KR" altLang="en-US" dirty="0" err="1"/>
-              <a:t>브레드</a:t>
-            </a:r>
-            <a:r>
-              <a:rPr lang="ko-KR" altLang="en-US" dirty="0"/>
-              <a:t> 보드</a:t>
-            </a:r>
-            <a:r>
-              <a:rPr lang="en-US" altLang="ko-KR" dirty="0"/>
-              <a:t>,</a:t>
-            </a:r>
-            <a:r>
-              <a:rPr lang="ko-KR" altLang="en-US" dirty="0"/>
-              <a:t> 저항</a:t>
-            </a:r>
-            <a:r>
-              <a:rPr lang="en-US" altLang="ko-KR" dirty="0"/>
-              <a:t>(10K </a:t>
-            </a:r>
-            <a:r>
-              <a:rPr lang="el-GR" altLang="ko-KR" dirty="0"/>
-              <a:t>Ω </a:t>
-            </a:r>
-            <a:r>
-              <a:rPr lang="en-US" altLang="ko-KR" dirty="0"/>
-              <a:t>) 1</a:t>
-            </a:r>
-            <a:endParaRPr lang="ko-KR" altLang="en-US" dirty="0"/>
-          </a:p>
-        </p:txBody>
-      </p:sp>
-    </p:spTree>
-    <p:extLst>
-      <p:ext uri="{BB962C8B-B14F-4D97-AF65-F5344CB8AC3E}">
-        <p14:creationId xmlns:p14="http://schemas.microsoft.com/office/powerpoint/2010/main" val="4139337548"/>
-      </p:ext>
-    </p:extLst>
-  </p:cSld>
-  <p:clrMapOvr>
-    <a:masterClrMapping/>
-  </p:clrMapOvr>
-</p:sld>
-</file>
-
-<file path=ppt/slides/slide19.xml><?xml version="1.0" encoding="utf-8"?>
 <p:sld xmlns:a="http://schemas.openxmlformats.org/drawingml/2006/main" xmlns:r="http://schemas.openxmlformats.org/officeDocument/2006/relationships" xmlns:p="http://schemas.openxmlformats.org/presentationml/2006/main">
   <p:cSld>
     <p:spTree>
@@ -5976,7 +5962,7 @@
         <p:spPr>
           <a:xfrm>
             <a:off x="628650" y="365127"/>
-            <a:ext cx="8237444" cy="571307"/>
+            <a:ext cx="8237444" cy="898898"/>
           </a:xfrm>
         </p:spPr>
         <p:txBody>
@@ -5990,52 +5976,289 @@
               <a:buChar char="•"/>
             </a:pPr>
             <a:r>
-              <a:rPr lang="ko-KR" altLang="en-US" sz="2800" dirty="0"/>
-              <a:t>스케치 프로그래밍</a:t>
-            </a:r>
+              <a:rPr lang="en-US" altLang="ko-KR" sz="2800" dirty="0"/>
+              <a:t>Fritzing</a:t>
+            </a:r>
+            <a:endParaRPr lang="ko-KR" altLang="en-US" sz="2800" dirty="0"/>
           </a:p>
         </p:txBody>
       </p:sp>
-      <p:pic>
-        <p:nvPicPr>
-          <p:cNvPr id="4" name="그림 3" descr="텍스트이(가) 표시된 사진&#10;&#10;자동 생성된 설명">
+    </p:spTree>
+    <p:extLst>
+      <p:ext uri="{BB962C8B-B14F-4D97-AF65-F5344CB8AC3E}">
+        <p14:creationId xmlns:p14="http://schemas.microsoft.com/office/powerpoint/2010/main" val="2678112964"/>
+      </p:ext>
+    </p:extLst>
+  </p:cSld>
+  <p:clrMapOvr>
+    <a:masterClrMapping/>
+  </p:clrMapOvr>
+</p:sld>
+</file>
+
+<file path=ppt/slides/slide19.xml><?xml version="1.0" encoding="utf-8"?>
+<p:sld xmlns:a="http://schemas.openxmlformats.org/drawingml/2006/main" xmlns:r="http://schemas.openxmlformats.org/officeDocument/2006/relationships" xmlns:p="http://schemas.openxmlformats.org/presentationml/2006/main">
+  <p:cSld>
+    <p:spTree>
+      <p:nvGrpSpPr>
+        <p:cNvPr id="1" name=""/>
+        <p:cNvGrpSpPr/>
+        <p:nvPr/>
+      </p:nvGrpSpPr>
+      <p:grpSpPr>
+        <a:xfrm>
+          <a:off x="0" y="0"/>
+          <a:ext cx="0" cy="0"/>
+          <a:chOff x="0" y="0"/>
+          <a:chExt cx="0" cy="0"/>
+        </a:xfrm>
+      </p:grpSpPr>
+      <p:sp>
+        <p:nvSpPr>
+          <p:cNvPr id="6" name="내용 개체 틀 2">
             <a:extLst>
               <a:ext uri="{FF2B5EF4-FFF2-40B4-BE49-F238E27FC236}">
-                <a16:creationId xmlns:a16="http://schemas.microsoft.com/office/drawing/2014/main" id="{29ABF8AB-78AC-044A-ABEA-D907F93D7C78}"/>
+                <a16:creationId xmlns:a16="http://schemas.microsoft.com/office/drawing/2014/main" xmlns="" id="{DF087650-FC74-7247-9653-3D7CFFBCEE43}"/>
               </a:ext>
             </a:extLst>
           </p:cNvPr>
-          <p:cNvPicPr>
-            <a:picLocks noChangeAspect="1"/>
-          </p:cNvPicPr>
+          <p:cNvSpPr txBox="1">
+            <a:spLocks/>
+          </p:cNvSpPr>
           <p:nvPr/>
-        </p:nvPicPr>
-        <p:blipFill>
-          <a:blip r:embed="rId2">
-            <a:extLst>
-              <a:ext uri="{28A0092B-C50C-407E-A947-70E740481C1C}">
-                <a14:useLocalDpi xmlns:a14="http://schemas.microsoft.com/office/drawing/2010/main" val="0"/>
-              </a:ext>
-            </a:extLst>
-          </a:blip>
-          <a:stretch>
-            <a:fillRect/>
-          </a:stretch>
-        </p:blipFill>
+        </p:nvSpPr>
         <p:spPr>
           <a:xfrm>
-            <a:off x="1943354" y="1123720"/>
-            <a:ext cx="5354384" cy="5632679"/>
+            <a:off x="452437" y="647012"/>
+            <a:ext cx="8239125" cy="1333500"/>
           </a:xfrm>
           <a:prstGeom prst="rect">
             <a:avLst/>
           </a:prstGeom>
         </p:spPr>
-      </p:pic>
+        <p:txBody>
+          <a:bodyPr/>
+          <a:lstStyle>
+            <a:lvl1pPr marL="228600" indent="-228600" algn="l" defTabSz="914400" rtl="0" eaLnBrk="1" latinLnBrk="1" hangingPunct="1">
+              <a:lnSpc>
+                <a:spcPct val="90000"/>
+              </a:lnSpc>
+              <a:spcBef>
+                <a:spcPts val="1000"/>
+              </a:spcBef>
+              <a:buFont typeface="Arial" panose="020B0604020202020204" pitchFamily="34" charset="0"/>
+              <a:buChar char="•"/>
+              <a:defRPr sz="2800" kern="1200">
+                <a:solidFill>
+                  <a:schemeClr val="tx1"/>
+                </a:solidFill>
+                <a:latin typeface="+mn-lt"/>
+                <a:ea typeface="+mn-ea"/>
+                <a:cs typeface="+mn-cs"/>
+              </a:defRPr>
+            </a:lvl1pPr>
+            <a:lvl2pPr marL="685800" indent="-228600" algn="l" defTabSz="914400" rtl="0" eaLnBrk="1" latinLnBrk="1" hangingPunct="1">
+              <a:lnSpc>
+                <a:spcPct val="90000"/>
+              </a:lnSpc>
+              <a:spcBef>
+                <a:spcPts val="500"/>
+              </a:spcBef>
+              <a:buFont typeface="Arial" panose="020B0604020202020204" pitchFamily="34" charset="0"/>
+              <a:buChar char="•"/>
+              <a:defRPr sz="2400" kern="1200">
+                <a:solidFill>
+                  <a:schemeClr val="tx1"/>
+                </a:solidFill>
+                <a:latin typeface="+mn-lt"/>
+                <a:ea typeface="+mn-ea"/>
+                <a:cs typeface="+mn-cs"/>
+              </a:defRPr>
+            </a:lvl2pPr>
+            <a:lvl3pPr marL="1143000" indent="-228600" algn="l" defTabSz="914400" rtl="0" eaLnBrk="1" latinLnBrk="1" hangingPunct="1">
+              <a:lnSpc>
+                <a:spcPct val="90000"/>
+              </a:lnSpc>
+              <a:spcBef>
+                <a:spcPts val="500"/>
+              </a:spcBef>
+              <a:buFont typeface="Arial" panose="020B0604020202020204" pitchFamily="34" charset="0"/>
+              <a:buChar char="•"/>
+              <a:defRPr sz="2000" kern="1200">
+                <a:solidFill>
+                  <a:schemeClr val="tx1"/>
+                </a:solidFill>
+                <a:latin typeface="+mn-lt"/>
+                <a:ea typeface="+mn-ea"/>
+                <a:cs typeface="+mn-cs"/>
+              </a:defRPr>
+            </a:lvl3pPr>
+            <a:lvl4pPr marL="1600200" indent="-228600" algn="l" defTabSz="914400" rtl="0" eaLnBrk="1" latinLnBrk="1" hangingPunct="1">
+              <a:lnSpc>
+                <a:spcPct val="90000"/>
+              </a:lnSpc>
+              <a:spcBef>
+                <a:spcPts val="500"/>
+              </a:spcBef>
+              <a:buFont typeface="Arial" panose="020B0604020202020204" pitchFamily="34" charset="0"/>
+              <a:buChar char="•"/>
+              <a:defRPr sz="1800" kern="1200">
+                <a:solidFill>
+                  <a:schemeClr val="tx1"/>
+                </a:solidFill>
+                <a:latin typeface="+mn-lt"/>
+                <a:ea typeface="+mn-ea"/>
+                <a:cs typeface="+mn-cs"/>
+              </a:defRPr>
+            </a:lvl4pPr>
+            <a:lvl5pPr marL="2057400" indent="-228600" algn="l" defTabSz="914400" rtl="0" eaLnBrk="1" latinLnBrk="1" hangingPunct="1">
+              <a:lnSpc>
+                <a:spcPct val="90000"/>
+              </a:lnSpc>
+              <a:spcBef>
+                <a:spcPts val="500"/>
+              </a:spcBef>
+              <a:buFont typeface="Arial" panose="020B0604020202020204" pitchFamily="34" charset="0"/>
+              <a:buChar char="•"/>
+              <a:defRPr sz="1800" kern="1200">
+                <a:solidFill>
+                  <a:schemeClr val="tx1"/>
+                </a:solidFill>
+                <a:latin typeface="+mn-lt"/>
+                <a:ea typeface="+mn-ea"/>
+                <a:cs typeface="+mn-cs"/>
+              </a:defRPr>
+            </a:lvl5pPr>
+            <a:lvl6pPr marL="2514600" indent="-228600" algn="l" defTabSz="914400" rtl="0" eaLnBrk="1" latinLnBrk="1" hangingPunct="1">
+              <a:lnSpc>
+                <a:spcPct val="90000"/>
+              </a:lnSpc>
+              <a:spcBef>
+                <a:spcPts val="500"/>
+              </a:spcBef>
+              <a:buFont typeface="Arial" panose="020B0604020202020204" pitchFamily="34" charset="0"/>
+              <a:buChar char="•"/>
+              <a:defRPr sz="1800" kern="1200">
+                <a:solidFill>
+                  <a:schemeClr val="tx1"/>
+                </a:solidFill>
+                <a:latin typeface="+mn-lt"/>
+                <a:ea typeface="+mn-ea"/>
+                <a:cs typeface="+mn-cs"/>
+              </a:defRPr>
+            </a:lvl6pPr>
+            <a:lvl7pPr marL="2971800" indent="-228600" algn="l" defTabSz="914400" rtl="0" eaLnBrk="1" latinLnBrk="1" hangingPunct="1">
+              <a:lnSpc>
+                <a:spcPct val="90000"/>
+              </a:lnSpc>
+              <a:spcBef>
+                <a:spcPts val="500"/>
+              </a:spcBef>
+              <a:buFont typeface="Arial" panose="020B0604020202020204" pitchFamily="34" charset="0"/>
+              <a:buChar char="•"/>
+              <a:defRPr sz="1800" kern="1200">
+                <a:solidFill>
+                  <a:schemeClr val="tx1"/>
+                </a:solidFill>
+                <a:latin typeface="+mn-lt"/>
+                <a:ea typeface="+mn-ea"/>
+                <a:cs typeface="+mn-cs"/>
+              </a:defRPr>
+            </a:lvl7pPr>
+            <a:lvl8pPr marL="3429000" indent="-228600" algn="l" defTabSz="914400" rtl="0" eaLnBrk="1" latinLnBrk="1" hangingPunct="1">
+              <a:lnSpc>
+                <a:spcPct val="90000"/>
+              </a:lnSpc>
+              <a:spcBef>
+                <a:spcPts val="500"/>
+              </a:spcBef>
+              <a:buFont typeface="Arial" panose="020B0604020202020204" pitchFamily="34" charset="0"/>
+              <a:buChar char="•"/>
+              <a:defRPr sz="1800" kern="1200">
+                <a:solidFill>
+                  <a:schemeClr val="tx1"/>
+                </a:solidFill>
+                <a:latin typeface="+mn-lt"/>
+                <a:ea typeface="+mn-ea"/>
+                <a:cs typeface="+mn-cs"/>
+              </a:defRPr>
+            </a:lvl8pPr>
+            <a:lvl9pPr marL="3886200" indent="-228600" algn="l" defTabSz="914400" rtl="0" eaLnBrk="1" latinLnBrk="1" hangingPunct="1">
+              <a:lnSpc>
+                <a:spcPct val="90000"/>
+              </a:lnSpc>
+              <a:spcBef>
+                <a:spcPts val="500"/>
+              </a:spcBef>
+              <a:buFont typeface="Arial" panose="020B0604020202020204" pitchFamily="34" charset="0"/>
+              <a:buChar char="•"/>
+              <a:defRPr sz="1800" kern="1200">
+                <a:solidFill>
+                  <a:schemeClr val="tx1"/>
+                </a:solidFill>
+                <a:latin typeface="+mn-lt"/>
+                <a:ea typeface="+mn-ea"/>
+                <a:cs typeface="+mn-cs"/>
+              </a:defRPr>
+            </a:lvl9pPr>
+          </a:lstStyle>
+          <a:p>
+            <a:r>
+              <a:rPr lang="ko-KR" altLang="en-US" dirty="0"/>
+              <a:t>실제 회로 구성</a:t>
+            </a:r>
+            <a:endParaRPr lang="en-US" altLang="ko-KR" dirty="0"/>
+          </a:p>
+          <a:p>
+            <a:pPr lvl="1"/>
+            <a:r>
+              <a:rPr lang="ko-KR" altLang="en-US" dirty="0"/>
+              <a:t>준비물 </a:t>
+            </a:r>
+            <a:r>
+              <a:rPr lang="en-US" altLang="ko-KR" dirty="0"/>
+              <a:t>:</a:t>
+            </a:r>
+            <a:r>
+              <a:rPr lang="ko-KR" altLang="en-US" dirty="0"/>
+              <a:t> </a:t>
+            </a:r>
+            <a:r>
+              <a:rPr lang="ko-KR" altLang="en-US" dirty="0" err="1"/>
+              <a:t>브레드</a:t>
+            </a:r>
+            <a:r>
+              <a:rPr lang="ko-KR" altLang="en-US" dirty="0"/>
+              <a:t> 보드</a:t>
+            </a:r>
+            <a:r>
+              <a:rPr lang="en-US" altLang="ko-KR" dirty="0"/>
+              <a:t>,</a:t>
+            </a:r>
+            <a:r>
+              <a:rPr lang="ko-KR" altLang="en-US" dirty="0"/>
+              <a:t> 저항</a:t>
+            </a:r>
+            <a:r>
+              <a:rPr lang="en-US" altLang="ko-KR" dirty="0"/>
+              <a:t>(10K </a:t>
+            </a:r>
+            <a:r>
+              <a:rPr lang="el-GR" altLang="ko-KR" dirty="0"/>
+              <a:t>Ω </a:t>
+            </a:r>
+            <a:r>
+              <a:rPr lang="en-US" altLang="ko-KR" dirty="0"/>
+              <a:t>) 1</a:t>
+            </a:r>
+            <a:endParaRPr lang="ko-KR" altLang="en-US" dirty="0"/>
+          </a:p>
+        </p:txBody>
+      </p:sp>
     </p:spTree>
     <p:extLst>
       <p:ext uri="{BB962C8B-B14F-4D97-AF65-F5344CB8AC3E}">
-        <p14:creationId xmlns:p14="http://schemas.microsoft.com/office/powerpoint/2010/main" val="3405037868"/>
+        <p14:creationId xmlns:p14="http://schemas.microsoft.com/office/powerpoint/2010/main" val="4139337548"/>
       </p:ext>
     </p:extLst>
   </p:cSld>
@@ -7240,328 +7463,67 @@
         </p:nvSpPr>
         <p:spPr>
           <a:xfrm>
-            <a:off x="326239" y="752521"/>
-            <a:ext cx="8491521" cy="922502"/>
+            <a:off x="628650" y="365127"/>
+            <a:ext cx="8237444" cy="571307"/>
           </a:xfrm>
         </p:spPr>
         <p:txBody>
           <a:bodyPr>
-            <a:normAutofit fontScale="90000"/>
+            <a:normAutofit/>
           </a:bodyPr>
           <a:lstStyle/>
           <a:p>
-            <a:pPr marL="457200" marR="0" lvl="1" indent="0" algn="l" defTabSz="914400" rtl="0" eaLnBrk="1" fontAlgn="auto" latinLnBrk="1" hangingPunct="1">
-              <a:lnSpc>
-                <a:spcPct val="100000"/>
-              </a:lnSpc>
-              <a:spcBef>
-                <a:spcPts val="0"/>
-              </a:spcBef>
-              <a:spcAft>
-                <a:spcPts val="0"/>
-              </a:spcAft>
-              <a:buClrTx/>
-              <a:buSzTx/>
-              <a:buFontTx/>
-              <a:buNone/>
-              <a:tabLst/>
-              <a:defRPr/>
+            <a:pPr marL="457200" indent="-457200">
+              <a:buFont typeface="Arial" panose="020B0604020202020204" pitchFamily="34" charset="0"/>
+              <a:buChar char="•"/>
             </a:pPr>
             <a:r>
-              <a:rPr lang="en-US" altLang="ko-KR" sz="4400" dirty="0"/>
-              <a:t>INPUT_PULLUP</a:t>
-            </a:r>
-            <a:r>
-              <a:rPr lang="ko-KR" altLang="en-US" sz="4400" dirty="0"/>
-              <a:t> 저항을 이용한 </a:t>
-            </a:r>
-            <a:r>
-              <a:rPr lang="en-US" altLang="ko-KR" sz="4400" dirty="0"/>
-              <a:t>LED ON/OFF </a:t>
-            </a:r>
-            <a:r>
-              <a:rPr lang="ko-KR" altLang="en-US" sz="4400" dirty="0"/>
-              <a:t>제작</a:t>
-            </a:r>
-            <a:br>
-              <a:rPr lang="ko-KR" altLang="en-US" kern="1200" dirty="0">
-                <a:solidFill>
-                  <a:prstClr val="black"/>
-                </a:solidFill>
-                <a:latin typeface="Calibri" panose="020F0502020204030204"/>
-                <a:ea typeface="맑은 고딕" panose="020B0503020000020004" pitchFamily="34" charset="-127"/>
-                <a:cs typeface="+mn-cs"/>
-              </a:rPr>
-            </a:br>
-            <a:endParaRPr lang="ko-KR" altLang="en-US" sz="2800" dirty="0"/>
+              <a:rPr lang="ko-KR" altLang="en-US" sz="2800" dirty="0"/>
+              <a:t>스케치 프로그래밍</a:t>
+            </a:r>
           </a:p>
         </p:txBody>
       </p:sp>
-      <p:sp>
-        <p:nvSpPr>
-          <p:cNvPr id="5" name="내용 개체 틀 2">
+      <p:pic>
+        <p:nvPicPr>
+          <p:cNvPr id="4" name="그림 3" descr="텍스트이(가) 표시된 사진&#10;&#10;자동 생성된 설명">
             <a:extLst>
               <a:ext uri="{FF2B5EF4-FFF2-40B4-BE49-F238E27FC236}">
-                <a16:creationId xmlns:a16="http://schemas.microsoft.com/office/drawing/2014/main" id="{EF178005-F9F5-DB41-9651-29FA5F1A2373}"/>
+                <a16:creationId xmlns:a16="http://schemas.microsoft.com/office/drawing/2014/main" xmlns="" id="{29ABF8AB-78AC-044A-ABEA-D907F93D7C78}"/>
               </a:ext>
             </a:extLst>
           </p:cNvPr>
-          <p:cNvSpPr txBox="1">
-            <a:spLocks/>
-          </p:cNvSpPr>
+          <p:cNvPicPr>
+            <a:picLocks noChangeAspect="1"/>
+          </p:cNvPicPr>
           <p:nvPr/>
-        </p:nvSpPr>
+        </p:nvPicPr>
+        <p:blipFill>
+          <a:blip r:embed="rId2">
+            <a:extLst>
+              <a:ext uri="{28A0092B-C50C-407E-A947-70E740481C1C}">
+                <a14:useLocalDpi xmlns:a14="http://schemas.microsoft.com/office/drawing/2010/main" val="0"/>
+              </a:ext>
+            </a:extLst>
+          </a:blip>
+          <a:stretch>
+            <a:fillRect/>
+          </a:stretch>
+        </p:blipFill>
         <p:spPr>
           <a:xfrm>
-            <a:off x="904875" y="1902935"/>
-            <a:ext cx="8239125" cy="1333500"/>
+            <a:off x="1943354" y="1123720"/>
+            <a:ext cx="5354384" cy="5632679"/>
           </a:xfrm>
           <a:prstGeom prst="rect">
             <a:avLst/>
           </a:prstGeom>
         </p:spPr>
-        <p:txBody>
-          <a:bodyPr/>
-          <a:lstStyle>
-            <a:lvl1pPr marL="228600" indent="-228600" algn="l" defTabSz="914400" rtl="0" eaLnBrk="1" latinLnBrk="1" hangingPunct="1">
-              <a:lnSpc>
-                <a:spcPct val="90000"/>
-              </a:lnSpc>
-              <a:spcBef>
-                <a:spcPts val="1000"/>
-              </a:spcBef>
-              <a:buFont typeface="Arial" panose="020B0604020202020204" pitchFamily="34" charset="0"/>
-              <a:buChar char="•"/>
-              <a:defRPr sz="2800" kern="1200">
-                <a:solidFill>
-                  <a:schemeClr val="tx1"/>
-                </a:solidFill>
-                <a:latin typeface="+mn-lt"/>
-                <a:ea typeface="+mn-ea"/>
-                <a:cs typeface="+mn-cs"/>
-              </a:defRPr>
-            </a:lvl1pPr>
-            <a:lvl2pPr marL="685800" indent="-228600" algn="l" defTabSz="914400" rtl="0" eaLnBrk="1" latinLnBrk="1" hangingPunct="1">
-              <a:lnSpc>
-                <a:spcPct val="90000"/>
-              </a:lnSpc>
-              <a:spcBef>
-                <a:spcPts val="500"/>
-              </a:spcBef>
-              <a:buFont typeface="Arial" panose="020B0604020202020204" pitchFamily="34" charset="0"/>
-              <a:buChar char="•"/>
-              <a:defRPr sz="2400" kern="1200">
-                <a:solidFill>
-                  <a:schemeClr val="tx1"/>
-                </a:solidFill>
-                <a:latin typeface="+mn-lt"/>
-                <a:ea typeface="+mn-ea"/>
-                <a:cs typeface="+mn-cs"/>
-              </a:defRPr>
-            </a:lvl2pPr>
-            <a:lvl3pPr marL="1143000" indent="-228600" algn="l" defTabSz="914400" rtl="0" eaLnBrk="1" latinLnBrk="1" hangingPunct="1">
-              <a:lnSpc>
-                <a:spcPct val="90000"/>
-              </a:lnSpc>
-              <a:spcBef>
-                <a:spcPts val="500"/>
-              </a:spcBef>
-              <a:buFont typeface="Arial" panose="020B0604020202020204" pitchFamily="34" charset="0"/>
-              <a:buChar char="•"/>
-              <a:defRPr sz="2000" kern="1200">
-                <a:solidFill>
-                  <a:schemeClr val="tx1"/>
-                </a:solidFill>
-                <a:latin typeface="+mn-lt"/>
-                <a:ea typeface="+mn-ea"/>
-                <a:cs typeface="+mn-cs"/>
-              </a:defRPr>
-            </a:lvl3pPr>
-            <a:lvl4pPr marL="1600200" indent="-228600" algn="l" defTabSz="914400" rtl="0" eaLnBrk="1" latinLnBrk="1" hangingPunct="1">
-              <a:lnSpc>
-                <a:spcPct val="90000"/>
-              </a:lnSpc>
-              <a:spcBef>
-                <a:spcPts val="500"/>
-              </a:spcBef>
-              <a:buFont typeface="Arial" panose="020B0604020202020204" pitchFamily="34" charset="0"/>
-              <a:buChar char="•"/>
-              <a:defRPr sz="1800" kern="1200">
-                <a:solidFill>
-                  <a:schemeClr val="tx1"/>
-                </a:solidFill>
-                <a:latin typeface="+mn-lt"/>
-                <a:ea typeface="+mn-ea"/>
-                <a:cs typeface="+mn-cs"/>
-              </a:defRPr>
-            </a:lvl4pPr>
-            <a:lvl5pPr marL="2057400" indent="-228600" algn="l" defTabSz="914400" rtl="0" eaLnBrk="1" latinLnBrk="1" hangingPunct="1">
-              <a:lnSpc>
-                <a:spcPct val="90000"/>
-              </a:lnSpc>
-              <a:spcBef>
-                <a:spcPts val="500"/>
-              </a:spcBef>
-              <a:buFont typeface="Arial" panose="020B0604020202020204" pitchFamily="34" charset="0"/>
-              <a:buChar char="•"/>
-              <a:defRPr sz="1800" kern="1200">
-                <a:solidFill>
-                  <a:schemeClr val="tx1"/>
-                </a:solidFill>
-                <a:latin typeface="+mn-lt"/>
-                <a:ea typeface="+mn-ea"/>
-                <a:cs typeface="+mn-cs"/>
-              </a:defRPr>
-            </a:lvl5pPr>
-            <a:lvl6pPr marL="2514600" indent="-228600" algn="l" defTabSz="914400" rtl="0" eaLnBrk="1" latinLnBrk="1" hangingPunct="1">
-              <a:lnSpc>
-                <a:spcPct val="90000"/>
-              </a:lnSpc>
-              <a:spcBef>
-                <a:spcPts val="500"/>
-              </a:spcBef>
-              <a:buFont typeface="Arial" panose="020B0604020202020204" pitchFamily="34" charset="0"/>
-              <a:buChar char="•"/>
-              <a:defRPr sz="1800" kern="1200">
-                <a:solidFill>
-                  <a:schemeClr val="tx1"/>
-                </a:solidFill>
-                <a:latin typeface="+mn-lt"/>
-                <a:ea typeface="+mn-ea"/>
-                <a:cs typeface="+mn-cs"/>
-              </a:defRPr>
-            </a:lvl6pPr>
-            <a:lvl7pPr marL="2971800" indent="-228600" algn="l" defTabSz="914400" rtl="0" eaLnBrk="1" latinLnBrk="1" hangingPunct="1">
-              <a:lnSpc>
-                <a:spcPct val="90000"/>
-              </a:lnSpc>
-              <a:spcBef>
-                <a:spcPts val="500"/>
-              </a:spcBef>
-              <a:buFont typeface="Arial" panose="020B0604020202020204" pitchFamily="34" charset="0"/>
-              <a:buChar char="•"/>
-              <a:defRPr sz="1800" kern="1200">
-                <a:solidFill>
-                  <a:schemeClr val="tx1"/>
-                </a:solidFill>
-                <a:latin typeface="+mn-lt"/>
-                <a:ea typeface="+mn-ea"/>
-                <a:cs typeface="+mn-cs"/>
-              </a:defRPr>
-            </a:lvl7pPr>
-            <a:lvl8pPr marL="3429000" indent="-228600" algn="l" defTabSz="914400" rtl="0" eaLnBrk="1" latinLnBrk="1" hangingPunct="1">
-              <a:lnSpc>
-                <a:spcPct val="90000"/>
-              </a:lnSpc>
-              <a:spcBef>
-                <a:spcPts val="500"/>
-              </a:spcBef>
-              <a:buFont typeface="Arial" panose="020B0604020202020204" pitchFamily="34" charset="0"/>
-              <a:buChar char="•"/>
-              <a:defRPr sz="1800" kern="1200">
-                <a:solidFill>
-                  <a:schemeClr val="tx1"/>
-                </a:solidFill>
-                <a:latin typeface="+mn-lt"/>
-                <a:ea typeface="+mn-ea"/>
-                <a:cs typeface="+mn-cs"/>
-              </a:defRPr>
-            </a:lvl8pPr>
-            <a:lvl9pPr marL="3886200" indent="-228600" algn="l" defTabSz="914400" rtl="0" eaLnBrk="1" latinLnBrk="1" hangingPunct="1">
-              <a:lnSpc>
-                <a:spcPct val="90000"/>
-              </a:lnSpc>
-              <a:spcBef>
-                <a:spcPts val="500"/>
-              </a:spcBef>
-              <a:buFont typeface="Arial" panose="020B0604020202020204" pitchFamily="34" charset="0"/>
-              <a:buChar char="•"/>
-              <a:defRPr sz="1800" kern="1200">
-                <a:solidFill>
-                  <a:schemeClr val="tx1"/>
-                </a:solidFill>
-                <a:latin typeface="+mn-lt"/>
-                <a:ea typeface="+mn-ea"/>
-                <a:cs typeface="+mn-cs"/>
-              </a:defRPr>
-            </a:lvl9pPr>
-          </a:lstStyle>
-          <a:p>
-            <a:r>
-              <a:rPr lang="ko-KR" altLang="en-US" dirty="0"/>
-              <a:t>실제 회로 구성</a:t>
-            </a:r>
-            <a:endParaRPr lang="en-US" altLang="ko-KR" dirty="0"/>
-          </a:p>
-          <a:p>
-            <a:pPr lvl="1"/>
-            <a:r>
-              <a:rPr lang="ko-KR" altLang="en-US" dirty="0"/>
-              <a:t>준비물 </a:t>
-            </a:r>
-            <a:r>
-              <a:rPr lang="en-US" altLang="ko-KR" dirty="0"/>
-              <a:t>:</a:t>
-            </a:r>
-            <a:r>
-              <a:rPr lang="ko-KR" altLang="en-US" dirty="0"/>
-              <a:t> </a:t>
-            </a:r>
-            <a:r>
-              <a:rPr lang="ko-KR" altLang="en-US" dirty="0" err="1"/>
-              <a:t>브레드</a:t>
-            </a:r>
-            <a:r>
-              <a:rPr lang="ko-KR" altLang="en-US" dirty="0"/>
-              <a:t> 보드</a:t>
-            </a:r>
-            <a:r>
-              <a:rPr lang="en-US" altLang="ko-KR" dirty="0"/>
-              <a:t>,</a:t>
-            </a:r>
-            <a:r>
-              <a:rPr lang="ko-KR" altLang="en-US" dirty="0"/>
-              <a:t> 저항</a:t>
-            </a:r>
-            <a:r>
-              <a:rPr lang="en-US" altLang="ko-KR" dirty="0"/>
-              <a:t>(10K </a:t>
-            </a:r>
-            <a:r>
-              <a:rPr lang="el-GR" altLang="ko-KR" dirty="0"/>
-              <a:t>Ω </a:t>
-            </a:r>
-            <a:r>
-              <a:rPr lang="en-US" altLang="ko-KR" dirty="0"/>
-              <a:t>) 1</a:t>
-            </a:r>
-            <a:r>
-              <a:rPr lang="ko-KR" altLang="en-US" dirty="0"/>
-              <a:t>개</a:t>
-            </a:r>
-            <a:r>
-              <a:rPr lang="en-US" altLang="ko-KR" dirty="0"/>
-              <a:t>,</a:t>
-            </a:r>
-            <a:r>
-              <a:rPr lang="ko-KR" altLang="en-US" dirty="0"/>
-              <a:t> </a:t>
-            </a:r>
-            <a:r>
-              <a:rPr lang="en-US" altLang="ko-KR" dirty="0"/>
-              <a:t>LED 1</a:t>
-            </a:r>
-            <a:r>
-              <a:rPr lang="ko-KR" altLang="en-US" dirty="0"/>
-              <a:t>개</a:t>
-            </a:r>
-          </a:p>
-        </p:txBody>
-      </p:sp>
+      </p:pic>
     </p:spTree>
     <p:extLst>
       <p:ext uri="{BB962C8B-B14F-4D97-AF65-F5344CB8AC3E}">
-        <p14:creationId xmlns:p14="http://schemas.microsoft.com/office/powerpoint/2010/main" val="1104854333"/>
+        <p14:creationId xmlns:p14="http://schemas.microsoft.com/office/powerpoint/2010/main" val="3405037868"/>
       </p:ext>
     </p:extLst>
   </p:cSld>
@@ -7600,6 +7562,377 @@
         </p:nvSpPr>
         <p:spPr>
           <a:xfrm>
+            <a:off x="326239" y="752521"/>
+            <a:ext cx="8491521" cy="922502"/>
+          </a:xfrm>
+        </p:spPr>
+        <p:txBody>
+          <a:bodyPr>
+            <a:normAutofit fontScale="90000"/>
+          </a:bodyPr>
+          <a:lstStyle/>
+          <a:p>
+            <a:pPr marL="457200" marR="0" lvl="1" indent="0" algn="l" defTabSz="914400" rtl="0" eaLnBrk="1" fontAlgn="auto" latinLnBrk="1" hangingPunct="1">
+              <a:lnSpc>
+                <a:spcPct val="100000"/>
+              </a:lnSpc>
+              <a:spcBef>
+                <a:spcPts val="0"/>
+              </a:spcBef>
+              <a:spcAft>
+                <a:spcPts val="0"/>
+              </a:spcAft>
+              <a:buClrTx/>
+              <a:buSzTx/>
+              <a:buFontTx/>
+              <a:buNone/>
+              <a:tabLst/>
+              <a:defRPr/>
+            </a:pPr>
+            <a:r>
+              <a:rPr lang="en-US" altLang="ko-KR" sz="4400" dirty="0"/>
+              <a:t>INPUT_PULLUP</a:t>
+            </a:r>
+            <a:r>
+              <a:rPr lang="ko-KR" altLang="en-US" sz="4400" dirty="0"/>
+              <a:t> 저항을 이용한 </a:t>
+            </a:r>
+            <a:r>
+              <a:rPr lang="en-US" altLang="ko-KR" sz="4400" dirty="0"/>
+              <a:t>LED ON/OFF </a:t>
+            </a:r>
+            <a:r>
+              <a:rPr lang="ko-KR" altLang="en-US" sz="4400" dirty="0"/>
+              <a:t>제작</a:t>
+            </a:r>
+            <a:r>
+              <a:rPr lang="ko-KR" altLang="en-US" kern="1200" dirty="0">
+                <a:solidFill>
+                  <a:prstClr val="black"/>
+                </a:solidFill>
+                <a:latin typeface="Calibri" panose="020F0502020204030204"/>
+                <a:ea typeface="맑은 고딕" panose="020B0503020000020004" pitchFamily="34" charset="-127"/>
+                <a:cs typeface="+mn-cs"/>
+              </a:rPr>
+              <a:t/>
+            </a:r>
+            <a:br>
+              <a:rPr lang="ko-KR" altLang="en-US" kern="1200" dirty="0">
+                <a:solidFill>
+                  <a:prstClr val="black"/>
+                </a:solidFill>
+                <a:latin typeface="Calibri" panose="020F0502020204030204"/>
+                <a:ea typeface="맑은 고딕" panose="020B0503020000020004" pitchFamily="34" charset="-127"/>
+                <a:cs typeface="+mn-cs"/>
+              </a:rPr>
+            </a:br>
+            <a:endParaRPr lang="ko-KR" altLang="en-US" sz="2800" dirty="0"/>
+          </a:p>
+        </p:txBody>
+      </p:sp>
+      <p:sp>
+        <p:nvSpPr>
+          <p:cNvPr id="5" name="내용 개체 틀 2">
+            <a:extLst>
+              <a:ext uri="{FF2B5EF4-FFF2-40B4-BE49-F238E27FC236}">
+                <a16:creationId xmlns:a16="http://schemas.microsoft.com/office/drawing/2014/main" xmlns="" id="{EF178005-F9F5-DB41-9651-29FA5F1A2373}"/>
+              </a:ext>
+            </a:extLst>
+          </p:cNvPr>
+          <p:cNvSpPr txBox="1">
+            <a:spLocks/>
+          </p:cNvSpPr>
+          <p:nvPr/>
+        </p:nvSpPr>
+        <p:spPr>
+          <a:xfrm>
+            <a:off x="904875" y="1902935"/>
+            <a:ext cx="8239125" cy="1333500"/>
+          </a:xfrm>
+          <a:prstGeom prst="rect">
+            <a:avLst/>
+          </a:prstGeom>
+        </p:spPr>
+        <p:txBody>
+          <a:bodyPr/>
+          <a:lstStyle>
+            <a:lvl1pPr marL="228600" indent="-228600" algn="l" defTabSz="914400" rtl="0" eaLnBrk="1" latinLnBrk="1" hangingPunct="1">
+              <a:lnSpc>
+                <a:spcPct val="90000"/>
+              </a:lnSpc>
+              <a:spcBef>
+                <a:spcPts val="1000"/>
+              </a:spcBef>
+              <a:buFont typeface="Arial" panose="020B0604020202020204" pitchFamily="34" charset="0"/>
+              <a:buChar char="•"/>
+              <a:defRPr sz="2800" kern="1200">
+                <a:solidFill>
+                  <a:schemeClr val="tx1"/>
+                </a:solidFill>
+                <a:latin typeface="+mn-lt"/>
+                <a:ea typeface="+mn-ea"/>
+                <a:cs typeface="+mn-cs"/>
+              </a:defRPr>
+            </a:lvl1pPr>
+            <a:lvl2pPr marL="685800" indent="-228600" algn="l" defTabSz="914400" rtl="0" eaLnBrk="1" latinLnBrk="1" hangingPunct="1">
+              <a:lnSpc>
+                <a:spcPct val="90000"/>
+              </a:lnSpc>
+              <a:spcBef>
+                <a:spcPts val="500"/>
+              </a:spcBef>
+              <a:buFont typeface="Arial" panose="020B0604020202020204" pitchFamily="34" charset="0"/>
+              <a:buChar char="•"/>
+              <a:defRPr sz="2400" kern="1200">
+                <a:solidFill>
+                  <a:schemeClr val="tx1"/>
+                </a:solidFill>
+                <a:latin typeface="+mn-lt"/>
+                <a:ea typeface="+mn-ea"/>
+                <a:cs typeface="+mn-cs"/>
+              </a:defRPr>
+            </a:lvl2pPr>
+            <a:lvl3pPr marL="1143000" indent="-228600" algn="l" defTabSz="914400" rtl="0" eaLnBrk="1" latinLnBrk="1" hangingPunct="1">
+              <a:lnSpc>
+                <a:spcPct val="90000"/>
+              </a:lnSpc>
+              <a:spcBef>
+                <a:spcPts val="500"/>
+              </a:spcBef>
+              <a:buFont typeface="Arial" panose="020B0604020202020204" pitchFamily="34" charset="0"/>
+              <a:buChar char="•"/>
+              <a:defRPr sz="2000" kern="1200">
+                <a:solidFill>
+                  <a:schemeClr val="tx1"/>
+                </a:solidFill>
+                <a:latin typeface="+mn-lt"/>
+                <a:ea typeface="+mn-ea"/>
+                <a:cs typeface="+mn-cs"/>
+              </a:defRPr>
+            </a:lvl3pPr>
+            <a:lvl4pPr marL="1600200" indent="-228600" algn="l" defTabSz="914400" rtl="0" eaLnBrk="1" latinLnBrk="1" hangingPunct="1">
+              <a:lnSpc>
+                <a:spcPct val="90000"/>
+              </a:lnSpc>
+              <a:spcBef>
+                <a:spcPts val="500"/>
+              </a:spcBef>
+              <a:buFont typeface="Arial" panose="020B0604020202020204" pitchFamily="34" charset="0"/>
+              <a:buChar char="•"/>
+              <a:defRPr sz="1800" kern="1200">
+                <a:solidFill>
+                  <a:schemeClr val="tx1"/>
+                </a:solidFill>
+                <a:latin typeface="+mn-lt"/>
+                <a:ea typeface="+mn-ea"/>
+                <a:cs typeface="+mn-cs"/>
+              </a:defRPr>
+            </a:lvl4pPr>
+            <a:lvl5pPr marL="2057400" indent="-228600" algn="l" defTabSz="914400" rtl="0" eaLnBrk="1" latinLnBrk="1" hangingPunct="1">
+              <a:lnSpc>
+                <a:spcPct val="90000"/>
+              </a:lnSpc>
+              <a:spcBef>
+                <a:spcPts val="500"/>
+              </a:spcBef>
+              <a:buFont typeface="Arial" panose="020B0604020202020204" pitchFamily="34" charset="0"/>
+              <a:buChar char="•"/>
+              <a:defRPr sz="1800" kern="1200">
+                <a:solidFill>
+                  <a:schemeClr val="tx1"/>
+                </a:solidFill>
+                <a:latin typeface="+mn-lt"/>
+                <a:ea typeface="+mn-ea"/>
+                <a:cs typeface="+mn-cs"/>
+              </a:defRPr>
+            </a:lvl5pPr>
+            <a:lvl6pPr marL="2514600" indent="-228600" algn="l" defTabSz="914400" rtl="0" eaLnBrk="1" latinLnBrk="1" hangingPunct="1">
+              <a:lnSpc>
+                <a:spcPct val="90000"/>
+              </a:lnSpc>
+              <a:spcBef>
+                <a:spcPts val="500"/>
+              </a:spcBef>
+              <a:buFont typeface="Arial" panose="020B0604020202020204" pitchFamily="34" charset="0"/>
+              <a:buChar char="•"/>
+              <a:defRPr sz="1800" kern="1200">
+                <a:solidFill>
+                  <a:schemeClr val="tx1"/>
+                </a:solidFill>
+                <a:latin typeface="+mn-lt"/>
+                <a:ea typeface="+mn-ea"/>
+                <a:cs typeface="+mn-cs"/>
+              </a:defRPr>
+            </a:lvl6pPr>
+            <a:lvl7pPr marL="2971800" indent="-228600" algn="l" defTabSz="914400" rtl="0" eaLnBrk="1" latinLnBrk="1" hangingPunct="1">
+              <a:lnSpc>
+                <a:spcPct val="90000"/>
+              </a:lnSpc>
+              <a:spcBef>
+                <a:spcPts val="500"/>
+              </a:spcBef>
+              <a:buFont typeface="Arial" panose="020B0604020202020204" pitchFamily="34" charset="0"/>
+              <a:buChar char="•"/>
+              <a:defRPr sz="1800" kern="1200">
+                <a:solidFill>
+                  <a:schemeClr val="tx1"/>
+                </a:solidFill>
+                <a:latin typeface="+mn-lt"/>
+                <a:ea typeface="+mn-ea"/>
+                <a:cs typeface="+mn-cs"/>
+              </a:defRPr>
+            </a:lvl7pPr>
+            <a:lvl8pPr marL="3429000" indent="-228600" algn="l" defTabSz="914400" rtl="0" eaLnBrk="1" latinLnBrk="1" hangingPunct="1">
+              <a:lnSpc>
+                <a:spcPct val="90000"/>
+              </a:lnSpc>
+              <a:spcBef>
+                <a:spcPts val="500"/>
+              </a:spcBef>
+              <a:buFont typeface="Arial" panose="020B0604020202020204" pitchFamily="34" charset="0"/>
+              <a:buChar char="•"/>
+              <a:defRPr sz="1800" kern="1200">
+                <a:solidFill>
+                  <a:schemeClr val="tx1"/>
+                </a:solidFill>
+                <a:latin typeface="+mn-lt"/>
+                <a:ea typeface="+mn-ea"/>
+                <a:cs typeface="+mn-cs"/>
+              </a:defRPr>
+            </a:lvl8pPr>
+            <a:lvl9pPr marL="3886200" indent="-228600" algn="l" defTabSz="914400" rtl="0" eaLnBrk="1" latinLnBrk="1" hangingPunct="1">
+              <a:lnSpc>
+                <a:spcPct val="90000"/>
+              </a:lnSpc>
+              <a:spcBef>
+                <a:spcPts val="500"/>
+              </a:spcBef>
+              <a:buFont typeface="Arial" panose="020B0604020202020204" pitchFamily="34" charset="0"/>
+              <a:buChar char="•"/>
+              <a:defRPr sz="1800" kern="1200">
+                <a:solidFill>
+                  <a:schemeClr val="tx1"/>
+                </a:solidFill>
+                <a:latin typeface="+mn-lt"/>
+                <a:ea typeface="+mn-ea"/>
+                <a:cs typeface="+mn-cs"/>
+              </a:defRPr>
+            </a:lvl9pPr>
+          </a:lstStyle>
+          <a:p>
+            <a:r>
+              <a:rPr lang="ko-KR" altLang="en-US" dirty="0"/>
+              <a:t>실제 회로 구성</a:t>
+            </a:r>
+            <a:endParaRPr lang="en-US" altLang="ko-KR" dirty="0"/>
+          </a:p>
+          <a:p>
+            <a:pPr lvl="1"/>
+            <a:r>
+              <a:rPr lang="ko-KR" altLang="en-US" dirty="0"/>
+              <a:t>준비물 </a:t>
+            </a:r>
+            <a:r>
+              <a:rPr lang="en-US" altLang="ko-KR" dirty="0"/>
+              <a:t>:</a:t>
+            </a:r>
+            <a:r>
+              <a:rPr lang="ko-KR" altLang="en-US" dirty="0"/>
+              <a:t> </a:t>
+            </a:r>
+            <a:r>
+              <a:rPr lang="ko-KR" altLang="en-US" dirty="0" err="1"/>
+              <a:t>브레드</a:t>
+            </a:r>
+            <a:r>
+              <a:rPr lang="ko-KR" altLang="en-US" dirty="0"/>
+              <a:t> 보드</a:t>
+            </a:r>
+            <a:r>
+              <a:rPr lang="en-US" altLang="ko-KR" dirty="0"/>
+              <a:t>,</a:t>
+            </a:r>
+            <a:r>
+              <a:rPr lang="ko-KR" altLang="en-US" dirty="0"/>
+              <a:t> 저항</a:t>
+            </a:r>
+            <a:r>
+              <a:rPr lang="en-US" altLang="ko-KR" dirty="0"/>
+              <a:t>(10K </a:t>
+            </a:r>
+            <a:r>
+              <a:rPr lang="el-GR" altLang="ko-KR" dirty="0"/>
+              <a:t>Ω </a:t>
+            </a:r>
+            <a:r>
+              <a:rPr lang="en-US" altLang="ko-KR" dirty="0"/>
+              <a:t>) 1</a:t>
+            </a:r>
+            <a:r>
+              <a:rPr lang="ko-KR" altLang="en-US" dirty="0"/>
+              <a:t>개</a:t>
+            </a:r>
+            <a:r>
+              <a:rPr lang="en-US" altLang="ko-KR" dirty="0"/>
+              <a:t>,</a:t>
+            </a:r>
+            <a:r>
+              <a:rPr lang="ko-KR" altLang="en-US" dirty="0"/>
+              <a:t> </a:t>
+            </a:r>
+            <a:r>
+              <a:rPr lang="en-US" altLang="ko-KR" dirty="0"/>
+              <a:t>LED 1</a:t>
+            </a:r>
+            <a:r>
+              <a:rPr lang="ko-KR" altLang="en-US" dirty="0"/>
+              <a:t>개</a:t>
+            </a:r>
+          </a:p>
+        </p:txBody>
+      </p:sp>
+    </p:spTree>
+    <p:extLst>
+      <p:ext uri="{BB962C8B-B14F-4D97-AF65-F5344CB8AC3E}">
+        <p14:creationId xmlns:p14="http://schemas.microsoft.com/office/powerpoint/2010/main" val="1104854333"/>
+      </p:ext>
+    </p:extLst>
+  </p:cSld>
+  <p:clrMapOvr>
+    <a:masterClrMapping/>
+  </p:clrMapOvr>
+</p:sld>
+</file>
+
+<file path=ppt/slides/slide22.xml><?xml version="1.0" encoding="utf-8"?>
+<p:sld xmlns:a="http://schemas.openxmlformats.org/drawingml/2006/main" xmlns:r="http://schemas.openxmlformats.org/officeDocument/2006/relationships" xmlns:p="http://schemas.openxmlformats.org/presentationml/2006/main">
+  <p:cSld>
+    <p:spTree>
+      <p:nvGrpSpPr>
+        <p:cNvPr id="1" name=""/>
+        <p:cNvGrpSpPr/>
+        <p:nvPr/>
+      </p:nvGrpSpPr>
+      <p:grpSpPr>
+        <a:xfrm>
+          <a:off x="0" y="0"/>
+          <a:ext cx="0" cy="0"/>
+          <a:chOff x="0" y="0"/>
+          <a:chExt cx="0" cy="0"/>
+        </a:xfrm>
+      </p:grpSpPr>
+      <p:sp>
+        <p:nvSpPr>
+          <p:cNvPr id="2" name="제목 1"/>
+          <p:cNvSpPr>
+            <a:spLocks noGrp="1"/>
+          </p:cNvSpPr>
+          <p:nvPr>
+            <p:ph type="title"/>
+          </p:nvPr>
+        </p:nvSpPr>
+        <p:spPr>
+          <a:xfrm>
             <a:off x="628650" y="365127"/>
             <a:ext cx="8237444" cy="898898"/>
           </a:xfrm>
@@ -7635,7 +7968,7 @@
 </p:sld>
 </file>
 
-<file path=ppt/slides/slide22.xml><?xml version="1.0" encoding="utf-8"?>
+<file path=ppt/slides/slide23.xml><?xml version="1.0" encoding="utf-8"?>
 <p:sld xmlns:a="http://schemas.openxmlformats.org/drawingml/2006/main" xmlns:r="http://schemas.openxmlformats.org/officeDocument/2006/relationships" xmlns:p="http://schemas.openxmlformats.org/presentationml/2006/main">
   <p:cSld>
     <p:spTree>
@@ -7921,7 +8254,7 @@
 </p:sld>
 </file>
 
-<file path=ppt/slides/slide23.xml><?xml version="1.0" encoding="utf-8"?>
+<file path=ppt/slides/slide24.xml><?xml version="1.0" encoding="utf-8"?>
 <p:sld xmlns:a="http://schemas.openxmlformats.org/drawingml/2006/main" xmlns:r="http://schemas.openxmlformats.org/officeDocument/2006/relationships" xmlns:p="http://schemas.openxmlformats.org/presentationml/2006/main">
   <p:cSld>
     <p:spTree>
@@ -10522,7 +10855,7 @@
           <p:cNvPr id="18" name="그림 17" descr="전자기기, 회로이(가) 표시된 사진&#10;&#10;자동 생성된 설명">
             <a:extLst>
               <a:ext uri="{FF2B5EF4-FFF2-40B4-BE49-F238E27FC236}">
-                <a16:creationId xmlns:a16="http://schemas.microsoft.com/office/drawing/2014/main" id="{D7BDF426-0F3C-494A-8C9F-2D3B68D6B9DA}"/>
+                <a16:creationId xmlns:a16="http://schemas.microsoft.com/office/drawing/2014/main" xmlns="" id="{D7BDF426-0F3C-494A-8C9F-2D3B68D6B9DA}"/>
               </a:ext>
             </a:extLst>
           </p:cNvPr>
@@ -10805,7 +11138,7 @@
           <p:cNvPr id="3" name="그림 2" descr="스크린샷이(가) 표시된 사진&#10;&#10;자동 생성된 설명">
             <a:extLst>
               <a:ext uri="{FF2B5EF4-FFF2-40B4-BE49-F238E27FC236}">
-                <a16:creationId xmlns:a16="http://schemas.microsoft.com/office/drawing/2014/main" id="{0ECAF3A8-C7C9-B74C-8D7D-50DCC1DCD352}"/>
+                <a16:creationId xmlns:a16="http://schemas.microsoft.com/office/drawing/2014/main" xmlns="" id="{0ECAF3A8-C7C9-B74C-8D7D-50DCC1DCD352}"/>
               </a:ext>
             </a:extLst>
           </p:cNvPr>
@@ -11092,7 +11425,7 @@
           <p:cNvPr id="3" name="그림 2" descr="전자기기, 회로이(가) 표시된 사진&#10;&#10;자동 생성된 설명">
             <a:extLst>
               <a:ext uri="{FF2B5EF4-FFF2-40B4-BE49-F238E27FC236}">
-                <a16:creationId xmlns:a16="http://schemas.microsoft.com/office/drawing/2014/main" id="{BD1E7784-0FC5-4241-BC94-8AE6CE466EE7}"/>
+                <a16:creationId xmlns:a16="http://schemas.microsoft.com/office/drawing/2014/main" xmlns="" id="{BD1E7784-0FC5-4241-BC94-8AE6CE466EE7}"/>
               </a:ext>
             </a:extLst>
           </p:cNvPr>
@@ -11375,7 +11708,7 @@
           <p:cNvPr id="4" name="그림 3" descr="스크린샷이(가) 표시된 사진&#10;&#10;자동 생성된 설명">
             <a:extLst>
               <a:ext uri="{FF2B5EF4-FFF2-40B4-BE49-F238E27FC236}">
-                <a16:creationId xmlns:a16="http://schemas.microsoft.com/office/drawing/2014/main" id="{7F132A92-9B9D-1945-A66C-A7F72DCE0E85}"/>
+                <a16:creationId xmlns:a16="http://schemas.microsoft.com/office/drawing/2014/main" xmlns="" id="{7F132A92-9B9D-1945-A66C-A7F72DCE0E85}"/>
               </a:ext>
             </a:extLst>
           </p:cNvPr>

--- a/Week04.pptx
+++ b/Week04.pptx
@@ -5,7 +5,7 @@
     <p:sldMasterId id="2147483660" r:id="rId1"/>
   </p:sldMasterIdLst>
   <p:notesMasterIdLst>
-    <p:notesMasterId r:id="rId26"/>
+    <p:notesMasterId r:id="rId27"/>
   </p:notesMasterIdLst>
   <p:sldIdLst>
     <p:sldId id="256" r:id="rId2"/>
@@ -20,18 +20,19 @@
     <p:sldId id="283" r:id="rId11"/>
     <p:sldId id="303" r:id="rId12"/>
     <p:sldId id="291" r:id="rId13"/>
-    <p:sldId id="262" r:id="rId14"/>
-    <p:sldId id="294" r:id="rId15"/>
-    <p:sldId id="292" r:id="rId16"/>
-    <p:sldId id="295" r:id="rId17"/>
-    <p:sldId id="293" r:id="rId18"/>
-    <p:sldId id="298" r:id="rId19"/>
-    <p:sldId id="299" r:id="rId20"/>
-    <p:sldId id="296" r:id="rId21"/>
-    <p:sldId id="297" r:id="rId22"/>
-    <p:sldId id="300" r:id="rId23"/>
-    <p:sldId id="301" r:id="rId24"/>
-    <p:sldId id="302" r:id="rId25"/>
+    <p:sldId id="304" r:id="rId14"/>
+    <p:sldId id="262" r:id="rId15"/>
+    <p:sldId id="294" r:id="rId16"/>
+    <p:sldId id="292" r:id="rId17"/>
+    <p:sldId id="295" r:id="rId18"/>
+    <p:sldId id="293" r:id="rId19"/>
+    <p:sldId id="298" r:id="rId20"/>
+    <p:sldId id="299" r:id="rId21"/>
+    <p:sldId id="296" r:id="rId22"/>
+    <p:sldId id="297" r:id="rId23"/>
+    <p:sldId id="300" r:id="rId24"/>
+    <p:sldId id="301" r:id="rId25"/>
+    <p:sldId id="302" r:id="rId26"/>
   </p:sldIdLst>
   <p:sldSz cx="9144000" cy="6858000" type="screen4x3"/>
   <p:notesSz cx="6797675" cy="9929813"/>
@@ -3852,7 +3853,7 @@
         </p:nvSpPr>
         <p:spPr>
           <a:xfrm>
-            <a:off x="82128" y="1130212"/>
+            <a:off x="121177" y="710989"/>
             <a:ext cx="8239125" cy="1318121"/>
           </a:xfrm>
           <a:prstGeom prst="rect">
@@ -4041,65 +4042,64 @@
             </a:r>
             <a:r>
               <a:rPr lang="en-US" altLang="ko-KR" dirty="0" smtClean="0"/>
-              <a:t>? </a:t>
+              <a:t>? HIGH or LOW</a:t>
+            </a:r>
+          </a:p>
+          <a:p>
+            <a:pPr lvl="2"/>
+            <a:r>
+              <a:rPr lang="ko-KR" altLang="en-US" dirty="0" smtClean="0"/>
+              <a:t>스위치 </a:t>
+            </a:r>
+            <a:r>
+              <a:rPr lang="en-US" altLang="ko-KR" dirty="0" smtClean="0"/>
+              <a:t>OFF  </a:t>
+            </a:r>
+            <a:r>
+              <a:rPr lang="ko-KR" altLang="en-US" dirty="0" err="1" smtClean="0"/>
+              <a:t>일때</a:t>
+            </a:r>
+            <a:r>
+              <a:rPr lang="ko-KR" altLang="en-US" dirty="0" smtClean="0"/>
+              <a:t> 불규칙한 값</a:t>
+            </a:r>
+            <a:r>
+              <a:rPr lang="en-US" altLang="ko-KR" dirty="0" smtClean="0"/>
+              <a:t>(HIGH, LOW) </a:t>
+            </a:r>
+            <a:r>
+              <a:rPr lang="ko-KR" altLang="en-US" dirty="0" smtClean="0"/>
+              <a:t>읽음</a:t>
+            </a:r>
+            <a:endParaRPr lang="en-US" altLang="ko-KR" dirty="0" smtClean="0"/>
+          </a:p>
+          <a:p>
+            <a:pPr lvl="2"/>
+            <a:r>
+              <a:rPr lang="ko-KR" altLang="en-US" dirty="0" smtClean="0"/>
+              <a:t>스위치 </a:t>
+            </a:r>
+            <a:r>
+              <a:rPr lang="en-US" altLang="ko-KR" dirty="0" smtClean="0"/>
+              <a:t>ON </a:t>
+            </a:r>
+            <a:r>
+              <a:rPr lang="ko-KR" altLang="en-US" dirty="0" err="1" smtClean="0"/>
+              <a:t>일때</a:t>
+            </a:r>
+            <a:r>
+              <a:rPr lang="ko-KR" altLang="en-US" dirty="0" smtClean="0"/>
+              <a:t> </a:t>
+            </a:r>
+            <a:r>
+              <a:rPr lang="en-US" altLang="ko-KR" dirty="0" smtClean="0"/>
+              <a:t>HIGH(+5V) </a:t>
+            </a:r>
+            <a:r>
+              <a:rPr lang="ko-KR" altLang="en-US" dirty="0" smtClean="0"/>
+              <a:t>읽음</a:t>
             </a:r>
             <a:endParaRPr lang="en-US" altLang="ko-KR" dirty="0"/>
-          </a:p>
-        </p:txBody>
-      </p:sp>
-      <p:sp>
-        <p:nvSpPr>
-          <p:cNvPr id="9" name="제목 1"/>
-          <p:cNvSpPr txBox="1">
-            <a:spLocks/>
-          </p:cNvSpPr>
-          <p:nvPr/>
-        </p:nvSpPr>
-        <p:spPr>
-          <a:xfrm>
-            <a:off x="628650" y="365127"/>
-            <a:ext cx="8237444" cy="898898"/>
-          </a:xfrm>
-          <a:prstGeom prst="rect">
-            <a:avLst/>
-          </a:prstGeom>
-        </p:spPr>
-        <p:txBody>
-          <a:bodyPr>
-            <a:normAutofit/>
-          </a:bodyPr>
-          <a:lstStyle>
-            <a:lvl1pPr algn="l" defTabSz="914400" rtl="0" eaLnBrk="1" latinLnBrk="1" hangingPunct="1">
-              <a:lnSpc>
-                <a:spcPct val="90000"/>
-              </a:lnSpc>
-              <a:spcBef>
-                <a:spcPct val="0"/>
-              </a:spcBef>
-              <a:buNone/>
-              <a:defRPr sz="4400" kern="1200">
-                <a:solidFill>
-                  <a:schemeClr val="tx1"/>
-                </a:solidFill>
-                <a:latin typeface="+mj-lt"/>
-                <a:ea typeface="+mj-ea"/>
-                <a:cs typeface="+mj-cs"/>
-              </a:defRPr>
-            </a:lvl1pPr>
-          </a:lstStyle>
-          <a:p>
-            <a:r>
-              <a:rPr lang="ko-KR" altLang="en-US" dirty="0" err="1"/>
-              <a:t>풀로팅</a:t>
-            </a:r>
-            <a:r>
-              <a:rPr lang="en-US" altLang="ko-KR" dirty="0"/>
-              <a:t>(floating) </a:t>
-            </a:r>
-            <a:r>
-              <a:rPr lang="ko-KR" altLang="en-US" dirty="0"/>
-              <a:t>현상</a:t>
-            </a:r>
           </a:p>
         </p:txBody>
       </p:sp>
@@ -4125,8 +4125,8 @@
         </p:blipFill>
         <p:spPr>
           <a:xfrm>
-            <a:off x="2047288" y="1930445"/>
-            <a:ext cx="3858734" cy="3732448"/>
+            <a:off x="2411497" y="2029110"/>
+            <a:ext cx="3658487" cy="3538755"/>
           </a:xfrm>
           <a:prstGeom prst="rect">
             <a:avLst/>
@@ -4553,6 +4553,364 @@
       </p:grpSpPr>
       <p:sp>
         <p:nvSpPr>
+          <p:cNvPr id="8" name="내용 개체 틀 2"/>
+          <p:cNvSpPr txBox="1">
+            <a:spLocks/>
+          </p:cNvSpPr>
+          <p:nvPr/>
+        </p:nvSpPr>
+        <p:spPr>
+          <a:xfrm>
+            <a:off x="75865" y="522700"/>
+            <a:ext cx="8239125" cy="1318121"/>
+          </a:xfrm>
+          <a:prstGeom prst="rect">
+            <a:avLst/>
+          </a:prstGeom>
+        </p:spPr>
+        <p:txBody>
+          <a:bodyPr/>
+          <a:lstStyle>
+            <a:lvl1pPr marL="228600" indent="-228600" algn="l" defTabSz="914400" rtl="0" eaLnBrk="1" latinLnBrk="1" hangingPunct="1">
+              <a:lnSpc>
+                <a:spcPct val="90000"/>
+              </a:lnSpc>
+              <a:spcBef>
+                <a:spcPts val="1000"/>
+              </a:spcBef>
+              <a:buFont typeface="Arial" panose="020B0604020202020204" pitchFamily="34" charset="0"/>
+              <a:buChar char="•"/>
+              <a:defRPr sz="2800" kern="1200">
+                <a:solidFill>
+                  <a:schemeClr val="tx1"/>
+                </a:solidFill>
+                <a:latin typeface="+mn-lt"/>
+                <a:ea typeface="+mn-ea"/>
+                <a:cs typeface="+mn-cs"/>
+              </a:defRPr>
+            </a:lvl1pPr>
+            <a:lvl2pPr marL="685800" indent="-228600" algn="l" defTabSz="914400" rtl="0" eaLnBrk="1" latinLnBrk="1" hangingPunct="1">
+              <a:lnSpc>
+                <a:spcPct val="90000"/>
+              </a:lnSpc>
+              <a:spcBef>
+                <a:spcPts val="500"/>
+              </a:spcBef>
+              <a:buFont typeface="Arial" panose="020B0604020202020204" pitchFamily="34" charset="0"/>
+              <a:buChar char="•"/>
+              <a:defRPr sz="2400" kern="1200">
+                <a:solidFill>
+                  <a:schemeClr val="tx1"/>
+                </a:solidFill>
+                <a:latin typeface="+mn-lt"/>
+                <a:ea typeface="+mn-ea"/>
+                <a:cs typeface="+mn-cs"/>
+              </a:defRPr>
+            </a:lvl2pPr>
+            <a:lvl3pPr marL="1143000" indent="-228600" algn="l" defTabSz="914400" rtl="0" eaLnBrk="1" latinLnBrk="1" hangingPunct="1">
+              <a:lnSpc>
+                <a:spcPct val="90000"/>
+              </a:lnSpc>
+              <a:spcBef>
+                <a:spcPts val="500"/>
+              </a:spcBef>
+              <a:buFont typeface="Arial" panose="020B0604020202020204" pitchFamily="34" charset="0"/>
+              <a:buChar char="•"/>
+              <a:defRPr sz="2000" kern="1200">
+                <a:solidFill>
+                  <a:schemeClr val="tx1"/>
+                </a:solidFill>
+                <a:latin typeface="+mn-lt"/>
+                <a:ea typeface="+mn-ea"/>
+                <a:cs typeface="+mn-cs"/>
+              </a:defRPr>
+            </a:lvl3pPr>
+            <a:lvl4pPr marL="1600200" indent="-228600" algn="l" defTabSz="914400" rtl="0" eaLnBrk="1" latinLnBrk="1" hangingPunct="1">
+              <a:lnSpc>
+                <a:spcPct val="90000"/>
+              </a:lnSpc>
+              <a:spcBef>
+                <a:spcPts val="500"/>
+              </a:spcBef>
+              <a:buFont typeface="Arial" panose="020B0604020202020204" pitchFamily="34" charset="0"/>
+              <a:buChar char="•"/>
+              <a:defRPr sz="1800" kern="1200">
+                <a:solidFill>
+                  <a:schemeClr val="tx1"/>
+                </a:solidFill>
+                <a:latin typeface="+mn-lt"/>
+                <a:ea typeface="+mn-ea"/>
+                <a:cs typeface="+mn-cs"/>
+              </a:defRPr>
+            </a:lvl4pPr>
+            <a:lvl5pPr marL="2057400" indent="-228600" algn="l" defTabSz="914400" rtl="0" eaLnBrk="1" latinLnBrk="1" hangingPunct="1">
+              <a:lnSpc>
+                <a:spcPct val="90000"/>
+              </a:lnSpc>
+              <a:spcBef>
+                <a:spcPts val="500"/>
+              </a:spcBef>
+              <a:buFont typeface="Arial" panose="020B0604020202020204" pitchFamily="34" charset="0"/>
+              <a:buChar char="•"/>
+              <a:defRPr sz="1800" kern="1200">
+                <a:solidFill>
+                  <a:schemeClr val="tx1"/>
+                </a:solidFill>
+                <a:latin typeface="+mn-lt"/>
+                <a:ea typeface="+mn-ea"/>
+                <a:cs typeface="+mn-cs"/>
+              </a:defRPr>
+            </a:lvl5pPr>
+            <a:lvl6pPr marL="2514600" indent="-228600" algn="l" defTabSz="914400" rtl="0" eaLnBrk="1" latinLnBrk="1" hangingPunct="1">
+              <a:lnSpc>
+                <a:spcPct val="90000"/>
+              </a:lnSpc>
+              <a:spcBef>
+                <a:spcPts val="500"/>
+              </a:spcBef>
+              <a:buFont typeface="Arial" panose="020B0604020202020204" pitchFamily="34" charset="0"/>
+              <a:buChar char="•"/>
+              <a:defRPr sz="1800" kern="1200">
+                <a:solidFill>
+                  <a:schemeClr val="tx1"/>
+                </a:solidFill>
+                <a:latin typeface="+mn-lt"/>
+                <a:ea typeface="+mn-ea"/>
+                <a:cs typeface="+mn-cs"/>
+              </a:defRPr>
+            </a:lvl6pPr>
+            <a:lvl7pPr marL="2971800" indent="-228600" algn="l" defTabSz="914400" rtl="0" eaLnBrk="1" latinLnBrk="1" hangingPunct="1">
+              <a:lnSpc>
+                <a:spcPct val="90000"/>
+              </a:lnSpc>
+              <a:spcBef>
+                <a:spcPts val="500"/>
+              </a:spcBef>
+              <a:buFont typeface="Arial" panose="020B0604020202020204" pitchFamily="34" charset="0"/>
+              <a:buChar char="•"/>
+              <a:defRPr sz="1800" kern="1200">
+                <a:solidFill>
+                  <a:schemeClr val="tx1"/>
+                </a:solidFill>
+                <a:latin typeface="+mn-lt"/>
+                <a:ea typeface="+mn-ea"/>
+                <a:cs typeface="+mn-cs"/>
+              </a:defRPr>
+            </a:lvl7pPr>
+            <a:lvl8pPr marL="3429000" indent="-228600" algn="l" defTabSz="914400" rtl="0" eaLnBrk="1" latinLnBrk="1" hangingPunct="1">
+              <a:lnSpc>
+                <a:spcPct val="90000"/>
+              </a:lnSpc>
+              <a:spcBef>
+                <a:spcPts val="500"/>
+              </a:spcBef>
+              <a:buFont typeface="Arial" panose="020B0604020202020204" pitchFamily="34" charset="0"/>
+              <a:buChar char="•"/>
+              <a:defRPr sz="1800" kern="1200">
+                <a:solidFill>
+                  <a:schemeClr val="tx1"/>
+                </a:solidFill>
+                <a:latin typeface="+mn-lt"/>
+                <a:ea typeface="+mn-ea"/>
+                <a:cs typeface="+mn-cs"/>
+              </a:defRPr>
+            </a:lvl8pPr>
+            <a:lvl9pPr marL="3886200" indent="-228600" algn="l" defTabSz="914400" rtl="0" eaLnBrk="1" latinLnBrk="1" hangingPunct="1">
+              <a:lnSpc>
+                <a:spcPct val="90000"/>
+              </a:lnSpc>
+              <a:spcBef>
+                <a:spcPts val="500"/>
+              </a:spcBef>
+              <a:buFont typeface="Arial" panose="020B0604020202020204" pitchFamily="34" charset="0"/>
+              <a:buChar char="•"/>
+              <a:defRPr sz="1800" kern="1200">
+                <a:solidFill>
+                  <a:schemeClr val="tx1"/>
+                </a:solidFill>
+                <a:latin typeface="+mn-lt"/>
+                <a:ea typeface="+mn-ea"/>
+                <a:cs typeface="+mn-cs"/>
+              </a:defRPr>
+            </a:lvl9pPr>
+          </a:lstStyle>
+          <a:p>
+            <a:pPr lvl="1"/>
+            <a:r>
+              <a:rPr lang="ko-KR" altLang="en-US" dirty="0" smtClean="0"/>
+              <a:t>스위치 </a:t>
+            </a:r>
+            <a:r>
+              <a:rPr lang="en-US" altLang="ko-KR" dirty="0" smtClean="0"/>
+              <a:t>ON </a:t>
+            </a:r>
+            <a:r>
+              <a:rPr lang="ko-KR" altLang="en-US" dirty="0" err="1" smtClean="0"/>
+              <a:t>일때</a:t>
+            </a:r>
+            <a:r>
+              <a:rPr lang="ko-KR" altLang="en-US" dirty="0" smtClean="0"/>
+              <a:t> </a:t>
+            </a:r>
+            <a:r>
+              <a:rPr lang="ko-KR" altLang="en-US" dirty="0" err="1" smtClean="0"/>
+              <a:t>숏트</a:t>
+            </a:r>
+            <a:r>
+              <a:rPr lang="ko-KR" altLang="en-US" dirty="0" smtClean="0"/>
+              <a:t> 발생</a:t>
+            </a:r>
+            <a:r>
+              <a:rPr lang="en-US" altLang="ko-KR" dirty="0" smtClean="0">
+                <a:solidFill>
+                  <a:srgbClr val="FF0000"/>
+                </a:solidFill>
+              </a:rPr>
+              <a:t>(</a:t>
+            </a:r>
+            <a:r>
+              <a:rPr lang="ko-KR" altLang="en-US" dirty="0" smtClean="0">
+                <a:solidFill>
+                  <a:srgbClr val="FF0000"/>
+                </a:solidFill>
+              </a:rPr>
+              <a:t>주의</a:t>
+            </a:r>
+            <a:r>
+              <a:rPr lang="en-US" altLang="ko-KR" dirty="0" smtClean="0">
+                <a:solidFill>
+                  <a:srgbClr val="FF0000"/>
+                </a:solidFill>
+              </a:rPr>
+              <a:t>!!!, </a:t>
+            </a:r>
+            <a:r>
+              <a:rPr lang="ko-KR" altLang="en-US" dirty="0" smtClean="0">
+                <a:solidFill>
+                  <a:srgbClr val="FF0000"/>
+                </a:solidFill>
+              </a:rPr>
+              <a:t>절대 연결하면 안됨</a:t>
+            </a:r>
+            <a:r>
+              <a:rPr lang="en-US" altLang="ko-KR" dirty="0" smtClean="0">
+                <a:solidFill>
+                  <a:srgbClr val="FF0000"/>
+                </a:solidFill>
+              </a:rPr>
+              <a:t>)</a:t>
+            </a:r>
+          </a:p>
+          <a:p>
+            <a:pPr lvl="2"/>
+            <a:r>
+              <a:rPr lang="ko-KR" altLang="en-US" dirty="0" smtClean="0"/>
+              <a:t>쇼트 방지를 위해 저항</a:t>
+            </a:r>
+            <a:r>
+              <a:rPr lang="en-US" altLang="ko-KR" dirty="0" smtClean="0"/>
+              <a:t>(PULL-DWON, PULL-UP)</a:t>
+            </a:r>
+            <a:r>
+              <a:rPr lang="ko-KR" altLang="en-US" dirty="0" smtClean="0"/>
+              <a:t>이 필요</a:t>
+            </a:r>
+            <a:endParaRPr lang="en-US" altLang="ko-KR" dirty="0"/>
+          </a:p>
+        </p:txBody>
+      </p:sp>
+      <p:pic>
+        <p:nvPicPr>
+          <p:cNvPr id="4" name="그림 3"/>
+          <p:cNvPicPr>
+            <a:picLocks noChangeAspect="1"/>
+          </p:cNvPicPr>
+          <p:nvPr/>
+        </p:nvPicPr>
+        <p:blipFill>
+          <a:blip r:embed="rId2">
+            <a:extLst>
+              <a:ext uri="{28A0092B-C50C-407E-A947-70E740481C1C}">
+                <a14:useLocalDpi xmlns:a14="http://schemas.microsoft.com/office/drawing/2010/main" val="0"/>
+              </a:ext>
+            </a:extLst>
+          </a:blip>
+          <a:stretch>
+            <a:fillRect/>
+          </a:stretch>
+        </p:blipFill>
+        <p:spPr>
+          <a:xfrm>
+            <a:off x="138700" y="2084260"/>
+            <a:ext cx="3365588" cy="3146093"/>
+          </a:xfrm>
+          <a:prstGeom prst="rect">
+            <a:avLst/>
+          </a:prstGeom>
+        </p:spPr>
+      </p:pic>
+      <p:pic>
+        <p:nvPicPr>
+          <p:cNvPr id="3" name="그림 2"/>
+          <p:cNvPicPr>
+            <a:picLocks noChangeAspect="1"/>
+          </p:cNvPicPr>
+          <p:nvPr/>
+        </p:nvPicPr>
+        <p:blipFill>
+          <a:blip r:embed="rId3">
+            <a:extLst>
+              <a:ext uri="{28A0092B-C50C-407E-A947-70E740481C1C}">
+                <a14:useLocalDpi xmlns:a14="http://schemas.microsoft.com/office/drawing/2010/main" val="0"/>
+              </a:ext>
+            </a:extLst>
+          </a:blip>
+          <a:stretch>
+            <a:fillRect/>
+          </a:stretch>
+        </p:blipFill>
+        <p:spPr>
+          <a:xfrm>
+            <a:off x="3757554" y="1840821"/>
+            <a:ext cx="5054506" cy="3769749"/>
+          </a:xfrm>
+          <a:prstGeom prst="rect">
+            <a:avLst/>
+          </a:prstGeom>
+        </p:spPr>
+      </p:pic>
+    </p:spTree>
+    <p:extLst>
+      <p:ext uri="{BB962C8B-B14F-4D97-AF65-F5344CB8AC3E}">
+        <p14:creationId xmlns:p14="http://schemas.microsoft.com/office/powerpoint/2010/main" val="724420571"/>
+      </p:ext>
+    </p:extLst>
+  </p:cSld>
+  <p:clrMapOvr>
+    <a:masterClrMapping/>
+  </p:clrMapOvr>
+</p:sld>
+</file>
+
+<file path=ppt/slides/slide14.xml><?xml version="1.0" encoding="utf-8"?>
+<p:sld xmlns:a="http://schemas.openxmlformats.org/drawingml/2006/main" xmlns:r="http://schemas.openxmlformats.org/officeDocument/2006/relationships" xmlns:p="http://schemas.openxmlformats.org/presentationml/2006/main">
+  <p:cSld>
+    <p:spTree>
+      <p:nvGrpSpPr>
+        <p:cNvPr id="1" name=""/>
+        <p:cNvGrpSpPr/>
+        <p:nvPr/>
+      </p:nvGrpSpPr>
+      <p:grpSpPr>
+        <a:xfrm>
+          <a:off x="0" y="0"/>
+          <a:ext cx="0" cy="0"/>
+          <a:chOff x="0" y="0"/>
+          <a:chExt cx="0" cy="0"/>
+        </a:xfrm>
+      </p:grpSpPr>
+      <p:sp>
+        <p:nvSpPr>
           <p:cNvPr id="2" name="제목 1"/>
           <p:cNvSpPr>
             <a:spLocks noGrp="1"/>
@@ -4966,7 +5324,7 @@
 </p:sld>
 </file>
 
-<file path=ppt/slides/slide14.xml><?xml version="1.0" encoding="utf-8"?>
+<file path=ppt/slides/slide15.xml><?xml version="1.0" encoding="utf-8"?>
 <p:sld xmlns:a="http://schemas.openxmlformats.org/drawingml/2006/main" xmlns:r="http://schemas.openxmlformats.org/officeDocument/2006/relationships" xmlns:p="http://schemas.openxmlformats.org/presentationml/2006/main">
   <p:cSld>
     <p:spTree>
@@ -5065,7 +5423,7 @@
 </p:sld>
 </file>
 
-<file path=ppt/slides/slide15.xml><?xml version="1.0" encoding="utf-8"?>
+<file path=ppt/slides/slide16.xml><?xml version="1.0" encoding="utf-8"?>
 <p:sld xmlns:a="http://schemas.openxmlformats.org/drawingml/2006/main" xmlns:r="http://schemas.openxmlformats.org/officeDocument/2006/relationships" xmlns:p="http://schemas.openxmlformats.org/presentationml/2006/main">
   <p:cSld>
     <p:spTree>
@@ -5508,7 +5866,7 @@
 </p:sld>
 </file>
 
-<file path=ppt/slides/slide16.xml><?xml version="1.0" encoding="utf-8"?>
+<file path=ppt/slides/slide17.xml><?xml version="1.0" encoding="utf-8"?>
 <p:sld xmlns:a="http://schemas.openxmlformats.org/drawingml/2006/main" xmlns:r="http://schemas.openxmlformats.org/officeDocument/2006/relationships" xmlns:p="http://schemas.openxmlformats.org/presentationml/2006/main">
   <p:cSld>
     <p:spTree>
@@ -5606,7 +5964,7 @@
 </p:sld>
 </file>
 
-<file path=ppt/slides/slide17.xml><?xml version="1.0" encoding="utf-8"?>
+<file path=ppt/slides/slide18.xml><?xml version="1.0" encoding="utf-8"?>
 <p:sld xmlns:a="http://schemas.openxmlformats.org/drawingml/2006/main" xmlns:r="http://schemas.openxmlformats.org/officeDocument/2006/relationships" xmlns:p="http://schemas.openxmlformats.org/presentationml/2006/main">
   <p:cSld>
     <p:spTree>
@@ -5932,7 +6290,7 @@
 </p:sld>
 </file>
 
-<file path=ppt/slides/slide18.xml><?xml version="1.0" encoding="utf-8"?>
+<file path=ppt/slides/slide19.xml><?xml version="1.0" encoding="utf-8"?>
 <p:sld xmlns:a="http://schemas.openxmlformats.org/drawingml/2006/main" xmlns:r="http://schemas.openxmlformats.org/officeDocument/2006/relationships" xmlns:p="http://schemas.openxmlformats.org/presentationml/2006/main">
   <p:cSld>
     <p:spTree>
@@ -5987,278 +6345,6 @@
     <p:extLst>
       <p:ext uri="{BB962C8B-B14F-4D97-AF65-F5344CB8AC3E}">
         <p14:creationId xmlns:p14="http://schemas.microsoft.com/office/powerpoint/2010/main" val="2678112964"/>
-      </p:ext>
-    </p:extLst>
-  </p:cSld>
-  <p:clrMapOvr>
-    <a:masterClrMapping/>
-  </p:clrMapOvr>
-</p:sld>
-</file>
-
-<file path=ppt/slides/slide19.xml><?xml version="1.0" encoding="utf-8"?>
-<p:sld xmlns:a="http://schemas.openxmlformats.org/drawingml/2006/main" xmlns:r="http://schemas.openxmlformats.org/officeDocument/2006/relationships" xmlns:p="http://schemas.openxmlformats.org/presentationml/2006/main">
-  <p:cSld>
-    <p:spTree>
-      <p:nvGrpSpPr>
-        <p:cNvPr id="1" name=""/>
-        <p:cNvGrpSpPr/>
-        <p:nvPr/>
-      </p:nvGrpSpPr>
-      <p:grpSpPr>
-        <a:xfrm>
-          <a:off x="0" y="0"/>
-          <a:ext cx="0" cy="0"/>
-          <a:chOff x="0" y="0"/>
-          <a:chExt cx="0" cy="0"/>
-        </a:xfrm>
-      </p:grpSpPr>
-      <p:sp>
-        <p:nvSpPr>
-          <p:cNvPr id="6" name="내용 개체 틀 2">
-            <a:extLst>
-              <a:ext uri="{FF2B5EF4-FFF2-40B4-BE49-F238E27FC236}">
-                <a16:creationId xmlns:a16="http://schemas.microsoft.com/office/drawing/2014/main" xmlns="" id="{DF087650-FC74-7247-9653-3D7CFFBCEE43}"/>
-              </a:ext>
-            </a:extLst>
-          </p:cNvPr>
-          <p:cNvSpPr txBox="1">
-            <a:spLocks/>
-          </p:cNvSpPr>
-          <p:nvPr/>
-        </p:nvSpPr>
-        <p:spPr>
-          <a:xfrm>
-            <a:off x="452437" y="647012"/>
-            <a:ext cx="8239125" cy="1333500"/>
-          </a:xfrm>
-          <a:prstGeom prst="rect">
-            <a:avLst/>
-          </a:prstGeom>
-        </p:spPr>
-        <p:txBody>
-          <a:bodyPr/>
-          <a:lstStyle>
-            <a:lvl1pPr marL="228600" indent="-228600" algn="l" defTabSz="914400" rtl="0" eaLnBrk="1" latinLnBrk="1" hangingPunct="1">
-              <a:lnSpc>
-                <a:spcPct val="90000"/>
-              </a:lnSpc>
-              <a:spcBef>
-                <a:spcPts val="1000"/>
-              </a:spcBef>
-              <a:buFont typeface="Arial" panose="020B0604020202020204" pitchFamily="34" charset="0"/>
-              <a:buChar char="•"/>
-              <a:defRPr sz="2800" kern="1200">
-                <a:solidFill>
-                  <a:schemeClr val="tx1"/>
-                </a:solidFill>
-                <a:latin typeface="+mn-lt"/>
-                <a:ea typeface="+mn-ea"/>
-                <a:cs typeface="+mn-cs"/>
-              </a:defRPr>
-            </a:lvl1pPr>
-            <a:lvl2pPr marL="685800" indent="-228600" algn="l" defTabSz="914400" rtl="0" eaLnBrk="1" latinLnBrk="1" hangingPunct="1">
-              <a:lnSpc>
-                <a:spcPct val="90000"/>
-              </a:lnSpc>
-              <a:spcBef>
-                <a:spcPts val="500"/>
-              </a:spcBef>
-              <a:buFont typeface="Arial" panose="020B0604020202020204" pitchFamily="34" charset="0"/>
-              <a:buChar char="•"/>
-              <a:defRPr sz="2400" kern="1200">
-                <a:solidFill>
-                  <a:schemeClr val="tx1"/>
-                </a:solidFill>
-                <a:latin typeface="+mn-lt"/>
-                <a:ea typeface="+mn-ea"/>
-                <a:cs typeface="+mn-cs"/>
-              </a:defRPr>
-            </a:lvl2pPr>
-            <a:lvl3pPr marL="1143000" indent="-228600" algn="l" defTabSz="914400" rtl="0" eaLnBrk="1" latinLnBrk="1" hangingPunct="1">
-              <a:lnSpc>
-                <a:spcPct val="90000"/>
-              </a:lnSpc>
-              <a:spcBef>
-                <a:spcPts val="500"/>
-              </a:spcBef>
-              <a:buFont typeface="Arial" panose="020B0604020202020204" pitchFamily="34" charset="0"/>
-              <a:buChar char="•"/>
-              <a:defRPr sz="2000" kern="1200">
-                <a:solidFill>
-                  <a:schemeClr val="tx1"/>
-                </a:solidFill>
-                <a:latin typeface="+mn-lt"/>
-                <a:ea typeface="+mn-ea"/>
-                <a:cs typeface="+mn-cs"/>
-              </a:defRPr>
-            </a:lvl3pPr>
-            <a:lvl4pPr marL="1600200" indent="-228600" algn="l" defTabSz="914400" rtl="0" eaLnBrk="1" latinLnBrk="1" hangingPunct="1">
-              <a:lnSpc>
-                <a:spcPct val="90000"/>
-              </a:lnSpc>
-              <a:spcBef>
-                <a:spcPts val="500"/>
-              </a:spcBef>
-              <a:buFont typeface="Arial" panose="020B0604020202020204" pitchFamily="34" charset="0"/>
-              <a:buChar char="•"/>
-              <a:defRPr sz="1800" kern="1200">
-                <a:solidFill>
-                  <a:schemeClr val="tx1"/>
-                </a:solidFill>
-                <a:latin typeface="+mn-lt"/>
-                <a:ea typeface="+mn-ea"/>
-                <a:cs typeface="+mn-cs"/>
-              </a:defRPr>
-            </a:lvl4pPr>
-            <a:lvl5pPr marL="2057400" indent="-228600" algn="l" defTabSz="914400" rtl="0" eaLnBrk="1" latinLnBrk="1" hangingPunct="1">
-              <a:lnSpc>
-                <a:spcPct val="90000"/>
-              </a:lnSpc>
-              <a:spcBef>
-                <a:spcPts val="500"/>
-              </a:spcBef>
-              <a:buFont typeface="Arial" panose="020B0604020202020204" pitchFamily="34" charset="0"/>
-              <a:buChar char="•"/>
-              <a:defRPr sz="1800" kern="1200">
-                <a:solidFill>
-                  <a:schemeClr val="tx1"/>
-                </a:solidFill>
-                <a:latin typeface="+mn-lt"/>
-                <a:ea typeface="+mn-ea"/>
-                <a:cs typeface="+mn-cs"/>
-              </a:defRPr>
-            </a:lvl5pPr>
-            <a:lvl6pPr marL="2514600" indent="-228600" algn="l" defTabSz="914400" rtl="0" eaLnBrk="1" latinLnBrk="1" hangingPunct="1">
-              <a:lnSpc>
-                <a:spcPct val="90000"/>
-              </a:lnSpc>
-              <a:spcBef>
-                <a:spcPts val="500"/>
-              </a:spcBef>
-              <a:buFont typeface="Arial" panose="020B0604020202020204" pitchFamily="34" charset="0"/>
-              <a:buChar char="•"/>
-              <a:defRPr sz="1800" kern="1200">
-                <a:solidFill>
-                  <a:schemeClr val="tx1"/>
-                </a:solidFill>
-                <a:latin typeface="+mn-lt"/>
-                <a:ea typeface="+mn-ea"/>
-                <a:cs typeface="+mn-cs"/>
-              </a:defRPr>
-            </a:lvl6pPr>
-            <a:lvl7pPr marL="2971800" indent="-228600" algn="l" defTabSz="914400" rtl="0" eaLnBrk="1" latinLnBrk="1" hangingPunct="1">
-              <a:lnSpc>
-                <a:spcPct val="90000"/>
-              </a:lnSpc>
-              <a:spcBef>
-                <a:spcPts val="500"/>
-              </a:spcBef>
-              <a:buFont typeface="Arial" panose="020B0604020202020204" pitchFamily="34" charset="0"/>
-              <a:buChar char="•"/>
-              <a:defRPr sz="1800" kern="1200">
-                <a:solidFill>
-                  <a:schemeClr val="tx1"/>
-                </a:solidFill>
-                <a:latin typeface="+mn-lt"/>
-                <a:ea typeface="+mn-ea"/>
-                <a:cs typeface="+mn-cs"/>
-              </a:defRPr>
-            </a:lvl7pPr>
-            <a:lvl8pPr marL="3429000" indent="-228600" algn="l" defTabSz="914400" rtl="0" eaLnBrk="1" latinLnBrk="1" hangingPunct="1">
-              <a:lnSpc>
-                <a:spcPct val="90000"/>
-              </a:lnSpc>
-              <a:spcBef>
-                <a:spcPts val="500"/>
-              </a:spcBef>
-              <a:buFont typeface="Arial" panose="020B0604020202020204" pitchFamily="34" charset="0"/>
-              <a:buChar char="•"/>
-              <a:defRPr sz="1800" kern="1200">
-                <a:solidFill>
-                  <a:schemeClr val="tx1"/>
-                </a:solidFill>
-                <a:latin typeface="+mn-lt"/>
-                <a:ea typeface="+mn-ea"/>
-                <a:cs typeface="+mn-cs"/>
-              </a:defRPr>
-            </a:lvl8pPr>
-            <a:lvl9pPr marL="3886200" indent="-228600" algn="l" defTabSz="914400" rtl="0" eaLnBrk="1" latinLnBrk="1" hangingPunct="1">
-              <a:lnSpc>
-                <a:spcPct val="90000"/>
-              </a:lnSpc>
-              <a:spcBef>
-                <a:spcPts val="500"/>
-              </a:spcBef>
-              <a:buFont typeface="Arial" panose="020B0604020202020204" pitchFamily="34" charset="0"/>
-              <a:buChar char="•"/>
-              <a:defRPr sz="1800" kern="1200">
-                <a:solidFill>
-                  <a:schemeClr val="tx1"/>
-                </a:solidFill>
-                <a:latin typeface="+mn-lt"/>
-                <a:ea typeface="+mn-ea"/>
-                <a:cs typeface="+mn-cs"/>
-              </a:defRPr>
-            </a:lvl9pPr>
-          </a:lstStyle>
-          <a:p>
-            <a:r>
-              <a:rPr lang="ko-KR" altLang="en-US" dirty="0"/>
-              <a:t>실제 회로 구성</a:t>
-            </a:r>
-            <a:endParaRPr lang="en-US" altLang="ko-KR" dirty="0"/>
-          </a:p>
-          <a:p>
-            <a:pPr lvl="1"/>
-            <a:r>
-              <a:rPr lang="ko-KR" altLang="en-US" dirty="0"/>
-              <a:t>준비물 </a:t>
-            </a:r>
-            <a:r>
-              <a:rPr lang="en-US" altLang="ko-KR" dirty="0"/>
-              <a:t>:</a:t>
-            </a:r>
-            <a:r>
-              <a:rPr lang="ko-KR" altLang="en-US" dirty="0"/>
-              <a:t> </a:t>
-            </a:r>
-            <a:r>
-              <a:rPr lang="ko-KR" altLang="en-US" dirty="0" err="1"/>
-              <a:t>브레드</a:t>
-            </a:r>
-            <a:r>
-              <a:rPr lang="ko-KR" altLang="en-US" dirty="0"/>
-              <a:t> 보드</a:t>
-            </a:r>
-            <a:r>
-              <a:rPr lang="en-US" altLang="ko-KR" dirty="0"/>
-              <a:t>,</a:t>
-            </a:r>
-            <a:r>
-              <a:rPr lang="ko-KR" altLang="en-US" dirty="0"/>
-              <a:t> 저항</a:t>
-            </a:r>
-            <a:r>
-              <a:rPr lang="en-US" altLang="ko-KR" dirty="0"/>
-              <a:t>(10K </a:t>
-            </a:r>
-            <a:r>
-              <a:rPr lang="el-GR" altLang="ko-KR" dirty="0"/>
-              <a:t>Ω </a:t>
-            </a:r>
-            <a:r>
-              <a:rPr lang="en-US" altLang="ko-KR" dirty="0"/>
-              <a:t>) 1</a:t>
-            </a:r>
-            <a:endParaRPr lang="ko-KR" altLang="en-US" dirty="0"/>
-          </a:p>
-        </p:txBody>
-      </p:sp>
-    </p:spTree>
-    <p:extLst>
-      <p:ext uri="{BB962C8B-B14F-4D97-AF65-F5344CB8AC3E}">
-        <p14:creationId xmlns:p14="http://schemas.microsoft.com/office/powerpoint/2010/main" val="4139337548"/>
       </p:ext>
     </p:extLst>
   </p:cSld>
@@ -7453,6 +7539,278 @@
       </p:grpSpPr>
       <p:sp>
         <p:nvSpPr>
+          <p:cNvPr id="6" name="내용 개체 틀 2">
+            <a:extLst>
+              <a:ext uri="{FF2B5EF4-FFF2-40B4-BE49-F238E27FC236}">
+                <a16:creationId xmlns:a16="http://schemas.microsoft.com/office/drawing/2014/main" xmlns="" id="{DF087650-FC74-7247-9653-3D7CFFBCEE43}"/>
+              </a:ext>
+            </a:extLst>
+          </p:cNvPr>
+          <p:cNvSpPr txBox="1">
+            <a:spLocks/>
+          </p:cNvSpPr>
+          <p:nvPr/>
+        </p:nvSpPr>
+        <p:spPr>
+          <a:xfrm>
+            <a:off x="452437" y="647012"/>
+            <a:ext cx="8239125" cy="1333500"/>
+          </a:xfrm>
+          <a:prstGeom prst="rect">
+            <a:avLst/>
+          </a:prstGeom>
+        </p:spPr>
+        <p:txBody>
+          <a:bodyPr/>
+          <a:lstStyle>
+            <a:lvl1pPr marL="228600" indent="-228600" algn="l" defTabSz="914400" rtl="0" eaLnBrk="1" latinLnBrk="1" hangingPunct="1">
+              <a:lnSpc>
+                <a:spcPct val="90000"/>
+              </a:lnSpc>
+              <a:spcBef>
+                <a:spcPts val="1000"/>
+              </a:spcBef>
+              <a:buFont typeface="Arial" panose="020B0604020202020204" pitchFamily="34" charset="0"/>
+              <a:buChar char="•"/>
+              <a:defRPr sz="2800" kern="1200">
+                <a:solidFill>
+                  <a:schemeClr val="tx1"/>
+                </a:solidFill>
+                <a:latin typeface="+mn-lt"/>
+                <a:ea typeface="+mn-ea"/>
+                <a:cs typeface="+mn-cs"/>
+              </a:defRPr>
+            </a:lvl1pPr>
+            <a:lvl2pPr marL="685800" indent="-228600" algn="l" defTabSz="914400" rtl="0" eaLnBrk="1" latinLnBrk="1" hangingPunct="1">
+              <a:lnSpc>
+                <a:spcPct val="90000"/>
+              </a:lnSpc>
+              <a:spcBef>
+                <a:spcPts val="500"/>
+              </a:spcBef>
+              <a:buFont typeface="Arial" panose="020B0604020202020204" pitchFamily="34" charset="0"/>
+              <a:buChar char="•"/>
+              <a:defRPr sz="2400" kern="1200">
+                <a:solidFill>
+                  <a:schemeClr val="tx1"/>
+                </a:solidFill>
+                <a:latin typeface="+mn-lt"/>
+                <a:ea typeface="+mn-ea"/>
+                <a:cs typeface="+mn-cs"/>
+              </a:defRPr>
+            </a:lvl2pPr>
+            <a:lvl3pPr marL="1143000" indent="-228600" algn="l" defTabSz="914400" rtl="0" eaLnBrk="1" latinLnBrk="1" hangingPunct="1">
+              <a:lnSpc>
+                <a:spcPct val="90000"/>
+              </a:lnSpc>
+              <a:spcBef>
+                <a:spcPts val="500"/>
+              </a:spcBef>
+              <a:buFont typeface="Arial" panose="020B0604020202020204" pitchFamily="34" charset="0"/>
+              <a:buChar char="•"/>
+              <a:defRPr sz="2000" kern="1200">
+                <a:solidFill>
+                  <a:schemeClr val="tx1"/>
+                </a:solidFill>
+                <a:latin typeface="+mn-lt"/>
+                <a:ea typeface="+mn-ea"/>
+                <a:cs typeface="+mn-cs"/>
+              </a:defRPr>
+            </a:lvl3pPr>
+            <a:lvl4pPr marL="1600200" indent="-228600" algn="l" defTabSz="914400" rtl="0" eaLnBrk="1" latinLnBrk="1" hangingPunct="1">
+              <a:lnSpc>
+                <a:spcPct val="90000"/>
+              </a:lnSpc>
+              <a:spcBef>
+                <a:spcPts val="500"/>
+              </a:spcBef>
+              <a:buFont typeface="Arial" panose="020B0604020202020204" pitchFamily="34" charset="0"/>
+              <a:buChar char="•"/>
+              <a:defRPr sz="1800" kern="1200">
+                <a:solidFill>
+                  <a:schemeClr val="tx1"/>
+                </a:solidFill>
+                <a:latin typeface="+mn-lt"/>
+                <a:ea typeface="+mn-ea"/>
+                <a:cs typeface="+mn-cs"/>
+              </a:defRPr>
+            </a:lvl4pPr>
+            <a:lvl5pPr marL="2057400" indent="-228600" algn="l" defTabSz="914400" rtl="0" eaLnBrk="1" latinLnBrk="1" hangingPunct="1">
+              <a:lnSpc>
+                <a:spcPct val="90000"/>
+              </a:lnSpc>
+              <a:spcBef>
+                <a:spcPts val="500"/>
+              </a:spcBef>
+              <a:buFont typeface="Arial" panose="020B0604020202020204" pitchFamily="34" charset="0"/>
+              <a:buChar char="•"/>
+              <a:defRPr sz="1800" kern="1200">
+                <a:solidFill>
+                  <a:schemeClr val="tx1"/>
+                </a:solidFill>
+                <a:latin typeface="+mn-lt"/>
+                <a:ea typeface="+mn-ea"/>
+                <a:cs typeface="+mn-cs"/>
+              </a:defRPr>
+            </a:lvl5pPr>
+            <a:lvl6pPr marL="2514600" indent="-228600" algn="l" defTabSz="914400" rtl="0" eaLnBrk="1" latinLnBrk="1" hangingPunct="1">
+              <a:lnSpc>
+                <a:spcPct val="90000"/>
+              </a:lnSpc>
+              <a:spcBef>
+                <a:spcPts val="500"/>
+              </a:spcBef>
+              <a:buFont typeface="Arial" panose="020B0604020202020204" pitchFamily="34" charset="0"/>
+              <a:buChar char="•"/>
+              <a:defRPr sz="1800" kern="1200">
+                <a:solidFill>
+                  <a:schemeClr val="tx1"/>
+                </a:solidFill>
+                <a:latin typeface="+mn-lt"/>
+                <a:ea typeface="+mn-ea"/>
+                <a:cs typeface="+mn-cs"/>
+              </a:defRPr>
+            </a:lvl6pPr>
+            <a:lvl7pPr marL="2971800" indent="-228600" algn="l" defTabSz="914400" rtl="0" eaLnBrk="1" latinLnBrk="1" hangingPunct="1">
+              <a:lnSpc>
+                <a:spcPct val="90000"/>
+              </a:lnSpc>
+              <a:spcBef>
+                <a:spcPts val="500"/>
+              </a:spcBef>
+              <a:buFont typeface="Arial" panose="020B0604020202020204" pitchFamily="34" charset="0"/>
+              <a:buChar char="•"/>
+              <a:defRPr sz="1800" kern="1200">
+                <a:solidFill>
+                  <a:schemeClr val="tx1"/>
+                </a:solidFill>
+                <a:latin typeface="+mn-lt"/>
+                <a:ea typeface="+mn-ea"/>
+                <a:cs typeface="+mn-cs"/>
+              </a:defRPr>
+            </a:lvl7pPr>
+            <a:lvl8pPr marL="3429000" indent="-228600" algn="l" defTabSz="914400" rtl="0" eaLnBrk="1" latinLnBrk="1" hangingPunct="1">
+              <a:lnSpc>
+                <a:spcPct val="90000"/>
+              </a:lnSpc>
+              <a:spcBef>
+                <a:spcPts val="500"/>
+              </a:spcBef>
+              <a:buFont typeface="Arial" panose="020B0604020202020204" pitchFamily="34" charset="0"/>
+              <a:buChar char="•"/>
+              <a:defRPr sz="1800" kern="1200">
+                <a:solidFill>
+                  <a:schemeClr val="tx1"/>
+                </a:solidFill>
+                <a:latin typeface="+mn-lt"/>
+                <a:ea typeface="+mn-ea"/>
+                <a:cs typeface="+mn-cs"/>
+              </a:defRPr>
+            </a:lvl8pPr>
+            <a:lvl9pPr marL="3886200" indent="-228600" algn="l" defTabSz="914400" rtl="0" eaLnBrk="1" latinLnBrk="1" hangingPunct="1">
+              <a:lnSpc>
+                <a:spcPct val="90000"/>
+              </a:lnSpc>
+              <a:spcBef>
+                <a:spcPts val="500"/>
+              </a:spcBef>
+              <a:buFont typeface="Arial" panose="020B0604020202020204" pitchFamily="34" charset="0"/>
+              <a:buChar char="•"/>
+              <a:defRPr sz="1800" kern="1200">
+                <a:solidFill>
+                  <a:schemeClr val="tx1"/>
+                </a:solidFill>
+                <a:latin typeface="+mn-lt"/>
+                <a:ea typeface="+mn-ea"/>
+                <a:cs typeface="+mn-cs"/>
+              </a:defRPr>
+            </a:lvl9pPr>
+          </a:lstStyle>
+          <a:p>
+            <a:r>
+              <a:rPr lang="ko-KR" altLang="en-US" dirty="0"/>
+              <a:t>실제 회로 구성</a:t>
+            </a:r>
+            <a:endParaRPr lang="en-US" altLang="ko-KR" dirty="0"/>
+          </a:p>
+          <a:p>
+            <a:pPr lvl="1"/>
+            <a:r>
+              <a:rPr lang="ko-KR" altLang="en-US" dirty="0"/>
+              <a:t>준비물 </a:t>
+            </a:r>
+            <a:r>
+              <a:rPr lang="en-US" altLang="ko-KR" dirty="0"/>
+              <a:t>:</a:t>
+            </a:r>
+            <a:r>
+              <a:rPr lang="ko-KR" altLang="en-US" dirty="0"/>
+              <a:t> </a:t>
+            </a:r>
+            <a:r>
+              <a:rPr lang="ko-KR" altLang="en-US" dirty="0" err="1"/>
+              <a:t>브레드</a:t>
+            </a:r>
+            <a:r>
+              <a:rPr lang="ko-KR" altLang="en-US" dirty="0"/>
+              <a:t> 보드</a:t>
+            </a:r>
+            <a:r>
+              <a:rPr lang="en-US" altLang="ko-KR" dirty="0"/>
+              <a:t>,</a:t>
+            </a:r>
+            <a:r>
+              <a:rPr lang="ko-KR" altLang="en-US" dirty="0"/>
+              <a:t> 저항</a:t>
+            </a:r>
+            <a:r>
+              <a:rPr lang="en-US" altLang="ko-KR" dirty="0"/>
+              <a:t>(10K </a:t>
+            </a:r>
+            <a:r>
+              <a:rPr lang="el-GR" altLang="ko-KR" dirty="0"/>
+              <a:t>Ω </a:t>
+            </a:r>
+            <a:r>
+              <a:rPr lang="en-US" altLang="ko-KR" dirty="0"/>
+              <a:t>) 1</a:t>
+            </a:r>
+            <a:endParaRPr lang="ko-KR" altLang="en-US" dirty="0"/>
+          </a:p>
+        </p:txBody>
+      </p:sp>
+    </p:spTree>
+    <p:extLst>
+      <p:ext uri="{BB962C8B-B14F-4D97-AF65-F5344CB8AC3E}">
+        <p14:creationId xmlns:p14="http://schemas.microsoft.com/office/powerpoint/2010/main" val="4139337548"/>
+      </p:ext>
+    </p:extLst>
+  </p:cSld>
+  <p:clrMapOvr>
+    <a:masterClrMapping/>
+  </p:clrMapOvr>
+</p:sld>
+</file>
+
+<file path=ppt/slides/slide21.xml><?xml version="1.0" encoding="utf-8"?>
+<p:sld xmlns:a="http://schemas.openxmlformats.org/drawingml/2006/main" xmlns:r="http://schemas.openxmlformats.org/officeDocument/2006/relationships" xmlns:p="http://schemas.openxmlformats.org/presentationml/2006/main">
+  <p:cSld>
+    <p:spTree>
+      <p:nvGrpSpPr>
+        <p:cNvPr id="1" name=""/>
+        <p:cNvGrpSpPr/>
+        <p:nvPr/>
+      </p:nvGrpSpPr>
+      <p:grpSpPr>
+        <a:xfrm>
+          <a:off x="0" y="0"/>
+          <a:ext cx="0" cy="0"/>
+          <a:chOff x="0" y="0"/>
+          <a:chExt cx="0" cy="0"/>
+        </a:xfrm>
+      </p:grpSpPr>
+      <p:sp>
+        <p:nvSpPr>
           <p:cNvPr id="2" name="제목 1"/>
           <p:cNvSpPr>
             <a:spLocks noGrp="1"/>
@@ -7533,7 +7891,7 @@
 </p:sld>
 </file>
 
-<file path=ppt/slides/slide21.xml><?xml version="1.0" encoding="utf-8"?>
+<file path=ppt/slides/slide22.xml><?xml version="1.0" encoding="utf-8"?>
 <p:sld xmlns:a="http://schemas.openxmlformats.org/drawingml/2006/main" xmlns:r="http://schemas.openxmlformats.org/officeDocument/2006/relationships" xmlns:p="http://schemas.openxmlformats.org/presentationml/2006/main">
   <p:cSld>
     <p:spTree>
@@ -7904,7 +8262,7 @@
 </p:sld>
 </file>
 
-<file path=ppt/slides/slide22.xml><?xml version="1.0" encoding="utf-8"?>
+<file path=ppt/slides/slide23.xml><?xml version="1.0" encoding="utf-8"?>
 <p:sld xmlns:a="http://schemas.openxmlformats.org/drawingml/2006/main" xmlns:r="http://schemas.openxmlformats.org/officeDocument/2006/relationships" xmlns:p="http://schemas.openxmlformats.org/presentationml/2006/main">
   <p:cSld>
     <p:spTree>
@@ -7968,7 +8326,7 @@
 </p:sld>
 </file>
 
-<file path=ppt/slides/slide23.xml><?xml version="1.0" encoding="utf-8"?>
+<file path=ppt/slides/slide24.xml><?xml version="1.0" encoding="utf-8"?>
 <p:sld xmlns:a="http://schemas.openxmlformats.org/drawingml/2006/main" xmlns:r="http://schemas.openxmlformats.org/officeDocument/2006/relationships" xmlns:p="http://schemas.openxmlformats.org/presentationml/2006/main">
   <p:cSld>
     <p:spTree>
@@ -8254,7 +8612,7 @@
 </p:sld>
 </file>
 
-<file path=ppt/slides/slide24.xml><?xml version="1.0" encoding="utf-8"?>
+<file path=ppt/slides/slide25.xml><?xml version="1.0" encoding="utf-8"?>
 <p:sld xmlns:a="http://schemas.openxmlformats.org/drawingml/2006/main" xmlns:r="http://schemas.openxmlformats.org/officeDocument/2006/relationships" xmlns:p="http://schemas.openxmlformats.org/presentationml/2006/main">
   <p:cSld>
     <p:spTree>

--- a/Week04.pptx
+++ b/Week04.pptx
@@ -5,7 +5,7 @@
     <p:sldMasterId id="2147483660" r:id="rId1"/>
   </p:sldMasterIdLst>
   <p:notesMasterIdLst>
-    <p:notesMasterId r:id="rId27"/>
+    <p:notesMasterId r:id="rId28"/>
   </p:notesMasterIdLst>
   <p:sldIdLst>
     <p:sldId id="256" r:id="rId2"/>
@@ -23,16 +23,17 @@
     <p:sldId id="304" r:id="rId14"/>
     <p:sldId id="262" r:id="rId15"/>
     <p:sldId id="294" r:id="rId16"/>
-    <p:sldId id="292" r:id="rId17"/>
-    <p:sldId id="295" r:id="rId18"/>
-    <p:sldId id="293" r:id="rId19"/>
-    <p:sldId id="298" r:id="rId20"/>
-    <p:sldId id="299" r:id="rId21"/>
-    <p:sldId id="296" r:id="rId22"/>
-    <p:sldId id="297" r:id="rId23"/>
-    <p:sldId id="300" r:id="rId24"/>
-    <p:sldId id="301" r:id="rId25"/>
-    <p:sldId id="302" r:id="rId26"/>
+    <p:sldId id="305" r:id="rId17"/>
+    <p:sldId id="292" r:id="rId18"/>
+    <p:sldId id="295" r:id="rId19"/>
+    <p:sldId id="293" r:id="rId20"/>
+    <p:sldId id="298" r:id="rId21"/>
+    <p:sldId id="299" r:id="rId22"/>
+    <p:sldId id="296" r:id="rId23"/>
+    <p:sldId id="297" r:id="rId24"/>
+    <p:sldId id="300" r:id="rId25"/>
+    <p:sldId id="301" r:id="rId26"/>
+    <p:sldId id="302" r:id="rId27"/>
   </p:sldIdLst>
   <p:sldSz cx="9144000" cy="6858000" type="screen4x3"/>
   <p:notesSz cx="6797675" cy="9929813"/>
@@ -4485,7 +4486,7 @@
         <p:spPr>
           <a:xfrm>
             <a:off x="624741" y="6319457"/>
-            <a:ext cx="5871031" cy="369332"/>
+            <a:ext cx="6794360" cy="369332"/>
           </a:xfrm>
           <a:prstGeom prst="rect">
             <a:avLst/>
@@ -4503,7 +4504,11 @@
               <a:t>* 만약 </a:t>
             </a:r>
             <a:r>
-              <a:rPr lang="en-US" altLang="ko-KR" dirty="0"/>
+              <a:rPr lang="ko-KR" altLang="en-US" dirty="0" smtClean="0"/>
+              <a:t>스위치가 </a:t>
+            </a:r>
+            <a:r>
+              <a:rPr lang="en-US" altLang="ko-KR" dirty="0" smtClean="0"/>
               <a:t>5V</a:t>
             </a:r>
             <a:r>
@@ -4809,7 +4814,23 @@
             </a:r>
             <a:r>
               <a:rPr lang="en-US" altLang="ko-KR" dirty="0" smtClean="0"/>
-              <a:t>(PULL-DWON, PULL-UP)</a:t>
+              <a:t>(</a:t>
+            </a:r>
+            <a:r>
+              <a:rPr lang="ko-KR" altLang="en-US" dirty="0" smtClean="0"/>
+              <a:t>풀다운</a:t>
+            </a:r>
+            <a:r>
+              <a:rPr lang="en-US" altLang="ko-KR" dirty="0" smtClean="0"/>
+              <a:t>, </a:t>
+            </a:r>
+            <a:r>
+              <a:rPr lang="ko-KR" altLang="en-US" dirty="0" err="1" smtClean="0"/>
+              <a:t>풀업</a:t>
+            </a:r>
+            <a:r>
+              <a:rPr lang="en-US" altLang="ko-KR" dirty="0" smtClean="0"/>
+              <a:t>, INPUT_PULL_UP)</a:t>
             </a:r>
             <a:r>
               <a:rPr lang="ko-KR" altLang="en-US" dirty="0" smtClean="0"/>
@@ -5368,6 +5389,100 @@
               <a:buChar char="•"/>
             </a:pPr>
             <a:r>
+              <a:rPr lang="en-US" altLang="ko-KR" sz="2800" dirty="0" smtClean="0"/>
+              <a:t>Fritzing : PULL-DOWN</a:t>
+            </a:r>
+            <a:endParaRPr lang="ko-KR" altLang="en-US" sz="2800" dirty="0"/>
+          </a:p>
+        </p:txBody>
+      </p:sp>
+      <p:pic>
+        <p:nvPicPr>
+          <p:cNvPr id="3" name="그림 2"/>
+          <p:cNvPicPr>
+            <a:picLocks noChangeAspect="1"/>
+          </p:cNvPicPr>
+          <p:nvPr/>
+        </p:nvPicPr>
+        <p:blipFill>
+          <a:blip r:embed="rId2" cstate="print">
+            <a:extLst>
+              <a:ext uri="{28A0092B-C50C-407E-A947-70E740481C1C}">
+                <a14:useLocalDpi xmlns:a14="http://schemas.microsoft.com/office/drawing/2010/main" val="0"/>
+              </a:ext>
+            </a:extLst>
+          </a:blip>
+          <a:stretch>
+            <a:fillRect/>
+          </a:stretch>
+        </p:blipFill>
+        <p:spPr>
+          <a:xfrm>
+            <a:off x="548361" y="1214120"/>
+            <a:ext cx="7928030" cy="4729480"/>
+          </a:xfrm>
+          <a:prstGeom prst="rect">
+            <a:avLst/>
+          </a:prstGeom>
+        </p:spPr>
+      </p:pic>
+    </p:spTree>
+    <p:extLst>
+      <p:ext uri="{BB962C8B-B14F-4D97-AF65-F5344CB8AC3E}">
+        <p14:creationId xmlns:p14="http://schemas.microsoft.com/office/powerpoint/2010/main" val="1269335607"/>
+      </p:ext>
+    </p:extLst>
+  </p:cSld>
+  <p:clrMapOvr>
+    <a:masterClrMapping/>
+  </p:clrMapOvr>
+</p:sld>
+</file>
+
+<file path=ppt/slides/slide16.xml><?xml version="1.0" encoding="utf-8"?>
+<p:sld xmlns:a="http://schemas.openxmlformats.org/drawingml/2006/main" xmlns:r="http://schemas.openxmlformats.org/officeDocument/2006/relationships" xmlns:p="http://schemas.openxmlformats.org/presentationml/2006/main">
+  <p:cSld>
+    <p:spTree>
+      <p:nvGrpSpPr>
+        <p:cNvPr id="1" name=""/>
+        <p:cNvGrpSpPr/>
+        <p:nvPr/>
+      </p:nvGrpSpPr>
+      <p:grpSpPr>
+        <a:xfrm>
+          <a:off x="0" y="0"/>
+          <a:ext cx="0" cy="0"/>
+          <a:chOff x="0" y="0"/>
+          <a:chExt cx="0" cy="0"/>
+        </a:xfrm>
+      </p:grpSpPr>
+      <p:sp>
+        <p:nvSpPr>
+          <p:cNvPr id="2" name="제목 1"/>
+          <p:cNvSpPr>
+            <a:spLocks noGrp="1"/>
+          </p:cNvSpPr>
+          <p:nvPr>
+            <p:ph type="title"/>
+          </p:nvPr>
+        </p:nvSpPr>
+        <p:spPr>
+          <a:xfrm>
+            <a:off x="617633" y="122756"/>
+            <a:ext cx="8237444" cy="898898"/>
+          </a:xfrm>
+        </p:spPr>
+        <p:txBody>
+          <a:bodyPr>
+            <a:normAutofit/>
+          </a:bodyPr>
+          <a:lstStyle/>
+          <a:p>
+            <a:pPr marL="457200" indent="-457200">
+              <a:buFont typeface="Arial" panose="020B0604020202020204" pitchFamily="34" charset="0"/>
+              <a:buChar char="•"/>
+            </a:pPr>
+            <a:r>
               <a:rPr lang="ko-KR" altLang="en-US" sz="2800" dirty="0"/>
               <a:t>스케치 프로그래밍</a:t>
             </a:r>
@@ -5413,7 +5528,7 @@
     </p:spTree>
     <p:extLst>
       <p:ext uri="{BB962C8B-B14F-4D97-AF65-F5344CB8AC3E}">
-        <p14:creationId xmlns:p14="http://schemas.microsoft.com/office/powerpoint/2010/main" val="1269335607"/>
+        <p14:creationId xmlns:p14="http://schemas.microsoft.com/office/powerpoint/2010/main" val="513905551"/>
       </p:ext>
     </p:extLst>
   </p:cSld>
@@ -5423,7 +5538,7 @@
 </p:sld>
 </file>
 
-<file path=ppt/slides/slide16.xml><?xml version="1.0" encoding="utf-8"?>
+<file path=ppt/slides/slide17.xml><?xml version="1.0" encoding="utf-8"?>
 <p:sld xmlns:a="http://schemas.openxmlformats.org/drawingml/2006/main" xmlns:r="http://schemas.openxmlformats.org/officeDocument/2006/relationships" xmlns:p="http://schemas.openxmlformats.org/presentationml/2006/main">
   <p:cSld>
     <p:spTree>
@@ -5866,7 +5981,7 @@
 </p:sld>
 </file>
 
-<file path=ppt/slides/slide17.xml><?xml version="1.0" encoding="utf-8"?>
+<file path=ppt/slides/slide18.xml><?xml version="1.0" encoding="utf-8"?>
 <p:sld xmlns:a="http://schemas.openxmlformats.org/drawingml/2006/main" xmlns:r="http://schemas.openxmlformats.org/officeDocument/2006/relationships" xmlns:p="http://schemas.openxmlformats.org/presentationml/2006/main">
   <p:cSld>
     <p:spTree>
@@ -5964,7 +6079,7 @@
 </p:sld>
 </file>
 
-<file path=ppt/slides/slide18.xml><?xml version="1.0" encoding="utf-8"?>
+<file path=ppt/slides/slide19.xml><?xml version="1.0" encoding="utf-8"?>
 <p:sld xmlns:a="http://schemas.openxmlformats.org/drawingml/2006/main" xmlns:r="http://schemas.openxmlformats.org/officeDocument/2006/relationships" xmlns:p="http://schemas.openxmlformats.org/presentationml/2006/main">
   <p:cSld>
     <p:spTree>
@@ -6269,8 +6384,8 @@
         </p:blipFill>
         <p:spPr>
           <a:xfrm>
-            <a:off x="1447830" y="2639789"/>
-            <a:ext cx="4628275" cy="3103396"/>
+            <a:off x="1623194" y="2633525"/>
+            <a:ext cx="4908485" cy="3291285"/>
           </a:xfrm>
           <a:prstGeom prst="rect">
             <a:avLst/>
@@ -6281,70 +6396,6 @@
     <p:extLst>
       <p:ext uri="{BB962C8B-B14F-4D97-AF65-F5344CB8AC3E}">
         <p14:creationId xmlns:p14="http://schemas.microsoft.com/office/powerpoint/2010/main" val="588633147"/>
-      </p:ext>
-    </p:extLst>
-  </p:cSld>
-  <p:clrMapOvr>
-    <a:masterClrMapping/>
-  </p:clrMapOvr>
-</p:sld>
-</file>
-
-<file path=ppt/slides/slide19.xml><?xml version="1.0" encoding="utf-8"?>
-<p:sld xmlns:a="http://schemas.openxmlformats.org/drawingml/2006/main" xmlns:r="http://schemas.openxmlformats.org/officeDocument/2006/relationships" xmlns:p="http://schemas.openxmlformats.org/presentationml/2006/main">
-  <p:cSld>
-    <p:spTree>
-      <p:nvGrpSpPr>
-        <p:cNvPr id="1" name=""/>
-        <p:cNvGrpSpPr/>
-        <p:nvPr/>
-      </p:nvGrpSpPr>
-      <p:grpSpPr>
-        <a:xfrm>
-          <a:off x="0" y="0"/>
-          <a:ext cx="0" cy="0"/>
-          <a:chOff x="0" y="0"/>
-          <a:chExt cx="0" cy="0"/>
-        </a:xfrm>
-      </p:grpSpPr>
-      <p:sp>
-        <p:nvSpPr>
-          <p:cNvPr id="2" name="제목 1"/>
-          <p:cNvSpPr>
-            <a:spLocks noGrp="1"/>
-          </p:cNvSpPr>
-          <p:nvPr>
-            <p:ph type="title"/>
-          </p:nvPr>
-        </p:nvSpPr>
-        <p:spPr>
-          <a:xfrm>
-            <a:off x="628650" y="365127"/>
-            <a:ext cx="8237444" cy="898898"/>
-          </a:xfrm>
-        </p:spPr>
-        <p:txBody>
-          <a:bodyPr>
-            <a:normAutofit/>
-          </a:bodyPr>
-          <a:lstStyle/>
-          <a:p>
-            <a:pPr marL="457200" indent="-457200">
-              <a:buFont typeface="Arial" panose="020B0604020202020204" pitchFamily="34" charset="0"/>
-              <a:buChar char="•"/>
-            </a:pPr>
-            <a:r>
-              <a:rPr lang="en-US" altLang="ko-KR" sz="2800" dirty="0"/>
-              <a:t>Fritzing</a:t>
-            </a:r>
-            <a:endParaRPr lang="ko-KR" altLang="en-US" sz="2800" dirty="0"/>
-          </a:p>
-        </p:txBody>
-      </p:sp>
-    </p:spTree>
-    <p:extLst>
-      <p:ext uri="{BB962C8B-B14F-4D97-AF65-F5344CB8AC3E}">
-        <p14:creationId xmlns:p14="http://schemas.microsoft.com/office/powerpoint/2010/main" val="2678112964"/>
       </p:ext>
     </p:extLst>
   </p:cSld>
@@ -6405,8 +6456,8 @@
         </p:nvSpPr>
         <p:spPr>
           <a:xfrm>
-            <a:off x="628649" y="1825625"/>
-            <a:ext cx="8143691" cy="4351338"/>
+            <a:off x="507305" y="1825625"/>
+            <a:ext cx="8417490" cy="4351338"/>
           </a:xfrm>
         </p:spPr>
         <p:txBody>
@@ -6490,7 +6541,15 @@
             </a:r>
             <a:r>
               <a:rPr lang="en-US" altLang="ko-KR" dirty="0"/>
-              <a:t>(Pull-Down) </a:t>
+              <a:t>(</a:t>
+            </a:r>
+            <a:r>
+              <a:rPr lang="en-US" altLang="ko-KR" dirty="0" err="1" smtClean="0"/>
+              <a:t>Pull-DOWN</a:t>
+            </a:r>
+            <a:r>
+              <a:rPr lang="en-US" altLang="ko-KR" dirty="0" smtClean="0"/>
+              <a:t>) </a:t>
             </a:r>
             <a:r>
               <a:rPr lang="ko-KR" altLang="en-US" dirty="0"/>
@@ -6506,7 +6565,11 @@
             </a:r>
             <a:r>
               <a:rPr lang="en-US" altLang="ko-KR" dirty="0"/>
-              <a:t>(Pull-Up) </a:t>
+              <a:t>(</a:t>
+            </a:r>
+            <a:r>
+              <a:rPr lang="en-US" altLang="ko-KR" dirty="0" smtClean="0"/>
+              <a:t>PULL-UP) </a:t>
             </a:r>
             <a:r>
               <a:rPr lang="ko-KR" altLang="en-US" dirty="0"/>
@@ -6535,16 +6598,16 @@
           </a:p>
           <a:p>
             <a:r>
+              <a:rPr lang="en-US" altLang="ko-KR" dirty="0" smtClean="0"/>
+              <a:t>INPUT_PULL_UP</a:t>
+            </a:r>
+            <a:r>
+              <a:rPr lang="ko-KR" altLang="en-US" dirty="0" smtClean="0"/>
+              <a:t> </a:t>
+            </a:r>
+            <a:r>
               <a:rPr lang="ko-KR" altLang="en-US" dirty="0"/>
-              <a:t>내부 </a:t>
-            </a:r>
-            <a:r>
-              <a:rPr lang="ko-KR" altLang="en-US" dirty="0" err="1"/>
-              <a:t>풀업</a:t>
-            </a:r>
-            <a:r>
-              <a:rPr lang="ko-KR" altLang="en-US" dirty="0"/>
-              <a:t> 저항을 이용한 </a:t>
+              <a:t>저항을 이용한 </a:t>
             </a:r>
             <a:r>
               <a:rPr lang="en-US" altLang="ko-KR" dirty="0"/>
@@ -7539,6 +7602,70 @@
       </p:grpSpPr>
       <p:sp>
         <p:nvSpPr>
+          <p:cNvPr id="2" name="제목 1"/>
+          <p:cNvSpPr>
+            <a:spLocks noGrp="1"/>
+          </p:cNvSpPr>
+          <p:nvPr>
+            <p:ph type="title"/>
+          </p:nvPr>
+        </p:nvSpPr>
+        <p:spPr>
+          <a:xfrm>
+            <a:off x="628650" y="365127"/>
+            <a:ext cx="8237444" cy="898898"/>
+          </a:xfrm>
+        </p:spPr>
+        <p:txBody>
+          <a:bodyPr>
+            <a:normAutofit/>
+          </a:bodyPr>
+          <a:lstStyle/>
+          <a:p>
+            <a:pPr marL="457200" indent="-457200">
+              <a:buFont typeface="Arial" panose="020B0604020202020204" pitchFamily="34" charset="0"/>
+              <a:buChar char="•"/>
+            </a:pPr>
+            <a:r>
+              <a:rPr lang="en-US" altLang="ko-KR" sz="2800" dirty="0"/>
+              <a:t>Fritzing</a:t>
+            </a:r>
+            <a:endParaRPr lang="ko-KR" altLang="en-US" sz="2800" dirty="0"/>
+          </a:p>
+        </p:txBody>
+      </p:sp>
+    </p:spTree>
+    <p:extLst>
+      <p:ext uri="{BB962C8B-B14F-4D97-AF65-F5344CB8AC3E}">
+        <p14:creationId xmlns:p14="http://schemas.microsoft.com/office/powerpoint/2010/main" val="2678112964"/>
+      </p:ext>
+    </p:extLst>
+  </p:cSld>
+  <p:clrMapOvr>
+    <a:masterClrMapping/>
+  </p:clrMapOvr>
+</p:sld>
+</file>
+
+<file path=ppt/slides/slide21.xml><?xml version="1.0" encoding="utf-8"?>
+<p:sld xmlns:a="http://schemas.openxmlformats.org/drawingml/2006/main" xmlns:r="http://schemas.openxmlformats.org/officeDocument/2006/relationships" xmlns:p="http://schemas.openxmlformats.org/presentationml/2006/main">
+  <p:cSld>
+    <p:spTree>
+      <p:nvGrpSpPr>
+        <p:cNvPr id="1" name=""/>
+        <p:cNvGrpSpPr/>
+        <p:nvPr/>
+      </p:nvGrpSpPr>
+      <p:grpSpPr>
+        <a:xfrm>
+          <a:off x="0" y="0"/>
+          <a:ext cx="0" cy="0"/>
+          <a:chOff x="0" y="0"/>
+          <a:chExt cx="0" cy="0"/>
+        </a:xfrm>
+      </p:grpSpPr>
+      <p:sp>
+        <p:nvSpPr>
           <p:cNvPr id="6" name="내용 개체 틀 2">
             <a:extLst>
               <a:ext uri="{FF2B5EF4-FFF2-40B4-BE49-F238E27FC236}">
@@ -7792,7 +7919,7 @@
 </p:sld>
 </file>
 
-<file path=ppt/slides/slide21.xml><?xml version="1.0" encoding="utf-8"?>
+<file path=ppt/slides/slide22.xml><?xml version="1.0" encoding="utf-8"?>
 <p:sld xmlns:a="http://schemas.openxmlformats.org/drawingml/2006/main" xmlns:r="http://schemas.openxmlformats.org/officeDocument/2006/relationships" xmlns:p="http://schemas.openxmlformats.org/presentationml/2006/main">
   <p:cSld>
     <p:spTree>
@@ -7891,7 +8018,7 @@
 </p:sld>
 </file>
 
-<file path=ppt/slides/slide22.xml><?xml version="1.0" encoding="utf-8"?>
+<file path=ppt/slides/slide23.xml><?xml version="1.0" encoding="utf-8"?>
 <p:sld xmlns:a="http://schemas.openxmlformats.org/drawingml/2006/main" xmlns:r="http://schemas.openxmlformats.org/officeDocument/2006/relationships" xmlns:p="http://schemas.openxmlformats.org/presentationml/2006/main">
   <p:cSld>
     <p:spTree>
@@ -8262,7 +8389,7 @@
 </p:sld>
 </file>
 
-<file path=ppt/slides/slide23.xml><?xml version="1.0" encoding="utf-8"?>
+<file path=ppt/slides/slide24.xml><?xml version="1.0" encoding="utf-8"?>
 <p:sld xmlns:a="http://schemas.openxmlformats.org/drawingml/2006/main" xmlns:r="http://schemas.openxmlformats.org/officeDocument/2006/relationships" xmlns:p="http://schemas.openxmlformats.org/presentationml/2006/main">
   <p:cSld>
     <p:spTree>
@@ -8326,7 +8453,7 @@
 </p:sld>
 </file>
 
-<file path=ppt/slides/slide24.xml><?xml version="1.0" encoding="utf-8"?>
+<file path=ppt/slides/slide25.xml><?xml version="1.0" encoding="utf-8"?>
 <p:sld xmlns:a="http://schemas.openxmlformats.org/drawingml/2006/main" xmlns:r="http://schemas.openxmlformats.org/officeDocument/2006/relationships" xmlns:p="http://schemas.openxmlformats.org/presentationml/2006/main">
   <p:cSld>
     <p:spTree>
@@ -8612,7 +8739,7 @@
 </p:sld>
 </file>
 
-<file path=ppt/slides/slide25.xml><?xml version="1.0" encoding="utf-8"?>
+<file path=ppt/slides/slide26.xml><?xml version="1.0" encoding="utf-8"?>
 <p:sld xmlns:a="http://schemas.openxmlformats.org/drawingml/2006/main" xmlns:r="http://schemas.openxmlformats.org/officeDocument/2006/relationships" xmlns:p="http://schemas.openxmlformats.org/presentationml/2006/main">
   <p:cSld>
     <p:spTree>

--- a/Week04.pptx
+++ b/Week04.pptx
@@ -10794,36 +10794,6 @@
           </a:p>
         </p:txBody>
       </p:sp>
-      <p:pic>
-        <p:nvPicPr>
-          <p:cNvPr id="3" name="그림 2"/>
-          <p:cNvPicPr>
-            <a:picLocks noChangeAspect="1"/>
-          </p:cNvPicPr>
-          <p:nvPr/>
-        </p:nvPicPr>
-        <p:blipFill>
-          <a:blip r:embed="rId2">
-            <a:extLst>
-              <a:ext uri="{28A0092B-C50C-407E-A947-70E740481C1C}">
-                <a14:useLocalDpi xmlns:a14="http://schemas.microsoft.com/office/drawing/2010/main" val="0"/>
-              </a:ext>
-            </a:extLst>
-          </a:blip>
-          <a:stretch>
-            <a:fillRect/>
-          </a:stretch>
-        </p:blipFill>
-        <p:spPr>
-          <a:xfrm>
-            <a:off x="1542398" y="2707516"/>
-            <a:ext cx="5566099" cy="3047439"/>
-          </a:xfrm>
-          <a:prstGeom prst="rect">
-            <a:avLst/>
-          </a:prstGeom>
-        </p:spPr>
-      </p:pic>
     </p:spTree>
     <p:extLst>
       <p:ext uri="{BB962C8B-B14F-4D97-AF65-F5344CB8AC3E}">
@@ -11124,7 +11094,7 @@
         </p:nvSpPr>
         <p:spPr>
           <a:xfrm>
-            <a:off x="401541" y="304000"/>
+            <a:off x="628650" y="701675"/>
             <a:ext cx="8239125" cy="1333500"/>
           </a:xfrm>
           <a:prstGeom prst="rect">
@@ -11298,14 +11268,22 @@
             </a:lvl9pPr>
           </a:lstStyle>
           <a:p>
-            <a:r>
-              <a:rPr lang="ko-KR" altLang="en-US" dirty="0"/>
-              <a:t>디지털 입력</a:t>
-            </a:r>
-            <a:r>
-              <a:rPr lang="en-US" altLang="ko-KR" dirty="0"/>
-              <a:t> : GND</a:t>
-            </a:r>
+            <a:endParaRPr lang="en-US" altLang="ko-KR" dirty="0" smtClean="0"/>
+          </a:p>
+          <a:p>
+            <a:r>
+              <a:rPr lang="en-US" altLang="ko-KR" dirty="0" smtClean="0"/>
+              <a:t>GND(LOW)  </a:t>
+            </a:r>
+            <a:r>
+              <a:rPr lang="ko-KR" altLang="en-US" dirty="0" smtClean="0"/>
+              <a:t>읽기  </a:t>
+            </a:r>
+            <a:r>
+              <a:rPr lang="en-US" altLang="ko-KR" dirty="0" smtClean="0"/>
+              <a:t> </a:t>
+            </a:r>
+            <a:endParaRPr lang="en-US" altLang="ko-KR" dirty="0"/>
           </a:p>
           <a:p>
             <a:pPr lvl="1"/>
@@ -11362,7 +11340,7 @@
         </p:blipFill>
         <p:spPr>
           <a:xfrm>
-            <a:off x="1683276" y="2167419"/>
+            <a:off x="1683276" y="2787457"/>
             <a:ext cx="5232733" cy="3783502"/>
           </a:xfrm>
           <a:prstGeom prst="rect">
@@ -11370,6 +11348,55 @@
           </a:prstGeom>
         </p:spPr>
       </p:pic>
+      <p:sp>
+        <p:nvSpPr>
+          <p:cNvPr id="4" name="제목 1"/>
+          <p:cNvSpPr txBox="1">
+            <a:spLocks/>
+          </p:cNvSpPr>
+          <p:nvPr/>
+        </p:nvSpPr>
+        <p:spPr>
+          <a:xfrm>
+            <a:off x="628650" y="365126"/>
+            <a:ext cx="7886700" cy="673099"/>
+          </a:xfrm>
+          <a:prstGeom prst="rect">
+            <a:avLst/>
+          </a:prstGeom>
+        </p:spPr>
+        <p:txBody>
+          <a:bodyPr>
+            <a:normAutofit fontScale="97500" lnSpcReduction="10000"/>
+          </a:bodyPr>
+          <a:lstStyle>
+            <a:lvl1pPr algn="l" defTabSz="914400" rtl="0" eaLnBrk="1" latinLnBrk="1" hangingPunct="1">
+              <a:lnSpc>
+                <a:spcPct val="90000"/>
+              </a:lnSpc>
+              <a:spcBef>
+                <a:spcPct val="0"/>
+              </a:spcBef>
+              <a:buNone/>
+              <a:defRPr sz="4400" kern="1200">
+                <a:solidFill>
+                  <a:schemeClr val="tx1"/>
+                </a:solidFill>
+                <a:latin typeface="+mj-lt"/>
+                <a:ea typeface="+mj-ea"/>
+                <a:cs typeface="+mj-cs"/>
+              </a:defRPr>
+            </a:lvl1pPr>
+          </a:lstStyle>
+          <a:p>
+            <a:r>
+              <a:rPr lang="ko-KR" altLang="en-US" smtClean="0"/>
+              <a:t>디지털 입력</a:t>
+            </a:r>
+            <a:endParaRPr lang="ko-KR" altLang="en-US" dirty="0"/>
+          </a:p>
+        </p:txBody>
+      </p:sp>
     </p:spTree>
     <p:extLst>
       <p:ext uri="{BB962C8B-B14F-4D97-AF65-F5344CB8AC3E}">
@@ -11410,7 +11437,7 @@
         </p:nvSpPr>
         <p:spPr>
           <a:xfrm>
-            <a:off x="401541" y="304000"/>
+            <a:off x="-262339" y="310263"/>
             <a:ext cx="8239125" cy="927392"/>
           </a:xfrm>
           <a:prstGeom prst="rect">
@@ -11584,33 +11611,20 @@
             </a:lvl9pPr>
           </a:lstStyle>
           <a:p>
-            <a:r>
-              <a:rPr lang="ko-KR" altLang="en-US" dirty="0"/>
-              <a:t>디지털 입력</a:t>
-            </a:r>
-            <a:r>
-              <a:rPr lang="en-US" altLang="ko-KR" dirty="0"/>
-              <a:t> : GND</a:t>
-            </a:r>
-          </a:p>
-          <a:p>
             <a:pPr lvl="1"/>
             <a:r>
-              <a:rPr lang="en-US" altLang="ko-KR" dirty="0" err="1"/>
-              <a:t>pinMode</a:t>
-            </a:r>
-            <a:r>
-              <a:rPr lang="en-US" altLang="ko-KR" dirty="0"/>
-              <a:t>(7, INPUT), </a:t>
-            </a:r>
-            <a:r>
-              <a:rPr lang="en-US" altLang="ko-KR" dirty="0" err="1"/>
-              <a:t>digitalRead</a:t>
-            </a:r>
-            <a:r>
-              <a:rPr lang="en-US" altLang="ko-KR" dirty="0"/>
-              <a:t>(7)</a:t>
-            </a:r>
+              <a:rPr lang="ko-KR" altLang="en-US" dirty="0" smtClean="0"/>
+              <a:t>스케치</a:t>
+            </a:r>
+            <a:r>
+              <a:rPr lang="en-US" altLang="ko-KR" dirty="0" smtClean="0"/>
+              <a:t>, </a:t>
+            </a:r>
+            <a:r>
+              <a:rPr lang="ko-KR" altLang="en-US" dirty="0" smtClean="0"/>
+              <a:t>시리얼 모니터 확인</a:t>
+            </a:r>
+            <a:endParaRPr lang="en-US" altLang="ko-KR" dirty="0"/>
           </a:p>
           <a:p>
             <a:pPr lvl="1"/>
@@ -11646,7 +11660,7 @@
         </p:blipFill>
         <p:spPr>
           <a:xfrm>
-            <a:off x="0" y="1353312"/>
+            <a:off x="0" y="1077740"/>
             <a:ext cx="9144000" cy="5694134"/>
           </a:xfrm>
           <a:prstGeom prst="rect">
@@ -11869,13 +11883,14 @@
           </a:lstStyle>
           <a:p>
             <a:r>
-              <a:rPr lang="ko-KR" altLang="en-US" dirty="0"/>
-              <a:t>디지털 입력</a:t>
-            </a:r>
-            <a:r>
-              <a:rPr lang="en-US" altLang="ko-KR" dirty="0"/>
-              <a:t> : 5V</a:t>
-            </a:r>
+              <a:rPr lang="en-US" altLang="ko-KR" dirty="0" smtClean="0"/>
+              <a:t>5V(LOW) </a:t>
+            </a:r>
+            <a:r>
+              <a:rPr lang="ko-KR" altLang="en-US" dirty="0" smtClean="0"/>
+              <a:t>읽기 </a:t>
+            </a:r>
+            <a:endParaRPr lang="en-US" altLang="ko-KR" dirty="0"/>
           </a:p>
           <a:p>
             <a:pPr lvl="1"/>
@@ -11970,224 +11985,6 @@
           <a:chExt cx="0" cy="0"/>
         </a:xfrm>
       </p:grpSpPr>
-      <p:sp>
-        <p:nvSpPr>
-          <p:cNvPr id="13" name="내용 개체 틀 2"/>
-          <p:cNvSpPr txBox="1">
-            <a:spLocks/>
-          </p:cNvSpPr>
-          <p:nvPr/>
-        </p:nvSpPr>
-        <p:spPr>
-          <a:xfrm>
-            <a:off x="401541" y="304000"/>
-            <a:ext cx="8239125" cy="927392"/>
-          </a:xfrm>
-          <a:prstGeom prst="rect">
-            <a:avLst/>
-          </a:prstGeom>
-        </p:spPr>
-        <p:txBody>
-          <a:bodyPr/>
-          <a:lstStyle>
-            <a:lvl1pPr marL="228600" indent="-228600" algn="l" defTabSz="914400" rtl="0" eaLnBrk="1" latinLnBrk="1" hangingPunct="1">
-              <a:lnSpc>
-                <a:spcPct val="90000"/>
-              </a:lnSpc>
-              <a:spcBef>
-                <a:spcPts val="1000"/>
-              </a:spcBef>
-              <a:buFont typeface="Arial" panose="020B0604020202020204" pitchFamily="34" charset="0"/>
-              <a:buChar char="•"/>
-              <a:defRPr sz="2800" kern="1200">
-                <a:solidFill>
-                  <a:schemeClr val="tx1"/>
-                </a:solidFill>
-                <a:latin typeface="+mn-lt"/>
-                <a:ea typeface="+mn-ea"/>
-                <a:cs typeface="+mn-cs"/>
-              </a:defRPr>
-            </a:lvl1pPr>
-            <a:lvl2pPr marL="685800" indent="-228600" algn="l" defTabSz="914400" rtl="0" eaLnBrk="1" latinLnBrk="1" hangingPunct="1">
-              <a:lnSpc>
-                <a:spcPct val="90000"/>
-              </a:lnSpc>
-              <a:spcBef>
-                <a:spcPts val="500"/>
-              </a:spcBef>
-              <a:buFont typeface="Arial" panose="020B0604020202020204" pitchFamily="34" charset="0"/>
-              <a:buChar char="•"/>
-              <a:defRPr sz="2400" kern="1200">
-                <a:solidFill>
-                  <a:schemeClr val="tx1"/>
-                </a:solidFill>
-                <a:latin typeface="+mn-lt"/>
-                <a:ea typeface="+mn-ea"/>
-                <a:cs typeface="+mn-cs"/>
-              </a:defRPr>
-            </a:lvl2pPr>
-            <a:lvl3pPr marL="1143000" indent="-228600" algn="l" defTabSz="914400" rtl="0" eaLnBrk="1" latinLnBrk="1" hangingPunct="1">
-              <a:lnSpc>
-                <a:spcPct val="90000"/>
-              </a:lnSpc>
-              <a:spcBef>
-                <a:spcPts val="500"/>
-              </a:spcBef>
-              <a:buFont typeface="Arial" panose="020B0604020202020204" pitchFamily="34" charset="0"/>
-              <a:buChar char="•"/>
-              <a:defRPr sz="2000" kern="1200">
-                <a:solidFill>
-                  <a:schemeClr val="tx1"/>
-                </a:solidFill>
-                <a:latin typeface="+mn-lt"/>
-                <a:ea typeface="+mn-ea"/>
-                <a:cs typeface="+mn-cs"/>
-              </a:defRPr>
-            </a:lvl3pPr>
-            <a:lvl4pPr marL="1600200" indent="-228600" algn="l" defTabSz="914400" rtl="0" eaLnBrk="1" latinLnBrk="1" hangingPunct="1">
-              <a:lnSpc>
-                <a:spcPct val="90000"/>
-              </a:lnSpc>
-              <a:spcBef>
-                <a:spcPts val="500"/>
-              </a:spcBef>
-              <a:buFont typeface="Arial" panose="020B0604020202020204" pitchFamily="34" charset="0"/>
-              <a:buChar char="•"/>
-              <a:defRPr sz="1800" kern="1200">
-                <a:solidFill>
-                  <a:schemeClr val="tx1"/>
-                </a:solidFill>
-                <a:latin typeface="+mn-lt"/>
-                <a:ea typeface="+mn-ea"/>
-                <a:cs typeface="+mn-cs"/>
-              </a:defRPr>
-            </a:lvl4pPr>
-            <a:lvl5pPr marL="2057400" indent="-228600" algn="l" defTabSz="914400" rtl="0" eaLnBrk="1" latinLnBrk="1" hangingPunct="1">
-              <a:lnSpc>
-                <a:spcPct val="90000"/>
-              </a:lnSpc>
-              <a:spcBef>
-                <a:spcPts val="500"/>
-              </a:spcBef>
-              <a:buFont typeface="Arial" panose="020B0604020202020204" pitchFamily="34" charset="0"/>
-              <a:buChar char="•"/>
-              <a:defRPr sz="1800" kern="1200">
-                <a:solidFill>
-                  <a:schemeClr val="tx1"/>
-                </a:solidFill>
-                <a:latin typeface="+mn-lt"/>
-                <a:ea typeface="+mn-ea"/>
-                <a:cs typeface="+mn-cs"/>
-              </a:defRPr>
-            </a:lvl5pPr>
-            <a:lvl6pPr marL="2514600" indent="-228600" algn="l" defTabSz="914400" rtl="0" eaLnBrk="1" latinLnBrk="1" hangingPunct="1">
-              <a:lnSpc>
-                <a:spcPct val="90000"/>
-              </a:lnSpc>
-              <a:spcBef>
-                <a:spcPts val="500"/>
-              </a:spcBef>
-              <a:buFont typeface="Arial" panose="020B0604020202020204" pitchFamily="34" charset="0"/>
-              <a:buChar char="•"/>
-              <a:defRPr sz="1800" kern="1200">
-                <a:solidFill>
-                  <a:schemeClr val="tx1"/>
-                </a:solidFill>
-                <a:latin typeface="+mn-lt"/>
-                <a:ea typeface="+mn-ea"/>
-                <a:cs typeface="+mn-cs"/>
-              </a:defRPr>
-            </a:lvl6pPr>
-            <a:lvl7pPr marL="2971800" indent="-228600" algn="l" defTabSz="914400" rtl="0" eaLnBrk="1" latinLnBrk="1" hangingPunct="1">
-              <a:lnSpc>
-                <a:spcPct val="90000"/>
-              </a:lnSpc>
-              <a:spcBef>
-                <a:spcPts val="500"/>
-              </a:spcBef>
-              <a:buFont typeface="Arial" panose="020B0604020202020204" pitchFamily="34" charset="0"/>
-              <a:buChar char="•"/>
-              <a:defRPr sz="1800" kern="1200">
-                <a:solidFill>
-                  <a:schemeClr val="tx1"/>
-                </a:solidFill>
-                <a:latin typeface="+mn-lt"/>
-                <a:ea typeface="+mn-ea"/>
-                <a:cs typeface="+mn-cs"/>
-              </a:defRPr>
-            </a:lvl7pPr>
-            <a:lvl8pPr marL="3429000" indent="-228600" algn="l" defTabSz="914400" rtl="0" eaLnBrk="1" latinLnBrk="1" hangingPunct="1">
-              <a:lnSpc>
-                <a:spcPct val="90000"/>
-              </a:lnSpc>
-              <a:spcBef>
-                <a:spcPts val="500"/>
-              </a:spcBef>
-              <a:buFont typeface="Arial" panose="020B0604020202020204" pitchFamily="34" charset="0"/>
-              <a:buChar char="•"/>
-              <a:defRPr sz="1800" kern="1200">
-                <a:solidFill>
-                  <a:schemeClr val="tx1"/>
-                </a:solidFill>
-                <a:latin typeface="+mn-lt"/>
-                <a:ea typeface="+mn-ea"/>
-                <a:cs typeface="+mn-cs"/>
-              </a:defRPr>
-            </a:lvl8pPr>
-            <a:lvl9pPr marL="3886200" indent="-228600" algn="l" defTabSz="914400" rtl="0" eaLnBrk="1" latinLnBrk="1" hangingPunct="1">
-              <a:lnSpc>
-                <a:spcPct val="90000"/>
-              </a:lnSpc>
-              <a:spcBef>
-                <a:spcPts val="500"/>
-              </a:spcBef>
-              <a:buFont typeface="Arial" panose="020B0604020202020204" pitchFamily="34" charset="0"/>
-              <a:buChar char="•"/>
-              <a:defRPr sz="1800" kern="1200">
-                <a:solidFill>
-                  <a:schemeClr val="tx1"/>
-                </a:solidFill>
-                <a:latin typeface="+mn-lt"/>
-                <a:ea typeface="+mn-ea"/>
-                <a:cs typeface="+mn-cs"/>
-              </a:defRPr>
-            </a:lvl9pPr>
-          </a:lstStyle>
-          <a:p>
-            <a:r>
-              <a:rPr lang="ko-KR" altLang="en-US" dirty="0"/>
-              <a:t>디지털 입력</a:t>
-            </a:r>
-            <a:r>
-              <a:rPr lang="en-US" altLang="ko-KR" dirty="0"/>
-              <a:t> : 5V</a:t>
-            </a:r>
-          </a:p>
-          <a:p>
-            <a:pPr lvl="1"/>
-            <a:r>
-              <a:rPr lang="en-US" altLang="ko-KR" dirty="0" err="1"/>
-              <a:t>pinMode</a:t>
-            </a:r>
-            <a:r>
-              <a:rPr lang="en-US" altLang="ko-KR" dirty="0"/>
-              <a:t>(7, INPUT), </a:t>
-            </a:r>
-            <a:r>
-              <a:rPr lang="en-US" altLang="ko-KR" dirty="0" err="1"/>
-              <a:t>digitalRead</a:t>
-            </a:r>
-            <a:r>
-              <a:rPr lang="en-US" altLang="ko-KR" dirty="0"/>
-              <a:t>(7)</a:t>
-            </a:r>
-          </a:p>
-          <a:p>
-            <a:pPr lvl="1"/>
-            <a:endParaRPr lang="ko-KR" altLang="en-US" dirty="0"/>
-          </a:p>
-        </p:txBody>
-      </p:sp>
       <p:pic>
         <p:nvPicPr>
           <p:cNvPr id="4" name="그림 3" descr="스크린샷이(가) 표시된 사진&#10;&#10;자동 생성된 설명">
@@ -12216,7 +12013,7 @@
         </p:blipFill>
         <p:spPr>
           <a:xfrm>
-            <a:off x="0" y="1453213"/>
+            <a:off x="0" y="1140062"/>
             <a:ext cx="9144000" cy="5404787"/>
           </a:xfrm>
           <a:prstGeom prst="rect">
@@ -12224,6 +12021,211 @@
           </a:prstGeom>
         </p:spPr>
       </p:pic>
+      <p:sp>
+        <p:nvSpPr>
+          <p:cNvPr id="5" name="내용 개체 틀 2"/>
+          <p:cNvSpPr txBox="1">
+            <a:spLocks/>
+          </p:cNvSpPr>
+          <p:nvPr/>
+        </p:nvSpPr>
+        <p:spPr>
+          <a:xfrm>
+            <a:off x="-205971" y="391682"/>
+            <a:ext cx="8239125" cy="927392"/>
+          </a:xfrm>
+          <a:prstGeom prst="rect">
+            <a:avLst/>
+          </a:prstGeom>
+        </p:spPr>
+        <p:txBody>
+          <a:bodyPr/>
+          <a:lstStyle>
+            <a:lvl1pPr marL="228600" indent="-228600" algn="l" defTabSz="914400" rtl="0" eaLnBrk="1" latinLnBrk="1" hangingPunct="1">
+              <a:lnSpc>
+                <a:spcPct val="90000"/>
+              </a:lnSpc>
+              <a:spcBef>
+                <a:spcPts val="1000"/>
+              </a:spcBef>
+              <a:buFont typeface="Arial" panose="020B0604020202020204" pitchFamily="34" charset="0"/>
+              <a:buChar char="•"/>
+              <a:defRPr sz="2800" kern="1200">
+                <a:solidFill>
+                  <a:schemeClr val="tx1"/>
+                </a:solidFill>
+                <a:latin typeface="+mn-lt"/>
+                <a:ea typeface="+mn-ea"/>
+                <a:cs typeface="+mn-cs"/>
+              </a:defRPr>
+            </a:lvl1pPr>
+            <a:lvl2pPr marL="685800" indent="-228600" algn="l" defTabSz="914400" rtl="0" eaLnBrk="1" latinLnBrk="1" hangingPunct="1">
+              <a:lnSpc>
+                <a:spcPct val="90000"/>
+              </a:lnSpc>
+              <a:spcBef>
+                <a:spcPts val="500"/>
+              </a:spcBef>
+              <a:buFont typeface="Arial" panose="020B0604020202020204" pitchFamily="34" charset="0"/>
+              <a:buChar char="•"/>
+              <a:defRPr sz="2400" kern="1200">
+                <a:solidFill>
+                  <a:schemeClr val="tx1"/>
+                </a:solidFill>
+                <a:latin typeface="+mn-lt"/>
+                <a:ea typeface="+mn-ea"/>
+                <a:cs typeface="+mn-cs"/>
+              </a:defRPr>
+            </a:lvl2pPr>
+            <a:lvl3pPr marL="1143000" indent="-228600" algn="l" defTabSz="914400" rtl="0" eaLnBrk="1" latinLnBrk="1" hangingPunct="1">
+              <a:lnSpc>
+                <a:spcPct val="90000"/>
+              </a:lnSpc>
+              <a:spcBef>
+                <a:spcPts val="500"/>
+              </a:spcBef>
+              <a:buFont typeface="Arial" panose="020B0604020202020204" pitchFamily="34" charset="0"/>
+              <a:buChar char="•"/>
+              <a:defRPr sz="2000" kern="1200">
+                <a:solidFill>
+                  <a:schemeClr val="tx1"/>
+                </a:solidFill>
+                <a:latin typeface="+mn-lt"/>
+                <a:ea typeface="+mn-ea"/>
+                <a:cs typeface="+mn-cs"/>
+              </a:defRPr>
+            </a:lvl3pPr>
+            <a:lvl4pPr marL="1600200" indent="-228600" algn="l" defTabSz="914400" rtl="0" eaLnBrk="1" latinLnBrk="1" hangingPunct="1">
+              <a:lnSpc>
+                <a:spcPct val="90000"/>
+              </a:lnSpc>
+              <a:spcBef>
+                <a:spcPts val="500"/>
+              </a:spcBef>
+              <a:buFont typeface="Arial" panose="020B0604020202020204" pitchFamily="34" charset="0"/>
+              <a:buChar char="•"/>
+              <a:defRPr sz="1800" kern="1200">
+                <a:solidFill>
+                  <a:schemeClr val="tx1"/>
+                </a:solidFill>
+                <a:latin typeface="+mn-lt"/>
+                <a:ea typeface="+mn-ea"/>
+                <a:cs typeface="+mn-cs"/>
+              </a:defRPr>
+            </a:lvl4pPr>
+            <a:lvl5pPr marL="2057400" indent="-228600" algn="l" defTabSz="914400" rtl="0" eaLnBrk="1" latinLnBrk="1" hangingPunct="1">
+              <a:lnSpc>
+                <a:spcPct val="90000"/>
+              </a:lnSpc>
+              <a:spcBef>
+                <a:spcPts val="500"/>
+              </a:spcBef>
+              <a:buFont typeface="Arial" panose="020B0604020202020204" pitchFamily="34" charset="0"/>
+              <a:buChar char="•"/>
+              <a:defRPr sz="1800" kern="1200">
+                <a:solidFill>
+                  <a:schemeClr val="tx1"/>
+                </a:solidFill>
+                <a:latin typeface="+mn-lt"/>
+                <a:ea typeface="+mn-ea"/>
+                <a:cs typeface="+mn-cs"/>
+              </a:defRPr>
+            </a:lvl5pPr>
+            <a:lvl6pPr marL="2514600" indent="-228600" algn="l" defTabSz="914400" rtl="0" eaLnBrk="1" latinLnBrk="1" hangingPunct="1">
+              <a:lnSpc>
+                <a:spcPct val="90000"/>
+              </a:lnSpc>
+              <a:spcBef>
+                <a:spcPts val="500"/>
+              </a:spcBef>
+              <a:buFont typeface="Arial" panose="020B0604020202020204" pitchFamily="34" charset="0"/>
+              <a:buChar char="•"/>
+              <a:defRPr sz="1800" kern="1200">
+                <a:solidFill>
+                  <a:schemeClr val="tx1"/>
+                </a:solidFill>
+                <a:latin typeface="+mn-lt"/>
+                <a:ea typeface="+mn-ea"/>
+                <a:cs typeface="+mn-cs"/>
+              </a:defRPr>
+            </a:lvl6pPr>
+            <a:lvl7pPr marL="2971800" indent="-228600" algn="l" defTabSz="914400" rtl="0" eaLnBrk="1" latinLnBrk="1" hangingPunct="1">
+              <a:lnSpc>
+                <a:spcPct val="90000"/>
+              </a:lnSpc>
+              <a:spcBef>
+                <a:spcPts val="500"/>
+              </a:spcBef>
+              <a:buFont typeface="Arial" panose="020B0604020202020204" pitchFamily="34" charset="0"/>
+              <a:buChar char="•"/>
+              <a:defRPr sz="1800" kern="1200">
+                <a:solidFill>
+                  <a:schemeClr val="tx1"/>
+                </a:solidFill>
+                <a:latin typeface="+mn-lt"/>
+                <a:ea typeface="+mn-ea"/>
+                <a:cs typeface="+mn-cs"/>
+              </a:defRPr>
+            </a:lvl7pPr>
+            <a:lvl8pPr marL="3429000" indent="-228600" algn="l" defTabSz="914400" rtl="0" eaLnBrk="1" latinLnBrk="1" hangingPunct="1">
+              <a:lnSpc>
+                <a:spcPct val="90000"/>
+              </a:lnSpc>
+              <a:spcBef>
+                <a:spcPts val="500"/>
+              </a:spcBef>
+              <a:buFont typeface="Arial" panose="020B0604020202020204" pitchFamily="34" charset="0"/>
+              <a:buChar char="•"/>
+              <a:defRPr sz="1800" kern="1200">
+                <a:solidFill>
+                  <a:schemeClr val="tx1"/>
+                </a:solidFill>
+                <a:latin typeface="+mn-lt"/>
+                <a:ea typeface="+mn-ea"/>
+                <a:cs typeface="+mn-cs"/>
+              </a:defRPr>
+            </a:lvl8pPr>
+            <a:lvl9pPr marL="3886200" indent="-228600" algn="l" defTabSz="914400" rtl="0" eaLnBrk="1" latinLnBrk="1" hangingPunct="1">
+              <a:lnSpc>
+                <a:spcPct val="90000"/>
+              </a:lnSpc>
+              <a:spcBef>
+                <a:spcPts val="500"/>
+              </a:spcBef>
+              <a:buFont typeface="Arial" panose="020B0604020202020204" pitchFamily="34" charset="0"/>
+              <a:buChar char="•"/>
+              <a:defRPr sz="1800" kern="1200">
+                <a:solidFill>
+                  <a:schemeClr val="tx1"/>
+                </a:solidFill>
+                <a:latin typeface="+mn-lt"/>
+                <a:ea typeface="+mn-ea"/>
+                <a:cs typeface="+mn-cs"/>
+              </a:defRPr>
+            </a:lvl9pPr>
+          </a:lstStyle>
+          <a:p>
+            <a:pPr lvl="1"/>
+            <a:r>
+              <a:rPr lang="ko-KR" altLang="en-US" dirty="0" smtClean="0"/>
+              <a:t>스케치</a:t>
+            </a:r>
+            <a:r>
+              <a:rPr lang="en-US" altLang="ko-KR" dirty="0" smtClean="0"/>
+              <a:t>, </a:t>
+            </a:r>
+            <a:r>
+              <a:rPr lang="ko-KR" altLang="en-US" dirty="0" smtClean="0"/>
+              <a:t>시리얼 모니터 확인</a:t>
+            </a:r>
+            <a:endParaRPr lang="en-US" altLang="ko-KR" dirty="0"/>
+          </a:p>
+          <a:p>
+            <a:pPr lvl="1"/>
+            <a:endParaRPr lang="ko-KR" altLang="en-US" dirty="0"/>
+          </a:p>
+        </p:txBody>
+      </p:sp>
     </p:spTree>
     <p:extLst>
       <p:ext uri="{BB962C8B-B14F-4D97-AF65-F5344CB8AC3E}">

--- a/Week04.pptx
+++ b/Week04.pptx
@@ -12,19 +12,19 @@
     <p:sldId id="260" r:id="rId3"/>
     <p:sldId id="261" r:id="rId4"/>
     <p:sldId id="285" r:id="rId5"/>
-    <p:sldId id="287" r:id="rId6"/>
-    <p:sldId id="282" r:id="rId7"/>
-    <p:sldId id="289" r:id="rId8"/>
-    <p:sldId id="288" r:id="rId9"/>
-    <p:sldId id="290" r:id="rId10"/>
-    <p:sldId id="283" r:id="rId11"/>
-    <p:sldId id="303" r:id="rId12"/>
-    <p:sldId id="291" r:id="rId13"/>
-    <p:sldId id="304" r:id="rId14"/>
-    <p:sldId id="262" r:id="rId15"/>
-    <p:sldId id="294" r:id="rId16"/>
-    <p:sldId id="305" r:id="rId17"/>
-    <p:sldId id="292" r:id="rId18"/>
+    <p:sldId id="282" r:id="rId6"/>
+    <p:sldId id="289" r:id="rId7"/>
+    <p:sldId id="288" r:id="rId8"/>
+    <p:sldId id="290" r:id="rId9"/>
+    <p:sldId id="283" r:id="rId10"/>
+    <p:sldId id="303" r:id="rId11"/>
+    <p:sldId id="291" r:id="rId12"/>
+    <p:sldId id="304" r:id="rId13"/>
+    <p:sldId id="262" r:id="rId14"/>
+    <p:sldId id="294" r:id="rId15"/>
+    <p:sldId id="305" r:id="rId16"/>
+    <p:sldId id="292" r:id="rId17"/>
+    <p:sldId id="306" r:id="rId18"/>
     <p:sldId id="295" r:id="rId19"/>
     <p:sldId id="293" r:id="rId20"/>
     <p:sldId id="298" r:id="rId21"/>
@@ -230,7 +230,7 @@
           <a:p>
             <a:fld id="{65694B03-ACCE-4F3B-8CA1-4A1F2158852F}" type="datetimeFigureOut">
               <a:rPr lang="ko-KR" altLang="en-US" smtClean="0"/>
-              <a:t>2019-03-21</a:t>
+              <a:t>2019. 3. 21.</a:t>
             </a:fld>
             <a:endParaRPr lang="ko-KR" altLang="en-US"/>
           </a:p>
@@ -628,7 +628,7 @@
           <a:p>
             <a:fld id="{DC40DB95-99D2-4A51-95E2-C065FB3047F2}" type="datetimeFigureOut">
               <a:rPr lang="ko-KR" altLang="en-US" smtClean="0"/>
-              <a:t>2019-03-21</a:t>
+              <a:t>2019. 3. 21.</a:t>
             </a:fld>
             <a:endParaRPr lang="ko-KR" altLang="en-US"/>
           </a:p>
@@ -798,7 +798,7 @@
           <a:p>
             <a:fld id="{DC40DB95-99D2-4A51-95E2-C065FB3047F2}" type="datetimeFigureOut">
               <a:rPr lang="ko-KR" altLang="en-US" smtClean="0"/>
-              <a:t>2019-03-21</a:t>
+              <a:t>2019. 3. 21.</a:t>
             </a:fld>
             <a:endParaRPr lang="ko-KR" altLang="en-US"/>
           </a:p>
@@ -978,7 +978,7 @@
           <a:p>
             <a:fld id="{DC40DB95-99D2-4A51-95E2-C065FB3047F2}" type="datetimeFigureOut">
               <a:rPr lang="ko-KR" altLang="en-US" smtClean="0"/>
-              <a:t>2019-03-21</a:t>
+              <a:t>2019. 3. 21.</a:t>
             </a:fld>
             <a:endParaRPr lang="ko-KR" altLang="en-US"/>
           </a:p>
@@ -1186,7 +1186,7 @@
           <a:p>
             <a:fld id="{DC40DB95-99D2-4A51-95E2-C065FB3047F2}" type="datetimeFigureOut">
               <a:rPr lang="ko-KR" altLang="en-US" smtClean="0"/>
-              <a:t>2019-03-21</a:t>
+              <a:t>2019. 3. 21.</a:t>
             </a:fld>
             <a:endParaRPr lang="ko-KR" altLang="en-US"/>
           </a:p>
@@ -1430,7 +1430,7 @@
           <a:p>
             <a:fld id="{DC40DB95-99D2-4A51-95E2-C065FB3047F2}" type="datetimeFigureOut">
               <a:rPr lang="ko-KR" altLang="en-US" smtClean="0"/>
-              <a:t>2019-03-21</a:t>
+              <a:t>2019. 3. 21.</a:t>
             </a:fld>
             <a:endParaRPr lang="ko-KR" altLang="en-US"/>
           </a:p>
@@ -1662,7 +1662,7 @@
           <a:p>
             <a:fld id="{DC40DB95-99D2-4A51-95E2-C065FB3047F2}" type="datetimeFigureOut">
               <a:rPr lang="ko-KR" altLang="en-US" smtClean="0"/>
-              <a:t>2019-03-21</a:t>
+              <a:t>2019. 3. 21.</a:t>
             </a:fld>
             <a:endParaRPr lang="ko-KR" altLang="en-US"/>
           </a:p>
@@ -2029,7 +2029,7 @@
           <a:p>
             <a:fld id="{DC40DB95-99D2-4A51-95E2-C065FB3047F2}" type="datetimeFigureOut">
               <a:rPr lang="ko-KR" altLang="en-US" smtClean="0"/>
-              <a:t>2019-03-21</a:t>
+              <a:t>2019. 3. 21.</a:t>
             </a:fld>
             <a:endParaRPr lang="ko-KR" altLang="en-US"/>
           </a:p>
@@ -2147,7 +2147,7 @@
           <a:p>
             <a:fld id="{DC40DB95-99D2-4A51-95E2-C065FB3047F2}" type="datetimeFigureOut">
               <a:rPr lang="ko-KR" altLang="en-US" smtClean="0"/>
-              <a:t>2019-03-21</a:t>
+              <a:t>2019. 3. 21.</a:t>
             </a:fld>
             <a:endParaRPr lang="ko-KR" altLang="en-US"/>
           </a:p>
@@ -2242,7 +2242,7 @@
           <a:p>
             <a:fld id="{DC40DB95-99D2-4A51-95E2-C065FB3047F2}" type="datetimeFigureOut">
               <a:rPr lang="ko-KR" altLang="en-US" smtClean="0"/>
-              <a:t>2019-03-21</a:t>
+              <a:t>2019. 3. 21.</a:t>
             </a:fld>
             <a:endParaRPr lang="ko-KR" altLang="en-US"/>
           </a:p>
@@ -2519,7 +2519,7 @@
           <a:p>
             <a:fld id="{DC40DB95-99D2-4A51-95E2-C065FB3047F2}" type="datetimeFigureOut">
               <a:rPr lang="ko-KR" altLang="en-US" smtClean="0"/>
-              <a:t>2019-03-21</a:t>
+              <a:t>2019. 3. 21.</a:t>
             </a:fld>
             <a:endParaRPr lang="ko-KR" altLang="en-US"/>
           </a:p>
@@ -2776,7 +2776,7 @@
           <a:p>
             <a:fld id="{DC40DB95-99D2-4A51-95E2-C065FB3047F2}" type="datetimeFigureOut">
               <a:rPr lang="ko-KR" altLang="en-US" smtClean="0"/>
-              <a:t>2019-03-21</a:t>
+              <a:t>2019. 3. 21.</a:t>
             </a:fld>
             <a:endParaRPr lang="ko-KR" altLang="en-US"/>
           </a:p>
@@ -2989,7 +2989,7 @@
           <a:p>
             <a:fld id="{DC40DB95-99D2-4A51-95E2-C065FB3047F2}" type="datetimeFigureOut">
               <a:rPr lang="ko-KR" altLang="en-US" smtClean="0"/>
-              <a:t>2019-03-21</a:t>
+              <a:t>2019. 3. 21.</a:t>
             </a:fld>
             <a:endParaRPr lang="ko-KR" altLang="en-US"/>
           </a:p>
@@ -3514,346 +3514,6 @@
         </p:nvSpPr>
         <p:spPr>
           <a:xfrm>
-            <a:off x="82128" y="1130212"/>
-            <a:ext cx="8239125" cy="1318121"/>
-          </a:xfrm>
-          <a:prstGeom prst="rect">
-            <a:avLst/>
-          </a:prstGeom>
-        </p:spPr>
-        <p:txBody>
-          <a:bodyPr/>
-          <a:lstStyle>
-            <a:lvl1pPr marL="228600" indent="-228600" algn="l" defTabSz="914400" rtl="0" eaLnBrk="1" latinLnBrk="1" hangingPunct="1">
-              <a:lnSpc>
-                <a:spcPct val="90000"/>
-              </a:lnSpc>
-              <a:spcBef>
-                <a:spcPts val="1000"/>
-              </a:spcBef>
-              <a:buFont typeface="Arial" panose="020B0604020202020204" pitchFamily="34" charset="0"/>
-              <a:buChar char="•"/>
-              <a:defRPr sz="2800" kern="1200">
-                <a:solidFill>
-                  <a:schemeClr val="tx1"/>
-                </a:solidFill>
-                <a:latin typeface="+mn-lt"/>
-                <a:ea typeface="+mn-ea"/>
-                <a:cs typeface="+mn-cs"/>
-              </a:defRPr>
-            </a:lvl1pPr>
-            <a:lvl2pPr marL="685800" indent="-228600" algn="l" defTabSz="914400" rtl="0" eaLnBrk="1" latinLnBrk="1" hangingPunct="1">
-              <a:lnSpc>
-                <a:spcPct val="90000"/>
-              </a:lnSpc>
-              <a:spcBef>
-                <a:spcPts val="500"/>
-              </a:spcBef>
-              <a:buFont typeface="Arial" panose="020B0604020202020204" pitchFamily="34" charset="0"/>
-              <a:buChar char="•"/>
-              <a:defRPr sz="2400" kern="1200">
-                <a:solidFill>
-                  <a:schemeClr val="tx1"/>
-                </a:solidFill>
-                <a:latin typeface="+mn-lt"/>
-                <a:ea typeface="+mn-ea"/>
-                <a:cs typeface="+mn-cs"/>
-              </a:defRPr>
-            </a:lvl2pPr>
-            <a:lvl3pPr marL="1143000" indent="-228600" algn="l" defTabSz="914400" rtl="0" eaLnBrk="1" latinLnBrk="1" hangingPunct="1">
-              <a:lnSpc>
-                <a:spcPct val="90000"/>
-              </a:lnSpc>
-              <a:spcBef>
-                <a:spcPts val="500"/>
-              </a:spcBef>
-              <a:buFont typeface="Arial" panose="020B0604020202020204" pitchFamily="34" charset="0"/>
-              <a:buChar char="•"/>
-              <a:defRPr sz="2000" kern="1200">
-                <a:solidFill>
-                  <a:schemeClr val="tx1"/>
-                </a:solidFill>
-                <a:latin typeface="+mn-lt"/>
-                <a:ea typeface="+mn-ea"/>
-                <a:cs typeface="+mn-cs"/>
-              </a:defRPr>
-            </a:lvl3pPr>
-            <a:lvl4pPr marL="1600200" indent="-228600" algn="l" defTabSz="914400" rtl="0" eaLnBrk="1" latinLnBrk="1" hangingPunct="1">
-              <a:lnSpc>
-                <a:spcPct val="90000"/>
-              </a:lnSpc>
-              <a:spcBef>
-                <a:spcPts val="500"/>
-              </a:spcBef>
-              <a:buFont typeface="Arial" panose="020B0604020202020204" pitchFamily="34" charset="0"/>
-              <a:buChar char="•"/>
-              <a:defRPr sz="1800" kern="1200">
-                <a:solidFill>
-                  <a:schemeClr val="tx1"/>
-                </a:solidFill>
-                <a:latin typeface="+mn-lt"/>
-                <a:ea typeface="+mn-ea"/>
-                <a:cs typeface="+mn-cs"/>
-              </a:defRPr>
-            </a:lvl4pPr>
-            <a:lvl5pPr marL="2057400" indent="-228600" algn="l" defTabSz="914400" rtl="0" eaLnBrk="1" latinLnBrk="1" hangingPunct="1">
-              <a:lnSpc>
-                <a:spcPct val="90000"/>
-              </a:lnSpc>
-              <a:spcBef>
-                <a:spcPts val="500"/>
-              </a:spcBef>
-              <a:buFont typeface="Arial" panose="020B0604020202020204" pitchFamily="34" charset="0"/>
-              <a:buChar char="•"/>
-              <a:defRPr sz="1800" kern="1200">
-                <a:solidFill>
-                  <a:schemeClr val="tx1"/>
-                </a:solidFill>
-                <a:latin typeface="+mn-lt"/>
-                <a:ea typeface="+mn-ea"/>
-                <a:cs typeface="+mn-cs"/>
-              </a:defRPr>
-            </a:lvl5pPr>
-            <a:lvl6pPr marL="2514600" indent="-228600" algn="l" defTabSz="914400" rtl="0" eaLnBrk="1" latinLnBrk="1" hangingPunct="1">
-              <a:lnSpc>
-                <a:spcPct val="90000"/>
-              </a:lnSpc>
-              <a:spcBef>
-                <a:spcPts val="500"/>
-              </a:spcBef>
-              <a:buFont typeface="Arial" panose="020B0604020202020204" pitchFamily="34" charset="0"/>
-              <a:buChar char="•"/>
-              <a:defRPr sz="1800" kern="1200">
-                <a:solidFill>
-                  <a:schemeClr val="tx1"/>
-                </a:solidFill>
-                <a:latin typeface="+mn-lt"/>
-                <a:ea typeface="+mn-ea"/>
-                <a:cs typeface="+mn-cs"/>
-              </a:defRPr>
-            </a:lvl6pPr>
-            <a:lvl7pPr marL="2971800" indent="-228600" algn="l" defTabSz="914400" rtl="0" eaLnBrk="1" latinLnBrk="1" hangingPunct="1">
-              <a:lnSpc>
-                <a:spcPct val="90000"/>
-              </a:lnSpc>
-              <a:spcBef>
-                <a:spcPts val="500"/>
-              </a:spcBef>
-              <a:buFont typeface="Arial" panose="020B0604020202020204" pitchFamily="34" charset="0"/>
-              <a:buChar char="•"/>
-              <a:defRPr sz="1800" kern="1200">
-                <a:solidFill>
-                  <a:schemeClr val="tx1"/>
-                </a:solidFill>
-                <a:latin typeface="+mn-lt"/>
-                <a:ea typeface="+mn-ea"/>
-                <a:cs typeface="+mn-cs"/>
-              </a:defRPr>
-            </a:lvl7pPr>
-            <a:lvl8pPr marL="3429000" indent="-228600" algn="l" defTabSz="914400" rtl="0" eaLnBrk="1" latinLnBrk="1" hangingPunct="1">
-              <a:lnSpc>
-                <a:spcPct val="90000"/>
-              </a:lnSpc>
-              <a:spcBef>
-                <a:spcPts val="500"/>
-              </a:spcBef>
-              <a:buFont typeface="Arial" panose="020B0604020202020204" pitchFamily="34" charset="0"/>
-              <a:buChar char="•"/>
-              <a:defRPr sz="1800" kern="1200">
-                <a:solidFill>
-                  <a:schemeClr val="tx1"/>
-                </a:solidFill>
-                <a:latin typeface="+mn-lt"/>
-                <a:ea typeface="+mn-ea"/>
-                <a:cs typeface="+mn-cs"/>
-              </a:defRPr>
-            </a:lvl8pPr>
-            <a:lvl9pPr marL="3886200" indent="-228600" algn="l" defTabSz="914400" rtl="0" eaLnBrk="1" latinLnBrk="1" hangingPunct="1">
-              <a:lnSpc>
-                <a:spcPct val="90000"/>
-              </a:lnSpc>
-              <a:spcBef>
-                <a:spcPts val="500"/>
-              </a:spcBef>
-              <a:buFont typeface="Arial" panose="020B0604020202020204" pitchFamily="34" charset="0"/>
-              <a:buChar char="•"/>
-              <a:defRPr sz="1800" kern="1200">
-                <a:solidFill>
-                  <a:schemeClr val="tx1"/>
-                </a:solidFill>
-                <a:latin typeface="+mn-lt"/>
-                <a:ea typeface="+mn-ea"/>
-                <a:cs typeface="+mn-cs"/>
-              </a:defRPr>
-            </a:lvl9pPr>
-          </a:lstStyle>
-          <a:p>
-            <a:pPr lvl="1">
-              <a:lnSpc>
-                <a:spcPct val="100000"/>
-              </a:lnSpc>
-            </a:pPr>
-            <a:r>
-              <a:rPr lang="ko-KR" altLang="en-US" dirty="0"/>
-              <a:t>불완전한 회로 연결</a:t>
-            </a:r>
-            <a:r>
-              <a:rPr lang="en-US" altLang="ko-KR" dirty="0"/>
-              <a:t>, </a:t>
-            </a:r>
-            <a:r>
-              <a:rPr lang="ko-KR" altLang="en-US" dirty="0"/>
-              <a:t>주변의 자기장 등 영향으로 불규칙한 신호</a:t>
-            </a:r>
-            <a:r>
-              <a:rPr lang="en-US" altLang="ko-KR" dirty="0"/>
-              <a:t>(</a:t>
-            </a:r>
-            <a:r>
-              <a:rPr lang="ko-KR" altLang="en-US" dirty="0" err="1"/>
-              <a:t>노이즈</a:t>
-            </a:r>
-            <a:r>
-              <a:rPr lang="en-US" altLang="ko-KR" dirty="0"/>
-              <a:t>) </a:t>
-            </a:r>
-            <a:r>
-              <a:rPr lang="ko-KR" altLang="en-US" dirty="0"/>
-              <a:t>발생</a:t>
-            </a:r>
-          </a:p>
-          <a:p>
-            <a:pPr lvl="1"/>
-            <a:endParaRPr lang="en-US" altLang="ko-KR" dirty="0"/>
-          </a:p>
-        </p:txBody>
-      </p:sp>
-      <p:sp>
-        <p:nvSpPr>
-          <p:cNvPr id="9" name="제목 1"/>
-          <p:cNvSpPr txBox="1">
-            <a:spLocks/>
-          </p:cNvSpPr>
-          <p:nvPr/>
-        </p:nvSpPr>
-        <p:spPr>
-          <a:xfrm>
-            <a:off x="628650" y="365127"/>
-            <a:ext cx="8237444" cy="898898"/>
-          </a:xfrm>
-          <a:prstGeom prst="rect">
-            <a:avLst/>
-          </a:prstGeom>
-        </p:spPr>
-        <p:txBody>
-          <a:bodyPr>
-            <a:normAutofit/>
-          </a:bodyPr>
-          <a:lstStyle>
-            <a:lvl1pPr algn="l" defTabSz="914400" rtl="0" eaLnBrk="1" latinLnBrk="1" hangingPunct="1">
-              <a:lnSpc>
-                <a:spcPct val="90000"/>
-              </a:lnSpc>
-              <a:spcBef>
-                <a:spcPct val="0"/>
-              </a:spcBef>
-              <a:buNone/>
-              <a:defRPr sz="4400" kern="1200">
-                <a:solidFill>
-                  <a:schemeClr val="tx1"/>
-                </a:solidFill>
-                <a:latin typeface="+mj-lt"/>
-                <a:ea typeface="+mj-ea"/>
-                <a:cs typeface="+mj-cs"/>
-              </a:defRPr>
-            </a:lvl1pPr>
-          </a:lstStyle>
-          <a:p>
-            <a:r>
-              <a:rPr lang="ko-KR" altLang="en-US" dirty="0" err="1"/>
-              <a:t>풀로팅</a:t>
-            </a:r>
-            <a:r>
-              <a:rPr lang="en-US" altLang="ko-KR" dirty="0"/>
-              <a:t>(floating) </a:t>
-            </a:r>
-            <a:r>
-              <a:rPr lang="ko-KR" altLang="en-US" dirty="0"/>
-              <a:t>현상</a:t>
-            </a:r>
-          </a:p>
-        </p:txBody>
-      </p:sp>
-      <p:pic>
-        <p:nvPicPr>
-          <p:cNvPr id="3" name="그림 2"/>
-          <p:cNvPicPr>
-            <a:picLocks noChangeAspect="1"/>
-          </p:cNvPicPr>
-          <p:nvPr/>
-        </p:nvPicPr>
-        <p:blipFill>
-          <a:blip r:embed="rId2">
-            <a:extLst>
-              <a:ext uri="{28A0092B-C50C-407E-A947-70E740481C1C}">
-                <a14:useLocalDpi xmlns:a14="http://schemas.microsoft.com/office/drawing/2010/main" val="0"/>
-              </a:ext>
-            </a:extLst>
-          </a:blip>
-          <a:stretch>
-            <a:fillRect/>
-          </a:stretch>
-        </p:blipFill>
-        <p:spPr>
-          <a:xfrm>
-            <a:off x="1131779" y="2553613"/>
-            <a:ext cx="6667500" cy="2990850"/>
-          </a:xfrm>
-          <a:prstGeom prst="rect">
-            <a:avLst/>
-          </a:prstGeom>
-        </p:spPr>
-      </p:pic>
-    </p:spTree>
-    <p:extLst>
-      <p:ext uri="{BB962C8B-B14F-4D97-AF65-F5344CB8AC3E}">
-        <p14:creationId xmlns:p14="http://schemas.microsoft.com/office/powerpoint/2010/main" val="1956551744"/>
-      </p:ext>
-    </p:extLst>
-  </p:cSld>
-  <p:clrMapOvr>
-    <a:masterClrMapping/>
-  </p:clrMapOvr>
-</p:sld>
-</file>
-
-<file path=ppt/slides/slide11.xml><?xml version="1.0" encoding="utf-8"?>
-<p:sld xmlns:a="http://schemas.openxmlformats.org/drawingml/2006/main" xmlns:r="http://schemas.openxmlformats.org/officeDocument/2006/relationships" xmlns:p="http://schemas.openxmlformats.org/presentationml/2006/main">
-  <p:cSld>
-    <p:spTree>
-      <p:nvGrpSpPr>
-        <p:cNvPr id="1" name=""/>
-        <p:cNvGrpSpPr/>
-        <p:nvPr/>
-      </p:nvGrpSpPr>
-      <p:grpSpPr>
-        <a:xfrm>
-          <a:off x="0" y="0"/>
-          <a:ext cx="0" cy="0"/>
-          <a:chOff x="0" y="0"/>
-          <a:chExt cx="0" cy="0"/>
-        </a:xfrm>
-      </p:grpSpPr>
-      <p:sp>
-        <p:nvSpPr>
-          <p:cNvPr id="8" name="내용 개체 틀 2"/>
-          <p:cNvSpPr txBox="1">
-            <a:spLocks/>
-          </p:cNvSpPr>
-          <p:nvPr/>
-        </p:nvSpPr>
-        <p:spPr>
-          <a:xfrm>
             <a:off x="121177" y="710989"/>
             <a:ext cx="8239125" cy="1318121"/>
           </a:xfrm>
@@ -4030,74 +3690,82 @@
           <a:p>
             <a:pPr lvl="1"/>
             <a:r>
-              <a:rPr lang="en-US" altLang="ko-KR" dirty="0" err="1" smtClean="0"/>
+              <a:rPr lang="ko-KR" altLang="en-US" dirty="0"/>
+              <a:t>디지털 입력</a:t>
+            </a:r>
+            <a:r>
+              <a:rPr lang="en-US" altLang="ko-KR" dirty="0"/>
+              <a:t>(</a:t>
+            </a:r>
+            <a:r>
+              <a:rPr lang="en-US" altLang="ko-KR" dirty="0" err="1"/>
               <a:t>digitalRead</a:t>
             </a:r>
             <a:r>
-              <a:rPr lang="en-US" altLang="ko-KR" dirty="0" smtClean="0"/>
+              <a:rPr lang="en-US" altLang="ko-KR" dirty="0"/>
+              <a:t>) </a:t>
+            </a:r>
+            <a:r>
+              <a:rPr lang="ko-KR" altLang="en-US" dirty="0"/>
+              <a:t>값은</a:t>
+            </a:r>
+            <a:r>
+              <a:rPr lang="en-US" altLang="ko-KR" dirty="0"/>
+              <a:t>? HIGH or LOW</a:t>
+            </a:r>
+          </a:p>
+          <a:p>
+            <a:pPr lvl="2"/>
+            <a:r>
+              <a:rPr lang="ko-KR" altLang="en-US" dirty="0"/>
+              <a:t>스위치 </a:t>
+            </a:r>
+            <a:r>
+              <a:rPr lang="en-US" altLang="ko-KR" dirty="0"/>
+              <a:t>OFF  </a:t>
+            </a:r>
+            <a:r>
+              <a:rPr lang="ko-KR" altLang="en-US" dirty="0" err="1"/>
+              <a:t>일때</a:t>
+            </a:r>
+            <a:r>
+              <a:rPr lang="ko-KR" altLang="en-US" dirty="0"/>
+              <a:t> 불규칙한 값</a:t>
+            </a:r>
+            <a:r>
+              <a:rPr lang="en-US" altLang="ko-KR" dirty="0"/>
+              <a:t>(HIGH, LOW) </a:t>
+            </a:r>
+            <a:r>
+              <a:rPr lang="ko-KR" altLang="en-US" dirty="0"/>
+              <a:t>읽음</a:t>
+            </a:r>
+            <a:endParaRPr lang="en-US" altLang="ko-KR" dirty="0"/>
+          </a:p>
+          <a:p>
+            <a:pPr lvl="2"/>
+            <a:r>
+              <a:rPr lang="ko-KR" altLang="en-US" dirty="0"/>
+              <a:t>스위치 </a:t>
+            </a:r>
+            <a:r>
+              <a:rPr lang="en-US" altLang="ko-KR" dirty="0"/>
+              <a:t>ON </a:t>
+            </a:r>
+            <a:r>
+              <a:rPr lang="ko-KR" altLang="en-US" dirty="0" err="1"/>
+              <a:t>일때</a:t>
+            </a:r>
+            <a:r>
+              <a:rPr lang="ko-KR" altLang="en-US" dirty="0"/>
               <a:t> </a:t>
             </a:r>
             <a:r>
-              <a:rPr lang="ko-KR" altLang="en-US" dirty="0" smtClean="0"/>
-              <a:t>값은</a:t>
-            </a:r>
-            <a:r>
-              <a:rPr lang="en-US" altLang="ko-KR" dirty="0" smtClean="0"/>
-              <a:t>? HIGH or LOW</a:t>
-            </a:r>
-          </a:p>
-          <a:p>
-            <a:pPr lvl="2"/>
-            <a:r>
-              <a:rPr lang="ko-KR" altLang="en-US" dirty="0" smtClean="0"/>
-              <a:t>스위치 </a:t>
-            </a:r>
-            <a:r>
-              <a:rPr lang="en-US" altLang="ko-KR" dirty="0" smtClean="0"/>
-              <a:t>OFF  </a:t>
-            </a:r>
-            <a:r>
-              <a:rPr lang="ko-KR" altLang="en-US" dirty="0" err="1" smtClean="0"/>
-              <a:t>일때</a:t>
-            </a:r>
-            <a:r>
-              <a:rPr lang="ko-KR" altLang="en-US" dirty="0" smtClean="0"/>
-              <a:t> 불규칙한 값</a:t>
-            </a:r>
-            <a:r>
-              <a:rPr lang="en-US" altLang="ko-KR" dirty="0" smtClean="0"/>
-              <a:t>(HIGH, LOW) </a:t>
-            </a:r>
-            <a:r>
-              <a:rPr lang="ko-KR" altLang="en-US" dirty="0" smtClean="0"/>
-              <a:t>읽음</a:t>
-            </a:r>
-            <a:endParaRPr lang="en-US" altLang="ko-KR" dirty="0" smtClean="0"/>
-          </a:p>
-          <a:p>
-            <a:pPr lvl="2"/>
-            <a:r>
-              <a:rPr lang="ko-KR" altLang="en-US" dirty="0" smtClean="0"/>
-              <a:t>스위치 </a:t>
-            </a:r>
-            <a:r>
-              <a:rPr lang="en-US" altLang="ko-KR" dirty="0" smtClean="0"/>
-              <a:t>ON </a:t>
-            </a:r>
-            <a:r>
-              <a:rPr lang="ko-KR" altLang="en-US" dirty="0" err="1" smtClean="0"/>
-              <a:t>일때</a:t>
-            </a:r>
-            <a:r>
-              <a:rPr lang="ko-KR" altLang="en-US" dirty="0" smtClean="0"/>
-              <a:t> </a:t>
-            </a:r>
-            <a:r>
-              <a:rPr lang="en-US" altLang="ko-KR" dirty="0" smtClean="0"/>
+              <a:rPr lang="en-US" altLang="ko-KR" dirty="0"/>
               <a:t>HIGH(+5V) </a:t>
             </a:r>
             <a:r>
-              <a:rPr lang="ko-KR" altLang="en-US" dirty="0" smtClean="0"/>
+              <a:rPr lang="ko-KR" altLang="en-US" dirty="0"/>
               <a:t>읽음</a:t>
             </a:r>
             <a:endParaRPr lang="en-US" altLang="ko-KR" dirty="0"/>
@@ -4147,7 +3815,7 @@
 </p:sld>
 </file>
 
-<file path=ppt/slides/slide12.xml><?xml version="1.0" encoding="utf-8"?>
+<file path=ppt/slides/slide11.xml><?xml version="1.0" encoding="utf-8"?>
 <p:sld xmlns:a="http://schemas.openxmlformats.org/drawingml/2006/main" xmlns:r="http://schemas.openxmlformats.org/officeDocument/2006/relationships" xmlns:p="http://schemas.openxmlformats.org/presentationml/2006/main">
   <p:cSld>
     <p:spTree>
@@ -4169,7 +3837,7 @@
           <p:cNvPr id="10" name="그림 9" descr="전자기기이(가) 표시된 사진&#10;&#10;자동 생성된 설명">
             <a:extLst>
               <a:ext uri="{FF2B5EF4-FFF2-40B4-BE49-F238E27FC236}">
-                <a16:creationId xmlns:a16="http://schemas.microsoft.com/office/drawing/2014/main" xmlns="" id="{7BAC300E-91AB-9D44-8DBE-1216A53512CE}"/>
+                <a16:creationId xmlns:a16="http://schemas.microsoft.com/office/drawing/2014/main" id="{7BAC300E-91AB-9D44-8DBE-1216A53512CE}"/>
               </a:ext>
             </a:extLst>
           </p:cNvPr>
@@ -4204,7 +3872,7 @@
           <p:cNvPr id="11" name="TextBox 10">
             <a:extLst>
               <a:ext uri="{FF2B5EF4-FFF2-40B4-BE49-F238E27FC236}">
-                <a16:creationId xmlns:a16="http://schemas.microsoft.com/office/drawing/2014/main" xmlns="" id="{57A5A19C-5FB8-824C-AC41-DBE7A5E58E80}"/>
+                <a16:creationId xmlns:a16="http://schemas.microsoft.com/office/drawing/2014/main" id="{57A5A19C-5FB8-824C-AC41-DBE7A5E58E80}"/>
               </a:ext>
             </a:extLst>
           </p:cNvPr>
@@ -4358,7 +4026,7 @@
           <p:cNvPr id="12" name="TextBox 11">
             <a:extLst>
               <a:ext uri="{FF2B5EF4-FFF2-40B4-BE49-F238E27FC236}">
-                <a16:creationId xmlns:a16="http://schemas.microsoft.com/office/drawing/2014/main" xmlns="" id="{F1EAA06D-51A7-2047-A052-5E1468DC686B}"/>
+                <a16:creationId xmlns:a16="http://schemas.microsoft.com/office/drawing/2014/main" id="{F1EAA06D-51A7-2047-A052-5E1468DC686B}"/>
               </a:ext>
             </a:extLst>
           </p:cNvPr>
@@ -4501,14 +4169,10 @@
           <a:p>
             <a:r>
               <a:rPr lang="ko-KR" altLang="en-US" dirty="0"/>
-              <a:t>* 만약 </a:t>
-            </a:r>
-            <a:r>
-              <a:rPr lang="ko-KR" altLang="en-US" dirty="0" smtClean="0"/>
-              <a:t>스위치가 </a:t>
-            </a:r>
-            <a:r>
-              <a:rPr lang="en-US" altLang="ko-KR" dirty="0" smtClean="0"/>
+              <a:t>* 만약 스위치가 </a:t>
+            </a:r>
+            <a:r>
+              <a:rPr lang="en-US" altLang="ko-KR" dirty="0"/>
               <a:t>5V</a:t>
             </a:r>
             <a:r>
@@ -4539,7 +4203,7 @@
 </p:sld>
 </file>
 
-<file path=ppt/slides/slide13.xml><?xml version="1.0" encoding="utf-8"?>
+<file path=ppt/slides/slide12.xml><?xml version="1.0" encoding="utf-8"?>
 <p:sld xmlns:a="http://schemas.openxmlformats.org/drawingml/2006/main" xmlns:r="http://schemas.openxmlformats.org/officeDocument/2006/relationships" xmlns:p="http://schemas.openxmlformats.org/presentationml/2006/main">
   <p:cSld>
     <p:spTree>
@@ -4742,31 +4406,31 @@
           <a:p>
             <a:pPr lvl="1"/>
             <a:r>
-              <a:rPr lang="ko-KR" altLang="en-US" dirty="0" smtClean="0"/>
+              <a:rPr lang="ko-KR" altLang="en-US" dirty="0"/>
               <a:t>스위치 </a:t>
             </a:r>
             <a:r>
-              <a:rPr lang="en-US" altLang="ko-KR" dirty="0" smtClean="0"/>
+              <a:rPr lang="en-US" altLang="ko-KR" dirty="0"/>
               <a:t>ON </a:t>
             </a:r>
             <a:r>
-              <a:rPr lang="ko-KR" altLang="en-US" dirty="0" err="1" smtClean="0"/>
+              <a:rPr lang="ko-KR" altLang="en-US" dirty="0" err="1"/>
               <a:t>일때</a:t>
             </a:r>
             <a:r>
-              <a:rPr lang="ko-KR" altLang="en-US" dirty="0" smtClean="0"/>
+              <a:rPr lang="ko-KR" altLang="en-US" dirty="0"/>
               <a:t> </a:t>
             </a:r>
             <a:r>
-              <a:rPr lang="ko-KR" altLang="en-US" dirty="0" err="1" smtClean="0"/>
+              <a:rPr lang="ko-KR" altLang="en-US" dirty="0" err="1"/>
               <a:t>숏트</a:t>
             </a:r>
             <a:r>
-              <a:rPr lang="ko-KR" altLang="en-US" dirty="0" smtClean="0"/>
+              <a:rPr lang="ko-KR" altLang="en-US" dirty="0"/>
               <a:t> 발생</a:t>
             </a:r>
             <a:r>
-              <a:rPr lang="en-US" altLang="ko-KR" dirty="0" smtClean="0">
+              <a:rPr lang="en-US" altLang="ko-KR" dirty="0">
                 <a:solidFill>
                   <a:srgbClr val="FF0000"/>
                 </a:solidFill>
@@ -4774,7 +4438,7 @@
               <a:t>(</a:t>
             </a:r>
             <a:r>
-              <a:rPr lang="ko-KR" altLang="en-US" dirty="0" smtClean="0">
+              <a:rPr lang="ko-KR" altLang="en-US" dirty="0">
                 <a:solidFill>
                   <a:srgbClr val="FF0000"/>
                 </a:solidFill>
@@ -4782,7 +4446,7 @@
               <a:t>주의</a:t>
             </a:r>
             <a:r>
-              <a:rPr lang="en-US" altLang="ko-KR" dirty="0" smtClean="0">
+              <a:rPr lang="en-US" altLang="ko-KR" dirty="0">
                 <a:solidFill>
                   <a:srgbClr val="FF0000"/>
                 </a:solidFill>
@@ -4790,7 +4454,7 @@
               <a:t>!!!, </a:t>
             </a:r>
             <a:r>
-              <a:rPr lang="ko-KR" altLang="en-US" dirty="0" smtClean="0">
+              <a:rPr lang="ko-KR" altLang="en-US" dirty="0">
                 <a:solidFill>
                   <a:srgbClr val="FF0000"/>
                 </a:solidFill>
@@ -4798,7 +4462,7 @@
               <a:t>절대 연결하면 안됨</a:t>
             </a:r>
             <a:r>
-              <a:rPr lang="en-US" altLang="ko-KR" dirty="0" smtClean="0">
+              <a:rPr lang="en-US" altLang="ko-KR" dirty="0">
                 <a:solidFill>
                   <a:srgbClr val="FF0000"/>
                 </a:solidFill>
@@ -4809,31 +4473,31 @@
           <a:p>
             <a:pPr lvl="2"/>
             <a:r>
-              <a:rPr lang="ko-KR" altLang="en-US" dirty="0" smtClean="0"/>
+              <a:rPr lang="ko-KR" altLang="en-US" dirty="0"/>
               <a:t>쇼트 방지를 위해 저항</a:t>
             </a:r>
             <a:r>
-              <a:rPr lang="en-US" altLang="ko-KR" dirty="0" smtClean="0"/>
+              <a:rPr lang="en-US" altLang="ko-KR" dirty="0"/>
               <a:t>(</a:t>
             </a:r>
             <a:r>
-              <a:rPr lang="ko-KR" altLang="en-US" dirty="0" smtClean="0"/>
+              <a:rPr lang="ko-KR" altLang="en-US" dirty="0"/>
               <a:t>풀다운</a:t>
             </a:r>
             <a:r>
-              <a:rPr lang="en-US" altLang="ko-KR" dirty="0" smtClean="0"/>
+              <a:rPr lang="en-US" altLang="ko-KR" dirty="0"/>
               <a:t>, </a:t>
             </a:r>
             <a:r>
-              <a:rPr lang="ko-KR" altLang="en-US" dirty="0" err="1" smtClean="0"/>
+              <a:rPr lang="ko-KR" altLang="en-US" dirty="0" err="1"/>
               <a:t>풀업</a:t>
             </a:r>
             <a:r>
-              <a:rPr lang="en-US" altLang="ko-KR" dirty="0" smtClean="0"/>
+              <a:rPr lang="en-US" altLang="ko-KR" dirty="0"/>
               <a:t>, INPUT_PULL_UP)</a:t>
             </a:r>
             <a:r>
-              <a:rPr lang="ko-KR" altLang="en-US" dirty="0" smtClean="0"/>
+              <a:rPr lang="ko-KR" altLang="en-US" dirty="0"/>
               <a:t>이 필요</a:t>
             </a:r>
             <a:endParaRPr lang="en-US" altLang="ko-KR" dirty="0"/>
@@ -4913,7 +4577,7 @@
 </p:sld>
 </file>
 
-<file path=ppt/slides/slide14.xml><?xml version="1.0" encoding="utf-8"?>
+<file path=ppt/slides/slide13.xml><?xml version="1.0" encoding="utf-8"?>
 <p:sld xmlns:a="http://schemas.openxmlformats.org/drawingml/2006/main" xmlns:r="http://schemas.openxmlformats.org/officeDocument/2006/relationships" xmlns:p="http://schemas.openxmlformats.org/presentationml/2006/main">
   <p:cSld>
     <p:spTree>
@@ -5345,7 +5009,7 @@
 </p:sld>
 </file>
 
-<file path=ppt/slides/slide15.xml><?xml version="1.0" encoding="utf-8"?>
+<file path=ppt/slides/slide14.xml><?xml version="1.0" encoding="utf-8"?>
 <p:sld xmlns:a="http://schemas.openxmlformats.org/drawingml/2006/main" xmlns:r="http://schemas.openxmlformats.org/officeDocument/2006/relationships" xmlns:p="http://schemas.openxmlformats.org/presentationml/2006/main">
   <p:cSld>
     <p:spTree>
@@ -5389,7 +5053,7 @@
               <a:buChar char="•"/>
             </a:pPr>
             <a:r>
-              <a:rPr lang="en-US" altLang="ko-KR" sz="2800" dirty="0" smtClean="0"/>
+              <a:rPr lang="en-US" altLang="ko-KR" sz="2800" dirty="0"/>
               <a:t>Fritzing : PULL-DOWN</a:t>
             </a:r>
             <a:endParaRPr lang="ko-KR" altLang="en-US" sz="2800" dirty="0"/>
@@ -5439,7 +5103,7 @@
 </p:sld>
 </file>
 
-<file path=ppt/slides/slide16.xml><?xml version="1.0" encoding="utf-8"?>
+<file path=ppt/slides/slide15.xml><?xml version="1.0" encoding="utf-8"?>
 <p:sld xmlns:a="http://schemas.openxmlformats.org/drawingml/2006/main" xmlns:r="http://schemas.openxmlformats.org/officeDocument/2006/relationships" xmlns:p="http://schemas.openxmlformats.org/presentationml/2006/main">
   <p:cSld>
     <p:spTree>
@@ -5494,7 +5158,7 @@
           <p:cNvPr id="4" name="그림 3" descr="텍스트이(가) 표시된 사진&#10;&#10;자동 생성된 설명">
             <a:extLst>
               <a:ext uri="{FF2B5EF4-FFF2-40B4-BE49-F238E27FC236}">
-                <a16:creationId xmlns:a16="http://schemas.microsoft.com/office/drawing/2014/main" xmlns="" id="{6F192102-15FA-6C48-837A-78B031F2364F}"/>
+                <a16:creationId xmlns:a16="http://schemas.microsoft.com/office/drawing/2014/main" id="{6F192102-15FA-6C48-837A-78B031F2364F}"/>
               </a:ext>
             </a:extLst>
           </p:cNvPr>
@@ -5538,7 +5202,7 @@
 </p:sld>
 </file>
 
-<file path=ppt/slides/slide17.xml><?xml version="1.0" encoding="utf-8"?>
+<file path=ppt/slides/slide16.xml><?xml version="1.0" encoding="utf-8"?>
 <p:sld xmlns:a="http://schemas.openxmlformats.org/drawingml/2006/main" xmlns:r="http://schemas.openxmlformats.org/officeDocument/2006/relationships" xmlns:p="http://schemas.openxmlformats.org/presentationml/2006/main">
   <p:cSld>
     <p:spTree>
@@ -5981,6 +5645,106 @@
 </p:sld>
 </file>
 
+<file path=ppt/slides/slide17.xml><?xml version="1.0" encoding="utf-8"?>
+<p:sld xmlns:a="http://schemas.openxmlformats.org/drawingml/2006/main" xmlns:r="http://schemas.openxmlformats.org/officeDocument/2006/relationships" xmlns:p="http://schemas.openxmlformats.org/presentationml/2006/main">
+  <p:cSld>
+    <p:spTree>
+      <p:nvGrpSpPr>
+        <p:cNvPr id="1" name=""/>
+        <p:cNvGrpSpPr/>
+        <p:nvPr/>
+      </p:nvGrpSpPr>
+      <p:grpSpPr>
+        <a:xfrm>
+          <a:off x="0" y="0"/>
+          <a:ext cx="0" cy="0"/>
+          <a:chOff x="0" y="0"/>
+          <a:chExt cx="0" cy="0"/>
+        </a:xfrm>
+      </p:grpSpPr>
+      <p:sp>
+        <p:nvSpPr>
+          <p:cNvPr id="2" name="제목 1"/>
+          <p:cNvSpPr>
+            <a:spLocks noGrp="1"/>
+          </p:cNvSpPr>
+          <p:nvPr>
+            <p:ph type="title"/>
+          </p:nvPr>
+        </p:nvSpPr>
+        <p:spPr>
+          <a:xfrm>
+            <a:off x="617633" y="122756"/>
+            <a:ext cx="8237444" cy="898898"/>
+          </a:xfrm>
+        </p:spPr>
+        <p:txBody>
+          <a:bodyPr>
+            <a:normAutofit/>
+          </a:bodyPr>
+          <a:lstStyle/>
+          <a:p>
+            <a:pPr marL="457200" indent="-457200">
+              <a:buFont typeface="Arial" panose="020B0604020202020204" pitchFamily="34" charset="0"/>
+              <a:buChar char="•"/>
+            </a:pPr>
+            <a:r>
+              <a:rPr lang="en-US" altLang="ko-KR" sz="2800" dirty="0"/>
+              <a:t>Fritzing : PULL-UP</a:t>
+            </a:r>
+            <a:endParaRPr lang="ko-KR" altLang="en-US" sz="2800" dirty="0"/>
+          </a:p>
+        </p:txBody>
+      </p:sp>
+      <p:pic>
+        <p:nvPicPr>
+          <p:cNvPr id="5" name="그림 4" descr="전자기기, 회로이(가) 표시된 사진&#10;&#10;자동 생성된 설명">
+            <a:extLst>
+              <a:ext uri="{FF2B5EF4-FFF2-40B4-BE49-F238E27FC236}">
+                <a16:creationId xmlns:a16="http://schemas.microsoft.com/office/drawing/2014/main" id="{54DF8E6A-3FE1-FF4E-8B7B-F1B01B11D8D7}"/>
+              </a:ext>
+            </a:extLst>
+          </p:cNvPr>
+          <p:cNvPicPr>
+            <a:picLocks noChangeAspect="1"/>
+          </p:cNvPicPr>
+          <p:nvPr/>
+        </p:nvPicPr>
+        <p:blipFill>
+          <a:blip r:embed="rId2">
+            <a:extLst>
+              <a:ext uri="{28A0092B-C50C-407E-A947-70E740481C1C}">
+                <a14:useLocalDpi xmlns:a14="http://schemas.microsoft.com/office/drawing/2010/main" val="0"/>
+              </a:ext>
+            </a:extLst>
+          </a:blip>
+          <a:stretch>
+            <a:fillRect/>
+          </a:stretch>
+        </p:blipFill>
+        <p:spPr>
+          <a:xfrm>
+            <a:off x="440808" y="1505526"/>
+            <a:ext cx="8262383" cy="4382655"/>
+          </a:xfrm>
+          <a:prstGeom prst="rect">
+            <a:avLst/>
+          </a:prstGeom>
+        </p:spPr>
+      </p:pic>
+    </p:spTree>
+    <p:extLst>
+      <p:ext uri="{BB962C8B-B14F-4D97-AF65-F5344CB8AC3E}">
+        <p14:creationId xmlns:p14="http://schemas.microsoft.com/office/powerpoint/2010/main" val="4067768396"/>
+      </p:ext>
+    </p:extLst>
+  </p:cSld>
+  <p:clrMapOvr>
+    <a:masterClrMapping/>
+  </p:clrMapOvr>
+</p:sld>
+</file>
+
 <file path=ppt/slides/slide18.xml><?xml version="1.0" encoding="utf-8"?>
 <p:sld xmlns:a="http://schemas.openxmlformats.org/drawingml/2006/main" xmlns:r="http://schemas.openxmlformats.org/officeDocument/2006/relationships" xmlns:p="http://schemas.openxmlformats.org/presentationml/2006/main">
   <p:cSld>
@@ -6036,7 +5800,7 @@
           <p:cNvPr id="13" name="그림 12" descr="스크린샷, 텍스트이(가) 표시된 사진&#10;&#10;자동 생성된 설명">
             <a:extLst>
               <a:ext uri="{FF2B5EF4-FFF2-40B4-BE49-F238E27FC236}">
-                <a16:creationId xmlns:a16="http://schemas.microsoft.com/office/drawing/2014/main" xmlns="" id="{C483F129-A159-EA4C-A6D5-616F2EB5398E}"/>
+                <a16:creationId xmlns:a16="http://schemas.microsoft.com/office/drawing/2014/main" id="{C483F129-A159-EA4C-A6D5-616F2EB5398E}"/>
               </a:ext>
             </a:extLst>
           </p:cNvPr>
@@ -6544,11 +6308,11 @@
               <a:t>(</a:t>
             </a:r>
             <a:r>
-              <a:rPr lang="en-US" altLang="ko-KR" dirty="0" err="1" smtClean="0"/>
+              <a:rPr lang="en-US" altLang="ko-KR" dirty="0" err="1"/>
               <a:t>Pull-DOWN</a:t>
             </a:r>
             <a:r>
-              <a:rPr lang="en-US" altLang="ko-KR" dirty="0" smtClean="0"/>
+              <a:rPr lang="en-US" altLang="ko-KR" dirty="0"/>
               <a:t>) </a:t>
             </a:r>
             <a:r>
@@ -6565,11 +6329,7 @@
             </a:r>
             <a:r>
               <a:rPr lang="en-US" altLang="ko-KR" dirty="0"/>
-              <a:t>(</a:t>
-            </a:r>
-            <a:r>
-              <a:rPr lang="en-US" altLang="ko-KR" dirty="0" smtClean="0"/>
-              <a:t>PULL-UP) </a:t>
+              <a:t>(PULL-UP) </a:t>
             </a:r>
             <a:r>
               <a:rPr lang="ko-KR" altLang="en-US" dirty="0"/>
@@ -6598,16 +6358,12 @@
           </a:p>
           <a:p>
             <a:r>
-              <a:rPr lang="en-US" altLang="ko-KR" dirty="0" smtClean="0"/>
+              <a:rPr lang="en-US" altLang="ko-KR" dirty="0"/>
               <a:t>INPUT_PULL_UP</a:t>
             </a:r>
             <a:r>
-              <a:rPr lang="ko-KR" altLang="en-US" dirty="0" smtClean="0"/>
-              <a:t> </a:t>
-            </a:r>
-            <a:r>
               <a:rPr lang="ko-KR" altLang="en-US" dirty="0"/>
-              <a:t>저항을 이용한 </a:t>
+              <a:t> 저항을 이용한 </a:t>
             </a:r>
             <a:r>
               <a:rPr lang="en-US" altLang="ko-KR" dirty="0"/>
@@ -7669,7 +7425,7 @@
           <p:cNvPr id="6" name="내용 개체 틀 2">
             <a:extLst>
               <a:ext uri="{FF2B5EF4-FFF2-40B4-BE49-F238E27FC236}">
-                <a16:creationId xmlns:a16="http://schemas.microsoft.com/office/drawing/2014/main" xmlns="" id="{DF087650-FC74-7247-9653-3D7CFFBCEE43}"/>
+                <a16:creationId xmlns:a16="http://schemas.microsoft.com/office/drawing/2014/main" id="{DF087650-FC74-7247-9653-3D7CFFBCEE43}"/>
               </a:ext>
             </a:extLst>
           </p:cNvPr>
@@ -7974,7 +7730,7 @@
           <p:cNvPr id="4" name="그림 3" descr="텍스트이(가) 표시된 사진&#10;&#10;자동 생성된 설명">
             <a:extLst>
               <a:ext uri="{FF2B5EF4-FFF2-40B4-BE49-F238E27FC236}">
-                <a16:creationId xmlns:a16="http://schemas.microsoft.com/office/drawing/2014/main" xmlns="" id="{29ABF8AB-78AC-044A-ABEA-D907F93D7C78}"/>
+                <a16:creationId xmlns:a16="http://schemas.microsoft.com/office/drawing/2014/main" id="{29ABF8AB-78AC-044A-ABEA-D907F93D7C78}"/>
               </a:ext>
             </a:extLst>
           </p:cNvPr>
@@ -8090,17 +7846,6 @@
               <a:rPr lang="ko-KR" altLang="en-US" sz="4400" dirty="0"/>
               <a:t>제작</a:t>
             </a:r>
-            <a:r>
-              <a:rPr lang="ko-KR" altLang="en-US" kern="1200" dirty="0">
-                <a:solidFill>
-                  <a:prstClr val="black"/>
-                </a:solidFill>
-                <a:latin typeface="Calibri" panose="020F0502020204030204"/>
-                <a:ea typeface="맑은 고딕" panose="020B0503020000020004" pitchFamily="34" charset="-127"/>
-                <a:cs typeface="+mn-cs"/>
-              </a:rPr>
-              <a:t/>
-            </a:r>
             <a:br>
               <a:rPr lang="ko-KR" altLang="en-US" kern="1200" dirty="0">
                 <a:solidFill>
@@ -8120,7 +7865,7 @@
           <p:cNvPr id="5" name="내용 개체 틀 2">
             <a:extLst>
               <a:ext uri="{FF2B5EF4-FFF2-40B4-BE49-F238E27FC236}">
-                <a16:creationId xmlns:a16="http://schemas.microsoft.com/office/drawing/2014/main" xmlns="" id="{EF178005-F9F5-DB41-9651-29FA5F1A2373}"/>
+                <a16:creationId xmlns:a16="http://schemas.microsoft.com/office/drawing/2014/main" id="{EF178005-F9F5-DB41-9651-29FA5F1A2373}"/>
               </a:ext>
             </a:extLst>
           </p:cNvPr>
@@ -9807,7 +9552,7 @@
         </p:nvSpPr>
         <p:spPr>
           <a:xfrm>
-            <a:off x="628649" y="1374016"/>
+            <a:off x="628649" y="1296240"/>
             <a:ext cx="8084697" cy="1027022"/>
           </a:xfrm>
           <a:prstGeom prst="rect">
@@ -10041,7 +9786,7 @@
         </p:blipFill>
         <p:spPr>
           <a:xfrm>
-            <a:off x="1542398" y="2707516"/>
+            <a:off x="1619516" y="2857780"/>
             <a:ext cx="5566099" cy="3047439"/>
           </a:xfrm>
           <a:prstGeom prst="rect">
@@ -10341,751 +10086,6 @@
       </p:grpSpPr>
       <p:sp>
         <p:nvSpPr>
-          <p:cNvPr id="2" name="제목 1"/>
-          <p:cNvSpPr>
-            <a:spLocks noGrp="1"/>
-          </p:cNvSpPr>
-          <p:nvPr>
-            <p:ph type="title"/>
-          </p:nvPr>
-        </p:nvSpPr>
-        <p:spPr>
-          <a:xfrm>
-            <a:off x="628650" y="365126"/>
-            <a:ext cx="7886700" cy="673099"/>
-          </a:xfrm>
-        </p:spPr>
-        <p:txBody>
-          <a:bodyPr>
-            <a:normAutofit fontScale="90000"/>
-          </a:bodyPr>
-          <a:lstStyle/>
-          <a:p>
-            <a:r>
-              <a:rPr lang="ko-KR" altLang="en-US" dirty="0"/>
-              <a:t>디지털 입력</a:t>
-            </a:r>
-          </a:p>
-        </p:txBody>
-      </p:sp>
-      <p:sp>
-        <p:nvSpPr>
-          <p:cNvPr id="4" name="내용 개체 틀 2"/>
-          <p:cNvSpPr txBox="1">
-            <a:spLocks/>
-          </p:cNvSpPr>
-          <p:nvPr/>
-        </p:nvSpPr>
-        <p:spPr>
-          <a:xfrm>
-            <a:off x="628649" y="1143001"/>
-            <a:ext cx="8239125" cy="1333500"/>
-          </a:xfrm>
-          <a:prstGeom prst="rect">
-            <a:avLst/>
-          </a:prstGeom>
-        </p:spPr>
-        <p:txBody>
-          <a:bodyPr/>
-          <a:lstStyle>
-            <a:lvl1pPr marL="228600" indent="-228600" algn="l" defTabSz="914400" rtl="0" eaLnBrk="1" latinLnBrk="1" hangingPunct="1">
-              <a:lnSpc>
-                <a:spcPct val="90000"/>
-              </a:lnSpc>
-              <a:spcBef>
-                <a:spcPts val="1000"/>
-              </a:spcBef>
-              <a:buFont typeface="Arial" panose="020B0604020202020204" pitchFamily="34" charset="0"/>
-              <a:buChar char="•"/>
-              <a:defRPr sz="2800" kern="1200">
-                <a:solidFill>
-                  <a:schemeClr val="tx1"/>
-                </a:solidFill>
-                <a:latin typeface="+mn-lt"/>
-                <a:ea typeface="+mn-ea"/>
-                <a:cs typeface="+mn-cs"/>
-              </a:defRPr>
-            </a:lvl1pPr>
-            <a:lvl2pPr marL="685800" indent="-228600" algn="l" defTabSz="914400" rtl="0" eaLnBrk="1" latinLnBrk="1" hangingPunct="1">
-              <a:lnSpc>
-                <a:spcPct val="90000"/>
-              </a:lnSpc>
-              <a:spcBef>
-                <a:spcPts val="500"/>
-              </a:spcBef>
-              <a:buFont typeface="Arial" panose="020B0604020202020204" pitchFamily="34" charset="0"/>
-              <a:buChar char="•"/>
-              <a:defRPr sz="2400" kern="1200">
-                <a:solidFill>
-                  <a:schemeClr val="tx1"/>
-                </a:solidFill>
-                <a:latin typeface="+mn-lt"/>
-                <a:ea typeface="+mn-ea"/>
-                <a:cs typeface="+mn-cs"/>
-              </a:defRPr>
-            </a:lvl2pPr>
-            <a:lvl3pPr marL="1143000" indent="-228600" algn="l" defTabSz="914400" rtl="0" eaLnBrk="1" latinLnBrk="1" hangingPunct="1">
-              <a:lnSpc>
-                <a:spcPct val="90000"/>
-              </a:lnSpc>
-              <a:spcBef>
-                <a:spcPts val="500"/>
-              </a:spcBef>
-              <a:buFont typeface="Arial" panose="020B0604020202020204" pitchFamily="34" charset="0"/>
-              <a:buChar char="•"/>
-              <a:defRPr sz="2000" kern="1200">
-                <a:solidFill>
-                  <a:schemeClr val="tx1"/>
-                </a:solidFill>
-                <a:latin typeface="+mn-lt"/>
-                <a:ea typeface="+mn-ea"/>
-                <a:cs typeface="+mn-cs"/>
-              </a:defRPr>
-            </a:lvl3pPr>
-            <a:lvl4pPr marL="1600200" indent="-228600" algn="l" defTabSz="914400" rtl="0" eaLnBrk="1" latinLnBrk="1" hangingPunct="1">
-              <a:lnSpc>
-                <a:spcPct val="90000"/>
-              </a:lnSpc>
-              <a:spcBef>
-                <a:spcPts val="500"/>
-              </a:spcBef>
-              <a:buFont typeface="Arial" panose="020B0604020202020204" pitchFamily="34" charset="0"/>
-              <a:buChar char="•"/>
-              <a:defRPr sz="1800" kern="1200">
-                <a:solidFill>
-                  <a:schemeClr val="tx1"/>
-                </a:solidFill>
-                <a:latin typeface="+mn-lt"/>
-                <a:ea typeface="+mn-ea"/>
-                <a:cs typeface="+mn-cs"/>
-              </a:defRPr>
-            </a:lvl4pPr>
-            <a:lvl5pPr marL="2057400" indent="-228600" algn="l" defTabSz="914400" rtl="0" eaLnBrk="1" latinLnBrk="1" hangingPunct="1">
-              <a:lnSpc>
-                <a:spcPct val="90000"/>
-              </a:lnSpc>
-              <a:spcBef>
-                <a:spcPts val="500"/>
-              </a:spcBef>
-              <a:buFont typeface="Arial" panose="020B0604020202020204" pitchFamily="34" charset="0"/>
-              <a:buChar char="•"/>
-              <a:defRPr sz="1800" kern="1200">
-                <a:solidFill>
-                  <a:schemeClr val="tx1"/>
-                </a:solidFill>
-                <a:latin typeface="+mn-lt"/>
-                <a:ea typeface="+mn-ea"/>
-                <a:cs typeface="+mn-cs"/>
-              </a:defRPr>
-            </a:lvl5pPr>
-            <a:lvl6pPr marL="2514600" indent="-228600" algn="l" defTabSz="914400" rtl="0" eaLnBrk="1" latinLnBrk="1" hangingPunct="1">
-              <a:lnSpc>
-                <a:spcPct val="90000"/>
-              </a:lnSpc>
-              <a:spcBef>
-                <a:spcPts val="500"/>
-              </a:spcBef>
-              <a:buFont typeface="Arial" panose="020B0604020202020204" pitchFamily="34" charset="0"/>
-              <a:buChar char="•"/>
-              <a:defRPr sz="1800" kern="1200">
-                <a:solidFill>
-                  <a:schemeClr val="tx1"/>
-                </a:solidFill>
-                <a:latin typeface="+mn-lt"/>
-                <a:ea typeface="+mn-ea"/>
-                <a:cs typeface="+mn-cs"/>
-              </a:defRPr>
-            </a:lvl6pPr>
-            <a:lvl7pPr marL="2971800" indent="-228600" algn="l" defTabSz="914400" rtl="0" eaLnBrk="1" latinLnBrk="1" hangingPunct="1">
-              <a:lnSpc>
-                <a:spcPct val="90000"/>
-              </a:lnSpc>
-              <a:spcBef>
-                <a:spcPts val="500"/>
-              </a:spcBef>
-              <a:buFont typeface="Arial" panose="020B0604020202020204" pitchFamily="34" charset="0"/>
-              <a:buChar char="•"/>
-              <a:defRPr sz="1800" kern="1200">
-                <a:solidFill>
-                  <a:schemeClr val="tx1"/>
-                </a:solidFill>
-                <a:latin typeface="+mn-lt"/>
-                <a:ea typeface="+mn-ea"/>
-                <a:cs typeface="+mn-cs"/>
-              </a:defRPr>
-            </a:lvl7pPr>
-            <a:lvl8pPr marL="3429000" indent="-228600" algn="l" defTabSz="914400" rtl="0" eaLnBrk="1" latinLnBrk="1" hangingPunct="1">
-              <a:lnSpc>
-                <a:spcPct val="90000"/>
-              </a:lnSpc>
-              <a:spcBef>
-                <a:spcPts val="500"/>
-              </a:spcBef>
-              <a:buFont typeface="Arial" panose="020B0604020202020204" pitchFamily="34" charset="0"/>
-              <a:buChar char="•"/>
-              <a:defRPr sz="1800" kern="1200">
-                <a:solidFill>
-                  <a:schemeClr val="tx1"/>
-                </a:solidFill>
-                <a:latin typeface="+mn-lt"/>
-                <a:ea typeface="+mn-ea"/>
-                <a:cs typeface="+mn-cs"/>
-              </a:defRPr>
-            </a:lvl8pPr>
-            <a:lvl9pPr marL="3886200" indent="-228600" algn="l" defTabSz="914400" rtl="0" eaLnBrk="1" latinLnBrk="1" hangingPunct="1">
-              <a:lnSpc>
-                <a:spcPct val="90000"/>
-              </a:lnSpc>
-              <a:spcBef>
-                <a:spcPts val="500"/>
-              </a:spcBef>
-              <a:buFont typeface="Arial" panose="020B0604020202020204" pitchFamily="34" charset="0"/>
-              <a:buChar char="•"/>
-              <a:defRPr sz="1800" kern="1200">
-                <a:solidFill>
-                  <a:schemeClr val="tx1"/>
-                </a:solidFill>
-                <a:latin typeface="+mn-lt"/>
-                <a:ea typeface="+mn-ea"/>
-                <a:cs typeface="+mn-cs"/>
-              </a:defRPr>
-            </a:lvl9pPr>
-          </a:lstStyle>
-          <a:p>
-            <a:endParaRPr lang="ko-KR" altLang="en-US" dirty="0"/>
-          </a:p>
-        </p:txBody>
-      </p:sp>
-      <p:sp>
-        <p:nvSpPr>
-          <p:cNvPr id="8" name="내용 개체 틀 2"/>
-          <p:cNvSpPr txBox="1">
-            <a:spLocks/>
-          </p:cNvSpPr>
-          <p:nvPr/>
-        </p:nvSpPr>
-        <p:spPr>
-          <a:xfrm>
-            <a:off x="628649" y="1374016"/>
-            <a:ext cx="8084697" cy="1027022"/>
-          </a:xfrm>
-          <a:prstGeom prst="rect">
-            <a:avLst/>
-          </a:prstGeom>
-        </p:spPr>
-        <p:txBody>
-          <a:bodyPr/>
-          <a:lstStyle>
-            <a:lvl1pPr marL="228600" indent="-228600" algn="l" defTabSz="914400" rtl="0" eaLnBrk="1" latinLnBrk="1" hangingPunct="1">
-              <a:lnSpc>
-                <a:spcPct val="90000"/>
-              </a:lnSpc>
-              <a:spcBef>
-                <a:spcPts val="1000"/>
-              </a:spcBef>
-              <a:buFont typeface="Arial" panose="020B0604020202020204" pitchFamily="34" charset="0"/>
-              <a:buChar char="•"/>
-              <a:defRPr sz="2800" kern="1200">
-                <a:solidFill>
-                  <a:schemeClr val="tx1"/>
-                </a:solidFill>
-                <a:latin typeface="+mn-lt"/>
-                <a:ea typeface="+mn-ea"/>
-                <a:cs typeface="+mn-cs"/>
-              </a:defRPr>
-            </a:lvl1pPr>
-            <a:lvl2pPr marL="685800" indent="-228600" algn="l" defTabSz="914400" rtl="0" eaLnBrk="1" latinLnBrk="1" hangingPunct="1">
-              <a:lnSpc>
-                <a:spcPct val="90000"/>
-              </a:lnSpc>
-              <a:spcBef>
-                <a:spcPts val="500"/>
-              </a:spcBef>
-              <a:buFont typeface="Arial" panose="020B0604020202020204" pitchFamily="34" charset="0"/>
-              <a:buChar char="•"/>
-              <a:defRPr sz="2400" kern="1200">
-                <a:solidFill>
-                  <a:schemeClr val="tx1"/>
-                </a:solidFill>
-                <a:latin typeface="+mn-lt"/>
-                <a:ea typeface="+mn-ea"/>
-                <a:cs typeface="+mn-cs"/>
-              </a:defRPr>
-            </a:lvl2pPr>
-            <a:lvl3pPr marL="1143000" indent="-228600" algn="l" defTabSz="914400" rtl="0" eaLnBrk="1" latinLnBrk="1" hangingPunct="1">
-              <a:lnSpc>
-                <a:spcPct val="90000"/>
-              </a:lnSpc>
-              <a:spcBef>
-                <a:spcPts val="500"/>
-              </a:spcBef>
-              <a:buFont typeface="Arial" panose="020B0604020202020204" pitchFamily="34" charset="0"/>
-              <a:buChar char="•"/>
-              <a:defRPr sz="2000" kern="1200">
-                <a:solidFill>
-                  <a:schemeClr val="tx1"/>
-                </a:solidFill>
-                <a:latin typeface="+mn-lt"/>
-                <a:ea typeface="+mn-ea"/>
-                <a:cs typeface="+mn-cs"/>
-              </a:defRPr>
-            </a:lvl3pPr>
-            <a:lvl4pPr marL="1600200" indent="-228600" algn="l" defTabSz="914400" rtl="0" eaLnBrk="1" latinLnBrk="1" hangingPunct="1">
-              <a:lnSpc>
-                <a:spcPct val="90000"/>
-              </a:lnSpc>
-              <a:spcBef>
-                <a:spcPts val="500"/>
-              </a:spcBef>
-              <a:buFont typeface="Arial" panose="020B0604020202020204" pitchFamily="34" charset="0"/>
-              <a:buChar char="•"/>
-              <a:defRPr sz="1800" kern="1200">
-                <a:solidFill>
-                  <a:schemeClr val="tx1"/>
-                </a:solidFill>
-                <a:latin typeface="+mn-lt"/>
-                <a:ea typeface="+mn-ea"/>
-                <a:cs typeface="+mn-cs"/>
-              </a:defRPr>
-            </a:lvl4pPr>
-            <a:lvl5pPr marL="2057400" indent="-228600" algn="l" defTabSz="914400" rtl="0" eaLnBrk="1" latinLnBrk="1" hangingPunct="1">
-              <a:lnSpc>
-                <a:spcPct val="90000"/>
-              </a:lnSpc>
-              <a:spcBef>
-                <a:spcPts val="500"/>
-              </a:spcBef>
-              <a:buFont typeface="Arial" panose="020B0604020202020204" pitchFamily="34" charset="0"/>
-              <a:buChar char="•"/>
-              <a:defRPr sz="1800" kern="1200">
-                <a:solidFill>
-                  <a:schemeClr val="tx1"/>
-                </a:solidFill>
-                <a:latin typeface="+mn-lt"/>
-                <a:ea typeface="+mn-ea"/>
-                <a:cs typeface="+mn-cs"/>
-              </a:defRPr>
-            </a:lvl5pPr>
-            <a:lvl6pPr marL="2514600" indent="-228600" algn="l" defTabSz="914400" rtl="0" eaLnBrk="1" latinLnBrk="1" hangingPunct="1">
-              <a:lnSpc>
-                <a:spcPct val="90000"/>
-              </a:lnSpc>
-              <a:spcBef>
-                <a:spcPts val="500"/>
-              </a:spcBef>
-              <a:buFont typeface="Arial" panose="020B0604020202020204" pitchFamily="34" charset="0"/>
-              <a:buChar char="•"/>
-              <a:defRPr sz="1800" kern="1200">
-                <a:solidFill>
-                  <a:schemeClr val="tx1"/>
-                </a:solidFill>
-                <a:latin typeface="+mn-lt"/>
-                <a:ea typeface="+mn-ea"/>
-                <a:cs typeface="+mn-cs"/>
-              </a:defRPr>
-            </a:lvl6pPr>
-            <a:lvl7pPr marL="2971800" indent="-228600" algn="l" defTabSz="914400" rtl="0" eaLnBrk="1" latinLnBrk="1" hangingPunct="1">
-              <a:lnSpc>
-                <a:spcPct val="90000"/>
-              </a:lnSpc>
-              <a:spcBef>
-                <a:spcPts val="500"/>
-              </a:spcBef>
-              <a:buFont typeface="Arial" panose="020B0604020202020204" pitchFamily="34" charset="0"/>
-              <a:buChar char="•"/>
-              <a:defRPr sz="1800" kern="1200">
-                <a:solidFill>
-                  <a:schemeClr val="tx1"/>
-                </a:solidFill>
-                <a:latin typeface="+mn-lt"/>
-                <a:ea typeface="+mn-ea"/>
-                <a:cs typeface="+mn-cs"/>
-              </a:defRPr>
-            </a:lvl7pPr>
-            <a:lvl8pPr marL="3429000" indent="-228600" algn="l" defTabSz="914400" rtl="0" eaLnBrk="1" latinLnBrk="1" hangingPunct="1">
-              <a:lnSpc>
-                <a:spcPct val="90000"/>
-              </a:lnSpc>
-              <a:spcBef>
-                <a:spcPts val="500"/>
-              </a:spcBef>
-              <a:buFont typeface="Arial" panose="020B0604020202020204" pitchFamily="34" charset="0"/>
-              <a:buChar char="•"/>
-              <a:defRPr sz="1800" kern="1200">
-                <a:solidFill>
-                  <a:schemeClr val="tx1"/>
-                </a:solidFill>
-                <a:latin typeface="+mn-lt"/>
-                <a:ea typeface="+mn-ea"/>
-                <a:cs typeface="+mn-cs"/>
-              </a:defRPr>
-            </a:lvl8pPr>
-            <a:lvl9pPr marL="3886200" indent="-228600" algn="l" defTabSz="914400" rtl="0" eaLnBrk="1" latinLnBrk="1" hangingPunct="1">
-              <a:lnSpc>
-                <a:spcPct val="90000"/>
-              </a:lnSpc>
-              <a:spcBef>
-                <a:spcPts val="500"/>
-              </a:spcBef>
-              <a:buFont typeface="Arial" panose="020B0604020202020204" pitchFamily="34" charset="0"/>
-              <a:buChar char="•"/>
-              <a:defRPr sz="1800" kern="1200">
-                <a:solidFill>
-                  <a:schemeClr val="tx1"/>
-                </a:solidFill>
-                <a:latin typeface="+mn-lt"/>
-                <a:ea typeface="+mn-ea"/>
-                <a:cs typeface="+mn-cs"/>
-              </a:defRPr>
-            </a:lvl9pPr>
-          </a:lstStyle>
-          <a:p>
-            <a:r>
-              <a:rPr lang="ko-KR" altLang="en-US" dirty="0"/>
-              <a:t>버튼을 누르지 않을 경우 </a:t>
-            </a:r>
-            <a:r>
-              <a:rPr lang="en-US" altLang="ko-KR" dirty="0"/>
-              <a:t>: 1</a:t>
-            </a:r>
-            <a:r>
-              <a:rPr lang="ko-KR" altLang="en-US" dirty="0"/>
-              <a:t>번</a:t>
-            </a:r>
-            <a:r>
-              <a:rPr lang="en-US" altLang="ko-KR" dirty="0"/>
-              <a:t>, 2</a:t>
-            </a:r>
-            <a:r>
-              <a:rPr lang="ko-KR" altLang="en-US" dirty="0"/>
-              <a:t>번 </a:t>
-            </a:r>
-            <a:r>
-              <a:rPr lang="en-US" altLang="ko-KR" dirty="0"/>
-              <a:t>/ 3</a:t>
-            </a:r>
-            <a:r>
-              <a:rPr lang="ko-KR" altLang="en-US" dirty="0"/>
-              <a:t>번</a:t>
-            </a:r>
-            <a:r>
-              <a:rPr lang="en-US" altLang="ko-KR" dirty="0"/>
-              <a:t>, 4</a:t>
-            </a:r>
-            <a:r>
-              <a:rPr lang="ko-KR" altLang="en-US" dirty="0"/>
-              <a:t>번 연결</a:t>
-            </a:r>
-            <a:endParaRPr lang="en-US" altLang="ko-KR" dirty="0"/>
-          </a:p>
-          <a:p>
-            <a:r>
-              <a:rPr lang="ko-KR" altLang="en-US" dirty="0"/>
-              <a:t>버튼을 누를 경우 </a:t>
-            </a:r>
-            <a:r>
-              <a:rPr lang="en-US" altLang="ko-KR" dirty="0"/>
-              <a:t>: 4</a:t>
-            </a:r>
-            <a:r>
-              <a:rPr lang="ko-KR" altLang="en-US" dirty="0"/>
-              <a:t>개의 다리가 모두 연결</a:t>
-            </a:r>
-          </a:p>
-        </p:txBody>
-      </p:sp>
-    </p:spTree>
-    <p:extLst>
-      <p:ext uri="{BB962C8B-B14F-4D97-AF65-F5344CB8AC3E}">
-        <p14:creationId xmlns:p14="http://schemas.microsoft.com/office/powerpoint/2010/main" val="117091181"/>
-      </p:ext>
-    </p:extLst>
-  </p:cSld>
-  <p:clrMapOvr>
-    <a:masterClrMapping/>
-  </p:clrMapOvr>
-  <p:timing>
-    <p:tnLst>
-      <p:par>
-        <p:cTn id="1" dur="indefinite" restart="never" nodeType="tmRoot">
-          <p:childTnLst>
-            <p:seq concurrent="1" nextAc="seek">
-              <p:cTn id="2" dur="indefinite" nodeType="mainSeq">
-                <p:childTnLst>
-                  <p:par>
-                    <p:cTn id="3" fill="hold">
-                      <p:stCondLst>
-                        <p:cond delay="indefinite"/>
-                      </p:stCondLst>
-                      <p:childTnLst>
-                        <p:par>
-                          <p:cTn id="4" fill="hold">
-                            <p:stCondLst>
-                              <p:cond delay="0"/>
-                            </p:stCondLst>
-                            <p:childTnLst>
-                              <p:par>
-                                <p:cTn id="5" presetID="42" presetClass="entr" presetSubtype="0" fill="hold" nodeType="clickEffect">
-                                  <p:stCondLst>
-                                    <p:cond delay="0"/>
-                                  </p:stCondLst>
-                                  <p:childTnLst>
-                                    <p:set>
-                                      <p:cBhvr>
-                                        <p:cTn id="6" dur="1" fill="hold">
-                                          <p:stCondLst>
-                                            <p:cond delay="0"/>
-                                          </p:stCondLst>
-                                        </p:cTn>
-                                        <p:tgtEl>
-                                          <p:spTgt spid="8">
-                                            <p:txEl>
-                                              <p:pRg st="0" end="0"/>
-                                            </p:txEl>
-                                          </p:spTgt>
-                                        </p:tgtEl>
-                                        <p:attrNameLst>
-                                          <p:attrName>style.visibility</p:attrName>
-                                        </p:attrNameLst>
-                                      </p:cBhvr>
-                                      <p:to>
-                                        <p:strVal val="visible"/>
-                                      </p:to>
-                                    </p:set>
-                                    <p:animEffect transition="in" filter="fade">
-                                      <p:cBhvr>
-                                        <p:cTn id="7" dur="1000"/>
-                                        <p:tgtEl>
-                                          <p:spTgt spid="8">
-                                            <p:txEl>
-                                              <p:pRg st="0" end="0"/>
-                                            </p:txEl>
-                                          </p:spTgt>
-                                        </p:tgtEl>
-                                      </p:cBhvr>
-                                    </p:animEffect>
-                                    <p:anim calcmode="lin" valueType="num">
-                                      <p:cBhvr>
-                                        <p:cTn id="8" dur="1000" fill="hold"/>
-                                        <p:tgtEl>
-                                          <p:spTgt spid="8">
-                                            <p:txEl>
-                                              <p:pRg st="0" end="0"/>
-                                            </p:txEl>
-                                          </p:spTgt>
-                                        </p:tgtEl>
-                                        <p:attrNameLst>
-                                          <p:attrName>ppt_x</p:attrName>
-                                        </p:attrNameLst>
-                                      </p:cBhvr>
-                                      <p:tavLst>
-                                        <p:tav tm="0">
-                                          <p:val>
-                                            <p:strVal val="#ppt_x"/>
-                                          </p:val>
-                                        </p:tav>
-                                        <p:tav tm="100000">
-                                          <p:val>
-                                            <p:strVal val="#ppt_x"/>
-                                          </p:val>
-                                        </p:tav>
-                                      </p:tavLst>
-                                    </p:anim>
-                                    <p:anim calcmode="lin" valueType="num">
-                                      <p:cBhvr>
-                                        <p:cTn id="9" dur="1000" fill="hold"/>
-                                        <p:tgtEl>
-                                          <p:spTgt spid="8">
-                                            <p:txEl>
-                                              <p:pRg st="0" end="0"/>
-                                            </p:txEl>
-                                          </p:spTgt>
-                                        </p:tgtEl>
-                                        <p:attrNameLst>
-                                          <p:attrName>ppt_y</p:attrName>
-                                        </p:attrNameLst>
-                                      </p:cBhvr>
-                                      <p:tavLst>
-                                        <p:tav tm="0">
-                                          <p:val>
-                                            <p:strVal val="#ppt_y+.1"/>
-                                          </p:val>
-                                        </p:tav>
-                                        <p:tav tm="100000">
-                                          <p:val>
-                                            <p:strVal val="#ppt_y"/>
-                                          </p:val>
-                                        </p:tav>
-                                      </p:tavLst>
-                                    </p:anim>
-                                  </p:childTnLst>
-                                </p:cTn>
-                              </p:par>
-                            </p:childTnLst>
-                          </p:cTn>
-                        </p:par>
-                      </p:childTnLst>
-                    </p:cTn>
-                  </p:par>
-                  <p:par>
-                    <p:cTn id="10" fill="hold">
-                      <p:stCondLst>
-                        <p:cond delay="indefinite"/>
-                      </p:stCondLst>
-                      <p:childTnLst>
-                        <p:par>
-                          <p:cTn id="11" fill="hold">
-                            <p:stCondLst>
-                              <p:cond delay="0"/>
-                            </p:stCondLst>
-                            <p:childTnLst>
-                              <p:par>
-                                <p:cTn id="12" presetID="42" presetClass="entr" presetSubtype="0" fill="hold" nodeType="clickEffect">
-                                  <p:stCondLst>
-                                    <p:cond delay="0"/>
-                                  </p:stCondLst>
-                                  <p:childTnLst>
-                                    <p:set>
-                                      <p:cBhvr>
-                                        <p:cTn id="13" dur="1" fill="hold">
-                                          <p:stCondLst>
-                                            <p:cond delay="0"/>
-                                          </p:stCondLst>
-                                        </p:cTn>
-                                        <p:tgtEl>
-                                          <p:spTgt spid="8">
-                                            <p:txEl>
-                                              <p:pRg st="1" end="1"/>
-                                            </p:txEl>
-                                          </p:spTgt>
-                                        </p:tgtEl>
-                                        <p:attrNameLst>
-                                          <p:attrName>style.visibility</p:attrName>
-                                        </p:attrNameLst>
-                                      </p:cBhvr>
-                                      <p:to>
-                                        <p:strVal val="visible"/>
-                                      </p:to>
-                                    </p:set>
-                                    <p:animEffect transition="in" filter="fade">
-                                      <p:cBhvr>
-                                        <p:cTn id="14" dur="1000"/>
-                                        <p:tgtEl>
-                                          <p:spTgt spid="8">
-                                            <p:txEl>
-                                              <p:pRg st="1" end="1"/>
-                                            </p:txEl>
-                                          </p:spTgt>
-                                        </p:tgtEl>
-                                      </p:cBhvr>
-                                    </p:animEffect>
-                                    <p:anim calcmode="lin" valueType="num">
-                                      <p:cBhvr>
-                                        <p:cTn id="15" dur="1000" fill="hold"/>
-                                        <p:tgtEl>
-                                          <p:spTgt spid="8">
-                                            <p:txEl>
-                                              <p:pRg st="1" end="1"/>
-                                            </p:txEl>
-                                          </p:spTgt>
-                                        </p:tgtEl>
-                                        <p:attrNameLst>
-                                          <p:attrName>ppt_x</p:attrName>
-                                        </p:attrNameLst>
-                                      </p:cBhvr>
-                                      <p:tavLst>
-                                        <p:tav tm="0">
-                                          <p:val>
-                                            <p:strVal val="#ppt_x"/>
-                                          </p:val>
-                                        </p:tav>
-                                        <p:tav tm="100000">
-                                          <p:val>
-                                            <p:strVal val="#ppt_x"/>
-                                          </p:val>
-                                        </p:tav>
-                                      </p:tavLst>
-                                    </p:anim>
-                                    <p:anim calcmode="lin" valueType="num">
-                                      <p:cBhvr>
-                                        <p:cTn id="16" dur="1000" fill="hold"/>
-                                        <p:tgtEl>
-                                          <p:spTgt spid="8">
-                                            <p:txEl>
-                                              <p:pRg st="1" end="1"/>
-                                            </p:txEl>
-                                          </p:spTgt>
-                                        </p:tgtEl>
-                                        <p:attrNameLst>
-                                          <p:attrName>ppt_y</p:attrName>
-                                        </p:attrNameLst>
-                                      </p:cBhvr>
-                                      <p:tavLst>
-                                        <p:tav tm="0">
-                                          <p:val>
-                                            <p:strVal val="#ppt_y+.1"/>
-                                          </p:val>
-                                        </p:tav>
-                                        <p:tav tm="100000">
-                                          <p:val>
-                                            <p:strVal val="#ppt_y"/>
-                                          </p:val>
-                                        </p:tav>
-                                      </p:tavLst>
-                                    </p:anim>
-                                  </p:childTnLst>
-                                </p:cTn>
-                              </p:par>
-                            </p:childTnLst>
-                          </p:cTn>
-                        </p:par>
-                      </p:childTnLst>
-                    </p:cTn>
-                  </p:par>
-                </p:childTnLst>
-              </p:cTn>
-              <p:prevCondLst>
-                <p:cond evt="onPrev" delay="0">
-                  <p:tgtEl>
-                    <p:sldTgt/>
-                  </p:tgtEl>
-                </p:cond>
-              </p:prevCondLst>
-              <p:nextCondLst>
-                <p:cond evt="onNext" delay="0">
-                  <p:tgtEl>
-                    <p:sldTgt/>
-                  </p:tgtEl>
-                </p:cond>
-              </p:nextCondLst>
-            </p:seq>
-          </p:childTnLst>
-        </p:cTn>
-      </p:par>
-    </p:tnLst>
-  </p:timing>
-</p:sld>
-</file>
-
-<file path=ppt/slides/slide6.xml><?xml version="1.0" encoding="utf-8"?>
-<p:sld xmlns:a="http://schemas.openxmlformats.org/drawingml/2006/main" xmlns:r="http://schemas.openxmlformats.org/officeDocument/2006/relationships" xmlns:p="http://schemas.openxmlformats.org/presentationml/2006/main">
-  <p:cSld>
-    <p:spTree>
-      <p:nvGrpSpPr>
-        <p:cNvPr id="1" name=""/>
-        <p:cNvGrpSpPr/>
-        <p:nvPr/>
-      </p:nvGrpSpPr>
-      <p:grpSpPr>
-        <a:xfrm>
-          <a:off x="0" y="0"/>
-          <a:ext cx="0" cy="0"/>
-          <a:chOff x="0" y="0"/>
-          <a:chExt cx="0" cy="0"/>
-        </a:xfrm>
-      </p:grpSpPr>
-      <p:sp>
-        <p:nvSpPr>
           <p:cNvPr id="13" name="내용 개체 틀 2"/>
           <p:cNvSpPr txBox="1">
             <a:spLocks/>
@@ -11268,22 +10268,21 @@
             </a:lvl9pPr>
           </a:lstStyle>
           <a:p>
-            <a:endParaRPr lang="en-US" altLang="ko-KR" dirty="0" smtClean="0"/>
-          </a:p>
-          <a:p>
-            <a:r>
-              <a:rPr lang="en-US" altLang="ko-KR" dirty="0" smtClean="0"/>
+            <a:endParaRPr lang="en-US" altLang="ko-KR" dirty="0"/>
+          </a:p>
+          <a:p>
+            <a:r>
+              <a:rPr lang="en-US" altLang="ko-KR" dirty="0"/>
               <a:t>GND(LOW)  </a:t>
             </a:r>
             <a:r>
-              <a:rPr lang="ko-KR" altLang="en-US" dirty="0" smtClean="0"/>
+              <a:rPr lang="ko-KR" altLang="en-US" dirty="0"/>
               <a:t>읽기  </a:t>
             </a:r>
             <a:r>
-              <a:rPr lang="en-US" altLang="ko-KR" dirty="0" smtClean="0"/>
+              <a:rPr lang="en-US" altLang="ko-KR" dirty="0"/>
               <a:t> </a:t>
             </a:r>
-            <a:endParaRPr lang="en-US" altLang="ko-KR" dirty="0"/>
           </a:p>
           <a:p>
             <a:pPr lvl="1"/>
@@ -11318,7 +10317,7 @@
           <p:cNvPr id="18" name="그림 17" descr="전자기기, 회로이(가) 표시된 사진&#10;&#10;자동 생성된 설명">
             <a:extLst>
               <a:ext uri="{FF2B5EF4-FFF2-40B4-BE49-F238E27FC236}">
-                <a16:creationId xmlns:a16="http://schemas.microsoft.com/office/drawing/2014/main" xmlns="" id="{D7BDF426-0F3C-494A-8C9F-2D3B68D6B9DA}"/>
+                <a16:creationId xmlns:a16="http://schemas.microsoft.com/office/drawing/2014/main" id="{D7BDF426-0F3C-494A-8C9F-2D3B68D6B9DA}"/>
               </a:ext>
             </a:extLst>
           </p:cNvPr>
@@ -11390,7 +10389,7 @@
           </a:lstStyle>
           <a:p>
             <a:r>
-              <a:rPr lang="ko-KR" altLang="en-US" smtClean="0"/>
+              <a:rPr lang="ko-KR" altLang="en-US"/>
               <a:t>디지털 입력</a:t>
             </a:r>
             <a:endParaRPr lang="ko-KR" altLang="en-US" dirty="0"/>
@@ -11410,7 +10409,7 @@
 </p:sld>
 </file>
 
-<file path=ppt/slides/slide7.xml><?xml version="1.0" encoding="utf-8"?>
+<file path=ppt/slides/slide6.xml><?xml version="1.0" encoding="utf-8"?>
 <p:sld xmlns:a="http://schemas.openxmlformats.org/drawingml/2006/main" xmlns:r="http://schemas.openxmlformats.org/officeDocument/2006/relationships" xmlns:p="http://schemas.openxmlformats.org/presentationml/2006/main">
   <p:cSld>
     <p:spTree>
@@ -11613,15 +10612,15 @@
           <a:p>
             <a:pPr lvl="1"/>
             <a:r>
-              <a:rPr lang="ko-KR" altLang="en-US" dirty="0" smtClean="0"/>
+              <a:rPr lang="ko-KR" altLang="en-US" dirty="0"/>
               <a:t>스케치</a:t>
             </a:r>
             <a:r>
-              <a:rPr lang="en-US" altLang="ko-KR" dirty="0" smtClean="0"/>
+              <a:rPr lang="en-US" altLang="ko-KR" dirty="0"/>
               <a:t>, </a:t>
             </a:r>
             <a:r>
-              <a:rPr lang="ko-KR" altLang="en-US" dirty="0" smtClean="0"/>
+              <a:rPr lang="ko-KR" altLang="en-US" dirty="0"/>
               <a:t>시리얼 모니터 확인</a:t>
             </a:r>
             <a:endParaRPr lang="en-US" altLang="ko-KR" dirty="0"/>
@@ -11637,7 +10636,7 @@
           <p:cNvPr id="3" name="그림 2" descr="스크린샷이(가) 표시된 사진&#10;&#10;자동 생성된 설명">
             <a:extLst>
               <a:ext uri="{FF2B5EF4-FFF2-40B4-BE49-F238E27FC236}">
-                <a16:creationId xmlns:a16="http://schemas.microsoft.com/office/drawing/2014/main" xmlns="" id="{0ECAF3A8-C7C9-B74C-8D7D-50DCC1DCD352}"/>
+                <a16:creationId xmlns:a16="http://schemas.microsoft.com/office/drawing/2014/main" id="{0ECAF3A8-C7C9-B74C-8D7D-50DCC1DCD352}"/>
               </a:ext>
             </a:extLst>
           </p:cNvPr>
@@ -11681,7 +10680,7 @@
 </p:sld>
 </file>
 
-<file path=ppt/slides/slide8.xml><?xml version="1.0" encoding="utf-8"?>
+<file path=ppt/slides/slide7.xml><?xml version="1.0" encoding="utf-8"?>
 <p:sld xmlns:a="http://schemas.openxmlformats.org/drawingml/2006/main" xmlns:r="http://schemas.openxmlformats.org/officeDocument/2006/relationships" xmlns:p="http://schemas.openxmlformats.org/presentationml/2006/main">
   <p:cSld>
     <p:spTree>
@@ -11883,11 +10882,11 @@
           </a:lstStyle>
           <a:p>
             <a:r>
-              <a:rPr lang="en-US" altLang="ko-KR" dirty="0" smtClean="0"/>
+              <a:rPr lang="en-US" altLang="ko-KR" dirty="0"/>
               <a:t>5V(LOW) </a:t>
             </a:r>
             <a:r>
-              <a:rPr lang="ko-KR" altLang="en-US" dirty="0" smtClean="0"/>
+              <a:rPr lang="ko-KR" altLang="en-US" dirty="0"/>
               <a:t>읽기 </a:t>
             </a:r>
             <a:endParaRPr lang="en-US" altLang="ko-KR" dirty="0"/>
@@ -11925,7 +10924,7 @@
           <p:cNvPr id="3" name="그림 2" descr="전자기기, 회로이(가) 표시된 사진&#10;&#10;자동 생성된 설명">
             <a:extLst>
               <a:ext uri="{FF2B5EF4-FFF2-40B4-BE49-F238E27FC236}">
-                <a16:creationId xmlns:a16="http://schemas.microsoft.com/office/drawing/2014/main" xmlns="" id="{BD1E7784-0FC5-4241-BC94-8AE6CE466EE7}"/>
+                <a16:creationId xmlns:a16="http://schemas.microsoft.com/office/drawing/2014/main" id="{BD1E7784-0FC5-4241-BC94-8AE6CE466EE7}"/>
               </a:ext>
             </a:extLst>
           </p:cNvPr>
@@ -11968,7 +10967,7 @@
 </p:sld>
 </file>
 
-<file path=ppt/slides/slide9.xml><?xml version="1.0" encoding="utf-8"?>
+<file path=ppt/slides/slide8.xml><?xml version="1.0" encoding="utf-8"?>
 <p:sld xmlns:a="http://schemas.openxmlformats.org/drawingml/2006/main" xmlns:r="http://schemas.openxmlformats.org/officeDocument/2006/relationships" xmlns:p="http://schemas.openxmlformats.org/presentationml/2006/main">
   <p:cSld>
     <p:spTree>
@@ -11990,7 +10989,7 @@
           <p:cNvPr id="4" name="그림 3" descr="스크린샷이(가) 표시된 사진&#10;&#10;자동 생성된 설명">
             <a:extLst>
               <a:ext uri="{FF2B5EF4-FFF2-40B4-BE49-F238E27FC236}">
-                <a16:creationId xmlns:a16="http://schemas.microsoft.com/office/drawing/2014/main" xmlns="" id="{7F132A92-9B9D-1945-A66C-A7F72DCE0E85}"/>
+                <a16:creationId xmlns:a16="http://schemas.microsoft.com/office/drawing/2014/main" id="{7F132A92-9B9D-1945-A66C-A7F72DCE0E85}"/>
               </a:ext>
             </a:extLst>
           </p:cNvPr>
@@ -12207,15 +11206,15 @@
           <a:p>
             <a:pPr lvl="1"/>
             <a:r>
-              <a:rPr lang="ko-KR" altLang="en-US" dirty="0" smtClean="0"/>
+              <a:rPr lang="ko-KR" altLang="en-US" dirty="0"/>
               <a:t>스케치</a:t>
             </a:r>
             <a:r>
-              <a:rPr lang="en-US" altLang="ko-KR" dirty="0" smtClean="0"/>
+              <a:rPr lang="en-US" altLang="ko-KR" dirty="0"/>
               <a:t>, </a:t>
             </a:r>
             <a:r>
-              <a:rPr lang="ko-KR" altLang="en-US" dirty="0" smtClean="0"/>
+              <a:rPr lang="ko-KR" altLang="en-US" dirty="0"/>
               <a:t>시리얼 모니터 확인</a:t>
             </a:r>
             <a:endParaRPr lang="en-US" altLang="ko-KR" dirty="0"/>
@@ -12230,6 +11229,354 @@
     <p:extLst>
       <p:ext uri="{BB962C8B-B14F-4D97-AF65-F5344CB8AC3E}">
         <p14:creationId xmlns:p14="http://schemas.microsoft.com/office/powerpoint/2010/main" val="2954543412"/>
+      </p:ext>
+    </p:extLst>
+  </p:cSld>
+  <p:clrMapOvr>
+    <a:masterClrMapping/>
+  </p:clrMapOvr>
+</p:sld>
+</file>
+
+<file path=ppt/slides/slide9.xml><?xml version="1.0" encoding="utf-8"?>
+<p:sld xmlns:a="http://schemas.openxmlformats.org/drawingml/2006/main" xmlns:r="http://schemas.openxmlformats.org/officeDocument/2006/relationships" xmlns:p="http://schemas.openxmlformats.org/presentationml/2006/main">
+  <p:cSld>
+    <p:spTree>
+      <p:nvGrpSpPr>
+        <p:cNvPr id="1" name=""/>
+        <p:cNvGrpSpPr/>
+        <p:nvPr/>
+      </p:nvGrpSpPr>
+      <p:grpSpPr>
+        <a:xfrm>
+          <a:off x="0" y="0"/>
+          <a:ext cx="0" cy="0"/>
+          <a:chOff x="0" y="0"/>
+          <a:chExt cx="0" cy="0"/>
+        </a:xfrm>
+      </p:grpSpPr>
+      <p:sp>
+        <p:nvSpPr>
+          <p:cNvPr id="8" name="내용 개체 틀 2"/>
+          <p:cNvSpPr txBox="1">
+            <a:spLocks/>
+          </p:cNvSpPr>
+          <p:nvPr/>
+        </p:nvSpPr>
+        <p:spPr>
+          <a:xfrm>
+            <a:off x="82128" y="1130212"/>
+            <a:ext cx="8239125" cy="1318121"/>
+          </a:xfrm>
+          <a:prstGeom prst="rect">
+            <a:avLst/>
+          </a:prstGeom>
+        </p:spPr>
+        <p:txBody>
+          <a:bodyPr/>
+          <a:lstStyle>
+            <a:lvl1pPr marL="228600" indent="-228600" algn="l" defTabSz="914400" rtl="0" eaLnBrk="1" latinLnBrk="1" hangingPunct="1">
+              <a:lnSpc>
+                <a:spcPct val="90000"/>
+              </a:lnSpc>
+              <a:spcBef>
+                <a:spcPts val="1000"/>
+              </a:spcBef>
+              <a:buFont typeface="Arial" panose="020B0604020202020204" pitchFamily="34" charset="0"/>
+              <a:buChar char="•"/>
+              <a:defRPr sz="2800" kern="1200">
+                <a:solidFill>
+                  <a:schemeClr val="tx1"/>
+                </a:solidFill>
+                <a:latin typeface="+mn-lt"/>
+                <a:ea typeface="+mn-ea"/>
+                <a:cs typeface="+mn-cs"/>
+              </a:defRPr>
+            </a:lvl1pPr>
+            <a:lvl2pPr marL="685800" indent="-228600" algn="l" defTabSz="914400" rtl="0" eaLnBrk="1" latinLnBrk="1" hangingPunct="1">
+              <a:lnSpc>
+                <a:spcPct val="90000"/>
+              </a:lnSpc>
+              <a:spcBef>
+                <a:spcPts val="500"/>
+              </a:spcBef>
+              <a:buFont typeface="Arial" panose="020B0604020202020204" pitchFamily="34" charset="0"/>
+              <a:buChar char="•"/>
+              <a:defRPr sz="2400" kern="1200">
+                <a:solidFill>
+                  <a:schemeClr val="tx1"/>
+                </a:solidFill>
+                <a:latin typeface="+mn-lt"/>
+                <a:ea typeface="+mn-ea"/>
+                <a:cs typeface="+mn-cs"/>
+              </a:defRPr>
+            </a:lvl2pPr>
+            <a:lvl3pPr marL="1143000" indent="-228600" algn="l" defTabSz="914400" rtl="0" eaLnBrk="1" latinLnBrk="1" hangingPunct="1">
+              <a:lnSpc>
+                <a:spcPct val="90000"/>
+              </a:lnSpc>
+              <a:spcBef>
+                <a:spcPts val="500"/>
+              </a:spcBef>
+              <a:buFont typeface="Arial" panose="020B0604020202020204" pitchFamily="34" charset="0"/>
+              <a:buChar char="•"/>
+              <a:defRPr sz="2000" kern="1200">
+                <a:solidFill>
+                  <a:schemeClr val="tx1"/>
+                </a:solidFill>
+                <a:latin typeface="+mn-lt"/>
+                <a:ea typeface="+mn-ea"/>
+                <a:cs typeface="+mn-cs"/>
+              </a:defRPr>
+            </a:lvl3pPr>
+            <a:lvl4pPr marL="1600200" indent="-228600" algn="l" defTabSz="914400" rtl="0" eaLnBrk="1" latinLnBrk="1" hangingPunct="1">
+              <a:lnSpc>
+                <a:spcPct val="90000"/>
+              </a:lnSpc>
+              <a:spcBef>
+                <a:spcPts val="500"/>
+              </a:spcBef>
+              <a:buFont typeface="Arial" panose="020B0604020202020204" pitchFamily="34" charset="0"/>
+              <a:buChar char="•"/>
+              <a:defRPr sz="1800" kern="1200">
+                <a:solidFill>
+                  <a:schemeClr val="tx1"/>
+                </a:solidFill>
+                <a:latin typeface="+mn-lt"/>
+                <a:ea typeface="+mn-ea"/>
+                <a:cs typeface="+mn-cs"/>
+              </a:defRPr>
+            </a:lvl4pPr>
+            <a:lvl5pPr marL="2057400" indent="-228600" algn="l" defTabSz="914400" rtl="0" eaLnBrk="1" latinLnBrk="1" hangingPunct="1">
+              <a:lnSpc>
+                <a:spcPct val="90000"/>
+              </a:lnSpc>
+              <a:spcBef>
+                <a:spcPts val="500"/>
+              </a:spcBef>
+              <a:buFont typeface="Arial" panose="020B0604020202020204" pitchFamily="34" charset="0"/>
+              <a:buChar char="•"/>
+              <a:defRPr sz="1800" kern="1200">
+                <a:solidFill>
+                  <a:schemeClr val="tx1"/>
+                </a:solidFill>
+                <a:latin typeface="+mn-lt"/>
+                <a:ea typeface="+mn-ea"/>
+                <a:cs typeface="+mn-cs"/>
+              </a:defRPr>
+            </a:lvl5pPr>
+            <a:lvl6pPr marL="2514600" indent="-228600" algn="l" defTabSz="914400" rtl="0" eaLnBrk="1" latinLnBrk="1" hangingPunct="1">
+              <a:lnSpc>
+                <a:spcPct val="90000"/>
+              </a:lnSpc>
+              <a:spcBef>
+                <a:spcPts val="500"/>
+              </a:spcBef>
+              <a:buFont typeface="Arial" panose="020B0604020202020204" pitchFamily="34" charset="0"/>
+              <a:buChar char="•"/>
+              <a:defRPr sz="1800" kern="1200">
+                <a:solidFill>
+                  <a:schemeClr val="tx1"/>
+                </a:solidFill>
+                <a:latin typeface="+mn-lt"/>
+                <a:ea typeface="+mn-ea"/>
+                <a:cs typeface="+mn-cs"/>
+              </a:defRPr>
+            </a:lvl6pPr>
+            <a:lvl7pPr marL="2971800" indent="-228600" algn="l" defTabSz="914400" rtl="0" eaLnBrk="1" latinLnBrk="1" hangingPunct="1">
+              <a:lnSpc>
+                <a:spcPct val="90000"/>
+              </a:lnSpc>
+              <a:spcBef>
+                <a:spcPts val="500"/>
+              </a:spcBef>
+              <a:buFont typeface="Arial" panose="020B0604020202020204" pitchFamily="34" charset="0"/>
+              <a:buChar char="•"/>
+              <a:defRPr sz="1800" kern="1200">
+                <a:solidFill>
+                  <a:schemeClr val="tx1"/>
+                </a:solidFill>
+                <a:latin typeface="+mn-lt"/>
+                <a:ea typeface="+mn-ea"/>
+                <a:cs typeface="+mn-cs"/>
+              </a:defRPr>
+            </a:lvl7pPr>
+            <a:lvl8pPr marL="3429000" indent="-228600" algn="l" defTabSz="914400" rtl="0" eaLnBrk="1" latinLnBrk="1" hangingPunct="1">
+              <a:lnSpc>
+                <a:spcPct val="90000"/>
+              </a:lnSpc>
+              <a:spcBef>
+                <a:spcPts val="500"/>
+              </a:spcBef>
+              <a:buFont typeface="Arial" panose="020B0604020202020204" pitchFamily="34" charset="0"/>
+              <a:buChar char="•"/>
+              <a:defRPr sz="1800" kern="1200">
+                <a:solidFill>
+                  <a:schemeClr val="tx1"/>
+                </a:solidFill>
+                <a:latin typeface="+mn-lt"/>
+                <a:ea typeface="+mn-ea"/>
+                <a:cs typeface="+mn-cs"/>
+              </a:defRPr>
+            </a:lvl8pPr>
+            <a:lvl9pPr marL="3886200" indent="-228600" algn="l" defTabSz="914400" rtl="0" eaLnBrk="1" latinLnBrk="1" hangingPunct="1">
+              <a:lnSpc>
+                <a:spcPct val="90000"/>
+              </a:lnSpc>
+              <a:spcBef>
+                <a:spcPts val="500"/>
+              </a:spcBef>
+              <a:buFont typeface="Arial" panose="020B0604020202020204" pitchFamily="34" charset="0"/>
+              <a:buChar char="•"/>
+              <a:defRPr sz="1800" kern="1200">
+                <a:solidFill>
+                  <a:schemeClr val="tx1"/>
+                </a:solidFill>
+                <a:latin typeface="+mn-lt"/>
+                <a:ea typeface="+mn-ea"/>
+                <a:cs typeface="+mn-cs"/>
+              </a:defRPr>
+            </a:lvl9pPr>
+          </a:lstStyle>
+          <a:p>
+            <a:pPr lvl="1">
+              <a:lnSpc>
+                <a:spcPct val="100000"/>
+              </a:lnSpc>
+            </a:pPr>
+            <a:r>
+              <a:rPr lang="ko-KR" altLang="en-US" dirty="0"/>
+              <a:t>불완전한 회로 연결</a:t>
+            </a:r>
+            <a:r>
+              <a:rPr lang="en-US" altLang="ko-KR" dirty="0"/>
+              <a:t>, </a:t>
+            </a:r>
+            <a:r>
+              <a:rPr lang="ko-KR" altLang="en-US" dirty="0"/>
+              <a:t>주변의 자기장 등 영향으로 불규칙한 신호</a:t>
+            </a:r>
+            <a:r>
+              <a:rPr lang="en-US" altLang="ko-KR" dirty="0"/>
+              <a:t>(</a:t>
+            </a:r>
+            <a:r>
+              <a:rPr lang="ko-KR" altLang="en-US" dirty="0" err="1"/>
+              <a:t>노이즈</a:t>
+            </a:r>
+            <a:r>
+              <a:rPr lang="en-US" altLang="ko-KR" dirty="0"/>
+              <a:t>) </a:t>
+            </a:r>
+            <a:r>
+              <a:rPr lang="ko-KR" altLang="en-US" dirty="0"/>
+              <a:t>발생 </a:t>
+            </a:r>
+            <a:r>
+              <a:rPr lang="en-US" altLang="ko-KR" dirty="0"/>
+              <a:t>: 4</a:t>
+            </a:r>
+            <a:r>
+              <a:rPr lang="ko-KR" altLang="en-US" dirty="0"/>
+              <a:t>번 핀</a:t>
+            </a:r>
+          </a:p>
+          <a:p>
+            <a:pPr lvl="1"/>
+            <a:endParaRPr lang="en-US" altLang="ko-KR" dirty="0"/>
+          </a:p>
+        </p:txBody>
+      </p:sp>
+      <p:sp>
+        <p:nvSpPr>
+          <p:cNvPr id="9" name="제목 1"/>
+          <p:cNvSpPr txBox="1">
+            <a:spLocks/>
+          </p:cNvSpPr>
+          <p:nvPr/>
+        </p:nvSpPr>
+        <p:spPr>
+          <a:xfrm>
+            <a:off x="628650" y="365127"/>
+            <a:ext cx="8237444" cy="898898"/>
+          </a:xfrm>
+          <a:prstGeom prst="rect">
+            <a:avLst/>
+          </a:prstGeom>
+        </p:spPr>
+        <p:txBody>
+          <a:bodyPr>
+            <a:normAutofit/>
+          </a:bodyPr>
+          <a:lstStyle>
+            <a:lvl1pPr algn="l" defTabSz="914400" rtl="0" eaLnBrk="1" latinLnBrk="1" hangingPunct="1">
+              <a:lnSpc>
+                <a:spcPct val="90000"/>
+              </a:lnSpc>
+              <a:spcBef>
+                <a:spcPct val="0"/>
+              </a:spcBef>
+              <a:buNone/>
+              <a:defRPr sz="4400" kern="1200">
+                <a:solidFill>
+                  <a:schemeClr val="tx1"/>
+                </a:solidFill>
+                <a:latin typeface="+mj-lt"/>
+                <a:ea typeface="+mj-ea"/>
+                <a:cs typeface="+mj-cs"/>
+              </a:defRPr>
+            </a:lvl1pPr>
+          </a:lstStyle>
+          <a:p>
+            <a:r>
+              <a:rPr lang="ko-KR" altLang="en-US" dirty="0" err="1"/>
+              <a:t>풀로팅</a:t>
+            </a:r>
+            <a:r>
+              <a:rPr lang="en-US" altLang="ko-KR" dirty="0"/>
+              <a:t>(floating) </a:t>
+            </a:r>
+            <a:r>
+              <a:rPr lang="ko-KR" altLang="en-US" dirty="0"/>
+              <a:t>현상</a:t>
+            </a:r>
+          </a:p>
+        </p:txBody>
+      </p:sp>
+      <p:pic>
+        <p:nvPicPr>
+          <p:cNvPr id="3" name="그림 2"/>
+          <p:cNvPicPr>
+            <a:picLocks noChangeAspect="1"/>
+          </p:cNvPicPr>
+          <p:nvPr/>
+        </p:nvPicPr>
+        <p:blipFill>
+          <a:blip r:embed="rId2">
+            <a:extLst>
+              <a:ext uri="{28A0092B-C50C-407E-A947-70E740481C1C}">
+                <a14:useLocalDpi xmlns:a14="http://schemas.microsoft.com/office/drawing/2010/main" val="0"/>
+              </a:ext>
+            </a:extLst>
+          </a:blip>
+          <a:stretch>
+            <a:fillRect/>
+          </a:stretch>
+        </p:blipFill>
+        <p:spPr>
+          <a:xfrm>
+            <a:off x="1131779" y="2553613"/>
+            <a:ext cx="6667500" cy="2990850"/>
+          </a:xfrm>
+          <a:prstGeom prst="rect">
+            <a:avLst/>
+          </a:prstGeom>
+        </p:spPr>
+      </p:pic>
+    </p:spTree>
+    <p:extLst>
+      <p:ext uri="{BB962C8B-B14F-4D97-AF65-F5344CB8AC3E}">
+        <p14:creationId xmlns:p14="http://schemas.microsoft.com/office/powerpoint/2010/main" val="1956551744"/>
       </p:ext>
     </p:extLst>
   </p:cSld>

--- a/Week04.pptx
+++ b/Week04.pptx
@@ -5,7 +5,7 @@
     <p:sldMasterId id="2147483660" r:id="rId1"/>
   </p:sldMasterIdLst>
   <p:notesMasterIdLst>
-    <p:notesMasterId r:id="rId28"/>
+    <p:notesMasterId r:id="rId29"/>
   </p:notesMasterIdLst>
   <p:sldIdLst>
     <p:sldId id="256" r:id="rId2"/>
@@ -17,23 +17,24 @@
     <p:sldId id="288" r:id="rId8"/>
     <p:sldId id="290" r:id="rId9"/>
     <p:sldId id="283" r:id="rId10"/>
-    <p:sldId id="303" r:id="rId11"/>
-    <p:sldId id="291" r:id="rId12"/>
+    <p:sldId id="291" r:id="rId11"/>
+    <p:sldId id="303" r:id="rId12"/>
     <p:sldId id="304" r:id="rId13"/>
     <p:sldId id="262" r:id="rId14"/>
-    <p:sldId id="294" r:id="rId15"/>
-    <p:sldId id="305" r:id="rId16"/>
-    <p:sldId id="292" r:id="rId17"/>
-    <p:sldId id="306" r:id="rId18"/>
-    <p:sldId id="295" r:id="rId19"/>
-    <p:sldId id="293" r:id="rId20"/>
-    <p:sldId id="298" r:id="rId21"/>
-    <p:sldId id="299" r:id="rId22"/>
+    <p:sldId id="307" r:id="rId15"/>
+    <p:sldId id="294" r:id="rId16"/>
+    <p:sldId id="305" r:id="rId17"/>
+    <p:sldId id="292" r:id="rId18"/>
+    <p:sldId id="306" r:id="rId19"/>
+    <p:sldId id="295" r:id="rId20"/>
+    <p:sldId id="293" r:id="rId21"/>
+    <p:sldId id="298" r:id="rId22"/>
     <p:sldId id="296" r:id="rId23"/>
-    <p:sldId id="297" r:id="rId24"/>
-    <p:sldId id="300" r:id="rId25"/>
-    <p:sldId id="301" r:id="rId26"/>
-    <p:sldId id="302" r:id="rId27"/>
+    <p:sldId id="308" r:id="rId24"/>
+    <p:sldId id="297" r:id="rId25"/>
+    <p:sldId id="300" r:id="rId26"/>
+    <p:sldId id="301" r:id="rId27"/>
+    <p:sldId id="302" r:id="rId28"/>
   </p:sldIdLst>
   <p:sldSz cx="9144000" cy="6858000" type="screen4x3"/>
   <p:notesSz cx="6797675" cy="9929813"/>
@@ -230,7 +231,7 @@
           <a:p>
             <a:fld id="{65694B03-ACCE-4F3B-8CA1-4A1F2158852F}" type="datetimeFigureOut">
               <a:rPr lang="ko-KR" altLang="en-US" smtClean="0"/>
-              <a:t>2019. 3. 21.</a:t>
+              <a:t>2019-03-22</a:t>
             </a:fld>
             <a:endParaRPr lang="ko-KR" altLang="en-US"/>
           </a:p>
@@ -628,7 +629,7 @@
           <a:p>
             <a:fld id="{DC40DB95-99D2-4A51-95E2-C065FB3047F2}" type="datetimeFigureOut">
               <a:rPr lang="ko-KR" altLang="en-US" smtClean="0"/>
-              <a:t>2019. 3. 21.</a:t>
+              <a:t>2019-03-22</a:t>
             </a:fld>
             <a:endParaRPr lang="ko-KR" altLang="en-US"/>
           </a:p>
@@ -798,7 +799,7 @@
           <a:p>
             <a:fld id="{DC40DB95-99D2-4A51-95E2-C065FB3047F2}" type="datetimeFigureOut">
               <a:rPr lang="ko-KR" altLang="en-US" smtClean="0"/>
-              <a:t>2019. 3. 21.</a:t>
+              <a:t>2019-03-22</a:t>
             </a:fld>
             <a:endParaRPr lang="ko-KR" altLang="en-US"/>
           </a:p>
@@ -978,7 +979,7 @@
           <a:p>
             <a:fld id="{DC40DB95-99D2-4A51-95E2-C065FB3047F2}" type="datetimeFigureOut">
               <a:rPr lang="ko-KR" altLang="en-US" smtClean="0"/>
-              <a:t>2019. 3. 21.</a:t>
+              <a:t>2019-03-22</a:t>
             </a:fld>
             <a:endParaRPr lang="ko-KR" altLang="en-US"/>
           </a:p>
@@ -1186,7 +1187,7 @@
           <a:p>
             <a:fld id="{DC40DB95-99D2-4A51-95E2-C065FB3047F2}" type="datetimeFigureOut">
               <a:rPr lang="ko-KR" altLang="en-US" smtClean="0"/>
-              <a:t>2019. 3. 21.</a:t>
+              <a:t>2019-03-22</a:t>
             </a:fld>
             <a:endParaRPr lang="ko-KR" altLang="en-US"/>
           </a:p>
@@ -1430,7 +1431,7 @@
           <a:p>
             <a:fld id="{DC40DB95-99D2-4A51-95E2-C065FB3047F2}" type="datetimeFigureOut">
               <a:rPr lang="ko-KR" altLang="en-US" smtClean="0"/>
-              <a:t>2019. 3. 21.</a:t>
+              <a:t>2019-03-22</a:t>
             </a:fld>
             <a:endParaRPr lang="ko-KR" altLang="en-US"/>
           </a:p>
@@ -1662,7 +1663,7 @@
           <a:p>
             <a:fld id="{DC40DB95-99D2-4A51-95E2-C065FB3047F2}" type="datetimeFigureOut">
               <a:rPr lang="ko-KR" altLang="en-US" smtClean="0"/>
-              <a:t>2019. 3. 21.</a:t>
+              <a:t>2019-03-22</a:t>
             </a:fld>
             <a:endParaRPr lang="ko-KR" altLang="en-US"/>
           </a:p>
@@ -2029,7 +2030,7 @@
           <a:p>
             <a:fld id="{DC40DB95-99D2-4A51-95E2-C065FB3047F2}" type="datetimeFigureOut">
               <a:rPr lang="ko-KR" altLang="en-US" smtClean="0"/>
-              <a:t>2019. 3. 21.</a:t>
+              <a:t>2019-03-22</a:t>
             </a:fld>
             <a:endParaRPr lang="ko-KR" altLang="en-US"/>
           </a:p>
@@ -2147,7 +2148,7 @@
           <a:p>
             <a:fld id="{DC40DB95-99D2-4A51-95E2-C065FB3047F2}" type="datetimeFigureOut">
               <a:rPr lang="ko-KR" altLang="en-US" smtClean="0"/>
-              <a:t>2019. 3. 21.</a:t>
+              <a:t>2019-03-22</a:t>
             </a:fld>
             <a:endParaRPr lang="ko-KR" altLang="en-US"/>
           </a:p>
@@ -2242,7 +2243,7 @@
           <a:p>
             <a:fld id="{DC40DB95-99D2-4A51-95E2-C065FB3047F2}" type="datetimeFigureOut">
               <a:rPr lang="ko-KR" altLang="en-US" smtClean="0"/>
-              <a:t>2019. 3. 21.</a:t>
+              <a:t>2019-03-22</a:t>
             </a:fld>
             <a:endParaRPr lang="ko-KR" altLang="en-US"/>
           </a:p>
@@ -2519,7 +2520,7 @@
           <a:p>
             <a:fld id="{DC40DB95-99D2-4A51-95E2-C065FB3047F2}" type="datetimeFigureOut">
               <a:rPr lang="ko-KR" altLang="en-US" smtClean="0"/>
-              <a:t>2019. 3. 21.</a:t>
+              <a:t>2019-03-22</a:t>
             </a:fld>
             <a:endParaRPr lang="ko-KR" altLang="en-US"/>
           </a:p>
@@ -2776,7 +2777,7 @@
           <a:p>
             <a:fld id="{DC40DB95-99D2-4A51-95E2-C065FB3047F2}" type="datetimeFigureOut">
               <a:rPr lang="ko-KR" altLang="en-US" smtClean="0"/>
-              <a:t>2019. 3. 21.</a:t>
+              <a:t>2019-03-22</a:t>
             </a:fld>
             <a:endParaRPr lang="ko-KR" altLang="en-US"/>
           </a:p>
@@ -2989,7 +2990,7 @@
           <a:p>
             <a:fld id="{DC40DB95-99D2-4A51-95E2-C065FB3047F2}" type="datetimeFigureOut">
               <a:rPr lang="ko-KR" altLang="en-US" smtClean="0"/>
-              <a:t>2019. 3. 21.</a:t>
+              <a:t>2019-03-22</a:t>
             </a:fld>
             <a:endParaRPr lang="ko-KR" altLang="en-US"/>
           </a:p>
@@ -3504,6 +3505,451 @@
           <a:chExt cx="0" cy="0"/>
         </a:xfrm>
       </p:grpSpPr>
+      <p:pic>
+        <p:nvPicPr>
+          <p:cNvPr id="10" name="그림 9" descr="전자기기이(가) 표시된 사진&#10;&#10;자동 생성된 설명">
+            <a:extLst>
+              <a:ext uri="{FF2B5EF4-FFF2-40B4-BE49-F238E27FC236}">
+                <a16:creationId xmlns:a16="http://schemas.microsoft.com/office/drawing/2014/main" xmlns="" id="{7BAC300E-91AB-9D44-8DBE-1216A53512CE}"/>
+              </a:ext>
+            </a:extLst>
+          </p:cNvPr>
+          <p:cNvPicPr>
+            <a:picLocks noChangeAspect="1"/>
+          </p:cNvPicPr>
+          <p:nvPr/>
+        </p:nvPicPr>
+        <p:blipFill rotWithShape="1">
+          <a:blip r:embed="rId2" cstate="print">
+            <a:extLst>
+              <a:ext uri="{28A0092B-C50C-407E-A947-70E740481C1C}">
+                <a14:useLocalDpi xmlns:a14="http://schemas.microsoft.com/office/drawing/2010/main" val="0"/>
+              </a:ext>
+            </a:extLst>
+          </a:blip>
+          <a:srcRect r="1404"/>
+          <a:stretch/>
+        </p:blipFill>
+        <p:spPr>
+          <a:xfrm>
+            <a:off x="768350" y="1009684"/>
+            <a:ext cx="3352714" cy="4976658"/>
+          </a:xfrm>
+          <a:prstGeom prst="rect">
+            <a:avLst/>
+          </a:prstGeom>
+        </p:spPr>
+      </p:pic>
+      <p:sp>
+        <p:nvSpPr>
+          <p:cNvPr id="11" name="TextBox 10">
+            <a:extLst>
+              <a:ext uri="{FF2B5EF4-FFF2-40B4-BE49-F238E27FC236}">
+                <a16:creationId xmlns:a16="http://schemas.microsoft.com/office/drawing/2014/main" xmlns="" id="{57A5A19C-5FB8-824C-AC41-DBE7A5E58E80}"/>
+              </a:ext>
+            </a:extLst>
+          </p:cNvPr>
+          <p:cNvSpPr txBox="1"/>
+          <p:nvPr/>
+        </p:nvSpPr>
+        <p:spPr>
+          <a:xfrm>
+            <a:off x="4766154" y="613588"/>
+            <a:ext cx="4296428" cy="3139321"/>
+          </a:xfrm>
+          <a:prstGeom prst="rect">
+            <a:avLst/>
+          </a:prstGeom>
+          <a:noFill/>
+        </p:spPr>
+        <p:txBody>
+          <a:bodyPr wrap="square" rtlCol="0">
+            <a:spAutoFit/>
+          </a:bodyPr>
+          <a:lstStyle/>
+          <a:p>
+            <a:pPr marL="285750" indent="-285750">
+              <a:buFont typeface="Arial" panose="020B0604020202020204" pitchFamily="34" charset="0"/>
+              <a:buChar char="•"/>
+            </a:pPr>
+            <a:r>
+              <a:rPr kumimoji="1" lang="ko-KR" altLang="en-US" dirty="0" smtClean="0"/>
+              <a:t>버튼 </a:t>
+            </a:r>
+            <a:r>
+              <a:rPr kumimoji="1" lang="en-US" altLang="ko-KR" dirty="0" smtClean="0"/>
+              <a:t>OFF </a:t>
+            </a:r>
+            <a:r>
+              <a:rPr kumimoji="1" lang="en-US" altLang="ko-KR" dirty="0"/>
+              <a:t>: </a:t>
+            </a:r>
+            <a:r>
+              <a:rPr kumimoji="1" lang="ko-KR" altLang="en-US" dirty="0" err="1"/>
+              <a:t>플로팅</a:t>
+            </a:r>
+            <a:r>
+              <a:rPr kumimoji="1" lang="ko-KR" altLang="en-US" dirty="0"/>
+              <a:t> 현상</a:t>
+            </a:r>
+            <a:endParaRPr kumimoji="1" lang="en-US" altLang="ko-KR" dirty="0"/>
+          </a:p>
+          <a:p>
+            <a:pPr lvl="1"/>
+            <a:r>
+              <a:rPr kumimoji="1" lang="ko-KR" altLang="en-US" dirty="0"/>
+              <a:t> 불규칙한 </a:t>
+            </a:r>
+            <a:r>
+              <a:rPr kumimoji="1" lang="ko-KR" altLang="en-US" dirty="0" smtClean="0"/>
+              <a:t>신호</a:t>
+            </a:r>
+            <a:r>
+              <a:rPr kumimoji="1" lang="en-US" altLang="ko-KR" dirty="0"/>
+              <a:t> </a:t>
+            </a:r>
+            <a:r>
+              <a:rPr kumimoji="1" lang="en-US" altLang="ko-KR" dirty="0" smtClean="0"/>
+              <a:t>0(LOW), 1(LOW)</a:t>
+            </a:r>
+            <a:r>
+              <a:rPr kumimoji="1" lang="ko-KR" altLang="en-US" dirty="0" smtClean="0"/>
+              <a:t> </a:t>
+            </a:r>
+            <a:endParaRPr kumimoji="1" lang="en-US" altLang="ko-KR" dirty="0"/>
+          </a:p>
+          <a:p>
+            <a:r>
+              <a:rPr kumimoji="1" lang="ko-KR" altLang="en-US" dirty="0"/>
+              <a:t>   </a:t>
+            </a:r>
+            <a:r>
+              <a:rPr kumimoji="1" lang="en-US" altLang="ko-KR" dirty="0"/>
+              <a:t>0</a:t>
+            </a:r>
+          </a:p>
+          <a:p>
+            <a:r>
+              <a:rPr kumimoji="1" lang="ko-KR" altLang="en-US" dirty="0"/>
+              <a:t>   </a:t>
+            </a:r>
+            <a:r>
+              <a:rPr kumimoji="1" lang="en-US" altLang="ko-KR" dirty="0"/>
+              <a:t>0</a:t>
+            </a:r>
+          </a:p>
+          <a:p>
+            <a:r>
+              <a:rPr kumimoji="1" lang="ko-KR" altLang="en-US" dirty="0"/>
+              <a:t>   </a:t>
+            </a:r>
+            <a:r>
+              <a:rPr kumimoji="1" lang="en-US" altLang="ko-KR" dirty="0"/>
+              <a:t>1</a:t>
+            </a:r>
+          </a:p>
+          <a:p>
+            <a:r>
+              <a:rPr kumimoji="1" lang="ko-KR" altLang="en-US" dirty="0"/>
+              <a:t>   </a:t>
+            </a:r>
+            <a:r>
+              <a:rPr kumimoji="1" lang="en-US" altLang="ko-KR" dirty="0"/>
+              <a:t>0</a:t>
+            </a:r>
+          </a:p>
+          <a:p>
+            <a:r>
+              <a:rPr kumimoji="1" lang="ko-KR" altLang="en-US" dirty="0"/>
+              <a:t>   </a:t>
+            </a:r>
+            <a:r>
+              <a:rPr kumimoji="1" lang="en-US" altLang="ko-KR" dirty="0"/>
+              <a:t>1</a:t>
+            </a:r>
+          </a:p>
+          <a:p>
+            <a:r>
+              <a:rPr kumimoji="1" lang="ko-KR" altLang="en-US" dirty="0"/>
+              <a:t>   </a:t>
+            </a:r>
+            <a:r>
+              <a:rPr kumimoji="1" lang="en-US" altLang="ko-KR" dirty="0"/>
+              <a:t>1</a:t>
+            </a:r>
+          </a:p>
+          <a:p>
+            <a:r>
+              <a:rPr kumimoji="1" lang="ko-KR" altLang="en-US" dirty="0"/>
+              <a:t>   </a:t>
+            </a:r>
+            <a:r>
+              <a:rPr kumimoji="1" lang="en-US" altLang="ko-KR" dirty="0"/>
+              <a:t>0</a:t>
+            </a:r>
+          </a:p>
+          <a:p>
+            <a:r>
+              <a:rPr kumimoji="1" lang="ko-KR" altLang="en-US" dirty="0"/>
+              <a:t>    </a:t>
+            </a:r>
+            <a:r>
+              <a:rPr kumimoji="1" lang="en-US" altLang="ko-KR" dirty="0"/>
+              <a:t>.</a:t>
+            </a:r>
+          </a:p>
+          <a:p>
+            <a:r>
+              <a:rPr kumimoji="1" lang="en-US" altLang="ko-KR" dirty="0"/>
+              <a:t>    .</a:t>
+            </a:r>
+          </a:p>
+        </p:txBody>
+      </p:sp>
+      <p:sp>
+        <p:nvSpPr>
+          <p:cNvPr id="12" name="TextBox 11">
+            <a:extLst>
+              <a:ext uri="{FF2B5EF4-FFF2-40B4-BE49-F238E27FC236}">
+                <a16:creationId xmlns:a16="http://schemas.microsoft.com/office/drawing/2014/main" xmlns="" id="{F1EAA06D-51A7-2047-A052-5E1468DC686B}"/>
+              </a:ext>
+            </a:extLst>
+          </p:cNvPr>
+          <p:cNvSpPr txBox="1"/>
+          <p:nvPr/>
+        </p:nvSpPr>
+        <p:spPr>
+          <a:xfrm>
+            <a:off x="4766154" y="3778238"/>
+            <a:ext cx="4083484" cy="2585323"/>
+          </a:xfrm>
+          <a:prstGeom prst="rect">
+            <a:avLst/>
+          </a:prstGeom>
+          <a:noFill/>
+        </p:spPr>
+        <p:txBody>
+          <a:bodyPr wrap="square" rtlCol="0">
+            <a:spAutoFit/>
+          </a:bodyPr>
+          <a:lstStyle/>
+          <a:p>
+            <a:pPr marL="285750" indent="-285750">
+              <a:buFont typeface="Arial" panose="020B0604020202020204" pitchFamily="34" charset="0"/>
+              <a:buChar char="•"/>
+            </a:pPr>
+            <a:r>
+              <a:rPr kumimoji="1" lang="ko-KR" altLang="en-US" dirty="0" smtClean="0"/>
+              <a:t>버튼 </a:t>
+            </a:r>
+            <a:r>
+              <a:rPr kumimoji="1" lang="en-US" altLang="ko-KR" dirty="0" smtClean="0"/>
+              <a:t>ON </a:t>
+            </a:r>
+            <a:r>
+              <a:rPr kumimoji="1" lang="en-US" altLang="ko-KR" dirty="0"/>
+              <a:t>: </a:t>
+            </a:r>
+            <a:r>
+              <a:rPr kumimoji="1" lang="en-US" altLang="ko-KR" dirty="0" smtClean="0"/>
+              <a:t>0(LOW</a:t>
+            </a:r>
+            <a:r>
+              <a:rPr kumimoji="1" lang="en-US" altLang="ko-KR" dirty="0"/>
+              <a:t>) </a:t>
+            </a:r>
+          </a:p>
+          <a:p>
+            <a:r>
+              <a:rPr kumimoji="1" lang="ko-KR" altLang="en-US" dirty="0"/>
+              <a:t>   </a:t>
+            </a:r>
+            <a:r>
+              <a:rPr kumimoji="1" lang="en-US" altLang="ko-KR" dirty="0"/>
+              <a:t>1</a:t>
+            </a:r>
+          </a:p>
+          <a:p>
+            <a:r>
+              <a:rPr kumimoji="1" lang="ko-KR" altLang="en-US" dirty="0"/>
+              <a:t>   </a:t>
+            </a:r>
+            <a:r>
+              <a:rPr kumimoji="1" lang="en-US" altLang="ko-KR" dirty="0"/>
+              <a:t>1</a:t>
+            </a:r>
+          </a:p>
+          <a:p>
+            <a:r>
+              <a:rPr kumimoji="1" lang="ko-KR" altLang="en-US" dirty="0"/>
+              <a:t>   </a:t>
+            </a:r>
+            <a:r>
+              <a:rPr kumimoji="1" lang="en-US" altLang="ko-KR" dirty="0"/>
+              <a:t>1</a:t>
+            </a:r>
+          </a:p>
+          <a:p>
+            <a:r>
+              <a:rPr kumimoji="1" lang="ko-KR" altLang="en-US" dirty="0"/>
+              <a:t>   </a:t>
+            </a:r>
+            <a:r>
+              <a:rPr kumimoji="1" lang="en-US" altLang="ko-KR" dirty="0"/>
+              <a:t>1</a:t>
+            </a:r>
+          </a:p>
+          <a:p>
+            <a:r>
+              <a:rPr kumimoji="1" lang="ko-KR" altLang="en-US" dirty="0"/>
+              <a:t>   </a:t>
+            </a:r>
+            <a:r>
+              <a:rPr kumimoji="1" lang="en-US" altLang="ko-KR" dirty="0"/>
+              <a:t>1</a:t>
+            </a:r>
+          </a:p>
+          <a:p>
+            <a:r>
+              <a:rPr kumimoji="1" lang="ko-KR" altLang="en-US" dirty="0"/>
+              <a:t>   </a:t>
+            </a:r>
+            <a:r>
+              <a:rPr kumimoji="1" lang="en-US" altLang="ko-KR" dirty="0"/>
+              <a:t>1</a:t>
+            </a:r>
+          </a:p>
+          <a:p>
+            <a:r>
+              <a:rPr kumimoji="1" lang="ko-KR" altLang="en-US" dirty="0"/>
+              <a:t>   </a:t>
+            </a:r>
+            <a:r>
+              <a:rPr kumimoji="1" lang="en-US" altLang="ko-KR" dirty="0"/>
+              <a:t>1</a:t>
+            </a:r>
+          </a:p>
+          <a:p>
+            <a:r>
+              <a:rPr kumimoji="1" lang="en-US" altLang="ko-KR" dirty="0"/>
+              <a:t>    .</a:t>
+            </a:r>
+          </a:p>
+        </p:txBody>
+      </p:sp>
+      <p:sp>
+        <p:nvSpPr>
+          <p:cNvPr id="2" name="TextBox 1"/>
+          <p:cNvSpPr txBox="1"/>
+          <p:nvPr/>
+        </p:nvSpPr>
+        <p:spPr>
+          <a:xfrm>
+            <a:off x="624741" y="6319457"/>
+            <a:ext cx="6794360" cy="369332"/>
+          </a:xfrm>
+          <a:prstGeom prst="rect">
+            <a:avLst/>
+          </a:prstGeom>
+          <a:noFill/>
+        </p:spPr>
+        <p:txBody>
+          <a:bodyPr wrap="none" rtlCol="0">
+            <a:spAutoFit/>
+          </a:bodyPr>
+          <a:lstStyle/>
+          <a:p>
+            <a:r>
+              <a:rPr lang="ko-KR" altLang="en-US" dirty="0"/>
+              <a:t>* 만약 스위치가 </a:t>
+            </a:r>
+            <a:r>
+              <a:rPr lang="en-US" altLang="ko-KR" dirty="0"/>
+              <a:t>5V</a:t>
+            </a:r>
+            <a:r>
+              <a:rPr lang="ko-KR" altLang="en-US" dirty="0"/>
+              <a:t>에 연결하면 버튼을 누른 경우 </a:t>
+            </a:r>
+            <a:r>
+              <a:rPr lang="en-US" altLang="ko-KR" dirty="0"/>
+              <a:t>1(+5V, HIGH) </a:t>
+            </a:r>
+            <a:r>
+              <a:rPr lang="ko-KR" altLang="en-US" dirty="0"/>
+              <a:t>읽음</a:t>
+            </a:r>
+          </a:p>
+        </p:txBody>
+      </p:sp>
+      <p:sp>
+        <p:nvSpPr>
+          <p:cNvPr id="3" name="TextBox 2"/>
+          <p:cNvSpPr txBox="1"/>
+          <p:nvPr/>
+        </p:nvSpPr>
+        <p:spPr>
+          <a:xfrm>
+            <a:off x="768350" y="307238"/>
+            <a:ext cx="2765501" cy="461665"/>
+          </a:xfrm>
+          <a:prstGeom prst="rect">
+            <a:avLst/>
+          </a:prstGeom>
+          <a:noFill/>
+        </p:spPr>
+        <p:txBody>
+          <a:bodyPr wrap="none" rtlCol="0">
+            <a:spAutoFit/>
+          </a:bodyPr>
+          <a:lstStyle/>
+          <a:p>
+            <a:pPr marL="285750" indent="-285750">
+              <a:buFont typeface="Arial" panose="020B0604020202020204" pitchFamily="34" charset="0"/>
+              <a:buChar char="•"/>
+            </a:pPr>
+            <a:r>
+              <a:rPr lang="ko-KR" altLang="en-US" sz="2400" dirty="0" err="1" smtClean="0"/>
+              <a:t>플로팅</a:t>
+            </a:r>
+            <a:r>
+              <a:rPr lang="ko-KR" altLang="en-US" sz="2400" dirty="0" smtClean="0"/>
+              <a:t> 현상 확인</a:t>
+            </a:r>
+            <a:endParaRPr lang="ko-KR" altLang="en-US" sz="2400" dirty="0"/>
+          </a:p>
+        </p:txBody>
+      </p:sp>
+    </p:spTree>
+    <p:extLst>
+      <p:ext uri="{BB962C8B-B14F-4D97-AF65-F5344CB8AC3E}">
+        <p14:creationId xmlns:p14="http://schemas.microsoft.com/office/powerpoint/2010/main" val="3894668631"/>
+      </p:ext>
+    </p:extLst>
+  </p:cSld>
+  <p:clrMapOvr>
+    <a:masterClrMapping/>
+  </p:clrMapOvr>
+</p:sld>
+</file>
+
+<file path=ppt/slides/slide11.xml><?xml version="1.0" encoding="utf-8"?>
+<p:sld xmlns:a="http://schemas.openxmlformats.org/drawingml/2006/main" xmlns:r="http://schemas.openxmlformats.org/officeDocument/2006/relationships" xmlns:p="http://schemas.openxmlformats.org/presentationml/2006/main">
+  <p:cSld>
+    <p:spTree>
+      <p:nvGrpSpPr>
+        <p:cNvPr id="1" name=""/>
+        <p:cNvGrpSpPr/>
+        <p:nvPr/>
+      </p:nvGrpSpPr>
+      <p:grpSpPr>
+        <a:xfrm>
+          <a:off x="0" y="0"/>
+          <a:ext cx="0" cy="0"/>
+          <a:chOff x="0" y="0"/>
+          <a:chExt cx="0" cy="0"/>
+        </a:xfrm>
+      </p:grpSpPr>
       <p:sp>
         <p:nvSpPr>
           <p:cNvPr id="8" name="내용 개체 틀 2"/>
@@ -3711,13 +4157,14 @@
             </a:r>
             <a:r>
               <a:rPr lang="en-US" altLang="ko-KR" dirty="0"/>
-              <a:t>? HIGH or LOW</a:t>
-            </a:r>
+              <a:t>? </a:t>
+            </a:r>
+            <a:endParaRPr lang="en-US" altLang="ko-KR" dirty="0" smtClean="0"/>
           </a:p>
           <a:p>
             <a:pPr lvl="2"/>
             <a:r>
-              <a:rPr lang="ko-KR" altLang="en-US" dirty="0"/>
+              <a:rPr lang="ko-KR" altLang="en-US" dirty="0" smtClean="0"/>
               <a:t>스위치 </a:t>
             </a:r>
             <a:r>
@@ -3806,394 +4253,6 @@
     <p:extLst>
       <p:ext uri="{BB962C8B-B14F-4D97-AF65-F5344CB8AC3E}">
         <p14:creationId xmlns:p14="http://schemas.microsoft.com/office/powerpoint/2010/main" val="1193590849"/>
-      </p:ext>
-    </p:extLst>
-  </p:cSld>
-  <p:clrMapOvr>
-    <a:masterClrMapping/>
-  </p:clrMapOvr>
-</p:sld>
-</file>
-
-<file path=ppt/slides/slide11.xml><?xml version="1.0" encoding="utf-8"?>
-<p:sld xmlns:a="http://schemas.openxmlformats.org/drawingml/2006/main" xmlns:r="http://schemas.openxmlformats.org/officeDocument/2006/relationships" xmlns:p="http://schemas.openxmlformats.org/presentationml/2006/main">
-  <p:cSld>
-    <p:spTree>
-      <p:nvGrpSpPr>
-        <p:cNvPr id="1" name=""/>
-        <p:cNvGrpSpPr/>
-        <p:nvPr/>
-      </p:nvGrpSpPr>
-      <p:grpSpPr>
-        <a:xfrm>
-          <a:off x="0" y="0"/>
-          <a:ext cx="0" cy="0"/>
-          <a:chOff x="0" y="0"/>
-          <a:chExt cx="0" cy="0"/>
-        </a:xfrm>
-      </p:grpSpPr>
-      <p:pic>
-        <p:nvPicPr>
-          <p:cNvPr id="10" name="그림 9" descr="전자기기이(가) 표시된 사진&#10;&#10;자동 생성된 설명">
-            <a:extLst>
-              <a:ext uri="{FF2B5EF4-FFF2-40B4-BE49-F238E27FC236}">
-                <a16:creationId xmlns:a16="http://schemas.microsoft.com/office/drawing/2014/main" id="{7BAC300E-91AB-9D44-8DBE-1216A53512CE}"/>
-              </a:ext>
-            </a:extLst>
-          </p:cNvPr>
-          <p:cNvPicPr>
-            <a:picLocks noChangeAspect="1"/>
-          </p:cNvPicPr>
-          <p:nvPr/>
-        </p:nvPicPr>
-        <p:blipFill rotWithShape="1">
-          <a:blip r:embed="rId2" cstate="print">
-            <a:extLst>
-              <a:ext uri="{28A0092B-C50C-407E-A947-70E740481C1C}">
-                <a14:useLocalDpi xmlns:a14="http://schemas.microsoft.com/office/drawing/2010/main" val="0"/>
-              </a:ext>
-            </a:extLst>
-          </a:blip>
-          <a:srcRect r="1404"/>
-          <a:stretch/>
-        </p:blipFill>
-        <p:spPr>
-          <a:xfrm>
-            <a:off x="768350" y="720095"/>
-            <a:ext cx="3352714" cy="4976658"/>
-          </a:xfrm>
-          <a:prstGeom prst="rect">
-            <a:avLst/>
-          </a:prstGeom>
-        </p:spPr>
-      </p:pic>
-      <p:sp>
-        <p:nvSpPr>
-          <p:cNvPr id="11" name="TextBox 10">
-            <a:extLst>
-              <a:ext uri="{FF2B5EF4-FFF2-40B4-BE49-F238E27FC236}">
-                <a16:creationId xmlns:a16="http://schemas.microsoft.com/office/drawing/2014/main" id="{57A5A19C-5FB8-824C-AC41-DBE7A5E58E80}"/>
-              </a:ext>
-            </a:extLst>
-          </p:cNvPr>
-          <p:cNvSpPr txBox="1"/>
-          <p:nvPr/>
-        </p:nvSpPr>
-        <p:spPr>
-          <a:xfrm>
-            <a:off x="4766154" y="547751"/>
-            <a:ext cx="4296428" cy="3139321"/>
-          </a:xfrm>
-          <a:prstGeom prst="rect">
-            <a:avLst/>
-          </a:prstGeom>
-          <a:noFill/>
-        </p:spPr>
-        <p:txBody>
-          <a:bodyPr wrap="square" rtlCol="0">
-            <a:spAutoFit/>
-          </a:bodyPr>
-          <a:lstStyle/>
-          <a:p>
-            <a:pPr marL="285750" indent="-285750">
-              <a:buFont typeface="Arial" panose="020B0604020202020204" pitchFamily="34" charset="0"/>
-              <a:buChar char="•"/>
-            </a:pPr>
-            <a:r>
-              <a:rPr kumimoji="1" lang="ko-KR" altLang="en-US" dirty="0"/>
-              <a:t>버튼을 누르지 않은 경우</a:t>
-            </a:r>
-            <a:r>
-              <a:rPr kumimoji="1" lang="en-US" altLang="ko-KR" dirty="0"/>
-              <a:t> : </a:t>
-            </a:r>
-            <a:r>
-              <a:rPr kumimoji="1" lang="ko-KR" altLang="en-US" dirty="0" err="1"/>
-              <a:t>플로팅</a:t>
-            </a:r>
-            <a:r>
-              <a:rPr kumimoji="1" lang="ko-KR" altLang="en-US" dirty="0"/>
-              <a:t> 현상</a:t>
-            </a:r>
-            <a:endParaRPr kumimoji="1" lang="en-US" altLang="ko-KR" dirty="0"/>
-          </a:p>
-          <a:p>
-            <a:pPr lvl="1"/>
-            <a:r>
-              <a:rPr kumimoji="1" lang="ko-KR" altLang="en-US" dirty="0"/>
-              <a:t> 불규칙한 신호</a:t>
-            </a:r>
-            <a:r>
-              <a:rPr kumimoji="1" lang="en-US" altLang="ko-KR" dirty="0"/>
-              <a:t>(0, 1)</a:t>
-            </a:r>
-            <a:r>
-              <a:rPr kumimoji="1" lang="ko-KR" altLang="en-US" dirty="0"/>
-              <a:t> 발생</a:t>
-            </a:r>
-            <a:endParaRPr kumimoji="1" lang="en-US" altLang="ko-KR" dirty="0"/>
-          </a:p>
-          <a:p>
-            <a:r>
-              <a:rPr kumimoji="1" lang="ko-KR" altLang="en-US" dirty="0"/>
-              <a:t>   </a:t>
-            </a:r>
-            <a:r>
-              <a:rPr kumimoji="1" lang="en-US" altLang="ko-KR" dirty="0"/>
-              <a:t>0</a:t>
-            </a:r>
-          </a:p>
-          <a:p>
-            <a:r>
-              <a:rPr kumimoji="1" lang="ko-KR" altLang="en-US" dirty="0"/>
-              <a:t>   </a:t>
-            </a:r>
-            <a:r>
-              <a:rPr kumimoji="1" lang="en-US" altLang="ko-KR" dirty="0"/>
-              <a:t>0</a:t>
-            </a:r>
-          </a:p>
-          <a:p>
-            <a:r>
-              <a:rPr kumimoji="1" lang="ko-KR" altLang="en-US" dirty="0"/>
-              <a:t>   </a:t>
-            </a:r>
-            <a:r>
-              <a:rPr kumimoji="1" lang="en-US" altLang="ko-KR" dirty="0"/>
-              <a:t>1</a:t>
-            </a:r>
-          </a:p>
-          <a:p>
-            <a:r>
-              <a:rPr kumimoji="1" lang="ko-KR" altLang="en-US" dirty="0"/>
-              <a:t>   </a:t>
-            </a:r>
-            <a:r>
-              <a:rPr kumimoji="1" lang="en-US" altLang="ko-KR" dirty="0"/>
-              <a:t>0</a:t>
-            </a:r>
-          </a:p>
-          <a:p>
-            <a:r>
-              <a:rPr kumimoji="1" lang="ko-KR" altLang="en-US" dirty="0"/>
-              <a:t>   </a:t>
-            </a:r>
-            <a:r>
-              <a:rPr kumimoji="1" lang="en-US" altLang="ko-KR" dirty="0"/>
-              <a:t>1</a:t>
-            </a:r>
-          </a:p>
-          <a:p>
-            <a:r>
-              <a:rPr kumimoji="1" lang="ko-KR" altLang="en-US" dirty="0"/>
-              <a:t>   </a:t>
-            </a:r>
-            <a:r>
-              <a:rPr kumimoji="1" lang="en-US" altLang="ko-KR" dirty="0"/>
-              <a:t>1</a:t>
-            </a:r>
-          </a:p>
-          <a:p>
-            <a:r>
-              <a:rPr kumimoji="1" lang="ko-KR" altLang="en-US" dirty="0"/>
-              <a:t>   </a:t>
-            </a:r>
-            <a:r>
-              <a:rPr kumimoji="1" lang="en-US" altLang="ko-KR" dirty="0"/>
-              <a:t>0</a:t>
-            </a:r>
-          </a:p>
-          <a:p>
-            <a:r>
-              <a:rPr kumimoji="1" lang="ko-KR" altLang="en-US" dirty="0"/>
-              <a:t>    </a:t>
-            </a:r>
-            <a:r>
-              <a:rPr kumimoji="1" lang="en-US" altLang="ko-KR" dirty="0"/>
-              <a:t>.</a:t>
-            </a:r>
-          </a:p>
-          <a:p>
-            <a:r>
-              <a:rPr kumimoji="1" lang="en-US" altLang="ko-KR" dirty="0"/>
-              <a:t>    .</a:t>
-            </a:r>
-          </a:p>
-        </p:txBody>
-      </p:sp>
-      <p:sp>
-        <p:nvSpPr>
-          <p:cNvPr id="12" name="TextBox 11">
-            <a:extLst>
-              <a:ext uri="{FF2B5EF4-FFF2-40B4-BE49-F238E27FC236}">
-                <a16:creationId xmlns:a16="http://schemas.microsoft.com/office/drawing/2014/main" id="{F1EAA06D-51A7-2047-A052-5E1468DC686B}"/>
-              </a:ext>
-            </a:extLst>
-          </p:cNvPr>
-          <p:cNvSpPr txBox="1"/>
-          <p:nvPr/>
-        </p:nvSpPr>
-        <p:spPr>
-          <a:xfrm>
-            <a:off x="4766154" y="3687072"/>
-            <a:ext cx="4083484" cy="2585323"/>
-          </a:xfrm>
-          <a:prstGeom prst="rect">
-            <a:avLst/>
-          </a:prstGeom>
-          <a:noFill/>
-        </p:spPr>
-        <p:txBody>
-          <a:bodyPr wrap="square" rtlCol="0">
-            <a:spAutoFit/>
-          </a:bodyPr>
-          <a:lstStyle/>
-          <a:p>
-            <a:pPr marL="285750" indent="-285750">
-              <a:buFont typeface="Arial" panose="020B0604020202020204" pitchFamily="34" charset="0"/>
-              <a:buChar char="•"/>
-            </a:pPr>
-            <a:r>
-              <a:rPr kumimoji="1" lang="ko-KR" altLang="en-US" dirty="0"/>
-              <a:t>버튼을 누른 경우</a:t>
-            </a:r>
-            <a:r>
-              <a:rPr kumimoji="1" lang="en-US" altLang="ko-KR" dirty="0"/>
-              <a:t> : 0(0V, LOW) </a:t>
-            </a:r>
-            <a:r>
-              <a:rPr kumimoji="1" lang="ko-KR" altLang="en-US" dirty="0"/>
-              <a:t>읽음</a:t>
-            </a:r>
-            <a:endParaRPr kumimoji="1" lang="en-US" altLang="ko-KR" dirty="0"/>
-          </a:p>
-          <a:p>
-            <a:r>
-              <a:rPr kumimoji="1" lang="ko-KR" altLang="en-US" dirty="0"/>
-              <a:t>   </a:t>
-            </a:r>
-            <a:r>
-              <a:rPr kumimoji="1" lang="en-US" altLang="ko-KR" dirty="0"/>
-              <a:t>1</a:t>
-            </a:r>
-          </a:p>
-          <a:p>
-            <a:r>
-              <a:rPr kumimoji="1" lang="ko-KR" altLang="en-US" dirty="0"/>
-              <a:t>   </a:t>
-            </a:r>
-            <a:r>
-              <a:rPr kumimoji="1" lang="en-US" altLang="ko-KR" dirty="0"/>
-              <a:t>1</a:t>
-            </a:r>
-          </a:p>
-          <a:p>
-            <a:r>
-              <a:rPr kumimoji="1" lang="ko-KR" altLang="en-US" dirty="0"/>
-              <a:t>   </a:t>
-            </a:r>
-            <a:r>
-              <a:rPr kumimoji="1" lang="en-US" altLang="ko-KR" dirty="0"/>
-              <a:t>1</a:t>
-            </a:r>
-          </a:p>
-          <a:p>
-            <a:r>
-              <a:rPr kumimoji="1" lang="ko-KR" altLang="en-US" dirty="0"/>
-              <a:t>   </a:t>
-            </a:r>
-            <a:r>
-              <a:rPr kumimoji="1" lang="en-US" altLang="ko-KR" dirty="0"/>
-              <a:t>1</a:t>
-            </a:r>
-          </a:p>
-          <a:p>
-            <a:r>
-              <a:rPr kumimoji="1" lang="ko-KR" altLang="en-US" dirty="0"/>
-              <a:t>   </a:t>
-            </a:r>
-            <a:r>
-              <a:rPr kumimoji="1" lang="en-US" altLang="ko-KR" dirty="0"/>
-              <a:t>1</a:t>
-            </a:r>
-          </a:p>
-          <a:p>
-            <a:r>
-              <a:rPr kumimoji="1" lang="ko-KR" altLang="en-US" dirty="0"/>
-              <a:t>   </a:t>
-            </a:r>
-            <a:r>
-              <a:rPr kumimoji="1" lang="en-US" altLang="ko-KR" dirty="0"/>
-              <a:t>1</a:t>
-            </a:r>
-          </a:p>
-          <a:p>
-            <a:r>
-              <a:rPr kumimoji="1" lang="ko-KR" altLang="en-US" dirty="0"/>
-              <a:t>   </a:t>
-            </a:r>
-            <a:r>
-              <a:rPr kumimoji="1" lang="en-US" altLang="ko-KR" dirty="0"/>
-              <a:t>1</a:t>
-            </a:r>
-          </a:p>
-          <a:p>
-            <a:r>
-              <a:rPr kumimoji="1" lang="en-US" altLang="ko-KR" dirty="0"/>
-              <a:t>    .</a:t>
-            </a:r>
-          </a:p>
-        </p:txBody>
-      </p:sp>
-      <p:sp>
-        <p:nvSpPr>
-          <p:cNvPr id="2" name="TextBox 1"/>
-          <p:cNvSpPr txBox="1"/>
-          <p:nvPr/>
-        </p:nvSpPr>
-        <p:spPr>
-          <a:xfrm>
-            <a:off x="624741" y="6319457"/>
-            <a:ext cx="6794360" cy="369332"/>
-          </a:xfrm>
-          <a:prstGeom prst="rect">
-            <a:avLst/>
-          </a:prstGeom>
-          <a:noFill/>
-        </p:spPr>
-        <p:txBody>
-          <a:bodyPr wrap="none" rtlCol="0">
-            <a:spAutoFit/>
-          </a:bodyPr>
-          <a:lstStyle/>
-          <a:p>
-            <a:r>
-              <a:rPr lang="ko-KR" altLang="en-US" dirty="0"/>
-              <a:t>* 만약 스위치가 </a:t>
-            </a:r>
-            <a:r>
-              <a:rPr lang="en-US" altLang="ko-KR" dirty="0"/>
-              <a:t>5V</a:t>
-            </a:r>
-            <a:r>
-              <a:rPr lang="ko-KR" altLang="en-US" dirty="0"/>
-              <a:t>에 연결하면 버튼을 누른 경우 </a:t>
-            </a:r>
-            <a:r>
-              <a:rPr lang="en-US" altLang="ko-KR" dirty="0"/>
-              <a:t>1(+5V, HIGH) </a:t>
-            </a:r>
-            <a:r>
-              <a:rPr lang="ko-KR" altLang="en-US" dirty="0"/>
-              <a:t>읽음</a:t>
-            </a:r>
-          </a:p>
-        </p:txBody>
-      </p:sp>
-    </p:spTree>
-    <p:extLst>
-      <p:ext uri="{BB962C8B-B14F-4D97-AF65-F5344CB8AC3E}">
-        <p14:creationId xmlns:p14="http://schemas.microsoft.com/office/powerpoint/2010/main" val="3894668631"/>
       </p:ext>
     </p:extLst>
   </p:cSld>
@@ -4606,6 +4665,120 @@
         </p:nvSpPr>
         <p:spPr>
           <a:xfrm>
+            <a:off x="462988" y="220444"/>
+            <a:ext cx="8397319" cy="898898"/>
+          </a:xfrm>
+        </p:spPr>
+        <p:txBody>
+          <a:bodyPr>
+            <a:normAutofit fontScale="90000"/>
+          </a:bodyPr>
+          <a:lstStyle/>
+          <a:p>
+            <a:r>
+              <a:rPr lang="ko-KR" altLang="en-US" dirty="0" err="1" smtClean="0"/>
+              <a:t>풀업</a:t>
+            </a:r>
+            <a:r>
+              <a:rPr lang="en-US" altLang="ko-KR" dirty="0"/>
+              <a:t>(PULL UP</a:t>
+            </a:r>
+            <a:r>
+              <a:rPr lang="en-US" altLang="ko-KR" dirty="0" smtClean="0"/>
+              <a:t>),</a:t>
+            </a:r>
+            <a:r>
+              <a:rPr lang="ko-KR" altLang="en-US" dirty="0" smtClean="0"/>
+              <a:t> 풀다운</a:t>
+            </a:r>
+            <a:r>
+              <a:rPr lang="en-US" altLang="ko-KR" dirty="0"/>
+              <a:t>(</a:t>
+            </a:r>
+            <a:r>
+              <a:rPr lang="en-US" altLang="ko-KR" dirty="0" smtClean="0"/>
+              <a:t>PULL DOWN) </a:t>
+            </a:r>
+            <a:r>
+              <a:rPr lang="ko-KR" altLang="en-US" dirty="0" smtClean="0"/>
+              <a:t>저항</a:t>
+            </a:r>
+            <a:endParaRPr lang="ko-KR" altLang="en-US" dirty="0"/>
+          </a:p>
+        </p:txBody>
+      </p:sp>
+      <p:pic>
+        <p:nvPicPr>
+          <p:cNvPr id="4" name="그림 3"/>
+          <p:cNvPicPr>
+            <a:picLocks noChangeAspect="1"/>
+          </p:cNvPicPr>
+          <p:nvPr/>
+        </p:nvPicPr>
+        <p:blipFill>
+          <a:blip r:embed="rId2" cstate="print">
+            <a:extLst>
+              <a:ext uri="{28A0092B-C50C-407E-A947-70E740481C1C}">
+                <a14:useLocalDpi xmlns:a14="http://schemas.microsoft.com/office/drawing/2010/main" val="0"/>
+              </a:ext>
+            </a:extLst>
+          </a:blip>
+          <a:stretch>
+            <a:fillRect/>
+          </a:stretch>
+        </p:blipFill>
+        <p:spPr>
+          <a:xfrm>
+            <a:off x="0" y="1372800"/>
+            <a:ext cx="9144000" cy="5559235"/>
+          </a:xfrm>
+          <a:prstGeom prst="rect">
+            <a:avLst/>
+          </a:prstGeom>
+        </p:spPr>
+      </p:pic>
+    </p:spTree>
+    <p:extLst>
+      <p:ext uri="{BB962C8B-B14F-4D97-AF65-F5344CB8AC3E}">
+        <p14:creationId xmlns:p14="http://schemas.microsoft.com/office/powerpoint/2010/main" val="3566042071"/>
+      </p:ext>
+    </p:extLst>
+  </p:cSld>
+  <p:clrMapOvr>
+    <a:masterClrMapping/>
+  </p:clrMapOvr>
+</p:sld>
+</file>
+
+<file path=ppt/slides/slide14.xml><?xml version="1.0" encoding="utf-8"?>
+<p:sld xmlns:a="http://schemas.openxmlformats.org/drawingml/2006/main" xmlns:r="http://schemas.openxmlformats.org/officeDocument/2006/relationships" xmlns:p="http://schemas.openxmlformats.org/presentationml/2006/main">
+  <p:cSld>
+    <p:spTree>
+      <p:nvGrpSpPr>
+        <p:cNvPr id="1" name=""/>
+        <p:cNvGrpSpPr/>
+        <p:nvPr/>
+      </p:nvGrpSpPr>
+      <p:grpSpPr>
+        <a:xfrm>
+          <a:off x="0" y="0"/>
+          <a:ext cx="0" cy="0"/>
+          <a:chOff x="0" y="0"/>
+          <a:chExt cx="0" cy="0"/>
+        </a:xfrm>
+      </p:grpSpPr>
+      <p:sp>
+        <p:nvSpPr>
+          <p:cNvPr id="2" name="제목 1"/>
+          <p:cNvSpPr>
+            <a:spLocks noGrp="1"/>
+          </p:cNvSpPr>
+          <p:nvPr>
+            <p:ph type="title"/>
+          </p:nvPr>
+        </p:nvSpPr>
+        <p:spPr>
+          <a:xfrm>
             <a:off x="628650" y="365127"/>
             <a:ext cx="8237444" cy="898898"/>
           </a:xfrm>
@@ -4622,7 +4795,15 @@
             </a:r>
             <a:r>
               <a:rPr lang="en-US" altLang="ko-KR" dirty="0"/>
-              <a:t>(PULL-DOWN)</a:t>
+              <a:t>(</a:t>
+            </a:r>
+            <a:r>
+              <a:rPr lang="en-US" altLang="ko-KR" dirty="0" smtClean="0"/>
+              <a:t>PULL DOWN</a:t>
+            </a:r>
+            <a:r>
+              <a:rPr lang="en-US" altLang="ko-KR" dirty="0"/>
+              <a:t>)</a:t>
             </a:r>
             <a:r>
               <a:rPr lang="ko-KR" altLang="en-US" dirty="0"/>
@@ -4999,101 +5180,7 @@
     </p:spTree>
     <p:extLst>
       <p:ext uri="{BB962C8B-B14F-4D97-AF65-F5344CB8AC3E}">
-        <p14:creationId xmlns:p14="http://schemas.microsoft.com/office/powerpoint/2010/main" val="3566042071"/>
-      </p:ext>
-    </p:extLst>
-  </p:cSld>
-  <p:clrMapOvr>
-    <a:masterClrMapping/>
-  </p:clrMapOvr>
-</p:sld>
-</file>
-
-<file path=ppt/slides/slide14.xml><?xml version="1.0" encoding="utf-8"?>
-<p:sld xmlns:a="http://schemas.openxmlformats.org/drawingml/2006/main" xmlns:r="http://schemas.openxmlformats.org/officeDocument/2006/relationships" xmlns:p="http://schemas.openxmlformats.org/presentationml/2006/main">
-  <p:cSld>
-    <p:spTree>
-      <p:nvGrpSpPr>
-        <p:cNvPr id="1" name=""/>
-        <p:cNvGrpSpPr/>
-        <p:nvPr/>
-      </p:nvGrpSpPr>
-      <p:grpSpPr>
-        <a:xfrm>
-          <a:off x="0" y="0"/>
-          <a:ext cx="0" cy="0"/>
-          <a:chOff x="0" y="0"/>
-          <a:chExt cx="0" cy="0"/>
-        </a:xfrm>
-      </p:grpSpPr>
-      <p:sp>
-        <p:nvSpPr>
-          <p:cNvPr id="2" name="제목 1"/>
-          <p:cNvSpPr>
-            <a:spLocks noGrp="1"/>
-          </p:cNvSpPr>
-          <p:nvPr>
-            <p:ph type="title"/>
-          </p:nvPr>
-        </p:nvSpPr>
-        <p:spPr>
-          <a:xfrm>
-            <a:off x="617633" y="122756"/>
-            <a:ext cx="8237444" cy="898898"/>
-          </a:xfrm>
-        </p:spPr>
-        <p:txBody>
-          <a:bodyPr>
-            <a:normAutofit/>
-          </a:bodyPr>
-          <a:lstStyle/>
-          <a:p>
-            <a:pPr marL="457200" indent="-457200">
-              <a:buFont typeface="Arial" panose="020B0604020202020204" pitchFamily="34" charset="0"/>
-              <a:buChar char="•"/>
-            </a:pPr>
-            <a:r>
-              <a:rPr lang="en-US" altLang="ko-KR" sz="2800" dirty="0"/>
-              <a:t>Fritzing : PULL-DOWN</a:t>
-            </a:r>
-            <a:endParaRPr lang="ko-KR" altLang="en-US" sz="2800" dirty="0"/>
-          </a:p>
-        </p:txBody>
-      </p:sp>
-      <p:pic>
-        <p:nvPicPr>
-          <p:cNvPr id="3" name="그림 2"/>
-          <p:cNvPicPr>
-            <a:picLocks noChangeAspect="1"/>
-          </p:cNvPicPr>
-          <p:nvPr/>
-        </p:nvPicPr>
-        <p:blipFill>
-          <a:blip r:embed="rId2" cstate="print">
-            <a:extLst>
-              <a:ext uri="{28A0092B-C50C-407E-A947-70E740481C1C}">
-                <a14:useLocalDpi xmlns:a14="http://schemas.microsoft.com/office/drawing/2010/main" val="0"/>
-              </a:ext>
-            </a:extLst>
-          </a:blip>
-          <a:stretch>
-            <a:fillRect/>
-          </a:stretch>
-        </p:blipFill>
-        <p:spPr>
-          <a:xfrm>
-            <a:off x="548361" y="1214120"/>
-            <a:ext cx="7928030" cy="4729480"/>
-          </a:xfrm>
-          <a:prstGeom prst="rect">
-            <a:avLst/>
-          </a:prstGeom>
-        </p:spPr>
-      </p:pic>
-    </p:spTree>
-    <p:extLst>
-      <p:ext uri="{BB962C8B-B14F-4D97-AF65-F5344CB8AC3E}">
-        <p14:creationId xmlns:p14="http://schemas.microsoft.com/office/powerpoint/2010/main" val="1269335607"/>
+        <p14:creationId xmlns:p14="http://schemas.microsoft.com/office/powerpoint/2010/main" val="4181894935"/>
       </p:ext>
     </p:extLst>
   </p:cSld>
@@ -5147,6 +5234,100 @@
               <a:buChar char="•"/>
             </a:pPr>
             <a:r>
+              <a:rPr lang="en-US" altLang="ko-KR" sz="2800" dirty="0"/>
+              <a:t>Fritzing : PULL-DOWN</a:t>
+            </a:r>
+            <a:endParaRPr lang="ko-KR" altLang="en-US" sz="2800" dirty="0"/>
+          </a:p>
+        </p:txBody>
+      </p:sp>
+      <p:pic>
+        <p:nvPicPr>
+          <p:cNvPr id="3" name="그림 2"/>
+          <p:cNvPicPr>
+            <a:picLocks noChangeAspect="1"/>
+          </p:cNvPicPr>
+          <p:nvPr/>
+        </p:nvPicPr>
+        <p:blipFill>
+          <a:blip r:embed="rId2" cstate="print">
+            <a:extLst>
+              <a:ext uri="{28A0092B-C50C-407E-A947-70E740481C1C}">
+                <a14:useLocalDpi xmlns:a14="http://schemas.microsoft.com/office/drawing/2010/main" val="0"/>
+              </a:ext>
+            </a:extLst>
+          </a:blip>
+          <a:stretch>
+            <a:fillRect/>
+          </a:stretch>
+        </p:blipFill>
+        <p:spPr>
+          <a:xfrm>
+            <a:off x="548361" y="1214120"/>
+            <a:ext cx="7928030" cy="4729480"/>
+          </a:xfrm>
+          <a:prstGeom prst="rect">
+            <a:avLst/>
+          </a:prstGeom>
+        </p:spPr>
+      </p:pic>
+    </p:spTree>
+    <p:extLst>
+      <p:ext uri="{BB962C8B-B14F-4D97-AF65-F5344CB8AC3E}">
+        <p14:creationId xmlns:p14="http://schemas.microsoft.com/office/powerpoint/2010/main" val="1269335607"/>
+      </p:ext>
+    </p:extLst>
+  </p:cSld>
+  <p:clrMapOvr>
+    <a:masterClrMapping/>
+  </p:clrMapOvr>
+</p:sld>
+</file>
+
+<file path=ppt/slides/slide16.xml><?xml version="1.0" encoding="utf-8"?>
+<p:sld xmlns:a="http://schemas.openxmlformats.org/drawingml/2006/main" xmlns:r="http://schemas.openxmlformats.org/officeDocument/2006/relationships" xmlns:p="http://schemas.openxmlformats.org/presentationml/2006/main">
+  <p:cSld>
+    <p:spTree>
+      <p:nvGrpSpPr>
+        <p:cNvPr id="1" name=""/>
+        <p:cNvGrpSpPr/>
+        <p:nvPr/>
+      </p:nvGrpSpPr>
+      <p:grpSpPr>
+        <a:xfrm>
+          <a:off x="0" y="0"/>
+          <a:ext cx="0" cy="0"/>
+          <a:chOff x="0" y="0"/>
+          <a:chExt cx="0" cy="0"/>
+        </a:xfrm>
+      </p:grpSpPr>
+      <p:sp>
+        <p:nvSpPr>
+          <p:cNvPr id="2" name="제목 1"/>
+          <p:cNvSpPr>
+            <a:spLocks noGrp="1"/>
+          </p:cNvSpPr>
+          <p:nvPr>
+            <p:ph type="title"/>
+          </p:nvPr>
+        </p:nvSpPr>
+        <p:spPr>
+          <a:xfrm>
+            <a:off x="617633" y="122756"/>
+            <a:ext cx="8237444" cy="898898"/>
+          </a:xfrm>
+        </p:spPr>
+        <p:txBody>
+          <a:bodyPr>
+            <a:normAutofit/>
+          </a:bodyPr>
+          <a:lstStyle/>
+          <a:p>
+            <a:pPr marL="457200" indent="-457200">
+              <a:buFont typeface="Arial" panose="020B0604020202020204" pitchFamily="34" charset="0"/>
+              <a:buChar char="•"/>
+            </a:pPr>
+            <a:r>
               <a:rPr lang="ko-KR" altLang="en-US" sz="2800" dirty="0"/>
               <a:t>스케치 프로그래밍</a:t>
             </a:r>
@@ -5158,7 +5339,7 @@
           <p:cNvPr id="4" name="그림 3" descr="텍스트이(가) 표시된 사진&#10;&#10;자동 생성된 설명">
             <a:extLst>
               <a:ext uri="{FF2B5EF4-FFF2-40B4-BE49-F238E27FC236}">
-                <a16:creationId xmlns:a16="http://schemas.microsoft.com/office/drawing/2014/main" id="{6F192102-15FA-6C48-837A-78B031F2364F}"/>
+                <a16:creationId xmlns:a16="http://schemas.microsoft.com/office/drawing/2014/main" xmlns="" id="{6F192102-15FA-6C48-837A-78B031F2364F}"/>
               </a:ext>
             </a:extLst>
           </p:cNvPr>
@@ -5202,7 +5383,7 @@
 </p:sld>
 </file>
 
-<file path=ppt/slides/slide16.xml><?xml version="1.0" encoding="utf-8"?>
+<file path=ppt/slides/slide17.xml><?xml version="1.0" encoding="utf-8"?>
 <p:sld xmlns:a="http://schemas.openxmlformats.org/drawingml/2006/main" xmlns:r="http://schemas.openxmlformats.org/officeDocument/2006/relationships" xmlns:p="http://schemas.openxmlformats.org/presentationml/2006/main">
   <p:cSld>
     <p:spTree>
@@ -5645,7 +5826,7 @@
 </p:sld>
 </file>
 
-<file path=ppt/slides/slide17.xml><?xml version="1.0" encoding="utf-8"?>
+<file path=ppt/slides/slide18.xml><?xml version="1.0" encoding="utf-8"?>
 <p:sld xmlns:a="http://schemas.openxmlformats.org/drawingml/2006/main" xmlns:r="http://schemas.openxmlformats.org/officeDocument/2006/relationships" xmlns:p="http://schemas.openxmlformats.org/presentationml/2006/main">
   <p:cSld>
     <p:spTree>
@@ -5701,7 +5882,7 @@
           <p:cNvPr id="5" name="그림 4" descr="전자기기, 회로이(가) 표시된 사진&#10;&#10;자동 생성된 설명">
             <a:extLst>
               <a:ext uri="{FF2B5EF4-FFF2-40B4-BE49-F238E27FC236}">
-                <a16:creationId xmlns:a16="http://schemas.microsoft.com/office/drawing/2014/main" id="{54DF8E6A-3FE1-FF4E-8B7B-F1B01B11D8D7}"/>
+                <a16:creationId xmlns:a16="http://schemas.microsoft.com/office/drawing/2014/main" xmlns="" id="{54DF8E6A-3FE1-FF4E-8B7B-F1B01B11D8D7}"/>
               </a:ext>
             </a:extLst>
           </p:cNvPr>
@@ -5745,7 +5926,7 @@
 </p:sld>
 </file>
 
-<file path=ppt/slides/slide18.xml><?xml version="1.0" encoding="utf-8"?>
+<file path=ppt/slides/slide19.xml><?xml version="1.0" encoding="utf-8"?>
 <p:sld xmlns:a="http://schemas.openxmlformats.org/drawingml/2006/main" xmlns:r="http://schemas.openxmlformats.org/officeDocument/2006/relationships" xmlns:p="http://schemas.openxmlformats.org/presentationml/2006/main">
   <p:cSld>
     <p:spTree>
@@ -5800,7 +5981,7 @@
           <p:cNvPr id="13" name="그림 12" descr="스크린샷, 텍스트이(가) 표시된 사진&#10;&#10;자동 생성된 설명">
             <a:extLst>
               <a:ext uri="{FF2B5EF4-FFF2-40B4-BE49-F238E27FC236}">
-                <a16:creationId xmlns:a16="http://schemas.microsoft.com/office/drawing/2014/main" id="{C483F129-A159-EA4C-A6D5-616F2EB5398E}"/>
+                <a16:creationId xmlns:a16="http://schemas.microsoft.com/office/drawing/2014/main" xmlns="" id="{C483F129-A159-EA4C-A6D5-616F2EB5398E}"/>
               </a:ext>
             </a:extLst>
           </p:cNvPr>
@@ -5834,332 +6015,6 @@
     <p:extLst>
       <p:ext uri="{BB962C8B-B14F-4D97-AF65-F5344CB8AC3E}">
         <p14:creationId xmlns:p14="http://schemas.microsoft.com/office/powerpoint/2010/main" val="3256681592"/>
-      </p:ext>
-    </p:extLst>
-  </p:cSld>
-  <p:clrMapOvr>
-    <a:masterClrMapping/>
-  </p:clrMapOvr>
-</p:sld>
-</file>
-
-<file path=ppt/slides/slide19.xml><?xml version="1.0" encoding="utf-8"?>
-<p:sld xmlns:a="http://schemas.openxmlformats.org/drawingml/2006/main" xmlns:r="http://schemas.openxmlformats.org/officeDocument/2006/relationships" xmlns:p="http://schemas.openxmlformats.org/presentationml/2006/main">
-  <p:cSld>
-    <p:spTree>
-      <p:nvGrpSpPr>
-        <p:cNvPr id="1" name=""/>
-        <p:cNvGrpSpPr/>
-        <p:nvPr/>
-      </p:nvGrpSpPr>
-      <p:grpSpPr>
-        <a:xfrm>
-          <a:off x="0" y="0"/>
-          <a:ext cx="0" cy="0"/>
-          <a:chOff x="0" y="0"/>
-          <a:chExt cx="0" cy="0"/>
-        </a:xfrm>
-      </p:grpSpPr>
-      <p:sp>
-        <p:nvSpPr>
-          <p:cNvPr id="2" name="제목 1"/>
-          <p:cNvSpPr>
-            <a:spLocks noGrp="1"/>
-          </p:cNvSpPr>
-          <p:nvPr>
-            <p:ph type="title"/>
-          </p:nvPr>
-        </p:nvSpPr>
-        <p:spPr>
-          <a:xfrm>
-            <a:off x="628650" y="365127"/>
-            <a:ext cx="8237444" cy="898898"/>
-          </a:xfrm>
-        </p:spPr>
-        <p:txBody>
-          <a:bodyPr>
-            <a:normAutofit fontScale="90000"/>
-          </a:bodyPr>
-          <a:lstStyle/>
-          <a:p>
-            <a:r>
-              <a:rPr lang="ko-KR" altLang="en-US" dirty="0"/>
-              <a:t>내부 </a:t>
-            </a:r>
-            <a:r>
-              <a:rPr lang="ko-KR" altLang="en-US" dirty="0" err="1"/>
-              <a:t>풀업</a:t>
-            </a:r>
-            <a:r>
-              <a:rPr lang="en-US" altLang="ko-KR" dirty="0"/>
-              <a:t>(INPUT_PULL_UP)</a:t>
-            </a:r>
-            <a:r>
-              <a:rPr lang="ko-KR" altLang="en-US" dirty="0"/>
-              <a:t> 저항</a:t>
-            </a:r>
-          </a:p>
-        </p:txBody>
-      </p:sp>
-      <p:sp>
-        <p:nvSpPr>
-          <p:cNvPr id="5" name="내용 개체 틀 2"/>
-          <p:cNvSpPr txBox="1">
-            <a:spLocks/>
-          </p:cNvSpPr>
-          <p:nvPr/>
-        </p:nvSpPr>
-        <p:spPr>
-          <a:xfrm>
-            <a:off x="801666" y="1441574"/>
-            <a:ext cx="7929957" cy="763007"/>
-          </a:xfrm>
-          <a:prstGeom prst="rect">
-            <a:avLst/>
-          </a:prstGeom>
-        </p:spPr>
-        <p:txBody>
-          <a:bodyPr vert="horz" lIns="91440" tIns="45720" rIns="91440" bIns="45720" rtlCol="0">
-            <a:normAutofit fontScale="85000" lnSpcReduction="20000"/>
-          </a:bodyPr>
-          <a:lstStyle>
-            <a:lvl1pPr marL="228600" indent="-228600" algn="l" defTabSz="914400" rtl="0" eaLnBrk="1" latinLnBrk="1" hangingPunct="1">
-              <a:lnSpc>
-                <a:spcPct val="90000"/>
-              </a:lnSpc>
-              <a:spcBef>
-                <a:spcPts val="1000"/>
-              </a:spcBef>
-              <a:buFont typeface="Arial" panose="020B0604020202020204" pitchFamily="34" charset="0"/>
-              <a:buChar char="•"/>
-              <a:defRPr sz="2800" kern="1200">
-                <a:solidFill>
-                  <a:schemeClr val="tx1"/>
-                </a:solidFill>
-                <a:latin typeface="+mn-ea"/>
-                <a:ea typeface="+mn-ea"/>
-                <a:cs typeface="+mn-cs"/>
-              </a:defRPr>
-            </a:lvl1pPr>
-            <a:lvl2pPr marL="685800" indent="-228600" algn="l" defTabSz="914400" rtl="0" eaLnBrk="1" latinLnBrk="1" hangingPunct="1">
-              <a:lnSpc>
-                <a:spcPct val="90000"/>
-              </a:lnSpc>
-              <a:spcBef>
-                <a:spcPts val="500"/>
-              </a:spcBef>
-              <a:buFont typeface="Arial" panose="020B0604020202020204" pitchFamily="34" charset="0"/>
-              <a:buChar char="•"/>
-              <a:defRPr sz="2400" kern="1200">
-                <a:solidFill>
-                  <a:schemeClr val="tx1"/>
-                </a:solidFill>
-                <a:latin typeface="+mn-ea"/>
-                <a:ea typeface="+mn-ea"/>
-                <a:cs typeface="+mn-cs"/>
-              </a:defRPr>
-            </a:lvl2pPr>
-            <a:lvl3pPr marL="1143000" indent="-228600" algn="l" defTabSz="914400" rtl="0" eaLnBrk="1" latinLnBrk="1" hangingPunct="1">
-              <a:lnSpc>
-                <a:spcPct val="90000"/>
-              </a:lnSpc>
-              <a:spcBef>
-                <a:spcPts val="500"/>
-              </a:spcBef>
-              <a:buFont typeface="Arial" panose="020B0604020202020204" pitchFamily="34" charset="0"/>
-              <a:buChar char="•"/>
-              <a:defRPr sz="2000" kern="1200">
-                <a:solidFill>
-                  <a:schemeClr val="tx1"/>
-                </a:solidFill>
-                <a:latin typeface="+mn-ea"/>
-                <a:ea typeface="+mn-ea"/>
-                <a:cs typeface="+mn-cs"/>
-              </a:defRPr>
-            </a:lvl3pPr>
-            <a:lvl4pPr marL="1600200" indent="-228600" algn="l" defTabSz="914400" rtl="0" eaLnBrk="1" latinLnBrk="1" hangingPunct="1">
-              <a:lnSpc>
-                <a:spcPct val="90000"/>
-              </a:lnSpc>
-              <a:spcBef>
-                <a:spcPts val="500"/>
-              </a:spcBef>
-              <a:buFont typeface="Arial" panose="020B0604020202020204" pitchFamily="34" charset="0"/>
-              <a:buChar char="•"/>
-              <a:defRPr sz="1800" kern="1200">
-                <a:solidFill>
-                  <a:schemeClr val="tx1"/>
-                </a:solidFill>
-                <a:latin typeface="+mn-ea"/>
-                <a:ea typeface="+mn-ea"/>
-                <a:cs typeface="+mn-cs"/>
-              </a:defRPr>
-            </a:lvl4pPr>
-            <a:lvl5pPr marL="2057400" indent="-228600" algn="l" defTabSz="914400" rtl="0" eaLnBrk="1" latinLnBrk="1" hangingPunct="1">
-              <a:lnSpc>
-                <a:spcPct val="90000"/>
-              </a:lnSpc>
-              <a:spcBef>
-                <a:spcPts val="500"/>
-              </a:spcBef>
-              <a:buFont typeface="Arial" panose="020B0604020202020204" pitchFamily="34" charset="0"/>
-              <a:buChar char="•"/>
-              <a:defRPr sz="1800" kern="1200">
-                <a:solidFill>
-                  <a:schemeClr val="tx1"/>
-                </a:solidFill>
-                <a:latin typeface="+mn-ea"/>
-                <a:ea typeface="+mn-ea"/>
-                <a:cs typeface="+mn-cs"/>
-              </a:defRPr>
-            </a:lvl5pPr>
-            <a:lvl6pPr marL="2514600" indent="-228600" algn="l" defTabSz="914400" rtl="0" eaLnBrk="1" latinLnBrk="1" hangingPunct="1">
-              <a:lnSpc>
-                <a:spcPct val="90000"/>
-              </a:lnSpc>
-              <a:spcBef>
-                <a:spcPts val="500"/>
-              </a:spcBef>
-              <a:buFont typeface="Arial" panose="020B0604020202020204" pitchFamily="34" charset="0"/>
-              <a:buChar char="•"/>
-              <a:defRPr sz="1800" kern="1200">
-                <a:solidFill>
-                  <a:schemeClr val="tx1"/>
-                </a:solidFill>
-                <a:latin typeface="+mn-lt"/>
-                <a:ea typeface="+mn-ea"/>
-                <a:cs typeface="+mn-cs"/>
-              </a:defRPr>
-            </a:lvl6pPr>
-            <a:lvl7pPr marL="2971800" indent="-228600" algn="l" defTabSz="914400" rtl="0" eaLnBrk="1" latinLnBrk="1" hangingPunct="1">
-              <a:lnSpc>
-                <a:spcPct val="90000"/>
-              </a:lnSpc>
-              <a:spcBef>
-                <a:spcPts val="500"/>
-              </a:spcBef>
-              <a:buFont typeface="Arial" panose="020B0604020202020204" pitchFamily="34" charset="0"/>
-              <a:buChar char="•"/>
-              <a:defRPr sz="1800" kern="1200">
-                <a:solidFill>
-                  <a:schemeClr val="tx1"/>
-                </a:solidFill>
-                <a:latin typeface="+mn-lt"/>
-                <a:ea typeface="+mn-ea"/>
-                <a:cs typeface="+mn-cs"/>
-              </a:defRPr>
-            </a:lvl7pPr>
-            <a:lvl8pPr marL="3429000" indent="-228600" algn="l" defTabSz="914400" rtl="0" eaLnBrk="1" latinLnBrk="1" hangingPunct="1">
-              <a:lnSpc>
-                <a:spcPct val="90000"/>
-              </a:lnSpc>
-              <a:spcBef>
-                <a:spcPts val="500"/>
-              </a:spcBef>
-              <a:buFont typeface="Arial" panose="020B0604020202020204" pitchFamily="34" charset="0"/>
-              <a:buChar char="•"/>
-              <a:defRPr sz="1800" kern="1200">
-                <a:solidFill>
-                  <a:schemeClr val="tx1"/>
-                </a:solidFill>
-                <a:latin typeface="+mn-lt"/>
-                <a:ea typeface="+mn-ea"/>
-                <a:cs typeface="+mn-cs"/>
-              </a:defRPr>
-            </a:lvl8pPr>
-            <a:lvl9pPr marL="3886200" indent="-228600" algn="l" defTabSz="914400" rtl="0" eaLnBrk="1" latinLnBrk="1" hangingPunct="1">
-              <a:lnSpc>
-                <a:spcPct val="90000"/>
-              </a:lnSpc>
-              <a:spcBef>
-                <a:spcPts val="500"/>
-              </a:spcBef>
-              <a:buFont typeface="Arial" panose="020B0604020202020204" pitchFamily="34" charset="0"/>
-              <a:buChar char="•"/>
-              <a:defRPr sz="1800" kern="1200">
-                <a:solidFill>
-                  <a:schemeClr val="tx1"/>
-                </a:solidFill>
-                <a:latin typeface="+mn-lt"/>
-                <a:ea typeface="+mn-ea"/>
-                <a:cs typeface="+mn-cs"/>
-              </a:defRPr>
-            </a:lvl9pPr>
-          </a:lstStyle>
-          <a:p>
-            <a:r>
-              <a:rPr lang="ko-KR" altLang="en-US" dirty="0" err="1"/>
-              <a:t>아두이노</a:t>
-            </a:r>
-            <a:r>
-              <a:rPr lang="ko-KR" altLang="en-US" dirty="0"/>
-              <a:t> 내부에 있는 </a:t>
-            </a:r>
-            <a:r>
-              <a:rPr lang="ko-KR" altLang="en-US" dirty="0" err="1"/>
-              <a:t>풀업</a:t>
-            </a:r>
-            <a:r>
-              <a:rPr lang="ko-KR" altLang="en-US" dirty="0"/>
-              <a:t> 저항을 사용</a:t>
-            </a:r>
-            <a:endParaRPr lang="en-US" altLang="ko-KR" dirty="0"/>
-          </a:p>
-          <a:p>
-            <a:r>
-              <a:rPr lang="ko-KR" altLang="en-US" dirty="0"/>
-              <a:t>스위치 </a:t>
-            </a:r>
-            <a:r>
-              <a:rPr lang="en-US" altLang="ko-KR" dirty="0"/>
-              <a:t>OFF : 0V, </a:t>
-            </a:r>
-            <a:r>
-              <a:rPr lang="ko-KR" altLang="en-US" dirty="0"/>
-              <a:t>스위치 </a:t>
-            </a:r>
-            <a:r>
-              <a:rPr lang="en-US" altLang="ko-KR" dirty="0"/>
-              <a:t>ON : 5V</a:t>
-            </a:r>
-            <a:endParaRPr lang="ko-KR" altLang="en-US" dirty="0"/>
-          </a:p>
-        </p:txBody>
-      </p:sp>
-      <p:pic>
-        <p:nvPicPr>
-          <p:cNvPr id="6" name="그림 5"/>
-          <p:cNvPicPr>
-            <a:picLocks noChangeAspect="1"/>
-          </p:cNvPicPr>
-          <p:nvPr/>
-        </p:nvPicPr>
-        <p:blipFill>
-          <a:blip r:embed="rId2">
-            <a:extLst>
-              <a:ext uri="{28A0092B-C50C-407E-A947-70E740481C1C}">
-                <a14:useLocalDpi xmlns:a14="http://schemas.microsoft.com/office/drawing/2010/main" val="0"/>
-              </a:ext>
-            </a:extLst>
-          </a:blip>
-          <a:stretch>
-            <a:fillRect/>
-          </a:stretch>
-        </p:blipFill>
-        <p:spPr>
-          <a:xfrm>
-            <a:off x="1623194" y="2633525"/>
-            <a:ext cx="4908485" cy="3291285"/>
-          </a:xfrm>
-          <a:prstGeom prst="rect">
-            <a:avLst/>
-          </a:prstGeom>
-        </p:spPr>
-      </p:pic>
-    </p:spTree>
-    <p:extLst>
-      <p:ext uri="{BB962C8B-B14F-4D97-AF65-F5344CB8AC3E}">
-        <p14:creationId xmlns:p14="http://schemas.microsoft.com/office/powerpoint/2010/main" val="588633147"/>
       </p:ext>
     </p:extLst>
   </p:cSld>
@@ -7374,26 +7229,288 @@
         </p:spPr>
         <p:txBody>
           <a:bodyPr>
-            <a:normAutofit/>
+            <a:normAutofit fontScale="90000"/>
           </a:bodyPr>
           <a:lstStyle/>
           <a:p>
-            <a:pPr marL="457200" indent="-457200">
-              <a:buFont typeface="Arial" panose="020B0604020202020204" pitchFamily="34" charset="0"/>
-              <a:buChar char="•"/>
-            </a:pPr>
-            <a:r>
-              <a:rPr lang="en-US" altLang="ko-KR" sz="2800" dirty="0"/>
-              <a:t>Fritzing</a:t>
-            </a:r>
-            <a:endParaRPr lang="ko-KR" altLang="en-US" sz="2800" dirty="0"/>
+            <a:r>
+              <a:rPr lang="ko-KR" altLang="en-US" dirty="0"/>
+              <a:t>내부 </a:t>
+            </a:r>
+            <a:r>
+              <a:rPr lang="ko-KR" altLang="en-US" dirty="0" err="1"/>
+              <a:t>풀업</a:t>
+            </a:r>
+            <a:r>
+              <a:rPr lang="en-US" altLang="ko-KR" dirty="0"/>
+              <a:t>(INPUT_PULL_UP)</a:t>
+            </a:r>
+            <a:r>
+              <a:rPr lang="ko-KR" altLang="en-US" dirty="0"/>
+              <a:t> 저항</a:t>
+            </a:r>
           </a:p>
         </p:txBody>
       </p:sp>
+      <p:sp>
+        <p:nvSpPr>
+          <p:cNvPr id="5" name="내용 개체 틀 2"/>
+          <p:cNvSpPr txBox="1">
+            <a:spLocks/>
+          </p:cNvSpPr>
+          <p:nvPr/>
+        </p:nvSpPr>
+        <p:spPr>
+          <a:xfrm>
+            <a:off x="801666" y="1441574"/>
+            <a:ext cx="7929957" cy="763007"/>
+          </a:xfrm>
+          <a:prstGeom prst="rect">
+            <a:avLst/>
+          </a:prstGeom>
+        </p:spPr>
+        <p:txBody>
+          <a:bodyPr vert="horz" lIns="91440" tIns="45720" rIns="91440" bIns="45720" rtlCol="0">
+            <a:normAutofit fontScale="85000" lnSpcReduction="20000"/>
+          </a:bodyPr>
+          <a:lstStyle>
+            <a:lvl1pPr marL="228600" indent="-228600" algn="l" defTabSz="914400" rtl="0" eaLnBrk="1" latinLnBrk="1" hangingPunct="1">
+              <a:lnSpc>
+                <a:spcPct val="90000"/>
+              </a:lnSpc>
+              <a:spcBef>
+                <a:spcPts val="1000"/>
+              </a:spcBef>
+              <a:buFont typeface="Arial" panose="020B0604020202020204" pitchFamily="34" charset="0"/>
+              <a:buChar char="•"/>
+              <a:defRPr sz="2800" kern="1200">
+                <a:solidFill>
+                  <a:schemeClr val="tx1"/>
+                </a:solidFill>
+                <a:latin typeface="+mn-ea"/>
+                <a:ea typeface="+mn-ea"/>
+                <a:cs typeface="+mn-cs"/>
+              </a:defRPr>
+            </a:lvl1pPr>
+            <a:lvl2pPr marL="685800" indent="-228600" algn="l" defTabSz="914400" rtl="0" eaLnBrk="1" latinLnBrk="1" hangingPunct="1">
+              <a:lnSpc>
+                <a:spcPct val="90000"/>
+              </a:lnSpc>
+              <a:spcBef>
+                <a:spcPts val="500"/>
+              </a:spcBef>
+              <a:buFont typeface="Arial" panose="020B0604020202020204" pitchFamily="34" charset="0"/>
+              <a:buChar char="•"/>
+              <a:defRPr sz="2400" kern="1200">
+                <a:solidFill>
+                  <a:schemeClr val="tx1"/>
+                </a:solidFill>
+                <a:latin typeface="+mn-ea"/>
+                <a:ea typeface="+mn-ea"/>
+                <a:cs typeface="+mn-cs"/>
+              </a:defRPr>
+            </a:lvl2pPr>
+            <a:lvl3pPr marL="1143000" indent="-228600" algn="l" defTabSz="914400" rtl="0" eaLnBrk="1" latinLnBrk="1" hangingPunct="1">
+              <a:lnSpc>
+                <a:spcPct val="90000"/>
+              </a:lnSpc>
+              <a:spcBef>
+                <a:spcPts val="500"/>
+              </a:spcBef>
+              <a:buFont typeface="Arial" panose="020B0604020202020204" pitchFamily="34" charset="0"/>
+              <a:buChar char="•"/>
+              <a:defRPr sz="2000" kern="1200">
+                <a:solidFill>
+                  <a:schemeClr val="tx1"/>
+                </a:solidFill>
+                <a:latin typeface="+mn-ea"/>
+                <a:ea typeface="+mn-ea"/>
+                <a:cs typeface="+mn-cs"/>
+              </a:defRPr>
+            </a:lvl3pPr>
+            <a:lvl4pPr marL="1600200" indent="-228600" algn="l" defTabSz="914400" rtl="0" eaLnBrk="1" latinLnBrk="1" hangingPunct="1">
+              <a:lnSpc>
+                <a:spcPct val="90000"/>
+              </a:lnSpc>
+              <a:spcBef>
+                <a:spcPts val="500"/>
+              </a:spcBef>
+              <a:buFont typeface="Arial" panose="020B0604020202020204" pitchFamily="34" charset="0"/>
+              <a:buChar char="•"/>
+              <a:defRPr sz="1800" kern="1200">
+                <a:solidFill>
+                  <a:schemeClr val="tx1"/>
+                </a:solidFill>
+                <a:latin typeface="+mn-ea"/>
+                <a:ea typeface="+mn-ea"/>
+                <a:cs typeface="+mn-cs"/>
+              </a:defRPr>
+            </a:lvl4pPr>
+            <a:lvl5pPr marL="2057400" indent="-228600" algn="l" defTabSz="914400" rtl="0" eaLnBrk="1" latinLnBrk="1" hangingPunct="1">
+              <a:lnSpc>
+                <a:spcPct val="90000"/>
+              </a:lnSpc>
+              <a:spcBef>
+                <a:spcPts val="500"/>
+              </a:spcBef>
+              <a:buFont typeface="Arial" panose="020B0604020202020204" pitchFamily="34" charset="0"/>
+              <a:buChar char="•"/>
+              <a:defRPr sz="1800" kern="1200">
+                <a:solidFill>
+                  <a:schemeClr val="tx1"/>
+                </a:solidFill>
+                <a:latin typeface="+mn-ea"/>
+                <a:ea typeface="+mn-ea"/>
+                <a:cs typeface="+mn-cs"/>
+              </a:defRPr>
+            </a:lvl5pPr>
+            <a:lvl6pPr marL="2514600" indent="-228600" algn="l" defTabSz="914400" rtl="0" eaLnBrk="1" latinLnBrk="1" hangingPunct="1">
+              <a:lnSpc>
+                <a:spcPct val="90000"/>
+              </a:lnSpc>
+              <a:spcBef>
+                <a:spcPts val="500"/>
+              </a:spcBef>
+              <a:buFont typeface="Arial" panose="020B0604020202020204" pitchFamily="34" charset="0"/>
+              <a:buChar char="•"/>
+              <a:defRPr sz="1800" kern="1200">
+                <a:solidFill>
+                  <a:schemeClr val="tx1"/>
+                </a:solidFill>
+                <a:latin typeface="+mn-lt"/>
+                <a:ea typeface="+mn-ea"/>
+                <a:cs typeface="+mn-cs"/>
+              </a:defRPr>
+            </a:lvl6pPr>
+            <a:lvl7pPr marL="2971800" indent="-228600" algn="l" defTabSz="914400" rtl="0" eaLnBrk="1" latinLnBrk="1" hangingPunct="1">
+              <a:lnSpc>
+                <a:spcPct val="90000"/>
+              </a:lnSpc>
+              <a:spcBef>
+                <a:spcPts val="500"/>
+              </a:spcBef>
+              <a:buFont typeface="Arial" panose="020B0604020202020204" pitchFamily="34" charset="0"/>
+              <a:buChar char="•"/>
+              <a:defRPr sz="1800" kern="1200">
+                <a:solidFill>
+                  <a:schemeClr val="tx1"/>
+                </a:solidFill>
+                <a:latin typeface="+mn-lt"/>
+                <a:ea typeface="+mn-ea"/>
+                <a:cs typeface="+mn-cs"/>
+              </a:defRPr>
+            </a:lvl7pPr>
+            <a:lvl8pPr marL="3429000" indent="-228600" algn="l" defTabSz="914400" rtl="0" eaLnBrk="1" latinLnBrk="1" hangingPunct="1">
+              <a:lnSpc>
+                <a:spcPct val="90000"/>
+              </a:lnSpc>
+              <a:spcBef>
+                <a:spcPts val="500"/>
+              </a:spcBef>
+              <a:buFont typeface="Arial" panose="020B0604020202020204" pitchFamily="34" charset="0"/>
+              <a:buChar char="•"/>
+              <a:defRPr sz="1800" kern="1200">
+                <a:solidFill>
+                  <a:schemeClr val="tx1"/>
+                </a:solidFill>
+                <a:latin typeface="+mn-lt"/>
+                <a:ea typeface="+mn-ea"/>
+                <a:cs typeface="+mn-cs"/>
+              </a:defRPr>
+            </a:lvl8pPr>
+            <a:lvl9pPr marL="3886200" indent="-228600" algn="l" defTabSz="914400" rtl="0" eaLnBrk="1" latinLnBrk="1" hangingPunct="1">
+              <a:lnSpc>
+                <a:spcPct val="90000"/>
+              </a:lnSpc>
+              <a:spcBef>
+                <a:spcPts val="500"/>
+              </a:spcBef>
+              <a:buFont typeface="Arial" panose="020B0604020202020204" pitchFamily="34" charset="0"/>
+              <a:buChar char="•"/>
+              <a:defRPr sz="1800" kern="1200">
+                <a:solidFill>
+                  <a:schemeClr val="tx1"/>
+                </a:solidFill>
+                <a:latin typeface="+mn-lt"/>
+                <a:ea typeface="+mn-ea"/>
+                <a:cs typeface="+mn-cs"/>
+              </a:defRPr>
+            </a:lvl9pPr>
+          </a:lstStyle>
+          <a:p>
+            <a:r>
+              <a:rPr lang="ko-KR" altLang="en-US" dirty="0" err="1"/>
+              <a:t>아두이노</a:t>
+            </a:r>
+            <a:r>
+              <a:rPr lang="ko-KR" altLang="en-US" dirty="0"/>
+              <a:t> 내부에 있는 </a:t>
+            </a:r>
+            <a:r>
+              <a:rPr lang="ko-KR" altLang="en-US" dirty="0" err="1"/>
+              <a:t>풀업</a:t>
+            </a:r>
+            <a:r>
+              <a:rPr lang="ko-KR" altLang="en-US" dirty="0"/>
+              <a:t> 저항을 사용</a:t>
+            </a:r>
+            <a:endParaRPr lang="en-US" altLang="ko-KR" dirty="0"/>
+          </a:p>
+          <a:p>
+            <a:r>
+              <a:rPr lang="ko-KR" altLang="en-US" dirty="0"/>
+              <a:t>스위치 </a:t>
+            </a:r>
+            <a:r>
+              <a:rPr lang="en-US" altLang="ko-KR" dirty="0"/>
+              <a:t>OFF : 0V, </a:t>
+            </a:r>
+            <a:r>
+              <a:rPr lang="ko-KR" altLang="en-US" dirty="0"/>
+              <a:t>스위치 </a:t>
+            </a:r>
+            <a:r>
+              <a:rPr lang="en-US" altLang="ko-KR" dirty="0"/>
+              <a:t>ON : 5V</a:t>
+            </a:r>
+            <a:endParaRPr lang="ko-KR" altLang="en-US" dirty="0"/>
+          </a:p>
+        </p:txBody>
+      </p:sp>
+      <p:pic>
+        <p:nvPicPr>
+          <p:cNvPr id="6" name="그림 5"/>
+          <p:cNvPicPr>
+            <a:picLocks noChangeAspect="1"/>
+          </p:cNvPicPr>
+          <p:nvPr/>
+        </p:nvPicPr>
+        <p:blipFill>
+          <a:blip r:embed="rId2">
+            <a:extLst>
+              <a:ext uri="{28A0092B-C50C-407E-A947-70E740481C1C}">
+                <a14:useLocalDpi xmlns:a14="http://schemas.microsoft.com/office/drawing/2010/main" val="0"/>
+              </a:ext>
+            </a:extLst>
+          </a:blip>
+          <a:stretch>
+            <a:fillRect/>
+          </a:stretch>
+        </p:blipFill>
+        <p:spPr>
+          <a:xfrm>
+            <a:off x="1623194" y="2633525"/>
+            <a:ext cx="4908485" cy="3291285"/>
+          </a:xfrm>
+          <a:prstGeom prst="rect">
+            <a:avLst/>
+          </a:prstGeom>
+        </p:spPr>
+      </p:pic>
     </p:spTree>
     <p:extLst>
       <p:ext uri="{BB962C8B-B14F-4D97-AF65-F5344CB8AC3E}">
-        <p14:creationId xmlns:p14="http://schemas.microsoft.com/office/powerpoint/2010/main" val="2678112964"/>
+        <p14:creationId xmlns:p14="http://schemas.microsoft.com/office/powerpoint/2010/main" val="588633147"/>
       </p:ext>
     </p:extLst>
   </p:cSld>
@@ -7422,250 +7539,71 @@
       </p:grpSpPr>
       <p:sp>
         <p:nvSpPr>
-          <p:cNvPr id="6" name="내용 개체 틀 2">
-            <a:extLst>
-              <a:ext uri="{FF2B5EF4-FFF2-40B4-BE49-F238E27FC236}">
-                <a16:creationId xmlns:a16="http://schemas.microsoft.com/office/drawing/2014/main" id="{DF087650-FC74-7247-9653-3D7CFFBCEE43}"/>
-              </a:ext>
-            </a:extLst>
-          </p:cNvPr>
-          <p:cNvSpPr txBox="1">
-            <a:spLocks/>
+          <p:cNvPr id="2" name="제목 1"/>
+          <p:cNvSpPr>
+            <a:spLocks noGrp="1"/>
           </p:cNvSpPr>
-          <p:nvPr/>
+          <p:nvPr>
+            <p:ph type="title"/>
+          </p:nvPr>
         </p:nvSpPr>
         <p:spPr>
           <a:xfrm>
-            <a:off x="452437" y="647012"/>
-            <a:ext cx="8239125" cy="1333500"/>
+            <a:off x="628650" y="365127"/>
+            <a:ext cx="8237444" cy="898898"/>
+          </a:xfrm>
+        </p:spPr>
+        <p:txBody>
+          <a:bodyPr>
+            <a:normAutofit/>
+          </a:bodyPr>
+          <a:lstStyle/>
+          <a:p>
+            <a:pPr marL="457200" indent="-457200">
+              <a:buFont typeface="Arial" panose="020B0604020202020204" pitchFamily="34" charset="0"/>
+              <a:buChar char="•"/>
+            </a:pPr>
+            <a:r>
+              <a:rPr lang="en-US" altLang="ko-KR" sz="2800" dirty="0"/>
+              <a:t>Fritzing</a:t>
+            </a:r>
+            <a:endParaRPr lang="ko-KR" altLang="en-US" sz="2800" dirty="0"/>
+          </a:p>
+        </p:txBody>
+      </p:sp>
+      <p:pic>
+        <p:nvPicPr>
+          <p:cNvPr id="3" name="그림 2"/>
+          <p:cNvPicPr>
+            <a:picLocks noChangeAspect="1"/>
+          </p:cNvPicPr>
+          <p:nvPr/>
+        </p:nvPicPr>
+        <p:blipFill rotWithShape="1">
+          <a:blip r:embed="rId2" cstate="print">
+            <a:extLst>
+              <a:ext uri="{28A0092B-C50C-407E-A947-70E740481C1C}">
+                <a14:useLocalDpi xmlns:a14="http://schemas.microsoft.com/office/drawing/2010/main" val="0"/>
+              </a:ext>
+            </a:extLst>
+          </a:blip>
+          <a:srcRect t="-1" r="1386" b="1023"/>
+          <a:stretch/>
+        </p:blipFill>
+        <p:spPr>
+          <a:xfrm>
+            <a:off x="482351" y="1515062"/>
+            <a:ext cx="7318985" cy="4382239"/>
           </a:xfrm>
           <a:prstGeom prst="rect">
             <a:avLst/>
           </a:prstGeom>
         </p:spPr>
-        <p:txBody>
-          <a:bodyPr/>
-          <a:lstStyle>
-            <a:lvl1pPr marL="228600" indent="-228600" algn="l" defTabSz="914400" rtl="0" eaLnBrk="1" latinLnBrk="1" hangingPunct="1">
-              <a:lnSpc>
-                <a:spcPct val="90000"/>
-              </a:lnSpc>
-              <a:spcBef>
-                <a:spcPts val="1000"/>
-              </a:spcBef>
-              <a:buFont typeface="Arial" panose="020B0604020202020204" pitchFamily="34" charset="0"/>
-              <a:buChar char="•"/>
-              <a:defRPr sz="2800" kern="1200">
-                <a:solidFill>
-                  <a:schemeClr val="tx1"/>
-                </a:solidFill>
-                <a:latin typeface="+mn-lt"/>
-                <a:ea typeface="+mn-ea"/>
-                <a:cs typeface="+mn-cs"/>
-              </a:defRPr>
-            </a:lvl1pPr>
-            <a:lvl2pPr marL="685800" indent="-228600" algn="l" defTabSz="914400" rtl="0" eaLnBrk="1" latinLnBrk="1" hangingPunct="1">
-              <a:lnSpc>
-                <a:spcPct val="90000"/>
-              </a:lnSpc>
-              <a:spcBef>
-                <a:spcPts val="500"/>
-              </a:spcBef>
-              <a:buFont typeface="Arial" panose="020B0604020202020204" pitchFamily="34" charset="0"/>
-              <a:buChar char="•"/>
-              <a:defRPr sz="2400" kern="1200">
-                <a:solidFill>
-                  <a:schemeClr val="tx1"/>
-                </a:solidFill>
-                <a:latin typeface="+mn-lt"/>
-                <a:ea typeface="+mn-ea"/>
-                <a:cs typeface="+mn-cs"/>
-              </a:defRPr>
-            </a:lvl2pPr>
-            <a:lvl3pPr marL="1143000" indent="-228600" algn="l" defTabSz="914400" rtl="0" eaLnBrk="1" latinLnBrk="1" hangingPunct="1">
-              <a:lnSpc>
-                <a:spcPct val="90000"/>
-              </a:lnSpc>
-              <a:spcBef>
-                <a:spcPts val="500"/>
-              </a:spcBef>
-              <a:buFont typeface="Arial" panose="020B0604020202020204" pitchFamily="34" charset="0"/>
-              <a:buChar char="•"/>
-              <a:defRPr sz="2000" kern="1200">
-                <a:solidFill>
-                  <a:schemeClr val="tx1"/>
-                </a:solidFill>
-                <a:latin typeface="+mn-lt"/>
-                <a:ea typeface="+mn-ea"/>
-                <a:cs typeface="+mn-cs"/>
-              </a:defRPr>
-            </a:lvl3pPr>
-            <a:lvl4pPr marL="1600200" indent="-228600" algn="l" defTabSz="914400" rtl="0" eaLnBrk="1" latinLnBrk="1" hangingPunct="1">
-              <a:lnSpc>
-                <a:spcPct val="90000"/>
-              </a:lnSpc>
-              <a:spcBef>
-                <a:spcPts val="500"/>
-              </a:spcBef>
-              <a:buFont typeface="Arial" panose="020B0604020202020204" pitchFamily="34" charset="0"/>
-              <a:buChar char="•"/>
-              <a:defRPr sz="1800" kern="1200">
-                <a:solidFill>
-                  <a:schemeClr val="tx1"/>
-                </a:solidFill>
-                <a:latin typeface="+mn-lt"/>
-                <a:ea typeface="+mn-ea"/>
-                <a:cs typeface="+mn-cs"/>
-              </a:defRPr>
-            </a:lvl4pPr>
-            <a:lvl5pPr marL="2057400" indent="-228600" algn="l" defTabSz="914400" rtl="0" eaLnBrk="1" latinLnBrk="1" hangingPunct="1">
-              <a:lnSpc>
-                <a:spcPct val="90000"/>
-              </a:lnSpc>
-              <a:spcBef>
-                <a:spcPts val="500"/>
-              </a:spcBef>
-              <a:buFont typeface="Arial" panose="020B0604020202020204" pitchFamily="34" charset="0"/>
-              <a:buChar char="•"/>
-              <a:defRPr sz="1800" kern="1200">
-                <a:solidFill>
-                  <a:schemeClr val="tx1"/>
-                </a:solidFill>
-                <a:latin typeface="+mn-lt"/>
-                <a:ea typeface="+mn-ea"/>
-                <a:cs typeface="+mn-cs"/>
-              </a:defRPr>
-            </a:lvl5pPr>
-            <a:lvl6pPr marL="2514600" indent="-228600" algn="l" defTabSz="914400" rtl="0" eaLnBrk="1" latinLnBrk="1" hangingPunct="1">
-              <a:lnSpc>
-                <a:spcPct val="90000"/>
-              </a:lnSpc>
-              <a:spcBef>
-                <a:spcPts val="500"/>
-              </a:spcBef>
-              <a:buFont typeface="Arial" panose="020B0604020202020204" pitchFamily="34" charset="0"/>
-              <a:buChar char="•"/>
-              <a:defRPr sz="1800" kern="1200">
-                <a:solidFill>
-                  <a:schemeClr val="tx1"/>
-                </a:solidFill>
-                <a:latin typeface="+mn-lt"/>
-                <a:ea typeface="+mn-ea"/>
-                <a:cs typeface="+mn-cs"/>
-              </a:defRPr>
-            </a:lvl6pPr>
-            <a:lvl7pPr marL="2971800" indent="-228600" algn="l" defTabSz="914400" rtl="0" eaLnBrk="1" latinLnBrk="1" hangingPunct="1">
-              <a:lnSpc>
-                <a:spcPct val="90000"/>
-              </a:lnSpc>
-              <a:spcBef>
-                <a:spcPts val="500"/>
-              </a:spcBef>
-              <a:buFont typeface="Arial" panose="020B0604020202020204" pitchFamily="34" charset="0"/>
-              <a:buChar char="•"/>
-              <a:defRPr sz="1800" kern="1200">
-                <a:solidFill>
-                  <a:schemeClr val="tx1"/>
-                </a:solidFill>
-                <a:latin typeface="+mn-lt"/>
-                <a:ea typeface="+mn-ea"/>
-                <a:cs typeface="+mn-cs"/>
-              </a:defRPr>
-            </a:lvl7pPr>
-            <a:lvl8pPr marL="3429000" indent="-228600" algn="l" defTabSz="914400" rtl="0" eaLnBrk="1" latinLnBrk="1" hangingPunct="1">
-              <a:lnSpc>
-                <a:spcPct val="90000"/>
-              </a:lnSpc>
-              <a:spcBef>
-                <a:spcPts val="500"/>
-              </a:spcBef>
-              <a:buFont typeface="Arial" panose="020B0604020202020204" pitchFamily="34" charset="0"/>
-              <a:buChar char="•"/>
-              <a:defRPr sz="1800" kern="1200">
-                <a:solidFill>
-                  <a:schemeClr val="tx1"/>
-                </a:solidFill>
-                <a:latin typeface="+mn-lt"/>
-                <a:ea typeface="+mn-ea"/>
-                <a:cs typeface="+mn-cs"/>
-              </a:defRPr>
-            </a:lvl8pPr>
-            <a:lvl9pPr marL="3886200" indent="-228600" algn="l" defTabSz="914400" rtl="0" eaLnBrk="1" latinLnBrk="1" hangingPunct="1">
-              <a:lnSpc>
-                <a:spcPct val="90000"/>
-              </a:lnSpc>
-              <a:spcBef>
-                <a:spcPts val="500"/>
-              </a:spcBef>
-              <a:buFont typeface="Arial" panose="020B0604020202020204" pitchFamily="34" charset="0"/>
-              <a:buChar char="•"/>
-              <a:defRPr sz="1800" kern="1200">
-                <a:solidFill>
-                  <a:schemeClr val="tx1"/>
-                </a:solidFill>
-                <a:latin typeface="+mn-lt"/>
-                <a:ea typeface="+mn-ea"/>
-                <a:cs typeface="+mn-cs"/>
-              </a:defRPr>
-            </a:lvl9pPr>
-          </a:lstStyle>
-          <a:p>
-            <a:r>
-              <a:rPr lang="ko-KR" altLang="en-US" dirty="0"/>
-              <a:t>실제 회로 구성</a:t>
-            </a:r>
-            <a:endParaRPr lang="en-US" altLang="ko-KR" dirty="0"/>
-          </a:p>
-          <a:p>
-            <a:pPr lvl="1"/>
-            <a:r>
-              <a:rPr lang="ko-KR" altLang="en-US" dirty="0"/>
-              <a:t>준비물 </a:t>
-            </a:r>
-            <a:r>
-              <a:rPr lang="en-US" altLang="ko-KR" dirty="0"/>
-              <a:t>:</a:t>
-            </a:r>
-            <a:r>
-              <a:rPr lang="ko-KR" altLang="en-US" dirty="0"/>
-              <a:t> </a:t>
-            </a:r>
-            <a:r>
-              <a:rPr lang="ko-KR" altLang="en-US" dirty="0" err="1"/>
-              <a:t>브레드</a:t>
-            </a:r>
-            <a:r>
-              <a:rPr lang="ko-KR" altLang="en-US" dirty="0"/>
-              <a:t> 보드</a:t>
-            </a:r>
-            <a:r>
-              <a:rPr lang="en-US" altLang="ko-KR" dirty="0"/>
-              <a:t>,</a:t>
-            </a:r>
-            <a:r>
-              <a:rPr lang="ko-KR" altLang="en-US" dirty="0"/>
-              <a:t> 저항</a:t>
-            </a:r>
-            <a:r>
-              <a:rPr lang="en-US" altLang="ko-KR" dirty="0"/>
-              <a:t>(10K </a:t>
-            </a:r>
-            <a:r>
-              <a:rPr lang="el-GR" altLang="ko-KR" dirty="0"/>
-              <a:t>Ω </a:t>
-            </a:r>
-            <a:r>
-              <a:rPr lang="en-US" altLang="ko-KR" dirty="0"/>
-              <a:t>) 1</a:t>
-            </a:r>
-            <a:endParaRPr lang="ko-KR" altLang="en-US" dirty="0"/>
-          </a:p>
-        </p:txBody>
-      </p:sp>
+      </p:pic>
     </p:spTree>
     <p:extLst>
       <p:ext uri="{BB962C8B-B14F-4D97-AF65-F5344CB8AC3E}">
-        <p14:creationId xmlns:p14="http://schemas.microsoft.com/office/powerpoint/2010/main" val="4139337548"/>
+        <p14:creationId xmlns:p14="http://schemas.microsoft.com/office/powerpoint/2010/main" val="2678112964"/>
       </p:ext>
     </p:extLst>
   </p:cSld>
@@ -7730,7 +7668,7 @@
           <p:cNvPr id="4" name="그림 3" descr="텍스트이(가) 표시된 사진&#10;&#10;자동 생성된 설명">
             <a:extLst>
               <a:ext uri="{FF2B5EF4-FFF2-40B4-BE49-F238E27FC236}">
-                <a16:creationId xmlns:a16="http://schemas.microsoft.com/office/drawing/2014/main" id="{29ABF8AB-78AC-044A-ABEA-D907F93D7C78}"/>
+                <a16:creationId xmlns:a16="http://schemas.microsoft.com/office/drawing/2014/main" xmlns="" id="{29ABF8AB-78AC-044A-ABEA-D907F93D7C78}"/>
               </a:ext>
             </a:extLst>
           </p:cNvPr>
@@ -7803,8 +7741,8 @@
         </p:nvSpPr>
         <p:spPr>
           <a:xfrm>
-            <a:off x="326239" y="752521"/>
-            <a:ext cx="8491521" cy="922502"/>
+            <a:off x="518691" y="1979795"/>
+            <a:ext cx="8460304" cy="898898"/>
           </a:xfrm>
         </p:spPr>
         <p:txBody>
@@ -7813,318 +7751,115 @@
           </a:bodyPr>
           <a:lstStyle/>
           <a:p>
-            <a:pPr marL="457200" marR="0" lvl="1" indent="0" algn="l" defTabSz="914400" rtl="0" eaLnBrk="1" fontAlgn="auto" latinLnBrk="1" hangingPunct="1">
-              <a:lnSpc>
-                <a:spcPct val="100000"/>
-              </a:lnSpc>
-              <a:spcBef>
-                <a:spcPts val="0"/>
-              </a:spcBef>
-              <a:spcAft>
-                <a:spcPts val="0"/>
-              </a:spcAft>
-              <a:buClrTx/>
-              <a:buSzTx/>
-              <a:buFontTx/>
-              <a:buNone/>
-              <a:tabLst/>
-              <a:defRPr/>
+            <a:pPr marL="457200" indent="-457200">
+              <a:lnSpc>
+                <a:spcPct val="150000"/>
+              </a:lnSpc>
+              <a:buFont typeface="Arial" panose="020B0604020202020204" pitchFamily="34" charset="0"/>
+              <a:buChar char="•"/>
             </a:pPr>
             <a:r>
-              <a:rPr lang="en-US" altLang="ko-KR" sz="4400" dirty="0"/>
-              <a:t>INPUT_PULLUP</a:t>
-            </a:r>
-            <a:r>
-              <a:rPr lang="ko-KR" altLang="en-US" sz="4400" dirty="0"/>
-              <a:t> 저항을 이용한 </a:t>
-            </a:r>
-            <a:r>
-              <a:rPr lang="en-US" altLang="ko-KR" sz="4400" dirty="0"/>
-              <a:t>LED ON/OFF </a:t>
-            </a:r>
-            <a:r>
-              <a:rPr lang="ko-KR" altLang="en-US" sz="4400" dirty="0"/>
-              <a:t>제작</a:t>
+              <a:rPr lang="ko-KR" altLang="en-US" sz="3100" dirty="0" smtClean="0"/>
+              <a:t>실습</a:t>
+            </a:r>
+            <a:r>
+              <a:rPr lang="en-US" altLang="ko-KR" sz="3100" dirty="0" smtClean="0"/>
+              <a:t> </a:t>
+            </a:r>
+            <a:r>
+              <a:rPr lang="en-US" altLang="ko-KR" sz="2800" dirty="0" smtClean="0"/>
+              <a:t/>
             </a:r>
             <a:br>
-              <a:rPr lang="ko-KR" altLang="en-US" kern="1200" dirty="0">
-                <a:solidFill>
-                  <a:prstClr val="black"/>
-                </a:solidFill>
-                <a:latin typeface="Calibri" panose="020F0502020204030204"/>
-                <a:ea typeface="맑은 고딕" panose="020B0503020000020004" pitchFamily="34" charset="-127"/>
-                <a:cs typeface="+mn-cs"/>
-              </a:rPr>
+              <a:rPr lang="en-US" altLang="ko-KR" sz="2800" dirty="0" smtClean="0"/>
             </a:br>
+            <a:r>
+              <a:rPr lang="en-US" altLang="ko-KR" sz="2800" dirty="0" smtClean="0"/>
+              <a:t>(1)</a:t>
+            </a:r>
+            <a:r>
+              <a:rPr lang="en-US" altLang="ko-KR" sz="2800" dirty="0"/>
+              <a:t>	</a:t>
+            </a:r>
+            <a:r>
+              <a:rPr lang="ko-KR" altLang="en-US" sz="2800" dirty="0" smtClean="0"/>
+              <a:t>실제 회로를 구성하여 </a:t>
+            </a:r>
+            <a:r>
+              <a:rPr lang="en-US" altLang="ko-KR" sz="2800" dirty="0" smtClean="0"/>
+              <a:t>INPUT_PULLUP </a:t>
+            </a:r>
+            <a:r>
+              <a:rPr lang="ko-KR" altLang="en-US" sz="2800" dirty="0" err="1" smtClean="0"/>
+              <a:t>푸시</a:t>
+            </a:r>
+            <a:r>
+              <a:rPr lang="ko-KR" altLang="en-US" sz="2800" dirty="0" smtClean="0"/>
+              <a:t> 버튼 </a:t>
+            </a:r>
+            <a:r>
+              <a:rPr lang="en-US" altLang="ko-KR" sz="2800" dirty="0" smtClean="0"/>
+              <a:t>ON/OF</a:t>
+            </a:r>
+            <a:r>
+              <a:rPr lang="ko-KR" altLang="en-US" sz="2800" dirty="0" smtClean="0"/>
+              <a:t>에 따라 </a:t>
+            </a:r>
+            <a:r>
+              <a:rPr lang="ko-KR" altLang="en-US" sz="2800" dirty="0" err="1" smtClean="0"/>
+              <a:t>아두이노</a:t>
+            </a:r>
+            <a:r>
+              <a:rPr lang="ko-KR" altLang="en-US" sz="2800" dirty="0" smtClean="0"/>
+              <a:t> 내부 </a:t>
+            </a:r>
+            <a:r>
+              <a:rPr lang="en-US" altLang="ko-KR" sz="2800" dirty="0" smtClean="0"/>
+              <a:t>LED(13</a:t>
+            </a:r>
+            <a:r>
+              <a:rPr lang="ko-KR" altLang="en-US" sz="2800" dirty="0" smtClean="0"/>
+              <a:t>번</a:t>
+            </a:r>
+            <a:r>
+              <a:rPr lang="en-US" altLang="ko-KR" sz="2800" dirty="0" smtClean="0"/>
+              <a:t>) OF/OFF </a:t>
+            </a:r>
+            <a:r>
+              <a:rPr lang="ko-KR" altLang="en-US" sz="2800" dirty="0" smtClean="0"/>
+              <a:t>하기</a:t>
+            </a:r>
+            <a:r>
+              <a:rPr lang="en-US" altLang="ko-KR" sz="2800" dirty="0" smtClean="0"/>
+              <a:t/>
+            </a:r>
+            <a:br>
+              <a:rPr lang="en-US" altLang="ko-KR" sz="2800" dirty="0" smtClean="0"/>
+            </a:br>
+            <a:r>
+              <a:rPr lang="en-US" altLang="ko-KR" sz="2800" dirty="0" smtClean="0"/>
+              <a:t>(2) </a:t>
+            </a:r>
+            <a:r>
+              <a:rPr lang="ko-KR" altLang="en-US" sz="2800" dirty="0" smtClean="0"/>
+              <a:t>시리얼 모니터로 </a:t>
+            </a:r>
+            <a:r>
+              <a:rPr lang="en-US" altLang="ko-KR" sz="2800" dirty="0" smtClean="0"/>
+              <a:t>INPUT </a:t>
+            </a:r>
+            <a:r>
+              <a:rPr lang="ko-KR" altLang="en-US" sz="2800" dirty="0" smtClean="0"/>
+              <a:t>값을 읽어 확인하기</a:t>
+            </a:r>
             <a:endParaRPr lang="ko-KR" altLang="en-US" sz="2800" dirty="0"/>
-          </a:p>
-        </p:txBody>
-      </p:sp>
-      <p:sp>
-        <p:nvSpPr>
-          <p:cNvPr id="5" name="내용 개체 틀 2">
-            <a:extLst>
-              <a:ext uri="{FF2B5EF4-FFF2-40B4-BE49-F238E27FC236}">
-                <a16:creationId xmlns:a16="http://schemas.microsoft.com/office/drawing/2014/main" id="{EF178005-F9F5-DB41-9651-29FA5F1A2373}"/>
-              </a:ext>
-            </a:extLst>
-          </p:cNvPr>
-          <p:cNvSpPr txBox="1">
-            <a:spLocks/>
-          </p:cNvSpPr>
-          <p:nvPr/>
-        </p:nvSpPr>
-        <p:spPr>
-          <a:xfrm>
-            <a:off x="904875" y="1902935"/>
-            <a:ext cx="8239125" cy="1333500"/>
-          </a:xfrm>
-          <a:prstGeom prst="rect">
-            <a:avLst/>
-          </a:prstGeom>
-        </p:spPr>
-        <p:txBody>
-          <a:bodyPr/>
-          <a:lstStyle>
-            <a:lvl1pPr marL="228600" indent="-228600" algn="l" defTabSz="914400" rtl="0" eaLnBrk="1" latinLnBrk="1" hangingPunct="1">
-              <a:lnSpc>
-                <a:spcPct val="90000"/>
-              </a:lnSpc>
-              <a:spcBef>
-                <a:spcPts val="1000"/>
-              </a:spcBef>
-              <a:buFont typeface="Arial" panose="020B0604020202020204" pitchFamily="34" charset="0"/>
-              <a:buChar char="•"/>
-              <a:defRPr sz="2800" kern="1200">
-                <a:solidFill>
-                  <a:schemeClr val="tx1"/>
-                </a:solidFill>
-                <a:latin typeface="+mn-lt"/>
-                <a:ea typeface="+mn-ea"/>
-                <a:cs typeface="+mn-cs"/>
-              </a:defRPr>
-            </a:lvl1pPr>
-            <a:lvl2pPr marL="685800" indent="-228600" algn="l" defTabSz="914400" rtl="0" eaLnBrk="1" latinLnBrk="1" hangingPunct="1">
-              <a:lnSpc>
-                <a:spcPct val="90000"/>
-              </a:lnSpc>
-              <a:spcBef>
-                <a:spcPts val="500"/>
-              </a:spcBef>
-              <a:buFont typeface="Arial" panose="020B0604020202020204" pitchFamily="34" charset="0"/>
-              <a:buChar char="•"/>
-              <a:defRPr sz="2400" kern="1200">
-                <a:solidFill>
-                  <a:schemeClr val="tx1"/>
-                </a:solidFill>
-                <a:latin typeface="+mn-lt"/>
-                <a:ea typeface="+mn-ea"/>
-                <a:cs typeface="+mn-cs"/>
-              </a:defRPr>
-            </a:lvl2pPr>
-            <a:lvl3pPr marL="1143000" indent="-228600" algn="l" defTabSz="914400" rtl="0" eaLnBrk="1" latinLnBrk="1" hangingPunct="1">
-              <a:lnSpc>
-                <a:spcPct val="90000"/>
-              </a:lnSpc>
-              <a:spcBef>
-                <a:spcPts val="500"/>
-              </a:spcBef>
-              <a:buFont typeface="Arial" panose="020B0604020202020204" pitchFamily="34" charset="0"/>
-              <a:buChar char="•"/>
-              <a:defRPr sz="2000" kern="1200">
-                <a:solidFill>
-                  <a:schemeClr val="tx1"/>
-                </a:solidFill>
-                <a:latin typeface="+mn-lt"/>
-                <a:ea typeface="+mn-ea"/>
-                <a:cs typeface="+mn-cs"/>
-              </a:defRPr>
-            </a:lvl3pPr>
-            <a:lvl4pPr marL="1600200" indent="-228600" algn="l" defTabSz="914400" rtl="0" eaLnBrk="1" latinLnBrk="1" hangingPunct="1">
-              <a:lnSpc>
-                <a:spcPct val="90000"/>
-              </a:lnSpc>
-              <a:spcBef>
-                <a:spcPts val="500"/>
-              </a:spcBef>
-              <a:buFont typeface="Arial" panose="020B0604020202020204" pitchFamily="34" charset="0"/>
-              <a:buChar char="•"/>
-              <a:defRPr sz="1800" kern="1200">
-                <a:solidFill>
-                  <a:schemeClr val="tx1"/>
-                </a:solidFill>
-                <a:latin typeface="+mn-lt"/>
-                <a:ea typeface="+mn-ea"/>
-                <a:cs typeface="+mn-cs"/>
-              </a:defRPr>
-            </a:lvl4pPr>
-            <a:lvl5pPr marL="2057400" indent="-228600" algn="l" defTabSz="914400" rtl="0" eaLnBrk="1" latinLnBrk="1" hangingPunct="1">
-              <a:lnSpc>
-                <a:spcPct val="90000"/>
-              </a:lnSpc>
-              <a:spcBef>
-                <a:spcPts val="500"/>
-              </a:spcBef>
-              <a:buFont typeface="Arial" panose="020B0604020202020204" pitchFamily="34" charset="0"/>
-              <a:buChar char="•"/>
-              <a:defRPr sz="1800" kern="1200">
-                <a:solidFill>
-                  <a:schemeClr val="tx1"/>
-                </a:solidFill>
-                <a:latin typeface="+mn-lt"/>
-                <a:ea typeface="+mn-ea"/>
-                <a:cs typeface="+mn-cs"/>
-              </a:defRPr>
-            </a:lvl5pPr>
-            <a:lvl6pPr marL="2514600" indent="-228600" algn="l" defTabSz="914400" rtl="0" eaLnBrk="1" latinLnBrk="1" hangingPunct="1">
-              <a:lnSpc>
-                <a:spcPct val="90000"/>
-              </a:lnSpc>
-              <a:spcBef>
-                <a:spcPts val="500"/>
-              </a:spcBef>
-              <a:buFont typeface="Arial" panose="020B0604020202020204" pitchFamily="34" charset="0"/>
-              <a:buChar char="•"/>
-              <a:defRPr sz="1800" kern="1200">
-                <a:solidFill>
-                  <a:schemeClr val="tx1"/>
-                </a:solidFill>
-                <a:latin typeface="+mn-lt"/>
-                <a:ea typeface="+mn-ea"/>
-                <a:cs typeface="+mn-cs"/>
-              </a:defRPr>
-            </a:lvl6pPr>
-            <a:lvl7pPr marL="2971800" indent="-228600" algn="l" defTabSz="914400" rtl="0" eaLnBrk="1" latinLnBrk="1" hangingPunct="1">
-              <a:lnSpc>
-                <a:spcPct val="90000"/>
-              </a:lnSpc>
-              <a:spcBef>
-                <a:spcPts val="500"/>
-              </a:spcBef>
-              <a:buFont typeface="Arial" panose="020B0604020202020204" pitchFamily="34" charset="0"/>
-              <a:buChar char="•"/>
-              <a:defRPr sz="1800" kern="1200">
-                <a:solidFill>
-                  <a:schemeClr val="tx1"/>
-                </a:solidFill>
-                <a:latin typeface="+mn-lt"/>
-                <a:ea typeface="+mn-ea"/>
-                <a:cs typeface="+mn-cs"/>
-              </a:defRPr>
-            </a:lvl7pPr>
-            <a:lvl8pPr marL="3429000" indent="-228600" algn="l" defTabSz="914400" rtl="0" eaLnBrk="1" latinLnBrk="1" hangingPunct="1">
-              <a:lnSpc>
-                <a:spcPct val="90000"/>
-              </a:lnSpc>
-              <a:spcBef>
-                <a:spcPts val="500"/>
-              </a:spcBef>
-              <a:buFont typeface="Arial" panose="020B0604020202020204" pitchFamily="34" charset="0"/>
-              <a:buChar char="•"/>
-              <a:defRPr sz="1800" kern="1200">
-                <a:solidFill>
-                  <a:schemeClr val="tx1"/>
-                </a:solidFill>
-                <a:latin typeface="+mn-lt"/>
-                <a:ea typeface="+mn-ea"/>
-                <a:cs typeface="+mn-cs"/>
-              </a:defRPr>
-            </a:lvl8pPr>
-            <a:lvl9pPr marL="3886200" indent="-228600" algn="l" defTabSz="914400" rtl="0" eaLnBrk="1" latinLnBrk="1" hangingPunct="1">
-              <a:lnSpc>
-                <a:spcPct val="90000"/>
-              </a:lnSpc>
-              <a:spcBef>
-                <a:spcPts val="500"/>
-              </a:spcBef>
-              <a:buFont typeface="Arial" panose="020B0604020202020204" pitchFamily="34" charset="0"/>
-              <a:buChar char="•"/>
-              <a:defRPr sz="1800" kern="1200">
-                <a:solidFill>
-                  <a:schemeClr val="tx1"/>
-                </a:solidFill>
-                <a:latin typeface="+mn-lt"/>
-                <a:ea typeface="+mn-ea"/>
-                <a:cs typeface="+mn-cs"/>
-              </a:defRPr>
-            </a:lvl9pPr>
-          </a:lstStyle>
-          <a:p>
-            <a:r>
-              <a:rPr lang="ko-KR" altLang="en-US" dirty="0"/>
-              <a:t>실제 회로 구성</a:t>
-            </a:r>
-            <a:endParaRPr lang="en-US" altLang="ko-KR" dirty="0"/>
-          </a:p>
-          <a:p>
-            <a:pPr lvl="1"/>
-            <a:r>
-              <a:rPr lang="ko-KR" altLang="en-US" dirty="0"/>
-              <a:t>준비물 </a:t>
-            </a:r>
-            <a:r>
-              <a:rPr lang="en-US" altLang="ko-KR" dirty="0"/>
-              <a:t>:</a:t>
-            </a:r>
-            <a:r>
-              <a:rPr lang="ko-KR" altLang="en-US" dirty="0"/>
-              <a:t> </a:t>
-            </a:r>
-            <a:r>
-              <a:rPr lang="ko-KR" altLang="en-US" dirty="0" err="1"/>
-              <a:t>브레드</a:t>
-            </a:r>
-            <a:r>
-              <a:rPr lang="ko-KR" altLang="en-US" dirty="0"/>
-              <a:t> 보드</a:t>
-            </a:r>
-            <a:r>
-              <a:rPr lang="en-US" altLang="ko-KR" dirty="0"/>
-              <a:t>,</a:t>
-            </a:r>
-            <a:r>
-              <a:rPr lang="ko-KR" altLang="en-US" dirty="0"/>
-              <a:t> 저항</a:t>
-            </a:r>
-            <a:r>
-              <a:rPr lang="en-US" altLang="ko-KR" dirty="0"/>
-              <a:t>(10K </a:t>
-            </a:r>
-            <a:r>
-              <a:rPr lang="el-GR" altLang="ko-KR" dirty="0"/>
-              <a:t>Ω </a:t>
-            </a:r>
-            <a:r>
-              <a:rPr lang="en-US" altLang="ko-KR" dirty="0"/>
-              <a:t>) 1</a:t>
-            </a:r>
-            <a:r>
-              <a:rPr lang="ko-KR" altLang="en-US" dirty="0"/>
-              <a:t>개</a:t>
-            </a:r>
-            <a:r>
-              <a:rPr lang="en-US" altLang="ko-KR" dirty="0"/>
-              <a:t>,</a:t>
-            </a:r>
-            <a:r>
-              <a:rPr lang="ko-KR" altLang="en-US" dirty="0"/>
-              <a:t> </a:t>
-            </a:r>
-            <a:r>
-              <a:rPr lang="en-US" altLang="ko-KR" dirty="0"/>
-              <a:t>LED 1</a:t>
-            </a:r>
-            <a:r>
-              <a:rPr lang="ko-KR" altLang="en-US" dirty="0"/>
-              <a:t>개</a:t>
-            </a:r>
           </a:p>
         </p:txBody>
       </p:sp>
     </p:spTree>
     <p:extLst>
       <p:ext uri="{BB962C8B-B14F-4D97-AF65-F5344CB8AC3E}">
-        <p14:creationId xmlns:p14="http://schemas.microsoft.com/office/powerpoint/2010/main" val="1104854333"/>
+        <p14:creationId xmlns:p14="http://schemas.microsoft.com/office/powerpoint/2010/main" val="310507311"/>
       </p:ext>
     </p:extLst>
   </p:cSld>
@@ -8163,32 +7898,339 @@
         </p:nvSpPr>
         <p:spPr>
           <a:xfrm>
-            <a:off x="628650" y="365127"/>
-            <a:ext cx="8237444" cy="898898"/>
+            <a:off x="326239" y="752521"/>
+            <a:ext cx="8491521" cy="922502"/>
           </a:xfrm>
         </p:spPr>
         <p:txBody>
           <a:bodyPr>
-            <a:normAutofit/>
+            <a:normAutofit fontScale="90000"/>
           </a:bodyPr>
           <a:lstStyle/>
           <a:p>
-            <a:pPr marL="457200" indent="-457200">
-              <a:buFont typeface="Arial" panose="020B0604020202020204" pitchFamily="34" charset="0"/>
-              <a:buChar char="•"/>
+            <a:pPr marL="457200" marR="0" lvl="1" indent="0" algn="l" defTabSz="914400" rtl="0" eaLnBrk="1" fontAlgn="auto" latinLnBrk="1" hangingPunct="1">
+              <a:lnSpc>
+                <a:spcPct val="100000"/>
+              </a:lnSpc>
+              <a:spcBef>
+                <a:spcPts val="0"/>
+              </a:spcBef>
+              <a:spcAft>
+                <a:spcPts val="0"/>
+              </a:spcAft>
+              <a:buClrTx/>
+              <a:buSzTx/>
+              <a:buFontTx/>
+              <a:buNone/>
+              <a:tabLst/>
+              <a:defRPr/>
             </a:pPr>
             <a:r>
-              <a:rPr lang="en-US" altLang="ko-KR" sz="2800" dirty="0"/>
-              <a:t>Fritzing</a:t>
-            </a:r>
+              <a:rPr lang="en-US" altLang="ko-KR" sz="4400" dirty="0"/>
+              <a:t>INPUT_PULLUP</a:t>
+            </a:r>
+            <a:r>
+              <a:rPr lang="ko-KR" altLang="en-US" sz="4400" dirty="0"/>
+              <a:t> 저항을 이용한 </a:t>
+            </a:r>
+            <a:r>
+              <a:rPr lang="en-US" altLang="ko-KR" sz="4400" dirty="0"/>
+              <a:t>LED ON/OFF </a:t>
+            </a:r>
+            <a:r>
+              <a:rPr lang="ko-KR" altLang="en-US" sz="4400" dirty="0"/>
+              <a:t>제작</a:t>
+            </a:r>
+            <a:r>
+              <a:rPr lang="ko-KR" altLang="en-US" kern="1200" dirty="0">
+                <a:solidFill>
+                  <a:prstClr val="black"/>
+                </a:solidFill>
+                <a:latin typeface="Calibri" panose="020F0502020204030204"/>
+                <a:ea typeface="맑은 고딕" panose="020B0503020000020004" pitchFamily="34" charset="-127"/>
+                <a:cs typeface="+mn-cs"/>
+              </a:rPr>
+              <a:t/>
+            </a:r>
+            <a:br>
+              <a:rPr lang="ko-KR" altLang="en-US" kern="1200" dirty="0">
+                <a:solidFill>
+                  <a:prstClr val="black"/>
+                </a:solidFill>
+                <a:latin typeface="Calibri" panose="020F0502020204030204"/>
+                <a:ea typeface="맑은 고딕" panose="020B0503020000020004" pitchFamily="34" charset="-127"/>
+                <a:cs typeface="+mn-cs"/>
+              </a:rPr>
+            </a:br>
             <a:endParaRPr lang="ko-KR" altLang="en-US" sz="2800" dirty="0"/>
+          </a:p>
+        </p:txBody>
+      </p:sp>
+      <p:sp>
+        <p:nvSpPr>
+          <p:cNvPr id="5" name="내용 개체 틀 2">
+            <a:extLst>
+              <a:ext uri="{FF2B5EF4-FFF2-40B4-BE49-F238E27FC236}">
+                <a16:creationId xmlns:a16="http://schemas.microsoft.com/office/drawing/2014/main" xmlns="" id="{EF178005-F9F5-DB41-9651-29FA5F1A2373}"/>
+              </a:ext>
+            </a:extLst>
+          </p:cNvPr>
+          <p:cNvSpPr txBox="1">
+            <a:spLocks/>
+          </p:cNvSpPr>
+          <p:nvPr/>
+        </p:nvSpPr>
+        <p:spPr>
+          <a:xfrm>
+            <a:off x="904875" y="1902935"/>
+            <a:ext cx="8239125" cy="1333500"/>
+          </a:xfrm>
+          <a:prstGeom prst="rect">
+            <a:avLst/>
+          </a:prstGeom>
+        </p:spPr>
+        <p:txBody>
+          <a:bodyPr/>
+          <a:lstStyle>
+            <a:lvl1pPr marL="228600" indent="-228600" algn="l" defTabSz="914400" rtl="0" eaLnBrk="1" latinLnBrk="1" hangingPunct="1">
+              <a:lnSpc>
+                <a:spcPct val="90000"/>
+              </a:lnSpc>
+              <a:spcBef>
+                <a:spcPts val="1000"/>
+              </a:spcBef>
+              <a:buFont typeface="Arial" panose="020B0604020202020204" pitchFamily="34" charset="0"/>
+              <a:buChar char="•"/>
+              <a:defRPr sz="2800" kern="1200">
+                <a:solidFill>
+                  <a:schemeClr val="tx1"/>
+                </a:solidFill>
+                <a:latin typeface="+mn-lt"/>
+                <a:ea typeface="+mn-ea"/>
+                <a:cs typeface="+mn-cs"/>
+              </a:defRPr>
+            </a:lvl1pPr>
+            <a:lvl2pPr marL="685800" indent="-228600" algn="l" defTabSz="914400" rtl="0" eaLnBrk="1" latinLnBrk="1" hangingPunct="1">
+              <a:lnSpc>
+                <a:spcPct val="90000"/>
+              </a:lnSpc>
+              <a:spcBef>
+                <a:spcPts val="500"/>
+              </a:spcBef>
+              <a:buFont typeface="Arial" panose="020B0604020202020204" pitchFamily="34" charset="0"/>
+              <a:buChar char="•"/>
+              <a:defRPr sz="2400" kern="1200">
+                <a:solidFill>
+                  <a:schemeClr val="tx1"/>
+                </a:solidFill>
+                <a:latin typeface="+mn-lt"/>
+                <a:ea typeface="+mn-ea"/>
+                <a:cs typeface="+mn-cs"/>
+              </a:defRPr>
+            </a:lvl2pPr>
+            <a:lvl3pPr marL="1143000" indent="-228600" algn="l" defTabSz="914400" rtl="0" eaLnBrk="1" latinLnBrk="1" hangingPunct="1">
+              <a:lnSpc>
+                <a:spcPct val="90000"/>
+              </a:lnSpc>
+              <a:spcBef>
+                <a:spcPts val="500"/>
+              </a:spcBef>
+              <a:buFont typeface="Arial" panose="020B0604020202020204" pitchFamily="34" charset="0"/>
+              <a:buChar char="•"/>
+              <a:defRPr sz="2000" kern="1200">
+                <a:solidFill>
+                  <a:schemeClr val="tx1"/>
+                </a:solidFill>
+                <a:latin typeface="+mn-lt"/>
+                <a:ea typeface="+mn-ea"/>
+                <a:cs typeface="+mn-cs"/>
+              </a:defRPr>
+            </a:lvl3pPr>
+            <a:lvl4pPr marL="1600200" indent="-228600" algn="l" defTabSz="914400" rtl="0" eaLnBrk="1" latinLnBrk="1" hangingPunct="1">
+              <a:lnSpc>
+                <a:spcPct val="90000"/>
+              </a:lnSpc>
+              <a:spcBef>
+                <a:spcPts val="500"/>
+              </a:spcBef>
+              <a:buFont typeface="Arial" panose="020B0604020202020204" pitchFamily="34" charset="0"/>
+              <a:buChar char="•"/>
+              <a:defRPr sz="1800" kern="1200">
+                <a:solidFill>
+                  <a:schemeClr val="tx1"/>
+                </a:solidFill>
+                <a:latin typeface="+mn-lt"/>
+                <a:ea typeface="+mn-ea"/>
+                <a:cs typeface="+mn-cs"/>
+              </a:defRPr>
+            </a:lvl4pPr>
+            <a:lvl5pPr marL="2057400" indent="-228600" algn="l" defTabSz="914400" rtl="0" eaLnBrk="1" latinLnBrk="1" hangingPunct="1">
+              <a:lnSpc>
+                <a:spcPct val="90000"/>
+              </a:lnSpc>
+              <a:spcBef>
+                <a:spcPts val="500"/>
+              </a:spcBef>
+              <a:buFont typeface="Arial" panose="020B0604020202020204" pitchFamily="34" charset="0"/>
+              <a:buChar char="•"/>
+              <a:defRPr sz="1800" kern="1200">
+                <a:solidFill>
+                  <a:schemeClr val="tx1"/>
+                </a:solidFill>
+                <a:latin typeface="+mn-lt"/>
+                <a:ea typeface="+mn-ea"/>
+                <a:cs typeface="+mn-cs"/>
+              </a:defRPr>
+            </a:lvl5pPr>
+            <a:lvl6pPr marL="2514600" indent="-228600" algn="l" defTabSz="914400" rtl="0" eaLnBrk="1" latinLnBrk="1" hangingPunct="1">
+              <a:lnSpc>
+                <a:spcPct val="90000"/>
+              </a:lnSpc>
+              <a:spcBef>
+                <a:spcPts val="500"/>
+              </a:spcBef>
+              <a:buFont typeface="Arial" panose="020B0604020202020204" pitchFamily="34" charset="0"/>
+              <a:buChar char="•"/>
+              <a:defRPr sz="1800" kern="1200">
+                <a:solidFill>
+                  <a:schemeClr val="tx1"/>
+                </a:solidFill>
+                <a:latin typeface="+mn-lt"/>
+                <a:ea typeface="+mn-ea"/>
+                <a:cs typeface="+mn-cs"/>
+              </a:defRPr>
+            </a:lvl6pPr>
+            <a:lvl7pPr marL="2971800" indent="-228600" algn="l" defTabSz="914400" rtl="0" eaLnBrk="1" latinLnBrk="1" hangingPunct="1">
+              <a:lnSpc>
+                <a:spcPct val="90000"/>
+              </a:lnSpc>
+              <a:spcBef>
+                <a:spcPts val="500"/>
+              </a:spcBef>
+              <a:buFont typeface="Arial" panose="020B0604020202020204" pitchFamily="34" charset="0"/>
+              <a:buChar char="•"/>
+              <a:defRPr sz="1800" kern="1200">
+                <a:solidFill>
+                  <a:schemeClr val="tx1"/>
+                </a:solidFill>
+                <a:latin typeface="+mn-lt"/>
+                <a:ea typeface="+mn-ea"/>
+                <a:cs typeface="+mn-cs"/>
+              </a:defRPr>
+            </a:lvl7pPr>
+            <a:lvl8pPr marL="3429000" indent="-228600" algn="l" defTabSz="914400" rtl="0" eaLnBrk="1" latinLnBrk="1" hangingPunct="1">
+              <a:lnSpc>
+                <a:spcPct val="90000"/>
+              </a:lnSpc>
+              <a:spcBef>
+                <a:spcPts val="500"/>
+              </a:spcBef>
+              <a:buFont typeface="Arial" panose="020B0604020202020204" pitchFamily="34" charset="0"/>
+              <a:buChar char="•"/>
+              <a:defRPr sz="1800" kern="1200">
+                <a:solidFill>
+                  <a:schemeClr val="tx1"/>
+                </a:solidFill>
+                <a:latin typeface="+mn-lt"/>
+                <a:ea typeface="+mn-ea"/>
+                <a:cs typeface="+mn-cs"/>
+              </a:defRPr>
+            </a:lvl8pPr>
+            <a:lvl9pPr marL="3886200" indent="-228600" algn="l" defTabSz="914400" rtl="0" eaLnBrk="1" latinLnBrk="1" hangingPunct="1">
+              <a:lnSpc>
+                <a:spcPct val="90000"/>
+              </a:lnSpc>
+              <a:spcBef>
+                <a:spcPts val="500"/>
+              </a:spcBef>
+              <a:buFont typeface="Arial" panose="020B0604020202020204" pitchFamily="34" charset="0"/>
+              <a:buChar char="•"/>
+              <a:defRPr sz="1800" kern="1200">
+                <a:solidFill>
+                  <a:schemeClr val="tx1"/>
+                </a:solidFill>
+                <a:latin typeface="+mn-lt"/>
+                <a:ea typeface="+mn-ea"/>
+                <a:cs typeface="+mn-cs"/>
+              </a:defRPr>
+            </a:lvl9pPr>
+          </a:lstStyle>
+          <a:p>
+            <a:r>
+              <a:rPr lang="ko-KR" altLang="en-US" dirty="0"/>
+              <a:t>실제 회로 구성</a:t>
+            </a:r>
+            <a:endParaRPr lang="en-US" altLang="ko-KR" dirty="0"/>
+          </a:p>
+          <a:p>
+            <a:pPr lvl="1"/>
+            <a:r>
+              <a:rPr lang="ko-KR" altLang="en-US" dirty="0"/>
+              <a:t>준비물 </a:t>
+            </a:r>
+            <a:r>
+              <a:rPr lang="en-US" altLang="ko-KR" dirty="0"/>
+              <a:t>:</a:t>
+            </a:r>
+            <a:r>
+              <a:rPr lang="ko-KR" altLang="en-US" dirty="0"/>
+              <a:t> </a:t>
+            </a:r>
+            <a:r>
+              <a:rPr lang="ko-KR" altLang="en-US" dirty="0" err="1"/>
+              <a:t>브레드</a:t>
+            </a:r>
+            <a:r>
+              <a:rPr lang="ko-KR" altLang="en-US" dirty="0"/>
+              <a:t> 보드</a:t>
+            </a:r>
+            <a:r>
+              <a:rPr lang="en-US" altLang="ko-KR" dirty="0"/>
+              <a:t>,</a:t>
+            </a:r>
+            <a:r>
+              <a:rPr lang="ko-KR" altLang="en-US" dirty="0"/>
+              <a:t> 저항</a:t>
+            </a:r>
+            <a:r>
+              <a:rPr lang="en-US" altLang="ko-KR" dirty="0"/>
+              <a:t>(10K </a:t>
+            </a:r>
+            <a:r>
+              <a:rPr lang="el-GR" altLang="ko-KR" dirty="0"/>
+              <a:t>Ω </a:t>
+            </a:r>
+            <a:r>
+              <a:rPr lang="en-US" altLang="ko-KR" dirty="0"/>
+              <a:t>) 1</a:t>
+            </a:r>
+            <a:r>
+              <a:rPr lang="ko-KR" altLang="en-US" dirty="0"/>
+              <a:t>개</a:t>
+            </a:r>
+            <a:r>
+              <a:rPr lang="en-US" altLang="ko-KR" dirty="0"/>
+              <a:t>,</a:t>
+            </a:r>
+            <a:r>
+              <a:rPr lang="ko-KR" altLang="en-US" dirty="0"/>
+              <a:t> </a:t>
+            </a:r>
+            <a:r>
+              <a:rPr lang="en-US" altLang="ko-KR" dirty="0"/>
+              <a:t>LED 1</a:t>
+            </a:r>
+            <a:r>
+              <a:rPr lang="ko-KR" altLang="en-US" dirty="0"/>
+              <a:t>개</a:t>
+            </a:r>
           </a:p>
         </p:txBody>
       </p:sp>
     </p:spTree>
     <p:extLst>
       <p:ext uri="{BB962C8B-B14F-4D97-AF65-F5344CB8AC3E}">
-        <p14:creationId xmlns:p14="http://schemas.microsoft.com/office/powerpoint/2010/main" val="1046896708"/>
+        <p14:creationId xmlns:p14="http://schemas.microsoft.com/office/powerpoint/2010/main" val="1104854333"/>
       </p:ext>
     </p:extLst>
   </p:cSld>
@@ -8199,292 +8241,6 @@
 </file>
 
 <file path=ppt/slides/slide25.xml><?xml version="1.0" encoding="utf-8"?>
-<p:sld xmlns:a="http://schemas.openxmlformats.org/drawingml/2006/main" xmlns:r="http://schemas.openxmlformats.org/officeDocument/2006/relationships" xmlns:p="http://schemas.openxmlformats.org/presentationml/2006/main">
-  <p:cSld>
-    <p:spTree>
-      <p:nvGrpSpPr>
-        <p:cNvPr id="1" name=""/>
-        <p:cNvGrpSpPr/>
-        <p:nvPr/>
-      </p:nvGrpSpPr>
-      <p:grpSpPr>
-        <a:xfrm>
-          <a:off x="0" y="0"/>
-          <a:ext cx="0" cy="0"/>
-          <a:chOff x="0" y="0"/>
-          <a:chExt cx="0" cy="0"/>
-        </a:xfrm>
-      </p:grpSpPr>
-      <p:sp>
-        <p:nvSpPr>
-          <p:cNvPr id="5" name="내용 개체 틀 2"/>
-          <p:cNvSpPr txBox="1">
-            <a:spLocks/>
-          </p:cNvSpPr>
-          <p:nvPr/>
-        </p:nvSpPr>
-        <p:spPr>
-          <a:xfrm>
-            <a:off x="607021" y="604292"/>
-            <a:ext cx="7929957" cy="993154"/>
-          </a:xfrm>
-          <a:prstGeom prst="rect">
-            <a:avLst/>
-          </a:prstGeom>
-        </p:spPr>
-        <p:txBody>
-          <a:bodyPr vert="horz" lIns="91440" tIns="45720" rIns="91440" bIns="45720" rtlCol="0">
-            <a:normAutofit/>
-          </a:bodyPr>
-          <a:lstStyle>
-            <a:lvl1pPr marL="228600" indent="-228600" algn="l" defTabSz="914400" rtl="0" eaLnBrk="1" latinLnBrk="1" hangingPunct="1">
-              <a:lnSpc>
-                <a:spcPct val="90000"/>
-              </a:lnSpc>
-              <a:spcBef>
-                <a:spcPts val="1000"/>
-              </a:spcBef>
-              <a:buFont typeface="Arial" panose="020B0604020202020204" pitchFamily="34" charset="0"/>
-              <a:buChar char="•"/>
-              <a:defRPr sz="2800" kern="1200">
-                <a:solidFill>
-                  <a:schemeClr val="tx1"/>
-                </a:solidFill>
-                <a:latin typeface="+mn-ea"/>
-                <a:ea typeface="+mn-ea"/>
-                <a:cs typeface="+mn-cs"/>
-              </a:defRPr>
-            </a:lvl1pPr>
-            <a:lvl2pPr marL="685800" indent="-228600" algn="l" defTabSz="914400" rtl="0" eaLnBrk="1" latinLnBrk="1" hangingPunct="1">
-              <a:lnSpc>
-                <a:spcPct val="90000"/>
-              </a:lnSpc>
-              <a:spcBef>
-                <a:spcPts val="500"/>
-              </a:spcBef>
-              <a:buFont typeface="Arial" panose="020B0604020202020204" pitchFamily="34" charset="0"/>
-              <a:buChar char="•"/>
-              <a:defRPr sz="2400" kern="1200">
-                <a:solidFill>
-                  <a:schemeClr val="tx1"/>
-                </a:solidFill>
-                <a:latin typeface="+mn-ea"/>
-                <a:ea typeface="+mn-ea"/>
-                <a:cs typeface="+mn-cs"/>
-              </a:defRPr>
-            </a:lvl2pPr>
-            <a:lvl3pPr marL="1143000" indent="-228600" algn="l" defTabSz="914400" rtl="0" eaLnBrk="1" latinLnBrk="1" hangingPunct="1">
-              <a:lnSpc>
-                <a:spcPct val="90000"/>
-              </a:lnSpc>
-              <a:spcBef>
-                <a:spcPts val="500"/>
-              </a:spcBef>
-              <a:buFont typeface="Arial" panose="020B0604020202020204" pitchFamily="34" charset="0"/>
-              <a:buChar char="•"/>
-              <a:defRPr sz="2000" kern="1200">
-                <a:solidFill>
-                  <a:schemeClr val="tx1"/>
-                </a:solidFill>
-                <a:latin typeface="+mn-ea"/>
-                <a:ea typeface="+mn-ea"/>
-                <a:cs typeface="+mn-cs"/>
-              </a:defRPr>
-            </a:lvl3pPr>
-            <a:lvl4pPr marL="1600200" indent="-228600" algn="l" defTabSz="914400" rtl="0" eaLnBrk="1" latinLnBrk="1" hangingPunct="1">
-              <a:lnSpc>
-                <a:spcPct val="90000"/>
-              </a:lnSpc>
-              <a:spcBef>
-                <a:spcPts val="500"/>
-              </a:spcBef>
-              <a:buFont typeface="Arial" panose="020B0604020202020204" pitchFamily="34" charset="0"/>
-              <a:buChar char="•"/>
-              <a:defRPr sz="1800" kern="1200">
-                <a:solidFill>
-                  <a:schemeClr val="tx1"/>
-                </a:solidFill>
-                <a:latin typeface="+mn-ea"/>
-                <a:ea typeface="+mn-ea"/>
-                <a:cs typeface="+mn-cs"/>
-              </a:defRPr>
-            </a:lvl4pPr>
-            <a:lvl5pPr marL="2057400" indent="-228600" algn="l" defTabSz="914400" rtl="0" eaLnBrk="1" latinLnBrk="1" hangingPunct="1">
-              <a:lnSpc>
-                <a:spcPct val="90000"/>
-              </a:lnSpc>
-              <a:spcBef>
-                <a:spcPts val="500"/>
-              </a:spcBef>
-              <a:buFont typeface="Arial" panose="020B0604020202020204" pitchFamily="34" charset="0"/>
-              <a:buChar char="•"/>
-              <a:defRPr sz="1800" kern="1200">
-                <a:solidFill>
-                  <a:schemeClr val="tx1"/>
-                </a:solidFill>
-                <a:latin typeface="+mn-ea"/>
-                <a:ea typeface="+mn-ea"/>
-                <a:cs typeface="+mn-cs"/>
-              </a:defRPr>
-            </a:lvl5pPr>
-            <a:lvl6pPr marL="2514600" indent="-228600" algn="l" defTabSz="914400" rtl="0" eaLnBrk="1" latinLnBrk="1" hangingPunct="1">
-              <a:lnSpc>
-                <a:spcPct val="90000"/>
-              </a:lnSpc>
-              <a:spcBef>
-                <a:spcPts val="500"/>
-              </a:spcBef>
-              <a:buFont typeface="Arial" panose="020B0604020202020204" pitchFamily="34" charset="0"/>
-              <a:buChar char="•"/>
-              <a:defRPr sz="1800" kern="1200">
-                <a:solidFill>
-                  <a:schemeClr val="tx1"/>
-                </a:solidFill>
-                <a:latin typeface="+mn-lt"/>
-                <a:ea typeface="+mn-ea"/>
-                <a:cs typeface="+mn-cs"/>
-              </a:defRPr>
-            </a:lvl6pPr>
-            <a:lvl7pPr marL="2971800" indent="-228600" algn="l" defTabSz="914400" rtl="0" eaLnBrk="1" latinLnBrk="1" hangingPunct="1">
-              <a:lnSpc>
-                <a:spcPct val="90000"/>
-              </a:lnSpc>
-              <a:spcBef>
-                <a:spcPts val="500"/>
-              </a:spcBef>
-              <a:buFont typeface="Arial" panose="020B0604020202020204" pitchFamily="34" charset="0"/>
-              <a:buChar char="•"/>
-              <a:defRPr sz="1800" kern="1200">
-                <a:solidFill>
-                  <a:schemeClr val="tx1"/>
-                </a:solidFill>
-                <a:latin typeface="+mn-lt"/>
-                <a:ea typeface="+mn-ea"/>
-                <a:cs typeface="+mn-cs"/>
-              </a:defRPr>
-            </a:lvl7pPr>
-            <a:lvl8pPr marL="3429000" indent="-228600" algn="l" defTabSz="914400" rtl="0" eaLnBrk="1" latinLnBrk="1" hangingPunct="1">
-              <a:lnSpc>
-                <a:spcPct val="90000"/>
-              </a:lnSpc>
-              <a:spcBef>
-                <a:spcPts val="500"/>
-              </a:spcBef>
-              <a:buFont typeface="Arial" panose="020B0604020202020204" pitchFamily="34" charset="0"/>
-              <a:buChar char="•"/>
-              <a:defRPr sz="1800" kern="1200">
-                <a:solidFill>
-                  <a:schemeClr val="tx1"/>
-                </a:solidFill>
-                <a:latin typeface="+mn-lt"/>
-                <a:ea typeface="+mn-ea"/>
-                <a:cs typeface="+mn-cs"/>
-              </a:defRPr>
-            </a:lvl8pPr>
-            <a:lvl9pPr marL="3886200" indent="-228600" algn="l" defTabSz="914400" rtl="0" eaLnBrk="1" latinLnBrk="1" hangingPunct="1">
-              <a:lnSpc>
-                <a:spcPct val="90000"/>
-              </a:lnSpc>
-              <a:spcBef>
-                <a:spcPts val="500"/>
-              </a:spcBef>
-              <a:buFont typeface="Arial" panose="020B0604020202020204" pitchFamily="34" charset="0"/>
-              <a:buChar char="•"/>
-              <a:defRPr sz="1800" kern="1200">
-                <a:solidFill>
-                  <a:schemeClr val="tx1"/>
-                </a:solidFill>
-                <a:latin typeface="+mn-lt"/>
-                <a:ea typeface="+mn-ea"/>
-                <a:cs typeface="+mn-cs"/>
-              </a:defRPr>
-            </a:lvl9pPr>
-          </a:lstStyle>
-          <a:p>
-            <a:r>
-              <a:rPr lang="ko-KR" altLang="en-US" dirty="0"/>
-              <a:t>실제 회로 구성</a:t>
-            </a:r>
-            <a:endParaRPr lang="en-US" altLang="ko-KR" dirty="0"/>
-          </a:p>
-          <a:p>
-            <a:pPr lvl="1"/>
-            <a:r>
-              <a:rPr lang="ko-KR" altLang="en-US" dirty="0"/>
-              <a:t>준비물 </a:t>
-            </a:r>
-            <a:r>
-              <a:rPr lang="en-US" altLang="ko-KR" dirty="0"/>
-              <a:t>:</a:t>
-            </a:r>
-            <a:r>
-              <a:rPr lang="ko-KR" altLang="en-US" dirty="0"/>
-              <a:t> </a:t>
-            </a:r>
-            <a:r>
-              <a:rPr lang="ko-KR" altLang="en-US" dirty="0" err="1"/>
-              <a:t>브레드</a:t>
-            </a:r>
-            <a:r>
-              <a:rPr lang="ko-KR" altLang="en-US" dirty="0"/>
-              <a:t> 보드</a:t>
-            </a:r>
-            <a:r>
-              <a:rPr lang="en-US" altLang="ko-KR" dirty="0"/>
-              <a:t>,</a:t>
-            </a:r>
-            <a:r>
-              <a:rPr lang="ko-KR" altLang="en-US" dirty="0"/>
-              <a:t> 저항</a:t>
-            </a:r>
-            <a:r>
-              <a:rPr lang="en-US" altLang="ko-KR" dirty="0"/>
-              <a:t>(10K</a:t>
-            </a:r>
-            <a:r>
-              <a:rPr lang="ko-KR" altLang="en-US" dirty="0"/>
-              <a:t> </a:t>
-            </a:r>
-            <a:r>
-              <a:rPr lang="el-GR" altLang="ko-KR" dirty="0">
-                <a:latin typeface="+mj-ea"/>
-              </a:rPr>
-              <a:t>Ω</a:t>
-            </a:r>
-            <a:r>
-              <a:rPr lang="en-US" altLang="ko-KR" dirty="0"/>
-              <a:t>) 1</a:t>
-            </a:r>
-            <a:r>
-              <a:rPr lang="ko-KR" altLang="en-US" dirty="0"/>
-              <a:t>개</a:t>
-            </a:r>
-            <a:r>
-              <a:rPr lang="en-US" altLang="ko-KR" dirty="0"/>
-              <a:t>, LED 1</a:t>
-            </a:r>
-            <a:r>
-              <a:rPr lang="ko-KR" altLang="en-US" dirty="0"/>
-              <a:t>개 </a:t>
-            </a:r>
-            <a:endParaRPr lang="en-US" altLang="ko-KR" dirty="0"/>
-          </a:p>
-        </p:txBody>
-      </p:sp>
-    </p:spTree>
-    <p:extLst>
-      <p:ext uri="{BB962C8B-B14F-4D97-AF65-F5344CB8AC3E}">
-        <p14:creationId xmlns:p14="http://schemas.microsoft.com/office/powerpoint/2010/main" val="2312007028"/>
-      </p:ext>
-    </p:extLst>
-  </p:cSld>
-  <p:clrMapOvr>
-    <a:masterClrMapping/>
-  </p:clrMapOvr>
-</p:sld>
-</file>
-
-<file path=ppt/slides/slide26.xml><?xml version="1.0" encoding="utf-8"?>
 <p:sld xmlns:a="http://schemas.openxmlformats.org/drawingml/2006/main" xmlns:r="http://schemas.openxmlformats.org/officeDocument/2006/relationships" xmlns:p="http://schemas.openxmlformats.org/presentationml/2006/main">
   <p:cSld>
     <p:spTree>
@@ -8528,12 +8284,458 @@
               <a:buChar char="•"/>
             </a:pPr>
             <a:r>
+              <a:rPr lang="en-US" altLang="ko-KR" sz="2800" dirty="0"/>
+              <a:t>Fritzing</a:t>
+            </a:r>
+            <a:endParaRPr lang="ko-KR" altLang="en-US" sz="2800" dirty="0"/>
+          </a:p>
+        </p:txBody>
+      </p:sp>
+      <p:pic>
+        <p:nvPicPr>
+          <p:cNvPr id="3" name="그림 2"/>
+          <p:cNvPicPr>
+            <a:picLocks noChangeAspect="1"/>
+          </p:cNvPicPr>
+          <p:nvPr/>
+        </p:nvPicPr>
+        <p:blipFill>
+          <a:blip r:embed="rId2" cstate="print">
+            <a:extLst>
+              <a:ext uri="{28A0092B-C50C-407E-A947-70E740481C1C}">
+                <a14:useLocalDpi xmlns:a14="http://schemas.microsoft.com/office/drawing/2010/main" val="0"/>
+              </a:ext>
+            </a:extLst>
+          </a:blip>
+          <a:stretch>
+            <a:fillRect/>
+          </a:stretch>
+        </p:blipFill>
+        <p:spPr>
+          <a:xfrm>
+            <a:off x="344978" y="1333786"/>
+            <a:ext cx="8283937" cy="4427622"/>
+          </a:xfrm>
+          <a:prstGeom prst="rect">
+            <a:avLst/>
+          </a:prstGeom>
+        </p:spPr>
+      </p:pic>
+    </p:spTree>
+    <p:extLst>
+      <p:ext uri="{BB962C8B-B14F-4D97-AF65-F5344CB8AC3E}">
+        <p14:creationId xmlns:p14="http://schemas.microsoft.com/office/powerpoint/2010/main" val="1046896708"/>
+      </p:ext>
+    </p:extLst>
+  </p:cSld>
+  <p:clrMapOvr>
+    <a:masterClrMapping/>
+  </p:clrMapOvr>
+</p:sld>
+</file>
+
+<file path=ppt/slides/slide26.xml><?xml version="1.0" encoding="utf-8"?>
+<p:sld xmlns:a="http://schemas.openxmlformats.org/drawingml/2006/main" xmlns:r="http://schemas.openxmlformats.org/officeDocument/2006/relationships" xmlns:p="http://schemas.openxmlformats.org/presentationml/2006/main">
+  <p:cSld>
+    <p:spTree>
+      <p:nvGrpSpPr>
+        <p:cNvPr id="1" name=""/>
+        <p:cNvGrpSpPr/>
+        <p:nvPr/>
+      </p:nvGrpSpPr>
+      <p:grpSpPr>
+        <a:xfrm>
+          <a:off x="0" y="0"/>
+          <a:ext cx="0" cy="0"/>
+          <a:chOff x="0" y="0"/>
+          <a:chExt cx="0" cy="0"/>
+        </a:xfrm>
+      </p:grpSpPr>
+      <p:sp>
+        <p:nvSpPr>
+          <p:cNvPr id="5" name="내용 개체 틀 2"/>
+          <p:cNvSpPr txBox="1">
+            <a:spLocks/>
+          </p:cNvSpPr>
+          <p:nvPr/>
+        </p:nvSpPr>
+        <p:spPr>
+          <a:xfrm>
+            <a:off x="558895" y="1147431"/>
+            <a:ext cx="8048840" cy="2132033"/>
+          </a:xfrm>
+          <a:prstGeom prst="rect">
+            <a:avLst/>
+          </a:prstGeom>
+        </p:spPr>
+        <p:txBody>
+          <a:bodyPr vert="horz" lIns="91440" tIns="45720" rIns="91440" bIns="45720" rtlCol="0">
+            <a:normAutofit lnSpcReduction="10000"/>
+          </a:bodyPr>
+          <a:lstStyle>
+            <a:lvl1pPr marL="228600" indent="-228600" algn="l" defTabSz="914400" rtl="0" eaLnBrk="1" latinLnBrk="1" hangingPunct="1">
+              <a:lnSpc>
+                <a:spcPct val="90000"/>
+              </a:lnSpc>
+              <a:spcBef>
+                <a:spcPts val="1000"/>
+              </a:spcBef>
+              <a:buFont typeface="Arial" panose="020B0604020202020204" pitchFamily="34" charset="0"/>
+              <a:buChar char="•"/>
+              <a:defRPr sz="2800" kern="1200">
+                <a:solidFill>
+                  <a:schemeClr val="tx1"/>
+                </a:solidFill>
+                <a:latin typeface="+mn-ea"/>
+                <a:ea typeface="+mn-ea"/>
+                <a:cs typeface="+mn-cs"/>
+              </a:defRPr>
+            </a:lvl1pPr>
+            <a:lvl2pPr marL="685800" indent="-228600" algn="l" defTabSz="914400" rtl="0" eaLnBrk="1" latinLnBrk="1" hangingPunct="1">
+              <a:lnSpc>
+                <a:spcPct val="90000"/>
+              </a:lnSpc>
+              <a:spcBef>
+                <a:spcPts val="500"/>
+              </a:spcBef>
+              <a:buFont typeface="Arial" panose="020B0604020202020204" pitchFamily="34" charset="0"/>
+              <a:buChar char="•"/>
+              <a:defRPr sz="2400" kern="1200">
+                <a:solidFill>
+                  <a:schemeClr val="tx1"/>
+                </a:solidFill>
+                <a:latin typeface="+mn-ea"/>
+                <a:ea typeface="+mn-ea"/>
+                <a:cs typeface="+mn-cs"/>
+              </a:defRPr>
+            </a:lvl2pPr>
+            <a:lvl3pPr marL="1143000" indent="-228600" algn="l" defTabSz="914400" rtl="0" eaLnBrk="1" latinLnBrk="1" hangingPunct="1">
+              <a:lnSpc>
+                <a:spcPct val="90000"/>
+              </a:lnSpc>
+              <a:spcBef>
+                <a:spcPts val="500"/>
+              </a:spcBef>
+              <a:buFont typeface="Arial" panose="020B0604020202020204" pitchFamily="34" charset="0"/>
+              <a:buChar char="•"/>
+              <a:defRPr sz="2000" kern="1200">
+                <a:solidFill>
+                  <a:schemeClr val="tx1"/>
+                </a:solidFill>
+                <a:latin typeface="+mn-ea"/>
+                <a:ea typeface="+mn-ea"/>
+                <a:cs typeface="+mn-cs"/>
+              </a:defRPr>
+            </a:lvl3pPr>
+            <a:lvl4pPr marL="1600200" indent="-228600" algn="l" defTabSz="914400" rtl="0" eaLnBrk="1" latinLnBrk="1" hangingPunct="1">
+              <a:lnSpc>
+                <a:spcPct val="90000"/>
+              </a:lnSpc>
+              <a:spcBef>
+                <a:spcPts val="500"/>
+              </a:spcBef>
+              <a:buFont typeface="Arial" panose="020B0604020202020204" pitchFamily="34" charset="0"/>
+              <a:buChar char="•"/>
+              <a:defRPr sz="1800" kern="1200">
+                <a:solidFill>
+                  <a:schemeClr val="tx1"/>
+                </a:solidFill>
+                <a:latin typeface="+mn-ea"/>
+                <a:ea typeface="+mn-ea"/>
+                <a:cs typeface="+mn-cs"/>
+              </a:defRPr>
+            </a:lvl4pPr>
+            <a:lvl5pPr marL="2057400" indent="-228600" algn="l" defTabSz="914400" rtl="0" eaLnBrk="1" latinLnBrk="1" hangingPunct="1">
+              <a:lnSpc>
+                <a:spcPct val="90000"/>
+              </a:lnSpc>
+              <a:spcBef>
+                <a:spcPts val="500"/>
+              </a:spcBef>
+              <a:buFont typeface="Arial" panose="020B0604020202020204" pitchFamily="34" charset="0"/>
+              <a:buChar char="•"/>
+              <a:defRPr sz="1800" kern="1200">
+                <a:solidFill>
+                  <a:schemeClr val="tx1"/>
+                </a:solidFill>
+                <a:latin typeface="+mn-ea"/>
+                <a:ea typeface="+mn-ea"/>
+                <a:cs typeface="+mn-cs"/>
+              </a:defRPr>
+            </a:lvl5pPr>
+            <a:lvl6pPr marL="2514600" indent="-228600" algn="l" defTabSz="914400" rtl="0" eaLnBrk="1" latinLnBrk="1" hangingPunct="1">
+              <a:lnSpc>
+                <a:spcPct val="90000"/>
+              </a:lnSpc>
+              <a:spcBef>
+                <a:spcPts val="500"/>
+              </a:spcBef>
+              <a:buFont typeface="Arial" panose="020B0604020202020204" pitchFamily="34" charset="0"/>
+              <a:buChar char="•"/>
+              <a:defRPr sz="1800" kern="1200">
+                <a:solidFill>
+                  <a:schemeClr val="tx1"/>
+                </a:solidFill>
+                <a:latin typeface="+mn-lt"/>
+                <a:ea typeface="+mn-ea"/>
+                <a:cs typeface="+mn-cs"/>
+              </a:defRPr>
+            </a:lvl6pPr>
+            <a:lvl7pPr marL="2971800" indent="-228600" algn="l" defTabSz="914400" rtl="0" eaLnBrk="1" latinLnBrk="1" hangingPunct="1">
+              <a:lnSpc>
+                <a:spcPct val="90000"/>
+              </a:lnSpc>
+              <a:spcBef>
+                <a:spcPts val="500"/>
+              </a:spcBef>
+              <a:buFont typeface="Arial" panose="020B0604020202020204" pitchFamily="34" charset="0"/>
+              <a:buChar char="•"/>
+              <a:defRPr sz="1800" kern="1200">
+                <a:solidFill>
+                  <a:schemeClr val="tx1"/>
+                </a:solidFill>
+                <a:latin typeface="+mn-lt"/>
+                <a:ea typeface="+mn-ea"/>
+                <a:cs typeface="+mn-cs"/>
+              </a:defRPr>
+            </a:lvl7pPr>
+            <a:lvl8pPr marL="3429000" indent="-228600" algn="l" defTabSz="914400" rtl="0" eaLnBrk="1" latinLnBrk="1" hangingPunct="1">
+              <a:lnSpc>
+                <a:spcPct val="90000"/>
+              </a:lnSpc>
+              <a:spcBef>
+                <a:spcPts val="500"/>
+              </a:spcBef>
+              <a:buFont typeface="Arial" panose="020B0604020202020204" pitchFamily="34" charset="0"/>
+              <a:buChar char="•"/>
+              <a:defRPr sz="1800" kern="1200">
+                <a:solidFill>
+                  <a:schemeClr val="tx1"/>
+                </a:solidFill>
+                <a:latin typeface="+mn-lt"/>
+                <a:ea typeface="+mn-ea"/>
+                <a:cs typeface="+mn-cs"/>
+              </a:defRPr>
+            </a:lvl8pPr>
+            <a:lvl9pPr marL="3886200" indent="-228600" algn="l" defTabSz="914400" rtl="0" eaLnBrk="1" latinLnBrk="1" hangingPunct="1">
+              <a:lnSpc>
+                <a:spcPct val="90000"/>
+              </a:lnSpc>
+              <a:spcBef>
+                <a:spcPts val="500"/>
+              </a:spcBef>
+              <a:buFont typeface="Arial" panose="020B0604020202020204" pitchFamily="34" charset="0"/>
+              <a:buChar char="•"/>
+              <a:defRPr sz="1800" kern="1200">
+                <a:solidFill>
+                  <a:schemeClr val="tx1"/>
+                </a:solidFill>
+                <a:latin typeface="+mn-lt"/>
+                <a:ea typeface="+mn-ea"/>
+                <a:cs typeface="+mn-cs"/>
+              </a:defRPr>
+            </a:lvl9pPr>
+          </a:lstStyle>
+          <a:p>
+            <a:pPr>
+              <a:lnSpc>
+                <a:spcPct val="170000"/>
+              </a:lnSpc>
+            </a:pPr>
+            <a:r>
+              <a:rPr lang="ko-KR" altLang="en-US" dirty="0" smtClean="0"/>
+              <a:t>실습</a:t>
+            </a:r>
+            <a:endParaRPr lang="en-US" altLang="ko-KR" dirty="0" smtClean="0"/>
+          </a:p>
+          <a:p>
+            <a:pPr lvl="1">
+              <a:lnSpc>
+                <a:spcPct val="170000"/>
+              </a:lnSpc>
+            </a:pPr>
+            <a:r>
+              <a:rPr lang="en-US" altLang="ko-KR" dirty="0" smtClean="0"/>
+              <a:t>INPUT_PULLUP</a:t>
+            </a:r>
+            <a:r>
+              <a:rPr lang="ko-KR" altLang="en-US" dirty="0" smtClean="0"/>
+              <a:t>을 사용하여 </a:t>
+            </a:r>
+            <a:r>
+              <a:rPr lang="en-US" altLang="ko-KR" dirty="0" smtClean="0"/>
+              <a:t>LED </a:t>
+            </a:r>
+            <a:r>
+              <a:rPr lang="en-US" altLang="ko-KR" dirty="0" smtClean="0"/>
+              <a:t>ON/OFF </a:t>
+            </a:r>
+            <a:r>
+              <a:rPr lang="ko-KR" altLang="en-US" dirty="0" smtClean="0"/>
+              <a:t>하기</a:t>
+            </a:r>
+            <a:endParaRPr lang="en-US" altLang="ko-KR" dirty="0"/>
+          </a:p>
+          <a:p>
+            <a:pPr lvl="1">
+              <a:lnSpc>
+                <a:spcPct val="170000"/>
+              </a:lnSpc>
+            </a:pPr>
+            <a:r>
+              <a:rPr lang="ko-KR" altLang="en-US" dirty="0"/>
+              <a:t>준비물 </a:t>
+            </a:r>
+            <a:r>
+              <a:rPr lang="en-US" altLang="ko-KR" dirty="0"/>
+              <a:t>:</a:t>
+            </a:r>
+            <a:r>
+              <a:rPr lang="ko-KR" altLang="en-US" dirty="0"/>
+              <a:t> </a:t>
+            </a:r>
+            <a:r>
+              <a:rPr lang="ko-KR" altLang="en-US" dirty="0" err="1"/>
+              <a:t>브레드</a:t>
+            </a:r>
+            <a:r>
+              <a:rPr lang="ko-KR" altLang="en-US" dirty="0"/>
+              <a:t> 보드</a:t>
+            </a:r>
+            <a:r>
+              <a:rPr lang="en-US" altLang="ko-KR" dirty="0"/>
+              <a:t>,</a:t>
+            </a:r>
+            <a:r>
+              <a:rPr lang="ko-KR" altLang="en-US" dirty="0"/>
+              <a:t> 저항</a:t>
+            </a:r>
+            <a:r>
+              <a:rPr lang="en-US" altLang="ko-KR" dirty="0"/>
+              <a:t>(10K</a:t>
+            </a:r>
+            <a:r>
+              <a:rPr lang="ko-KR" altLang="en-US" dirty="0"/>
+              <a:t> </a:t>
+            </a:r>
+            <a:r>
+              <a:rPr lang="el-GR" altLang="ko-KR" dirty="0">
+                <a:latin typeface="+mj-ea"/>
+              </a:rPr>
+              <a:t>Ω</a:t>
+            </a:r>
+            <a:r>
+              <a:rPr lang="en-US" altLang="ko-KR" dirty="0"/>
+              <a:t>) 1</a:t>
+            </a:r>
+            <a:r>
+              <a:rPr lang="ko-KR" altLang="en-US" dirty="0"/>
+              <a:t>개</a:t>
+            </a:r>
+            <a:r>
+              <a:rPr lang="en-US" altLang="ko-KR" dirty="0"/>
+              <a:t>, LED 1</a:t>
+            </a:r>
+            <a:r>
+              <a:rPr lang="ko-KR" altLang="en-US" dirty="0"/>
+              <a:t>개 </a:t>
+            </a:r>
+            <a:endParaRPr lang="en-US" altLang="ko-KR" dirty="0"/>
+          </a:p>
+        </p:txBody>
+      </p:sp>
+    </p:spTree>
+    <p:extLst>
+      <p:ext uri="{BB962C8B-B14F-4D97-AF65-F5344CB8AC3E}">
+        <p14:creationId xmlns:p14="http://schemas.microsoft.com/office/powerpoint/2010/main" val="2312007028"/>
+      </p:ext>
+    </p:extLst>
+  </p:cSld>
+  <p:clrMapOvr>
+    <a:masterClrMapping/>
+  </p:clrMapOvr>
+</p:sld>
+</file>
+
+<file path=ppt/slides/slide27.xml><?xml version="1.0" encoding="utf-8"?>
+<p:sld xmlns:a="http://schemas.openxmlformats.org/drawingml/2006/main" xmlns:r="http://schemas.openxmlformats.org/officeDocument/2006/relationships" xmlns:p="http://schemas.openxmlformats.org/presentationml/2006/main">
+  <p:cSld>
+    <p:spTree>
+      <p:nvGrpSpPr>
+        <p:cNvPr id="1" name=""/>
+        <p:cNvGrpSpPr/>
+        <p:nvPr/>
+      </p:nvGrpSpPr>
+      <p:grpSpPr>
+        <a:xfrm>
+          <a:off x="0" y="0"/>
+          <a:ext cx="0" cy="0"/>
+          <a:chOff x="0" y="0"/>
+          <a:chExt cx="0" cy="0"/>
+        </a:xfrm>
+      </p:grpSpPr>
+      <p:sp>
+        <p:nvSpPr>
+          <p:cNvPr id="2" name="제목 1"/>
+          <p:cNvSpPr>
+            <a:spLocks noGrp="1"/>
+          </p:cNvSpPr>
+          <p:nvPr>
+            <p:ph type="title"/>
+          </p:nvPr>
+        </p:nvSpPr>
+        <p:spPr>
+          <a:xfrm>
+            <a:off x="628650" y="365127"/>
+            <a:ext cx="8237444" cy="898898"/>
+          </a:xfrm>
+        </p:spPr>
+        <p:txBody>
+          <a:bodyPr>
+            <a:normAutofit/>
+          </a:bodyPr>
+          <a:lstStyle/>
+          <a:p>
+            <a:pPr marL="457200" indent="-457200">
+              <a:buFont typeface="Arial" panose="020B0604020202020204" pitchFamily="34" charset="0"/>
+              <a:buChar char="•"/>
+            </a:pPr>
+            <a:r>
               <a:rPr lang="ko-KR" altLang="en-US" sz="2800" dirty="0"/>
               <a:t>스케치 프로그래밍</a:t>
             </a:r>
           </a:p>
         </p:txBody>
       </p:sp>
+      <p:pic>
+        <p:nvPicPr>
+          <p:cNvPr id="3" name="그림 2"/>
+          <p:cNvPicPr>
+            <a:picLocks noChangeAspect="1"/>
+          </p:cNvPicPr>
+          <p:nvPr/>
+        </p:nvPicPr>
+        <p:blipFill rotWithShape="1">
+          <a:blip r:embed="rId2">
+            <a:extLst>
+              <a:ext uri="{28A0092B-C50C-407E-A947-70E740481C1C}">
+                <a14:useLocalDpi xmlns:a14="http://schemas.microsoft.com/office/drawing/2010/main" val="0"/>
+              </a:ext>
+            </a:extLst>
+          </a:blip>
+          <a:srcRect t="1390" r="461"/>
+          <a:stretch/>
+        </p:blipFill>
+        <p:spPr>
+          <a:xfrm>
+            <a:off x="1618343" y="1340661"/>
+            <a:ext cx="5359973" cy="5435163"/>
+          </a:xfrm>
+          <a:prstGeom prst="rect">
+            <a:avLst/>
+          </a:prstGeom>
+        </p:spPr>
+      </p:pic>
     </p:spTree>
     <p:extLst>
       <p:ext uri="{BB962C8B-B14F-4D97-AF65-F5344CB8AC3E}">
@@ -9732,19 +9934,35 @@
             </a:r>
             <a:r>
               <a:rPr lang="en-US" altLang="ko-KR" dirty="0"/>
-              <a:t>: 1-2</a:t>
+              <a:t>: </a:t>
+            </a:r>
+            <a:r>
+              <a:rPr lang="en-US" altLang="ko-KR" dirty="0" smtClean="0"/>
+              <a:t>(1-2</a:t>
+            </a:r>
+            <a:r>
+              <a:rPr lang="ko-KR" altLang="en-US" dirty="0" smtClean="0"/>
+              <a:t>번</a:t>
+            </a:r>
+            <a:r>
+              <a:rPr lang="en-US" altLang="ko-KR" dirty="0" smtClean="0"/>
+              <a:t>), (3-4</a:t>
+            </a:r>
+            <a:r>
+              <a:rPr lang="ko-KR" altLang="en-US" dirty="0" smtClean="0"/>
+              <a:t>번</a:t>
+            </a:r>
+            <a:r>
+              <a:rPr lang="en-US" altLang="ko-KR" dirty="0" smtClean="0"/>
+              <a:t>)</a:t>
+            </a:r>
+            <a:r>
+              <a:rPr lang="ko-KR" altLang="en-US" dirty="0" smtClean="0"/>
+              <a:t> </a:t>
             </a:r>
             <a:r>
               <a:rPr lang="ko-KR" altLang="en-US" dirty="0"/>
-              <a:t>번</a:t>
-            </a:r>
-            <a:r>
-              <a:rPr lang="en-US" altLang="ko-KR" dirty="0"/>
-              <a:t>, 3-4</a:t>
-            </a:r>
-            <a:r>
-              <a:rPr lang="ko-KR" altLang="en-US" dirty="0"/>
-              <a:t>번 연결</a:t>
+              <a:t>연결</a:t>
             </a:r>
             <a:endParaRPr lang="en-US" altLang="ko-KR" dirty="0"/>
           </a:p>
@@ -10272,8 +10490,12 @@
           </a:p>
           <a:p>
             <a:r>
+              <a:rPr lang="en-US" altLang="ko-KR" dirty="0" smtClean="0"/>
+              <a:t>GND(0: LOW</a:t>
+            </a:r>
+            <a:r>
               <a:rPr lang="en-US" altLang="ko-KR" dirty="0"/>
-              <a:t>GND(LOW)  </a:t>
+              <a:t>)  </a:t>
             </a:r>
             <a:r>
               <a:rPr lang="ko-KR" altLang="en-US" dirty="0"/>
@@ -10317,7 +10539,7 @@
           <p:cNvPr id="18" name="그림 17" descr="전자기기, 회로이(가) 표시된 사진&#10;&#10;자동 생성된 설명">
             <a:extLst>
               <a:ext uri="{FF2B5EF4-FFF2-40B4-BE49-F238E27FC236}">
-                <a16:creationId xmlns:a16="http://schemas.microsoft.com/office/drawing/2014/main" id="{D7BDF426-0F3C-494A-8C9F-2D3B68D6B9DA}"/>
+                <a16:creationId xmlns:a16="http://schemas.microsoft.com/office/drawing/2014/main" xmlns="" id="{D7BDF426-0F3C-494A-8C9F-2D3B68D6B9DA}"/>
               </a:ext>
             </a:extLst>
           </p:cNvPr>
@@ -10636,7 +10858,7 @@
           <p:cNvPr id="3" name="그림 2" descr="스크린샷이(가) 표시된 사진&#10;&#10;자동 생성된 설명">
             <a:extLst>
               <a:ext uri="{FF2B5EF4-FFF2-40B4-BE49-F238E27FC236}">
-                <a16:creationId xmlns:a16="http://schemas.microsoft.com/office/drawing/2014/main" id="{0ECAF3A8-C7C9-B74C-8D7D-50DCC1DCD352}"/>
+                <a16:creationId xmlns:a16="http://schemas.microsoft.com/office/drawing/2014/main" xmlns="" id="{0ECAF3A8-C7C9-B74C-8D7D-50DCC1DCD352}"/>
               </a:ext>
             </a:extLst>
           </p:cNvPr>
@@ -10882,8 +11104,8 @@
           </a:lstStyle>
           <a:p>
             <a:r>
-              <a:rPr lang="en-US" altLang="ko-KR" dirty="0"/>
-              <a:t>5V(LOW) </a:t>
+              <a:rPr lang="en-US" altLang="ko-KR" dirty="0" smtClean="0"/>
+              <a:t>5V(HIGH: 1) </a:t>
             </a:r>
             <a:r>
               <a:rPr lang="ko-KR" altLang="en-US" dirty="0"/>
@@ -10924,7 +11146,7 @@
           <p:cNvPr id="3" name="그림 2" descr="전자기기, 회로이(가) 표시된 사진&#10;&#10;자동 생성된 설명">
             <a:extLst>
               <a:ext uri="{FF2B5EF4-FFF2-40B4-BE49-F238E27FC236}">
-                <a16:creationId xmlns:a16="http://schemas.microsoft.com/office/drawing/2014/main" id="{BD1E7784-0FC5-4241-BC94-8AE6CE466EE7}"/>
+                <a16:creationId xmlns:a16="http://schemas.microsoft.com/office/drawing/2014/main" xmlns="" id="{BD1E7784-0FC5-4241-BC94-8AE6CE466EE7}"/>
               </a:ext>
             </a:extLst>
           </p:cNvPr>
@@ -10989,7 +11211,7 @@
           <p:cNvPr id="4" name="그림 3" descr="스크린샷이(가) 표시된 사진&#10;&#10;자동 생성된 설명">
             <a:extLst>
               <a:ext uri="{FF2B5EF4-FFF2-40B4-BE49-F238E27FC236}">
-                <a16:creationId xmlns:a16="http://schemas.microsoft.com/office/drawing/2014/main" id="{7F132A92-9B9D-1945-A66C-A7F72DCE0E85}"/>
+                <a16:creationId xmlns:a16="http://schemas.microsoft.com/office/drawing/2014/main" xmlns="" id="{7F132A92-9B9D-1945-A66C-A7F72DCE0E85}"/>
               </a:ext>
             </a:extLst>
           </p:cNvPr>
